--- a/SPLN/tp2/apresSPLN.pptx
+++ b/SPLN/tp2/apresSPLN.pptx
@@ -5,7 +5,7 @@
     <p:sldMasterId id="2147483648" r:id="rId1"/>
   </p:sldMasterIdLst>
   <p:notesMasterIdLst>
-    <p:notesMasterId r:id="rId10"/>
+    <p:notesMasterId r:id="rId14"/>
   </p:notesMasterIdLst>
   <p:sldIdLst>
     <p:sldId id="256" r:id="rId2"/>
@@ -13,9 +13,13 @@
     <p:sldId id="272" r:id="rId4"/>
     <p:sldId id="296" r:id="rId5"/>
     <p:sldId id="297" r:id="rId6"/>
-    <p:sldId id="298" r:id="rId7"/>
-    <p:sldId id="266" r:id="rId8"/>
-    <p:sldId id="295" r:id="rId9"/>
+    <p:sldId id="310" r:id="rId7"/>
+    <p:sldId id="298" r:id="rId8"/>
+    <p:sldId id="308" r:id="rId9"/>
+    <p:sldId id="305" r:id="rId10"/>
+    <p:sldId id="307" r:id="rId11"/>
+    <p:sldId id="306" r:id="rId12"/>
+    <p:sldId id="309" r:id="rId13"/>
   </p:sldIdLst>
   <p:sldSz cx="9144000" cy="6858000" type="screen4x3"/>
   <p:notesSz cx="9144000" cy="6858000"/>
@@ -215,7 +219,7 @@
           <a:p>
             <a:fld id="{06D80BC0-DB8E-4343-896B-DB141BAE3B05}" type="datetimeFigureOut">
               <a:rPr lang="pt-PT" smtClean="0"/>
-              <a:t>23/04/2019</a:t>
+              <a:t>25/04/2019</a:t>
             </a:fld>
             <a:endParaRPr lang="pt-PT"/>
           </a:p>
@@ -566,6 +570,174 @@
 </p:notes>
 </file>
 
+<file path=ppt/notesSlides/notesSlide10.xml><?xml version="1.0" encoding="utf-8"?>
+<p:notes xmlns:a="http://schemas.openxmlformats.org/drawingml/2006/main" xmlns:r="http://schemas.openxmlformats.org/officeDocument/2006/relationships" xmlns:p="http://schemas.openxmlformats.org/presentationml/2006/main">
+  <p:cSld>
+    <p:spTree>
+      <p:nvGrpSpPr>
+        <p:cNvPr id="1" name=""/>
+        <p:cNvGrpSpPr/>
+        <p:nvPr/>
+      </p:nvGrpSpPr>
+      <p:grpSpPr>
+        <a:xfrm>
+          <a:off x="0" y="0"/>
+          <a:ext cx="0" cy="0"/>
+          <a:chOff x="0" y="0"/>
+          <a:chExt cx="0" cy="0"/>
+        </a:xfrm>
+      </p:grpSpPr>
+      <p:sp>
+        <p:nvSpPr>
+          <p:cNvPr id="2" name="Marcador de Posição da Imagem do Diapositivo 1"/>
+          <p:cNvSpPr>
+            <a:spLocks noGrp="1" noRot="1" noChangeAspect="1"/>
+          </p:cNvSpPr>
+          <p:nvPr>
+            <p:ph type="sldImg"/>
+          </p:nvPr>
+        </p:nvSpPr>
+        <p:spPr/>
+      </p:sp>
+      <p:sp>
+        <p:nvSpPr>
+          <p:cNvPr id="3" name="Marcador de Posição de Notas 2"/>
+          <p:cNvSpPr>
+            <a:spLocks noGrp="1"/>
+          </p:cNvSpPr>
+          <p:nvPr>
+            <p:ph type="body" idx="1"/>
+          </p:nvPr>
+        </p:nvSpPr>
+        <p:spPr/>
+        <p:txBody>
+          <a:bodyPr/>
+          <a:lstStyle/>
+          <a:p>
+            <a:endParaRPr lang="pt-PT" dirty="0"/>
+          </a:p>
+        </p:txBody>
+      </p:sp>
+      <p:sp>
+        <p:nvSpPr>
+          <p:cNvPr id="4" name="Marcador de Posição do Número do Diapositivo 3"/>
+          <p:cNvSpPr>
+            <a:spLocks noGrp="1"/>
+          </p:cNvSpPr>
+          <p:nvPr>
+            <p:ph type="sldNum" sz="quarter" idx="5"/>
+          </p:nvPr>
+        </p:nvSpPr>
+        <p:spPr/>
+        <p:txBody>
+          <a:bodyPr/>
+          <a:lstStyle/>
+          <a:p>
+            <a:fld id="{62C9FF69-D9AD-48B5-8D39-7AA42039F77D}" type="slidenum">
+              <a:rPr lang="pt-PT" smtClean="0"/>
+              <a:t>10</a:t>
+            </a:fld>
+            <a:endParaRPr lang="pt-PT"/>
+          </a:p>
+        </p:txBody>
+      </p:sp>
+    </p:spTree>
+    <p:extLst>
+      <p:ext uri="{BB962C8B-B14F-4D97-AF65-F5344CB8AC3E}">
+        <p14:creationId xmlns:p14="http://schemas.microsoft.com/office/powerpoint/2010/main" val="4226776055"/>
+      </p:ext>
+    </p:extLst>
+  </p:cSld>
+  <p:clrMapOvr>
+    <a:masterClrMapping/>
+  </p:clrMapOvr>
+</p:notes>
+</file>
+
+<file path=ppt/notesSlides/notesSlide11.xml><?xml version="1.0" encoding="utf-8"?>
+<p:notes xmlns:a="http://schemas.openxmlformats.org/drawingml/2006/main" xmlns:r="http://schemas.openxmlformats.org/officeDocument/2006/relationships" xmlns:p="http://schemas.openxmlformats.org/presentationml/2006/main">
+  <p:cSld>
+    <p:spTree>
+      <p:nvGrpSpPr>
+        <p:cNvPr id="1" name=""/>
+        <p:cNvGrpSpPr/>
+        <p:nvPr/>
+      </p:nvGrpSpPr>
+      <p:grpSpPr>
+        <a:xfrm>
+          <a:off x="0" y="0"/>
+          <a:ext cx="0" cy="0"/>
+          <a:chOff x="0" y="0"/>
+          <a:chExt cx="0" cy="0"/>
+        </a:xfrm>
+      </p:grpSpPr>
+      <p:sp>
+        <p:nvSpPr>
+          <p:cNvPr id="2" name="Marcador de Posição da Imagem do Diapositivo 1"/>
+          <p:cNvSpPr>
+            <a:spLocks noGrp="1" noRot="1" noChangeAspect="1"/>
+          </p:cNvSpPr>
+          <p:nvPr>
+            <p:ph type="sldImg"/>
+          </p:nvPr>
+        </p:nvSpPr>
+        <p:spPr/>
+      </p:sp>
+      <p:sp>
+        <p:nvSpPr>
+          <p:cNvPr id="3" name="Marcador de Posição de Notas 2"/>
+          <p:cNvSpPr>
+            <a:spLocks noGrp="1"/>
+          </p:cNvSpPr>
+          <p:nvPr>
+            <p:ph type="body" idx="1"/>
+          </p:nvPr>
+        </p:nvSpPr>
+        <p:spPr/>
+        <p:txBody>
+          <a:bodyPr/>
+          <a:lstStyle/>
+          <a:p>
+            <a:endParaRPr lang="pt-PT" dirty="0"/>
+          </a:p>
+        </p:txBody>
+      </p:sp>
+      <p:sp>
+        <p:nvSpPr>
+          <p:cNvPr id="4" name="Marcador de Posição do Número do Diapositivo 3"/>
+          <p:cNvSpPr>
+            <a:spLocks noGrp="1"/>
+          </p:cNvSpPr>
+          <p:nvPr>
+            <p:ph type="sldNum" sz="quarter" idx="5"/>
+          </p:nvPr>
+        </p:nvSpPr>
+        <p:spPr/>
+        <p:txBody>
+          <a:bodyPr/>
+          <a:lstStyle/>
+          <a:p>
+            <a:fld id="{62C9FF69-D9AD-48B5-8D39-7AA42039F77D}" type="slidenum">
+              <a:rPr lang="pt-PT" smtClean="0"/>
+              <a:t>11</a:t>
+            </a:fld>
+            <a:endParaRPr lang="pt-PT"/>
+          </a:p>
+        </p:txBody>
+      </p:sp>
+    </p:spTree>
+    <p:extLst>
+      <p:ext uri="{BB962C8B-B14F-4D97-AF65-F5344CB8AC3E}">
+        <p14:creationId xmlns:p14="http://schemas.microsoft.com/office/powerpoint/2010/main" val="4271993370"/>
+      </p:ext>
+    </p:extLst>
+  </p:cSld>
+  <p:clrMapOvr>
+    <a:masterClrMapping/>
+  </p:clrMapOvr>
+</p:notes>
+</file>
+
 <file path=ppt/notesSlides/notesSlide2.xml><?xml version="1.0" encoding="utf-8"?>
 <p:notes xmlns:a="http://schemas.openxmlformats.org/drawingml/2006/main" xmlns:r="http://schemas.openxmlformats.org/officeDocument/2006/relationships" xmlns:p="http://schemas.openxmlformats.org/presentationml/2006/main">
   <p:cSld>
@@ -976,7 +1148,7 @@
     </p:spTree>
     <p:extLst>
       <p:ext uri="{BB962C8B-B14F-4D97-AF65-F5344CB8AC3E}">
-        <p14:creationId xmlns:p14="http://schemas.microsoft.com/office/powerpoint/2010/main" val="3168151338"/>
+        <p14:creationId xmlns:p14="http://schemas.microsoft.com/office/powerpoint/2010/main" val="2168563177"/>
       </p:ext>
     </p:extLst>
   </p:cSld>
@@ -1060,7 +1232,7 @@
     </p:spTree>
     <p:extLst>
       <p:ext uri="{BB962C8B-B14F-4D97-AF65-F5344CB8AC3E}">
-        <p14:creationId xmlns:p14="http://schemas.microsoft.com/office/powerpoint/2010/main" val="1184834112"/>
+        <p14:creationId xmlns:p14="http://schemas.microsoft.com/office/powerpoint/2010/main" val="3168151338"/>
       </p:ext>
     </p:extLst>
   </p:cSld>
@@ -1144,7 +1316,91 @@
     </p:spTree>
     <p:extLst>
       <p:ext uri="{BB962C8B-B14F-4D97-AF65-F5344CB8AC3E}">
-        <p14:creationId xmlns:p14="http://schemas.microsoft.com/office/powerpoint/2010/main" val="2174473249"/>
+        <p14:creationId xmlns:p14="http://schemas.microsoft.com/office/powerpoint/2010/main" val="906311749"/>
+      </p:ext>
+    </p:extLst>
+  </p:cSld>
+  <p:clrMapOvr>
+    <a:masterClrMapping/>
+  </p:clrMapOvr>
+</p:notes>
+</file>
+
+<file path=ppt/notesSlides/notesSlide9.xml><?xml version="1.0" encoding="utf-8"?>
+<p:notes xmlns:a="http://schemas.openxmlformats.org/drawingml/2006/main" xmlns:r="http://schemas.openxmlformats.org/officeDocument/2006/relationships" xmlns:p="http://schemas.openxmlformats.org/presentationml/2006/main">
+  <p:cSld>
+    <p:spTree>
+      <p:nvGrpSpPr>
+        <p:cNvPr id="1" name=""/>
+        <p:cNvGrpSpPr/>
+        <p:nvPr/>
+      </p:nvGrpSpPr>
+      <p:grpSpPr>
+        <a:xfrm>
+          <a:off x="0" y="0"/>
+          <a:ext cx="0" cy="0"/>
+          <a:chOff x="0" y="0"/>
+          <a:chExt cx="0" cy="0"/>
+        </a:xfrm>
+      </p:grpSpPr>
+      <p:sp>
+        <p:nvSpPr>
+          <p:cNvPr id="2" name="Marcador de Posição da Imagem do Diapositivo 1"/>
+          <p:cNvSpPr>
+            <a:spLocks noGrp="1" noRot="1" noChangeAspect="1"/>
+          </p:cNvSpPr>
+          <p:nvPr>
+            <p:ph type="sldImg"/>
+          </p:nvPr>
+        </p:nvSpPr>
+        <p:spPr/>
+      </p:sp>
+      <p:sp>
+        <p:nvSpPr>
+          <p:cNvPr id="3" name="Marcador de Posição de Notas 2"/>
+          <p:cNvSpPr>
+            <a:spLocks noGrp="1"/>
+          </p:cNvSpPr>
+          <p:nvPr>
+            <p:ph type="body" idx="1"/>
+          </p:nvPr>
+        </p:nvSpPr>
+        <p:spPr/>
+        <p:txBody>
+          <a:bodyPr/>
+          <a:lstStyle/>
+          <a:p>
+            <a:endParaRPr lang="pt-PT" dirty="0"/>
+          </a:p>
+        </p:txBody>
+      </p:sp>
+      <p:sp>
+        <p:nvSpPr>
+          <p:cNvPr id="4" name="Marcador de Posição do Número do Diapositivo 3"/>
+          <p:cNvSpPr>
+            <a:spLocks noGrp="1"/>
+          </p:cNvSpPr>
+          <p:nvPr>
+            <p:ph type="sldNum" sz="quarter" idx="5"/>
+          </p:nvPr>
+        </p:nvSpPr>
+        <p:spPr/>
+        <p:txBody>
+          <a:bodyPr/>
+          <a:lstStyle/>
+          <a:p>
+            <a:fld id="{62C9FF69-D9AD-48B5-8D39-7AA42039F77D}" type="slidenum">
+              <a:rPr lang="pt-PT" smtClean="0"/>
+              <a:t>9</a:t>
+            </a:fld>
+            <a:endParaRPr lang="pt-PT"/>
+          </a:p>
+        </p:txBody>
+      </p:sp>
+    </p:spTree>
+    <p:extLst>
+      <p:ext uri="{BB962C8B-B14F-4D97-AF65-F5344CB8AC3E}">
+        <p14:creationId xmlns:p14="http://schemas.microsoft.com/office/powerpoint/2010/main" val="526298527"/>
       </p:ext>
     </p:extLst>
   </p:cSld>
@@ -1293,7 +1549,7 @@
           <a:p>
             <a:fld id="{1D8BD707-D9CF-40AE-B4C6-C98DA3205C09}" type="datetimeFigureOut">
               <a:rPr lang="en-US"/>
-              <a:t>4/23/2019</a:t>
+              <a:t>4/25/2019</a:t>
             </a:fld>
             <a:endParaRPr lang="en-US"/>
           </a:p>
@@ -1464,7 +1720,7 @@
           <a:p>
             <a:fld id="{1D8BD707-D9CF-40AE-B4C6-C98DA3205C09}" type="datetimeFigureOut">
               <a:rPr lang="en-US"/>
-              <a:t>4/23/2019</a:t>
+              <a:t>4/25/2019</a:t>
             </a:fld>
             <a:endParaRPr lang="en-US"/>
           </a:p>
@@ -1904,7 +2160,7 @@
           <a:p>
             <a:fld id="{1D8BD707-D9CF-40AE-B4C6-C98DA3205C09}" type="datetimeFigureOut">
               <a:rPr lang="en-US"/>
-              <a:t>4/23/2019</a:t>
+              <a:t>4/25/2019</a:t>
             </a:fld>
             <a:endParaRPr lang="en-US"/>
           </a:p>
@@ -2110,7 +2366,7 @@
           <a:p>
             <a:fld id="{1D8BD707-D9CF-40AE-B4C6-C98DA3205C09}" type="datetimeFigureOut">
               <a:rPr lang="en-US"/>
-              <a:t>4/23/2019</a:t>
+              <a:t>4/25/2019</a:t>
             </a:fld>
             <a:endParaRPr lang="en-US"/>
           </a:p>
@@ -2229,7 +2485,7 @@
           <a:p>
             <a:fld id="{1D8BD707-D9CF-40AE-B4C6-C98DA3205C09}" type="datetimeFigureOut">
               <a:rPr lang="en-US"/>
-              <a:t>4/23/2019</a:t>
+              <a:t>4/25/2019</a:t>
             </a:fld>
             <a:endParaRPr lang="en-US"/>
           </a:p>
@@ -2448,7 +2704,7 @@
           <a:p>
             <a:fld id="{1D8BD707-D9CF-40AE-B4C6-C98DA3205C09}" type="datetimeFigureOut">
               <a:rPr lang="en-US"/>
-              <a:t>4/23/2019</a:t>
+              <a:t>4/25/2019</a:t>
             </a:fld>
             <a:endParaRPr lang="en-US"/>
           </a:p>
@@ -3471,6 +3727,1282 @@
 </p:sld>
 </file>
 
+<file path=ppt/slides/slide10.xml><?xml version="1.0" encoding="utf-8"?>
+<p:sld xmlns:a="http://schemas.openxmlformats.org/drawingml/2006/main" xmlns:r="http://schemas.openxmlformats.org/officeDocument/2006/relationships" xmlns:p="http://schemas.openxmlformats.org/presentationml/2006/main">
+  <p:cSld>
+    <p:spTree>
+      <p:nvGrpSpPr>
+        <p:cNvPr id="1" name=""/>
+        <p:cNvGrpSpPr/>
+        <p:nvPr/>
+      </p:nvGrpSpPr>
+      <p:grpSpPr>
+        <a:xfrm>
+          <a:off x="0" y="0"/>
+          <a:ext cx="0" cy="0"/>
+          <a:chOff x="0" y="0"/>
+          <a:chExt cx="0" cy="0"/>
+        </a:xfrm>
+      </p:grpSpPr>
+      <p:sp>
+        <p:nvSpPr>
+          <p:cNvPr id="10" name="CaixaDeTexto 9">
+            <a:extLst>
+              <a:ext uri="{FF2B5EF4-FFF2-40B4-BE49-F238E27FC236}">
+                <a16:creationId xmlns:a16="http://schemas.microsoft.com/office/drawing/2014/main" id="{2BD6D9DB-2E83-4F23-A979-DB0D1E506279}"/>
+              </a:ext>
+            </a:extLst>
+          </p:cNvPr>
+          <p:cNvSpPr txBox="1"/>
+          <p:nvPr/>
+        </p:nvSpPr>
+        <p:spPr>
+          <a:xfrm>
+            <a:off x="3597573" y="1908933"/>
+            <a:ext cx="990600" cy="461665"/>
+          </a:xfrm>
+          <a:prstGeom prst="rect">
+            <a:avLst/>
+          </a:prstGeom>
+          <a:noFill/>
+        </p:spPr>
+        <p:txBody>
+          <a:bodyPr wrap="square" rtlCol="0">
+            <a:spAutoFit/>
+          </a:bodyPr>
+          <a:lstStyle/>
+          <a:p>
+            <a:r>
+              <a:rPr lang="pt-PT" sz="2400" dirty="0"/>
+              <a:t>X = 10</a:t>
+            </a:r>
+          </a:p>
+        </p:txBody>
+      </p:sp>
+      <p:sp>
+        <p:nvSpPr>
+          <p:cNvPr id="18" name="Retângulo: Cantos Arredondados 17">
+            <a:extLst>
+              <a:ext uri="{FF2B5EF4-FFF2-40B4-BE49-F238E27FC236}">
+                <a16:creationId xmlns:a16="http://schemas.microsoft.com/office/drawing/2014/main" id="{FF34A504-7FDE-476F-8A62-4B7949468928}"/>
+              </a:ext>
+            </a:extLst>
+          </p:cNvPr>
+          <p:cNvSpPr/>
+          <p:nvPr/>
+        </p:nvSpPr>
+        <p:spPr>
+          <a:xfrm>
+            <a:off x="918561" y="1276605"/>
+            <a:ext cx="2537405" cy="1850232"/>
+          </a:xfrm>
+          <a:prstGeom prst="roundRect">
+            <a:avLst/>
+          </a:prstGeom>
+          <a:solidFill>
+            <a:schemeClr val="bg1"/>
+          </a:solidFill>
+          <a:ln>
+            <a:noFill/>
+          </a:ln>
+        </p:spPr>
+        <p:style>
+          <a:lnRef idx="2">
+            <a:schemeClr val="accent1">
+              <a:shade val="50000"/>
+            </a:schemeClr>
+          </a:lnRef>
+          <a:fillRef idx="1">
+            <a:schemeClr val="accent1"/>
+          </a:fillRef>
+          <a:effectRef idx="0">
+            <a:schemeClr val="accent1"/>
+          </a:effectRef>
+          <a:fontRef idx="minor">
+            <a:schemeClr val="lt1"/>
+          </a:fontRef>
+        </p:style>
+        <p:txBody>
+          <a:bodyPr rtlCol="0" anchor="ctr"/>
+          <a:lstStyle/>
+          <a:p>
+            <a:pPr algn="ctr"/>
+            <a:endParaRPr lang="pt-PT"/>
+          </a:p>
+        </p:txBody>
+      </p:sp>
+      <p:sp>
+        <p:nvSpPr>
+          <p:cNvPr id="12" name="object 2">
+            <a:extLst>
+              <a:ext uri="{FF2B5EF4-FFF2-40B4-BE49-F238E27FC236}">
+                <a16:creationId xmlns:a16="http://schemas.microsoft.com/office/drawing/2014/main" id="{3FB8BEF2-4FBF-456A-BB55-B3EE58FADD7D}"/>
+              </a:ext>
+            </a:extLst>
+          </p:cNvPr>
+          <p:cNvSpPr txBox="1">
+            <a:spLocks noGrp="1"/>
+          </p:cNvSpPr>
+          <p:nvPr>
+            <p:ph type="title"/>
+          </p:nvPr>
+        </p:nvSpPr>
+        <p:spPr>
+          <a:xfrm>
+            <a:off x="2868810" y="228600"/>
+            <a:ext cx="3406380" cy="461023"/>
+          </a:xfrm>
+          <a:prstGeom prst="rect">
+            <a:avLst/>
+          </a:prstGeom>
+        </p:spPr>
+        <p:txBody>
+          <a:bodyPr vert="horz" wrap="square" lIns="0" tIns="14604" rIns="0" bIns="0" rtlCol="0">
+            <a:spAutoFit/>
+          </a:bodyPr>
+          <a:lstStyle/>
+          <a:p>
+            <a:pPr marL="12700" algn="l">
+              <a:lnSpc>
+                <a:spcPct val="100000"/>
+              </a:lnSpc>
+              <a:spcBef>
+                <a:spcPts val="114"/>
+              </a:spcBef>
+            </a:pPr>
+            <a:r>
+              <a:rPr lang="pt-PT" spc="-185" dirty="0"/>
+              <a:t>Exemplo de utilização</a:t>
+            </a:r>
+            <a:endParaRPr spc="-185" dirty="0"/>
+          </a:p>
+        </p:txBody>
+      </p:sp>
+      <p:pic>
+        <p:nvPicPr>
+          <p:cNvPr id="2058" name="Picture 10">
+            <a:extLst>
+              <a:ext uri="{FF2B5EF4-FFF2-40B4-BE49-F238E27FC236}">
+                <a16:creationId xmlns:a16="http://schemas.microsoft.com/office/drawing/2014/main" id="{98432A3F-9940-4384-95BC-356F5351329D}"/>
+              </a:ext>
+            </a:extLst>
+          </p:cNvPr>
+          <p:cNvPicPr>
+            <a:picLocks noChangeAspect="1" noChangeArrowheads="1"/>
+          </p:cNvPicPr>
+          <p:nvPr/>
+        </p:nvPicPr>
+        <p:blipFill>
+          <a:blip r:embed="rId3">
+            <a:extLst>
+              <a:ext uri="{28A0092B-C50C-407E-A947-70E740481C1C}">
+                <a14:useLocalDpi xmlns:a14="http://schemas.microsoft.com/office/drawing/2010/main" val="0"/>
+              </a:ext>
+            </a:extLst>
+          </a:blip>
+          <a:srcRect/>
+          <a:stretch>
+            <a:fillRect/>
+          </a:stretch>
+        </p:blipFill>
+        <p:spPr bwMode="auto">
+          <a:xfrm>
+            <a:off x="1052548" y="1530385"/>
+            <a:ext cx="2269430" cy="1495761"/>
+          </a:xfrm>
+          <a:prstGeom prst="rect">
+            <a:avLst/>
+          </a:prstGeom>
+          <a:noFill/>
+          <a:extLst>
+            <a:ext uri="{909E8E84-426E-40DD-AFC4-6F175D3DCCD1}">
+              <a14:hiddenFill xmlns:a14="http://schemas.microsoft.com/office/drawing/2010/main">
+                <a:solidFill>
+                  <a:srgbClr val="FFFFFF"/>
+                </a:solidFill>
+              </a14:hiddenFill>
+            </a:ext>
+          </a:extLst>
+        </p:spPr>
+      </p:pic>
+      <p:grpSp>
+        <p:nvGrpSpPr>
+          <p:cNvPr id="2" name="Agrupar 1">
+            <a:extLst>
+              <a:ext uri="{FF2B5EF4-FFF2-40B4-BE49-F238E27FC236}">
+                <a16:creationId xmlns:a16="http://schemas.microsoft.com/office/drawing/2014/main" id="{6321A55E-DFAD-4B4F-A1C3-66764517F708}"/>
+              </a:ext>
+            </a:extLst>
+          </p:cNvPr>
+          <p:cNvGrpSpPr/>
+          <p:nvPr/>
+        </p:nvGrpSpPr>
+        <p:grpSpPr>
+          <a:xfrm>
+            <a:off x="1909161" y="1832389"/>
+            <a:ext cx="2601722" cy="1878539"/>
+            <a:chOff x="1143000" y="1371600"/>
+            <a:chExt cx="2601722" cy="1878539"/>
+          </a:xfrm>
+        </p:grpSpPr>
+        <p:sp>
+          <p:nvSpPr>
+            <p:cNvPr id="22" name="Retângulo: Cantos Arredondados 21">
+              <a:extLst>
+                <a:ext uri="{FF2B5EF4-FFF2-40B4-BE49-F238E27FC236}">
+                  <a16:creationId xmlns:a16="http://schemas.microsoft.com/office/drawing/2014/main" id="{91D7D628-4021-440F-B5EE-1837B4EDF8E4}"/>
+                </a:ext>
+              </a:extLst>
+            </p:cNvPr>
+            <p:cNvSpPr/>
+            <p:nvPr/>
+          </p:nvSpPr>
+          <p:spPr>
+            <a:xfrm>
+              <a:off x="1143000" y="1371600"/>
+              <a:ext cx="2601722" cy="1878539"/>
+            </a:xfrm>
+            <a:prstGeom prst="roundRect">
+              <a:avLst/>
+            </a:prstGeom>
+            <a:solidFill>
+              <a:schemeClr val="bg1"/>
+            </a:solidFill>
+            <a:ln>
+              <a:noFill/>
+            </a:ln>
+          </p:spPr>
+          <p:style>
+            <a:lnRef idx="2">
+              <a:schemeClr val="accent1">
+                <a:shade val="50000"/>
+              </a:schemeClr>
+            </a:lnRef>
+            <a:fillRef idx="1">
+              <a:schemeClr val="accent1"/>
+            </a:fillRef>
+            <a:effectRef idx="0">
+              <a:schemeClr val="accent1"/>
+            </a:effectRef>
+            <a:fontRef idx="minor">
+              <a:schemeClr val="lt1"/>
+            </a:fontRef>
+          </p:style>
+          <p:txBody>
+            <a:bodyPr rtlCol="0" anchor="ctr"/>
+            <a:lstStyle/>
+            <a:p>
+              <a:pPr algn="ctr"/>
+              <a:endParaRPr lang="pt-PT"/>
+            </a:p>
+          </p:txBody>
+        </p:sp>
+        <p:pic>
+          <p:nvPicPr>
+            <p:cNvPr id="2060" name="Picture 12">
+              <a:extLst>
+                <a:ext uri="{FF2B5EF4-FFF2-40B4-BE49-F238E27FC236}">
+                  <a16:creationId xmlns:a16="http://schemas.microsoft.com/office/drawing/2014/main" id="{A9311B19-F1ED-4998-8DDF-AE6908E07C7F}"/>
+                </a:ext>
+              </a:extLst>
+            </p:cNvPr>
+            <p:cNvPicPr>
+              <a:picLocks noChangeAspect="1" noChangeArrowheads="1"/>
+            </p:cNvPicPr>
+            <p:nvPr/>
+          </p:nvPicPr>
+          <p:blipFill>
+            <a:blip r:embed="rId4">
+              <a:extLst>
+                <a:ext uri="{28A0092B-C50C-407E-A947-70E740481C1C}">
+                  <a14:useLocalDpi xmlns:a14="http://schemas.microsoft.com/office/drawing/2010/main" val="0"/>
+                </a:ext>
+              </a:extLst>
+            </a:blip>
+            <a:srcRect/>
+            <a:stretch>
+              <a:fillRect/>
+            </a:stretch>
+          </p:blipFill>
+          <p:spPr bwMode="auto">
+            <a:xfrm>
+              <a:off x="1235363" y="1514359"/>
+              <a:ext cx="2416996" cy="1593020"/>
+            </a:xfrm>
+            <a:prstGeom prst="rect">
+              <a:avLst/>
+            </a:prstGeom>
+            <a:noFill/>
+            <a:extLst>
+              <a:ext uri="{909E8E84-426E-40DD-AFC4-6F175D3DCCD1}">
+                <a14:hiddenFill xmlns:a14="http://schemas.microsoft.com/office/drawing/2010/main">
+                  <a:solidFill>
+                    <a:srgbClr val="FFFFFF"/>
+                  </a:solidFill>
+                </a14:hiddenFill>
+              </a:ext>
+            </a:extLst>
+          </p:spPr>
+        </p:pic>
+      </p:grpSp>
+      <p:sp>
+        <p:nvSpPr>
+          <p:cNvPr id="11" name="CaixaDeTexto 10">
+            <a:extLst>
+              <a:ext uri="{FF2B5EF4-FFF2-40B4-BE49-F238E27FC236}">
+                <a16:creationId xmlns:a16="http://schemas.microsoft.com/office/drawing/2014/main" id="{2313E966-6A85-4BD0-89E8-4B75267F4DB3}"/>
+              </a:ext>
+            </a:extLst>
+          </p:cNvPr>
+          <p:cNvSpPr txBox="1"/>
+          <p:nvPr/>
+        </p:nvSpPr>
+        <p:spPr>
+          <a:xfrm>
+            <a:off x="4510883" y="2507717"/>
+            <a:ext cx="990600" cy="461665"/>
+          </a:xfrm>
+          <a:prstGeom prst="rect">
+            <a:avLst/>
+          </a:prstGeom>
+          <a:noFill/>
+        </p:spPr>
+        <p:txBody>
+          <a:bodyPr wrap="square" rtlCol="0">
+            <a:spAutoFit/>
+          </a:bodyPr>
+          <a:lstStyle/>
+          <a:p>
+            <a:r>
+              <a:rPr lang="pt-PT" sz="2400" dirty="0"/>
+              <a:t>X = 20</a:t>
+            </a:r>
+          </a:p>
+        </p:txBody>
+      </p:sp>
+      <p:sp>
+        <p:nvSpPr>
+          <p:cNvPr id="14" name="CaixaDeTexto 13">
+            <a:extLst>
+              <a:ext uri="{FF2B5EF4-FFF2-40B4-BE49-F238E27FC236}">
+                <a16:creationId xmlns:a16="http://schemas.microsoft.com/office/drawing/2014/main" id="{821AF344-A99A-4C5C-88F9-5FC5171368A1}"/>
+              </a:ext>
+            </a:extLst>
+          </p:cNvPr>
+          <p:cNvSpPr txBox="1"/>
+          <p:nvPr/>
+        </p:nvSpPr>
+        <p:spPr>
+          <a:xfrm>
+            <a:off x="5594703" y="3337335"/>
+            <a:ext cx="990600" cy="461665"/>
+          </a:xfrm>
+          <a:prstGeom prst="rect">
+            <a:avLst/>
+          </a:prstGeom>
+          <a:noFill/>
+        </p:spPr>
+        <p:txBody>
+          <a:bodyPr wrap="square" rtlCol="0">
+            <a:spAutoFit/>
+          </a:bodyPr>
+          <a:lstStyle/>
+          <a:p>
+            <a:r>
+              <a:rPr lang="pt-PT" sz="2400" dirty="0"/>
+              <a:t>X = 30</a:t>
+            </a:r>
+          </a:p>
+        </p:txBody>
+      </p:sp>
+      <p:sp>
+        <p:nvSpPr>
+          <p:cNvPr id="17" name="Retângulo: Cantos Arredondados 16">
+            <a:extLst>
+              <a:ext uri="{FF2B5EF4-FFF2-40B4-BE49-F238E27FC236}">
+                <a16:creationId xmlns:a16="http://schemas.microsoft.com/office/drawing/2014/main" id="{05A1AD46-3665-4312-BDBF-AEE444108A68}"/>
+              </a:ext>
+            </a:extLst>
+          </p:cNvPr>
+          <p:cNvSpPr/>
+          <p:nvPr/>
+        </p:nvSpPr>
+        <p:spPr>
+          <a:xfrm>
+            <a:off x="2851966" y="2557520"/>
+            <a:ext cx="2601722" cy="1878539"/>
+          </a:xfrm>
+          <a:prstGeom prst="roundRect">
+            <a:avLst/>
+          </a:prstGeom>
+          <a:solidFill>
+            <a:schemeClr val="bg1"/>
+          </a:solidFill>
+          <a:ln>
+            <a:noFill/>
+          </a:ln>
+        </p:spPr>
+        <p:style>
+          <a:lnRef idx="2">
+            <a:schemeClr val="accent1">
+              <a:shade val="50000"/>
+            </a:schemeClr>
+          </a:lnRef>
+          <a:fillRef idx="1">
+            <a:schemeClr val="accent1"/>
+          </a:fillRef>
+          <a:effectRef idx="0">
+            <a:schemeClr val="accent1"/>
+          </a:effectRef>
+          <a:fontRef idx="minor">
+            <a:schemeClr val="lt1"/>
+          </a:fontRef>
+        </p:style>
+        <p:txBody>
+          <a:bodyPr rtlCol="0" anchor="ctr"/>
+          <a:lstStyle/>
+          <a:p>
+            <a:pPr algn="ctr"/>
+            <a:endParaRPr lang="pt-PT"/>
+          </a:p>
+        </p:txBody>
+      </p:sp>
+      <p:pic>
+        <p:nvPicPr>
+          <p:cNvPr id="13" name="Picture 2">
+            <a:extLst>
+              <a:ext uri="{FF2B5EF4-FFF2-40B4-BE49-F238E27FC236}">
+                <a16:creationId xmlns:a16="http://schemas.microsoft.com/office/drawing/2014/main" id="{DDD9E37A-6607-488E-ADA0-DA0CBA3A5D48}"/>
+              </a:ext>
+            </a:extLst>
+          </p:cNvPr>
+          <p:cNvPicPr>
+            <a:picLocks noChangeAspect="1" noChangeArrowheads="1"/>
+          </p:cNvPicPr>
+          <p:nvPr/>
+        </p:nvPicPr>
+        <p:blipFill rotWithShape="1">
+          <a:blip r:embed="rId5">
+            <a:extLst>
+              <a:ext uri="{28A0092B-C50C-407E-A947-70E740481C1C}">
+                <a14:useLocalDpi xmlns:a14="http://schemas.microsoft.com/office/drawing/2010/main" val="0"/>
+              </a:ext>
+            </a:extLst>
+          </a:blip>
+          <a:srcRect l="11136" t="3728" r="3741" b="9116"/>
+          <a:stretch/>
+        </p:blipFill>
+        <p:spPr bwMode="auto">
+          <a:xfrm>
+            <a:off x="2992981" y="2700279"/>
+            <a:ext cx="2371219" cy="1600200"/>
+          </a:xfrm>
+          <a:prstGeom prst="rect">
+            <a:avLst/>
+          </a:prstGeom>
+          <a:noFill/>
+          <a:extLst>
+            <a:ext uri="{909E8E84-426E-40DD-AFC4-6F175D3DCCD1}">
+              <a14:hiddenFill xmlns:a14="http://schemas.microsoft.com/office/drawing/2010/main">
+                <a:solidFill>
+                  <a:srgbClr val="FFFFFF"/>
+                </a:solidFill>
+              </a14:hiddenFill>
+            </a:ext>
+          </a:extLst>
+        </p:spPr>
+      </p:pic>
+    </p:spTree>
+    <p:extLst>
+      <p:ext uri="{BB962C8B-B14F-4D97-AF65-F5344CB8AC3E}">
+        <p14:creationId xmlns:p14="http://schemas.microsoft.com/office/powerpoint/2010/main" val="1537051713"/>
+      </p:ext>
+    </p:extLst>
+  </p:cSld>
+  <p:clrMapOvr>
+    <a:masterClrMapping/>
+  </p:clrMapOvr>
+  <mc:AlternateContent xmlns:mc="http://schemas.openxmlformats.org/markup-compatibility/2006">
+    <mc:Choice xmlns:p14="http://schemas.microsoft.com/office/powerpoint/2010/main" Requires="p14">
+      <p:transition spd="med" p14:dur="700">
+        <p:fade/>
+      </p:transition>
+    </mc:Choice>
+    <mc:Fallback>
+      <p:transition spd="med">
+        <p:fade/>
+      </p:transition>
+    </mc:Fallback>
+  </mc:AlternateContent>
+</p:sld>
+</file>
+
+<file path=ppt/slides/slide11.xml><?xml version="1.0" encoding="utf-8"?>
+<p:sld xmlns:a="http://schemas.openxmlformats.org/drawingml/2006/main" xmlns:r="http://schemas.openxmlformats.org/officeDocument/2006/relationships" xmlns:p="http://schemas.openxmlformats.org/presentationml/2006/main">
+  <p:cSld>
+    <p:spTree>
+      <p:nvGrpSpPr>
+        <p:cNvPr id="1" name=""/>
+        <p:cNvGrpSpPr/>
+        <p:nvPr/>
+      </p:nvGrpSpPr>
+      <p:grpSpPr>
+        <a:xfrm>
+          <a:off x="0" y="0"/>
+          <a:ext cx="0" cy="0"/>
+          <a:chOff x="0" y="0"/>
+          <a:chExt cx="0" cy="0"/>
+        </a:xfrm>
+      </p:grpSpPr>
+      <p:sp>
+        <p:nvSpPr>
+          <p:cNvPr id="10" name="CaixaDeTexto 9">
+            <a:extLst>
+              <a:ext uri="{FF2B5EF4-FFF2-40B4-BE49-F238E27FC236}">
+                <a16:creationId xmlns:a16="http://schemas.microsoft.com/office/drawing/2014/main" id="{2BD6D9DB-2E83-4F23-A979-DB0D1E506279}"/>
+              </a:ext>
+            </a:extLst>
+          </p:cNvPr>
+          <p:cNvSpPr txBox="1"/>
+          <p:nvPr/>
+        </p:nvSpPr>
+        <p:spPr>
+          <a:xfrm>
+            <a:off x="3597573" y="1908933"/>
+            <a:ext cx="990600" cy="461665"/>
+          </a:xfrm>
+          <a:prstGeom prst="rect">
+            <a:avLst/>
+          </a:prstGeom>
+          <a:noFill/>
+        </p:spPr>
+        <p:txBody>
+          <a:bodyPr wrap="square" rtlCol="0">
+            <a:spAutoFit/>
+          </a:bodyPr>
+          <a:lstStyle/>
+          <a:p>
+            <a:r>
+              <a:rPr lang="pt-PT" sz="2400" dirty="0"/>
+              <a:t>X = 10</a:t>
+            </a:r>
+          </a:p>
+        </p:txBody>
+      </p:sp>
+      <p:sp>
+        <p:nvSpPr>
+          <p:cNvPr id="18" name="Retângulo: Cantos Arredondados 17">
+            <a:extLst>
+              <a:ext uri="{FF2B5EF4-FFF2-40B4-BE49-F238E27FC236}">
+                <a16:creationId xmlns:a16="http://schemas.microsoft.com/office/drawing/2014/main" id="{FF34A504-7FDE-476F-8A62-4B7949468928}"/>
+              </a:ext>
+            </a:extLst>
+          </p:cNvPr>
+          <p:cNvSpPr/>
+          <p:nvPr/>
+        </p:nvSpPr>
+        <p:spPr>
+          <a:xfrm>
+            <a:off x="918561" y="1276605"/>
+            <a:ext cx="2537405" cy="1850232"/>
+          </a:xfrm>
+          <a:prstGeom prst="roundRect">
+            <a:avLst/>
+          </a:prstGeom>
+          <a:solidFill>
+            <a:schemeClr val="bg1"/>
+          </a:solidFill>
+          <a:ln>
+            <a:noFill/>
+          </a:ln>
+        </p:spPr>
+        <p:style>
+          <a:lnRef idx="2">
+            <a:schemeClr val="accent1">
+              <a:shade val="50000"/>
+            </a:schemeClr>
+          </a:lnRef>
+          <a:fillRef idx="1">
+            <a:schemeClr val="accent1"/>
+          </a:fillRef>
+          <a:effectRef idx="0">
+            <a:schemeClr val="accent1"/>
+          </a:effectRef>
+          <a:fontRef idx="minor">
+            <a:schemeClr val="lt1"/>
+          </a:fontRef>
+        </p:style>
+        <p:txBody>
+          <a:bodyPr rtlCol="0" anchor="ctr"/>
+          <a:lstStyle/>
+          <a:p>
+            <a:pPr algn="ctr"/>
+            <a:endParaRPr lang="pt-PT"/>
+          </a:p>
+        </p:txBody>
+      </p:sp>
+      <p:sp>
+        <p:nvSpPr>
+          <p:cNvPr id="12" name="object 2">
+            <a:extLst>
+              <a:ext uri="{FF2B5EF4-FFF2-40B4-BE49-F238E27FC236}">
+                <a16:creationId xmlns:a16="http://schemas.microsoft.com/office/drawing/2014/main" id="{3FB8BEF2-4FBF-456A-BB55-B3EE58FADD7D}"/>
+              </a:ext>
+            </a:extLst>
+          </p:cNvPr>
+          <p:cNvSpPr txBox="1">
+            <a:spLocks noGrp="1"/>
+          </p:cNvSpPr>
+          <p:nvPr>
+            <p:ph type="title"/>
+          </p:nvPr>
+        </p:nvSpPr>
+        <p:spPr>
+          <a:xfrm>
+            <a:off x="2868810" y="228600"/>
+            <a:ext cx="3406380" cy="461023"/>
+          </a:xfrm>
+          <a:prstGeom prst="rect">
+            <a:avLst/>
+          </a:prstGeom>
+        </p:spPr>
+        <p:txBody>
+          <a:bodyPr vert="horz" wrap="square" lIns="0" tIns="14604" rIns="0" bIns="0" rtlCol="0">
+            <a:spAutoFit/>
+          </a:bodyPr>
+          <a:lstStyle/>
+          <a:p>
+            <a:pPr marL="12700" algn="l">
+              <a:lnSpc>
+                <a:spcPct val="100000"/>
+              </a:lnSpc>
+              <a:spcBef>
+                <a:spcPts val="114"/>
+              </a:spcBef>
+            </a:pPr>
+            <a:r>
+              <a:rPr lang="pt-PT" spc="-185" dirty="0"/>
+              <a:t>Exemplo de utilização</a:t>
+            </a:r>
+            <a:endParaRPr spc="-185" dirty="0"/>
+          </a:p>
+        </p:txBody>
+      </p:sp>
+      <p:pic>
+        <p:nvPicPr>
+          <p:cNvPr id="2058" name="Picture 10">
+            <a:extLst>
+              <a:ext uri="{FF2B5EF4-FFF2-40B4-BE49-F238E27FC236}">
+                <a16:creationId xmlns:a16="http://schemas.microsoft.com/office/drawing/2014/main" id="{98432A3F-9940-4384-95BC-356F5351329D}"/>
+              </a:ext>
+            </a:extLst>
+          </p:cNvPr>
+          <p:cNvPicPr>
+            <a:picLocks noChangeAspect="1" noChangeArrowheads="1"/>
+          </p:cNvPicPr>
+          <p:nvPr/>
+        </p:nvPicPr>
+        <p:blipFill>
+          <a:blip r:embed="rId3">
+            <a:extLst>
+              <a:ext uri="{28A0092B-C50C-407E-A947-70E740481C1C}">
+                <a14:useLocalDpi xmlns:a14="http://schemas.microsoft.com/office/drawing/2010/main" val="0"/>
+              </a:ext>
+            </a:extLst>
+          </a:blip>
+          <a:srcRect/>
+          <a:stretch>
+            <a:fillRect/>
+          </a:stretch>
+        </p:blipFill>
+        <p:spPr bwMode="auto">
+          <a:xfrm>
+            <a:off x="1052548" y="1530385"/>
+            <a:ext cx="2269430" cy="1495761"/>
+          </a:xfrm>
+          <a:prstGeom prst="rect">
+            <a:avLst/>
+          </a:prstGeom>
+          <a:noFill/>
+          <a:extLst>
+            <a:ext uri="{909E8E84-426E-40DD-AFC4-6F175D3DCCD1}">
+              <a14:hiddenFill xmlns:a14="http://schemas.microsoft.com/office/drawing/2010/main">
+                <a:solidFill>
+                  <a:srgbClr val="FFFFFF"/>
+                </a:solidFill>
+              </a14:hiddenFill>
+            </a:ext>
+          </a:extLst>
+        </p:spPr>
+      </p:pic>
+      <p:grpSp>
+        <p:nvGrpSpPr>
+          <p:cNvPr id="2" name="Agrupar 1">
+            <a:extLst>
+              <a:ext uri="{FF2B5EF4-FFF2-40B4-BE49-F238E27FC236}">
+                <a16:creationId xmlns:a16="http://schemas.microsoft.com/office/drawing/2014/main" id="{6321A55E-DFAD-4B4F-A1C3-66764517F708}"/>
+              </a:ext>
+            </a:extLst>
+          </p:cNvPr>
+          <p:cNvGrpSpPr/>
+          <p:nvPr/>
+        </p:nvGrpSpPr>
+        <p:grpSpPr>
+          <a:xfrm>
+            <a:off x="1909161" y="1832389"/>
+            <a:ext cx="2601722" cy="1878539"/>
+            <a:chOff x="1143000" y="1371600"/>
+            <a:chExt cx="2601722" cy="1878539"/>
+          </a:xfrm>
+        </p:grpSpPr>
+        <p:sp>
+          <p:nvSpPr>
+            <p:cNvPr id="22" name="Retângulo: Cantos Arredondados 21">
+              <a:extLst>
+                <a:ext uri="{FF2B5EF4-FFF2-40B4-BE49-F238E27FC236}">
+                  <a16:creationId xmlns:a16="http://schemas.microsoft.com/office/drawing/2014/main" id="{91D7D628-4021-440F-B5EE-1837B4EDF8E4}"/>
+                </a:ext>
+              </a:extLst>
+            </p:cNvPr>
+            <p:cNvSpPr/>
+            <p:nvPr/>
+          </p:nvSpPr>
+          <p:spPr>
+            <a:xfrm>
+              <a:off x="1143000" y="1371600"/>
+              <a:ext cx="2601722" cy="1878539"/>
+            </a:xfrm>
+            <a:prstGeom prst="roundRect">
+              <a:avLst/>
+            </a:prstGeom>
+            <a:solidFill>
+              <a:schemeClr val="bg1"/>
+            </a:solidFill>
+            <a:ln>
+              <a:noFill/>
+            </a:ln>
+          </p:spPr>
+          <p:style>
+            <a:lnRef idx="2">
+              <a:schemeClr val="accent1">
+                <a:shade val="50000"/>
+              </a:schemeClr>
+            </a:lnRef>
+            <a:fillRef idx="1">
+              <a:schemeClr val="accent1"/>
+            </a:fillRef>
+            <a:effectRef idx="0">
+              <a:schemeClr val="accent1"/>
+            </a:effectRef>
+            <a:fontRef idx="minor">
+              <a:schemeClr val="lt1"/>
+            </a:fontRef>
+          </p:style>
+          <p:txBody>
+            <a:bodyPr rtlCol="0" anchor="ctr"/>
+            <a:lstStyle/>
+            <a:p>
+              <a:pPr algn="ctr"/>
+              <a:endParaRPr lang="pt-PT"/>
+            </a:p>
+          </p:txBody>
+        </p:sp>
+        <p:pic>
+          <p:nvPicPr>
+            <p:cNvPr id="2060" name="Picture 12">
+              <a:extLst>
+                <a:ext uri="{FF2B5EF4-FFF2-40B4-BE49-F238E27FC236}">
+                  <a16:creationId xmlns:a16="http://schemas.microsoft.com/office/drawing/2014/main" id="{A9311B19-F1ED-4998-8DDF-AE6908E07C7F}"/>
+                </a:ext>
+              </a:extLst>
+            </p:cNvPr>
+            <p:cNvPicPr>
+              <a:picLocks noChangeAspect="1" noChangeArrowheads="1"/>
+            </p:cNvPicPr>
+            <p:nvPr/>
+          </p:nvPicPr>
+          <p:blipFill>
+            <a:blip r:embed="rId4">
+              <a:extLst>
+                <a:ext uri="{28A0092B-C50C-407E-A947-70E740481C1C}">
+                  <a14:useLocalDpi xmlns:a14="http://schemas.microsoft.com/office/drawing/2010/main" val="0"/>
+                </a:ext>
+              </a:extLst>
+            </a:blip>
+            <a:srcRect/>
+            <a:stretch>
+              <a:fillRect/>
+            </a:stretch>
+          </p:blipFill>
+          <p:spPr bwMode="auto">
+            <a:xfrm>
+              <a:off x="1235363" y="1514359"/>
+              <a:ext cx="2416996" cy="1593020"/>
+            </a:xfrm>
+            <a:prstGeom prst="rect">
+              <a:avLst/>
+            </a:prstGeom>
+            <a:noFill/>
+            <a:extLst>
+              <a:ext uri="{909E8E84-426E-40DD-AFC4-6F175D3DCCD1}">
+                <a14:hiddenFill xmlns:a14="http://schemas.microsoft.com/office/drawing/2010/main">
+                  <a:solidFill>
+                    <a:srgbClr val="FFFFFF"/>
+                  </a:solidFill>
+                </a14:hiddenFill>
+              </a:ext>
+            </a:extLst>
+          </p:spPr>
+        </p:pic>
+      </p:grpSp>
+      <p:sp>
+        <p:nvSpPr>
+          <p:cNvPr id="11" name="CaixaDeTexto 10">
+            <a:extLst>
+              <a:ext uri="{FF2B5EF4-FFF2-40B4-BE49-F238E27FC236}">
+                <a16:creationId xmlns:a16="http://schemas.microsoft.com/office/drawing/2014/main" id="{2313E966-6A85-4BD0-89E8-4B75267F4DB3}"/>
+              </a:ext>
+            </a:extLst>
+          </p:cNvPr>
+          <p:cNvSpPr txBox="1"/>
+          <p:nvPr/>
+        </p:nvSpPr>
+        <p:spPr>
+          <a:xfrm>
+            <a:off x="4510883" y="2507717"/>
+            <a:ext cx="990600" cy="461665"/>
+          </a:xfrm>
+          <a:prstGeom prst="rect">
+            <a:avLst/>
+          </a:prstGeom>
+          <a:noFill/>
+        </p:spPr>
+        <p:txBody>
+          <a:bodyPr wrap="square" rtlCol="0">
+            <a:spAutoFit/>
+          </a:bodyPr>
+          <a:lstStyle/>
+          <a:p>
+            <a:r>
+              <a:rPr lang="pt-PT" sz="2400" dirty="0"/>
+              <a:t>X = 20</a:t>
+            </a:r>
+          </a:p>
+        </p:txBody>
+      </p:sp>
+      <p:sp>
+        <p:nvSpPr>
+          <p:cNvPr id="14" name="CaixaDeTexto 13">
+            <a:extLst>
+              <a:ext uri="{FF2B5EF4-FFF2-40B4-BE49-F238E27FC236}">
+                <a16:creationId xmlns:a16="http://schemas.microsoft.com/office/drawing/2014/main" id="{821AF344-A99A-4C5C-88F9-5FC5171368A1}"/>
+              </a:ext>
+            </a:extLst>
+          </p:cNvPr>
+          <p:cNvSpPr txBox="1"/>
+          <p:nvPr/>
+        </p:nvSpPr>
+        <p:spPr>
+          <a:xfrm>
+            <a:off x="5594703" y="3337335"/>
+            <a:ext cx="990600" cy="461665"/>
+          </a:xfrm>
+          <a:prstGeom prst="rect">
+            <a:avLst/>
+          </a:prstGeom>
+          <a:noFill/>
+        </p:spPr>
+        <p:txBody>
+          <a:bodyPr wrap="square" rtlCol="0">
+            <a:spAutoFit/>
+          </a:bodyPr>
+          <a:lstStyle/>
+          <a:p>
+            <a:r>
+              <a:rPr lang="pt-PT" sz="2400" dirty="0"/>
+              <a:t>X = 30</a:t>
+            </a:r>
+          </a:p>
+        </p:txBody>
+      </p:sp>
+      <p:sp>
+        <p:nvSpPr>
+          <p:cNvPr id="17" name="Retângulo: Cantos Arredondados 16">
+            <a:extLst>
+              <a:ext uri="{FF2B5EF4-FFF2-40B4-BE49-F238E27FC236}">
+                <a16:creationId xmlns:a16="http://schemas.microsoft.com/office/drawing/2014/main" id="{05A1AD46-3665-4312-BDBF-AEE444108A68}"/>
+              </a:ext>
+            </a:extLst>
+          </p:cNvPr>
+          <p:cNvSpPr/>
+          <p:nvPr/>
+        </p:nvSpPr>
+        <p:spPr>
+          <a:xfrm>
+            <a:off x="2851966" y="2557520"/>
+            <a:ext cx="2601722" cy="1878539"/>
+          </a:xfrm>
+          <a:prstGeom prst="roundRect">
+            <a:avLst/>
+          </a:prstGeom>
+          <a:solidFill>
+            <a:schemeClr val="bg1"/>
+          </a:solidFill>
+          <a:ln>
+            <a:noFill/>
+          </a:ln>
+        </p:spPr>
+        <p:style>
+          <a:lnRef idx="2">
+            <a:schemeClr val="accent1">
+              <a:shade val="50000"/>
+            </a:schemeClr>
+          </a:lnRef>
+          <a:fillRef idx="1">
+            <a:schemeClr val="accent1"/>
+          </a:fillRef>
+          <a:effectRef idx="0">
+            <a:schemeClr val="accent1"/>
+          </a:effectRef>
+          <a:fontRef idx="minor">
+            <a:schemeClr val="lt1"/>
+          </a:fontRef>
+        </p:style>
+        <p:txBody>
+          <a:bodyPr rtlCol="0" anchor="ctr"/>
+          <a:lstStyle/>
+          <a:p>
+            <a:pPr algn="ctr"/>
+            <a:endParaRPr lang="pt-PT"/>
+          </a:p>
+        </p:txBody>
+      </p:sp>
+      <p:pic>
+        <p:nvPicPr>
+          <p:cNvPr id="13" name="Picture 2">
+            <a:extLst>
+              <a:ext uri="{FF2B5EF4-FFF2-40B4-BE49-F238E27FC236}">
+                <a16:creationId xmlns:a16="http://schemas.microsoft.com/office/drawing/2014/main" id="{DDD9E37A-6607-488E-ADA0-DA0CBA3A5D48}"/>
+              </a:ext>
+            </a:extLst>
+          </p:cNvPr>
+          <p:cNvPicPr>
+            <a:picLocks noChangeAspect="1" noChangeArrowheads="1"/>
+          </p:cNvPicPr>
+          <p:nvPr/>
+        </p:nvPicPr>
+        <p:blipFill rotWithShape="1">
+          <a:blip r:embed="rId5">
+            <a:extLst>
+              <a:ext uri="{28A0092B-C50C-407E-A947-70E740481C1C}">
+                <a14:useLocalDpi xmlns:a14="http://schemas.microsoft.com/office/drawing/2010/main" val="0"/>
+              </a:ext>
+            </a:extLst>
+          </a:blip>
+          <a:srcRect l="11136" t="3728" r="3741" b="9116"/>
+          <a:stretch/>
+        </p:blipFill>
+        <p:spPr bwMode="auto">
+          <a:xfrm>
+            <a:off x="2992981" y="2700279"/>
+            <a:ext cx="2371219" cy="1600200"/>
+          </a:xfrm>
+          <a:prstGeom prst="rect">
+            <a:avLst/>
+          </a:prstGeom>
+          <a:noFill/>
+          <a:extLst>
+            <a:ext uri="{909E8E84-426E-40DD-AFC4-6F175D3DCCD1}">
+              <a14:hiddenFill xmlns:a14="http://schemas.microsoft.com/office/drawing/2010/main">
+                <a:solidFill>
+                  <a:srgbClr val="FFFFFF"/>
+                </a:solidFill>
+              </a14:hiddenFill>
+            </a:ext>
+          </a:extLst>
+        </p:spPr>
+      </p:pic>
+      <p:sp>
+        <p:nvSpPr>
+          <p:cNvPr id="16" name="CaixaDeTexto 15">
+            <a:extLst>
+              <a:ext uri="{FF2B5EF4-FFF2-40B4-BE49-F238E27FC236}">
+                <a16:creationId xmlns:a16="http://schemas.microsoft.com/office/drawing/2014/main" id="{F19DBF0A-D44D-4CFA-AC4C-5917FA1D33E2}"/>
+              </a:ext>
+            </a:extLst>
+          </p:cNvPr>
+          <p:cNvSpPr txBox="1"/>
+          <p:nvPr/>
+        </p:nvSpPr>
+        <p:spPr>
+          <a:xfrm>
+            <a:off x="6629400" y="4069646"/>
+            <a:ext cx="990600" cy="461665"/>
+          </a:xfrm>
+          <a:prstGeom prst="rect">
+            <a:avLst/>
+          </a:prstGeom>
+          <a:noFill/>
+        </p:spPr>
+        <p:txBody>
+          <a:bodyPr wrap="square" rtlCol="0">
+            <a:spAutoFit/>
+          </a:bodyPr>
+          <a:lstStyle/>
+          <a:p>
+            <a:r>
+              <a:rPr lang="pt-PT" sz="2400" dirty="0"/>
+              <a:t>X = 40</a:t>
+            </a:r>
+          </a:p>
+        </p:txBody>
+      </p:sp>
+      <p:sp>
+        <p:nvSpPr>
+          <p:cNvPr id="19" name="Retângulo: Cantos Arredondados 18">
+            <a:extLst>
+              <a:ext uri="{FF2B5EF4-FFF2-40B4-BE49-F238E27FC236}">
+                <a16:creationId xmlns:a16="http://schemas.microsoft.com/office/drawing/2014/main" id="{DD6FA076-7B30-4313-8AF2-1DB3C9B5EF1F}"/>
+              </a:ext>
+            </a:extLst>
+          </p:cNvPr>
+          <p:cNvSpPr/>
+          <p:nvPr/>
+        </p:nvSpPr>
+        <p:spPr>
+          <a:xfrm>
+            <a:off x="3916686" y="3277543"/>
+            <a:ext cx="2601722" cy="1878539"/>
+          </a:xfrm>
+          <a:prstGeom prst="roundRect">
+            <a:avLst/>
+          </a:prstGeom>
+          <a:solidFill>
+            <a:schemeClr val="bg1"/>
+          </a:solidFill>
+          <a:ln>
+            <a:noFill/>
+          </a:ln>
+        </p:spPr>
+        <p:style>
+          <a:lnRef idx="2">
+            <a:schemeClr val="accent1">
+              <a:shade val="50000"/>
+            </a:schemeClr>
+          </a:lnRef>
+          <a:fillRef idx="1">
+            <a:schemeClr val="accent1"/>
+          </a:fillRef>
+          <a:effectRef idx="0">
+            <a:schemeClr val="accent1"/>
+          </a:effectRef>
+          <a:fontRef idx="minor">
+            <a:schemeClr val="lt1"/>
+          </a:fontRef>
+        </p:style>
+        <p:txBody>
+          <a:bodyPr rtlCol="0" anchor="ctr"/>
+          <a:lstStyle/>
+          <a:p>
+            <a:pPr algn="ctr"/>
+            <a:endParaRPr lang="pt-PT"/>
+          </a:p>
+        </p:txBody>
+      </p:sp>
+      <p:pic>
+        <p:nvPicPr>
+          <p:cNvPr id="15" name="Picture 8">
+            <a:extLst>
+              <a:ext uri="{FF2B5EF4-FFF2-40B4-BE49-F238E27FC236}">
+                <a16:creationId xmlns:a16="http://schemas.microsoft.com/office/drawing/2014/main" id="{B59032C3-F8A6-47DA-8E92-E1C18CCC2E27}"/>
+              </a:ext>
+            </a:extLst>
+          </p:cNvPr>
+          <p:cNvPicPr>
+            <a:picLocks noChangeAspect="1" noChangeArrowheads="1"/>
+          </p:cNvPicPr>
+          <p:nvPr/>
+        </p:nvPicPr>
+        <p:blipFill rotWithShape="1">
+          <a:blip r:embed="rId6">
+            <a:extLst>
+              <a:ext uri="{28A0092B-C50C-407E-A947-70E740481C1C}">
+                <a14:useLocalDpi xmlns:a14="http://schemas.microsoft.com/office/drawing/2010/main" val="0"/>
+              </a:ext>
+            </a:extLst>
+          </a:blip>
+          <a:srcRect l="10977" t="3897" r="3856" b="9754"/>
+          <a:stretch/>
+        </p:blipFill>
+        <p:spPr bwMode="auto">
+          <a:xfrm>
+            <a:off x="4038600" y="3429000"/>
+            <a:ext cx="2357893" cy="1575625"/>
+          </a:xfrm>
+          <a:prstGeom prst="rect">
+            <a:avLst/>
+          </a:prstGeom>
+          <a:noFill/>
+          <a:extLst>
+            <a:ext uri="{909E8E84-426E-40DD-AFC4-6F175D3DCCD1}">
+              <a14:hiddenFill xmlns:a14="http://schemas.microsoft.com/office/drawing/2010/main">
+                <a:solidFill>
+                  <a:srgbClr val="FFFFFF"/>
+                </a:solidFill>
+              </a14:hiddenFill>
+            </a:ext>
+          </a:extLst>
+        </p:spPr>
+      </p:pic>
+    </p:spTree>
+    <p:extLst>
+      <p:ext uri="{BB962C8B-B14F-4D97-AF65-F5344CB8AC3E}">
+        <p14:creationId xmlns:p14="http://schemas.microsoft.com/office/powerpoint/2010/main" val="2643649687"/>
+      </p:ext>
+    </p:extLst>
+  </p:cSld>
+  <p:clrMapOvr>
+    <a:masterClrMapping/>
+  </p:clrMapOvr>
+  <mc:AlternateContent xmlns:mc="http://schemas.openxmlformats.org/markup-compatibility/2006">
+    <mc:Choice xmlns:p14="http://schemas.microsoft.com/office/powerpoint/2010/main" Requires="p14">
+      <p:transition spd="med" p14:dur="700">
+        <p:fade/>
+      </p:transition>
+    </mc:Choice>
+    <mc:Fallback>
+      <p:transition spd="med">
+        <p:fade/>
+      </p:transition>
+    </mc:Fallback>
+  </mc:AlternateContent>
+</p:sld>
+</file>
+
+<file path=ppt/slides/slide12.xml><?xml version="1.0" encoding="utf-8"?>
+<p:sld xmlns:a="http://schemas.openxmlformats.org/drawingml/2006/main" xmlns:r="http://schemas.openxmlformats.org/officeDocument/2006/relationships" xmlns:p="http://schemas.openxmlformats.org/presentationml/2006/main">
+  <p:cSld>
+    <p:spTree>
+      <p:nvGrpSpPr>
+        <p:cNvPr id="1" name=""/>
+        <p:cNvGrpSpPr/>
+        <p:nvPr/>
+      </p:nvGrpSpPr>
+      <p:grpSpPr>
+        <a:xfrm>
+          <a:off x="0" y="0"/>
+          <a:ext cx="0" cy="0"/>
+          <a:chOff x="0" y="0"/>
+          <a:chExt cx="0" cy="0"/>
+        </a:xfrm>
+      </p:grpSpPr>
+      <p:sp>
+        <p:nvSpPr>
+          <p:cNvPr id="3" name="object 2">
+            <a:extLst>
+              <a:ext uri="{FF2B5EF4-FFF2-40B4-BE49-F238E27FC236}">
+                <a16:creationId xmlns:a16="http://schemas.microsoft.com/office/drawing/2014/main" id="{6F0730CB-7564-49D9-9E3D-721F27D4FBB3}"/>
+              </a:ext>
+            </a:extLst>
+          </p:cNvPr>
+          <p:cNvSpPr txBox="1">
+            <a:spLocks noGrp="1"/>
+          </p:cNvSpPr>
+          <p:nvPr>
+            <p:ph type="title"/>
+          </p:nvPr>
+        </p:nvSpPr>
+        <p:spPr>
+          <a:xfrm>
+            <a:off x="3415605" y="228600"/>
+            <a:ext cx="2312790" cy="461023"/>
+          </a:xfrm>
+          <a:prstGeom prst="rect">
+            <a:avLst/>
+          </a:prstGeom>
+        </p:spPr>
+        <p:txBody>
+          <a:bodyPr vert="horz" wrap="square" lIns="0" tIns="14604" rIns="0" bIns="0" rtlCol="0">
+            <a:spAutoFit/>
+          </a:bodyPr>
+          <a:lstStyle/>
+          <a:p>
+            <a:pPr marL="12700" algn="l">
+              <a:lnSpc>
+                <a:spcPct val="100000"/>
+              </a:lnSpc>
+              <a:spcBef>
+                <a:spcPts val="114"/>
+              </a:spcBef>
+            </a:pPr>
+            <a:r>
+              <a:rPr lang="pt-PT" spc="-185" dirty="0"/>
+              <a:t>Exemplo NLP</a:t>
+            </a:r>
+            <a:endParaRPr spc="-185" dirty="0"/>
+          </a:p>
+        </p:txBody>
+      </p:sp>
+      <p:pic>
+        <p:nvPicPr>
+          <p:cNvPr id="6146" name="Picture 2" descr="Resultado de imagem para os maias">
+            <a:extLst>
+              <a:ext uri="{FF2B5EF4-FFF2-40B4-BE49-F238E27FC236}">
+                <a16:creationId xmlns:a16="http://schemas.microsoft.com/office/drawing/2014/main" id="{BC7CDF10-F2C6-4FE0-B7EA-47427D658E3A}"/>
+              </a:ext>
+            </a:extLst>
+          </p:cNvPr>
+          <p:cNvPicPr>
+            <a:picLocks noChangeAspect="1" noChangeArrowheads="1"/>
+          </p:cNvPicPr>
+          <p:nvPr/>
+        </p:nvPicPr>
+        <p:blipFill>
+          <a:blip r:embed="rId2">
+            <a:extLst>
+              <a:ext uri="{28A0092B-C50C-407E-A947-70E740481C1C}">
+                <a14:useLocalDpi xmlns:a14="http://schemas.microsoft.com/office/drawing/2010/main" val="0"/>
+              </a:ext>
+            </a:extLst>
+          </a:blip>
+          <a:srcRect/>
+          <a:stretch>
+            <a:fillRect/>
+          </a:stretch>
+        </p:blipFill>
+        <p:spPr bwMode="auto">
+          <a:xfrm>
+            <a:off x="6934200" y="533400"/>
+            <a:ext cx="1543903" cy="2586037"/>
+          </a:xfrm>
+          <a:prstGeom prst="rect">
+            <a:avLst/>
+          </a:prstGeom>
+          <a:noFill/>
+          <a:extLst>
+            <a:ext uri="{909E8E84-426E-40DD-AFC4-6F175D3DCCD1}">
+              <a14:hiddenFill xmlns:a14="http://schemas.microsoft.com/office/drawing/2010/main">
+                <a:solidFill>
+                  <a:srgbClr val="FFFFFF"/>
+                </a:solidFill>
+              </a14:hiddenFill>
+            </a:ext>
+          </a:extLst>
+        </p:spPr>
+      </p:pic>
+    </p:spTree>
+    <p:extLst>
+      <p:ext uri="{BB962C8B-B14F-4D97-AF65-F5344CB8AC3E}">
+        <p14:creationId xmlns:p14="http://schemas.microsoft.com/office/powerpoint/2010/main" val="1090889626"/>
+      </p:ext>
+    </p:extLst>
+  </p:cSld>
+  <p:clrMapOvr>
+    <a:masterClrMapping/>
+  </p:clrMapOvr>
+</p:sld>
+</file>
+
 <file path=ppt/slides/slide2.xml><?xml version="1.0" encoding="utf-8"?>
 <p:sld xmlns:a="http://schemas.openxmlformats.org/drawingml/2006/main" xmlns:r="http://schemas.openxmlformats.org/officeDocument/2006/relationships" xmlns:p="http://schemas.openxmlformats.org/presentationml/2006/main">
   <p:cSld>
@@ -4717,7 +6249,7 @@
         </p:nvSpPr>
         <p:spPr>
           <a:xfrm>
-            <a:off x="2636043" y="304800"/>
+            <a:off x="2788442" y="304800"/>
             <a:ext cx="3871913" cy="461023"/>
           </a:xfrm>
           <a:prstGeom prst="rect">
@@ -5115,45 +6647,6 @@
               <a:latin typeface="Arial"/>
               <a:cs typeface="Arial"/>
             </a:endParaRPr>
-          </a:p>
-        </p:txBody>
-      </p:sp>
-      <p:sp>
-        <p:nvSpPr>
-          <p:cNvPr id="4" name="CaixaDeTexto 3">
-            <a:extLst>
-              <a:ext uri="{FF2B5EF4-FFF2-40B4-BE49-F238E27FC236}">
-                <a16:creationId xmlns:a16="http://schemas.microsoft.com/office/drawing/2014/main" id="{C22A85A9-250C-44DC-A55D-5E3CE7A0129D}"/>
-              </a:ext>
-            </a:extLst>
-          </p:cNvPr>
-          <p:cNvSpPr txBox="1"/>
-          <p:nvPr/>
-        </p:nvSpPr>
-        <p:spPr>
-          <a:xfrm>
-            <a:off x="6705600" y="887969"/>
-            <a:ext cx="1981200" cy="369332"/>
-          </a:xfrm>
-          <a:prstGeom prst="rect">
-            <a:avLst/>
-          </a:prstGeom>
-          <a:noFill/>
-        </p:spPr>
-        <p:txBody>
-          <a:bodyPr wrap="square" rtlCol="0">
-            <a:spAutoFit/>
-          </a:bodyPr>
-          <a:lstStyle/>
-          <a:p>
-            <a:r>
-              <a:rPr lang="pt-PT" dirty="0">
-                <a:solidFill>
-                  <a:srgbClr val="FF0000"/>
-                </a:solidFill>
-              </a:rPr>
-              <a:t>Adicionar imagem</a:t>
-            </a:r>
           </a:p>
         </p:txBody>
       </p:sp>
@@ -5189,57 +6682,10 @@
       </p:grpSpPr>
       <p:sp>
         <p:nvSpPr>
-          <p:cNvPr id="12" name="object 2">
+          <p:cNvPr id="46" name="Retângulo: Cantos Arredondados 45">
             <a:extLst>
               <a:ext uri="{FF2B5EF4-FFF2-40B4-BE49-F238E27FC236}">
-                <a16:creationId xmlns:a16="http://schemas.microsoft.com/office/drawing/2014/main" id="{3FB8BEF2-4FBF-456A-BB55-B3EE58FADD7D}"/>
-              </a:ext>
-            </a:extLst>
-          </p:cNvPr>
-          <p:cNvSpPr txBox="1">
-            <a:spLocks noGrp="1"/>
-          </p:cNvSpPr>
-          <p:nvPr>
-            <p:ph type="title"/>
-          </p:nvPr>
-        </p:nvSpPr>
-        <p:spPr>
-          <a:xfrm>
-            <a:off x="3223020" y="304800"/>
-            <a:ext cx="2697957" cy="461023"/>
-          </a:xfrm>
-          <a:prstGeom prst="rect">
-            <a:avLst/>
-          </a:prstGeom>
-        </p:spPr>
-        <p:txBody>
-          <a:bodyPr vert="horz" wrap="square" lIns="0" tIns="14604" rIns="0" bIns="0" rtlCol="0">
-            <a:spAutoFit/>
-          </a:bodyPr>
-          <a:lstStyle/>
-          <a:p>
-            <a:pPr marL="12700" algn="l">
-              <a:lnSpc>
-                <a:spcPct val="100000"/>
-              </a:lnSpc>
-              <a:spcBef>
-                <a:spcPts val="114"/>
-              </a:spcBef>
-            </a:pPr>
-            <a:r>
-              <a:rPr lang="pt-PT" spc="-185" dirty="0"/>
-              <a:t>Funcionalidades</a:t>
-            </a:r>
-            <a:endParaRPr spc="-185" dirty="0"/>
-          </a:p>
-        </p:txBody>
-      </p:sp>
-      <p:sp>
-        <p:nvSpPr>
-          <p:cNvPr id="6" name="Retângulo: Cantos Arredondados 5">
-            <a:extLst>
-              <a:ext uri="{FF2B5EF4-FFF2-40B4-BE49-F238E27FC236}">
-                <a16:creationId xmlns:a16="http://schemas.microsoft.com/office/drawing/2014/main" id="{8DDA3C24-187C-496E-86EF-52662A0EAAD1}"/>
+                <a16:creationId xmlns:a16="http://schemas.microsoft.com/office/drawing/2014/main" id="{F10EDF65-39E3-48E7-A80E-5B8AB8884736}"/>
               </a:ext>
             </a:extLst>
           </p:cNvPr>
@@ -5248,14 +6694,14 @@
         </p:nvSpPr>
         <p:spPr>
           <a:xfrm>
-            <a:off x="3257290" y="1524000"/>
-            <a:ext cx="2696817" cy="685800"/>
+            <a:off x="6768647" y="3018705"/>
+            <a:ext cx="1518309" cy="1394875"/>
           </a:xfrm>
           <a:prstGeom prst="roundRect">
             <a:avLst/>
           </a:prstGeom>
           <a:solidFill>
-            <a:srgbClr val="DDDDDD"/>
+            <a:schemeClr val="bg1"/>
           </a:solidFill>
           <a:ln>
             <a:noFill/>
@@ -5288,55 +6734,10 @@
       </p:sp>
       <p:sp>
         <p:nvSpPr>
-          <p:cNvPr id="9" name="CaixaDeTexto 8">
+          <p:cNvPr id="45" name="Retângulo: Cantos Arredondados 44">
             <a:extLst>
               <a:ext uri="{FF2B5EF4-FFF2-40B4-BE49-F238E27FC236}">
-                <a16:creationId xmlns:a16="http://schemas.microsoft.com/office/drawing/2014/main" id="{396035ED-2CB9-4E2F-85E5-E1474F00001C}"/>
-              </a:ext>
-            </a:extLst>
-          </p:cNvPr>
-          <p:cNvSpPr txBox="1"/>
-          <p:nvPr/>
-        </p:nvSpPr>
-        <p:spPr>
-          <a:xfrm>
-            <a:off x="3210908" y="1687973"/>
-            <a:ext cx="2743199" cy="338554"/>
-          </a:xfrm>
-          <a:prstGeom prst="rect">
-            <a:avLst/>
-          </a:prstGeom>
-          <a:noFill/>
-        </p:spPr>
-        <p:txBody>
-          <a:bodyPr wrap="square" rtlCol="0">
-            <a:spAutoFit/>
-          </a:bodyPr>
-          <a:lstStyle/>
-          <a:p>
-            <a:r>
-              <a:rPr lang="pt-PT" sz="1600" dirty="0" err="1">
-                <a:latin typeface="Consolas" panose="020B0609020204030204" pitchFamily="49" charset="0"/>
-                <a:cs typeface="Arial" panose="020B0604020202020204" pitchFamily="34" charset="0"/>
-              </a:rPr>
-              <a:t>G.add_nodes_from</a:t>
-            </a:r>
-            <a:r>
-              <a:rPr lang="pt-PT" sz="1600" dirty="0">
-                <a:latin typeface="Consolas" panose="020B0609020204030204" pitchFamily="49" charset="0"/>
-                <a:cs typeface="Arial" panose="020B0604020202020204" pitchFamily="34" charset="0"/>
-              </a:rPr>
-              <a:t>([2,3])</a:t>
-            </a:r>
-          </a:p>
-        </p:txBody>
-      </p:sp>
-      <p:sp>
-        <p:nvSpPr>
-          <p:cNvPr id="10" name="Retângulo: Cantos Arredondados 9">
-            <a:extLst>
-              <a:ext uri="{FF2B5EF4-FFF2-40B4-BE49-F238E27FC236}">
-                <a16:creationId xmlns:a16="http://schemas.microsoft.com/office/drawing/2014/main" id="{ECCA48A0-3C6B-4449-B894-751B7EE5E8D5}"/>
+                <a16:creationId xmlns:a16="http://schemas.microsoft.com/office/drawing/2014/main" id="{91EA11FC-8717-47A4-BF1C-4312EA658E04}"/>
               </a:ext>
             </a:extLst>
           </p:cNvPr>
@@ -5345,14 +6746,14 @@
         </p:nvSpPr>
         <p:spPr>
           <a:xfrm>
-            <a:off x="6700110" y="1524000"/>
-            <a:ext cx="1981200" cy="685800"/>
+            <a:off x="3539448" y="3013540"/>
+            <a:ext cx="1611923" cy="1394875"/>
           </a:xfrm>
           <a:prstGeom prst="roundRect">
             <a:avLst/>
           </a:prstGeom>
           <a:solidFill>
-            <a:srgbClr val="DDDDDD"/>
+            <a:schemeClr val="bg1"/>
           </a:solidFill>
           <a:ln>
             <a:noFill/>
@@ -5385,55 +6786,10 @@
       </p:sp>
       <p:sp>
         <p:nvSpPr>
-          <p:cNvPr id="11" name="CaixaDeTexto 10">
+          <p:cNvPr id="44" name="Retângulo: Cantos Arredondados 43">
             <a:extLst>
               <a:ext uri="{FF2B5EF4-FFF2-40B4-BE49-F238E27FC236}">
-                <a16:creationId xmlns:a16="http://schemas.microsoft.com/office/drawing/2014/main" id="{782A8B05-50A9-4CFC-89BC-16EEFD620B73}"/>
-              </a:ext>
-            </a:extLst>
-          </p:cNvPr>
-          <p:cNvSpPr txBox="1"/>
-          <p:nvPr/>
-        </p:nvSpPr>
-        <p:spPr>
-          <a:xfrm>
-            <a:off x="6700110" y="1676400"/>
-            <a:ext cx="1981200" cy="338554"/>
-          </a:xfrm>
-          <a:prstGeom prst="rect">
-            <a:avLst/>
-          </a:prstGeom>
-          <a:noFill/>
-        </p:spPr>
-        <p:txBody>
-          <a:bodyPr wrap="square" rtlCol="0">
-            <a:spAutoFit/>
-          </a:bodyPr>
-          <a:lstStyle/>
-          <a:p>
-            <a:r>
-              <a:rPr lang="pt-PT" sz="1600" dirty="0" err="1">
-                <a:latin typeface="Consolas" panose="020B0609020204030204" pitchFamily="49" charset="0"/>
-                <a:cs typeface="Arial" panose="020B0604020202020204" pitchFamily="34" charset="0"/>
-              </a:rPr>
-              <a:t>G.add_edge</a:t>
-            </a:r>
-            <a:r>
-              <a:rPr lang="pt-PT" sz="1600" dirty="0">
-                <a:latin typeface="Consolas" panose="020B0609020204030204" pitchFamily="49" charset="0"/>
-                <a:cs typeface="Arial" panose="020B0604020202020204" pitchFamily="34" charset="0"/>
-              </a:rPr>
-              <a:t>(1,2)</a:t>
-            </a:r>
-          </a:p>
-        </p:txBody>
-      </p:sp>
-      <p:sp>
-        <p:nvSpPr>
-          <p:cNvPr id="16" name="Retângulo: Cantos Arredondados 15">
-            <a:extLst>
-              <a:ext uri="{FF2B5EF4-FFF2-40B4-BE49-F238E27FC236}">
-                <a16:creationId xmlns:a16="http://schemas.microsoft.com/office/drawing/2014/main" id="{AA1F9B06-CF28-47E5-A5E9-D77124087254}"/>
+                <a16:creationId xmlns:a16="http://schemas.microsoft.com/office/drawing/2014/main" id="{C03EBA3F-5B84-4BC3-859D-531E1BD5AE4B}"/>
               </a:ext>
             </a:extLst>
           </p:cNvPr>
@@ -5442,14 +6798,14 @@
         </p:nvSpPr>
         <p:spPr>
           <a:xfrm>
-            <a:off x="685801" y="1524000"/>
-            <a:ext cx="1752600" cy="685800"/>
+            <a:off x="599092" y="3011492"/>
+            <a:ext cx="1518310" cy="1394875"/>
           </a:xfrm>
           <a:prstGeom prst="roundRect">
             <a:avLst/>
           </a:prstGeom>
           <a:solidFill>
-            <a:srgbClr val="DDDDDD"/>
+            <a:schemeClr val="bg1"/>
           </a:solidFill>
           <a:ln>
             <a:noFill/>
@@ -5476,6 +6832,342 @@
           <a:lstStyle/>
           <a:p>
             <a:pPr algn="ctr"/>
+            <a:endParaRPr lang="pt-PT" dirty="0"/>
+          </a:p>
+        </p:txBody>
+      </p:sp>
+      <p:cxnSp>
+        <p:nvCxnSpPr>
+          <p:cNvPr id="14" name="Conexão reta 13">
+            <a:extLst>
+              <a:ext uri="{FF2B5EF4-FFF2-40B4-BE49-F238E27FC236}">
+                <a16:creationId xmlns:a16="http://schemas.microsoft.com/office/drawing/2014/main" id="{19CAFFB3-D53A-436D-B50F-4374F8EA0BB0}"/>
+              </a:ext>
+            </a:extLst>
+          </p:cNvPr>
+          <p:cNvCxnSpPr>
+            <a:cxnSpLocks/>
+          </p:cNvCxnSpPr>
+          <p:nvPr/>
+        </p:nvCxnSpPr>
+        <p:spPr>
+          <a:xfrm>
+            <a:off x="7251011" y="3404264"/>
+            <a:ext cx="542927" cy="172993"/>
+          </a:xfrm>
+          <a:prstGeom prst="line">
+            <a:avLst/>
+          </a:prstGeom>
+          <a:ln>
+            <a:solidFill>
+              <a:schemeClr val="tx1"/>
+            </a:solidFill>
+          </a:ln>
+        </p:spPr>
+        <p:style>
+          <a:lnRef idx="1">
+            <a:schemeClr val="dk1"/>
+          </a:lnRef>
+          <a:fillRef idx="0">
+            <a:schemeClr val="dk1"/>
+          </a:fillRef>
+          <a:effectRef idx="0">
+            <a:schemeClr val="dk1"/>
+          </a:effectRef>
+          <a:fontRef idx="minor">
+            <a:schemeClr val="tx1"/>
+          </a:fontRef>
+        </p:style>
+      </p:cxnSp>
+      <p:sp>
+        <p:nvSpPr>
+          <p:cNvPr id="12" name="object 2">
+            <a:extLst>
+              <a:ext uri="{FF2B5EF4-FFF2-40B4-BE49-F238E27FC236}">
+                <a16:creationId xmlns:a16="http://schemas.microsoft.com/office/drawing/2014/main" id="{3FB8BEF2-4FBF-456A-BB55-B3EE58FADD7D}"/>
+              </a:ext>
+            </a:extLst>
+          </p:cNvPr>
+          <p:cNvSpPr txBox="1">
+            <a:spLocks noGrp="1"/>
+          </p:cNvSpPr>
+          <p:nvPr>
+            <p:ph type="title"/>
+          </p:nvPr>
+        </p:nvSpPr>
+        <p:spPr>
+          <a:xfrm>
+            <a:off x="3223020" y="304800"/>
+            <a:ext cx="2697957" cy="461023"/>
+          </a:xfrm>
+          <a:prstGeom prst="rect">
+            <a:avLst/>
+          </a:prstGeom>
+        </p:spPr>
+        <p:txBody>
+          <a:bodyPr vert="horz" wrap="square" lIns="0" tIns="14604" rIns="0" bIns="0" rtlCol="0">
+            <a:spAutoFit/>
+          </a:bodyPr>
+          <a:lstStyle/>
+          <a:p>
+            <a:pPr marL="12700" algn="l">
+              <a:lnSpc>
+                <a:spcPct val="100000"/>
+              </a:lnSpc>
+              <a:spcBef>
+                <a:spcPts val="114"/>
+              </a:spcBef>
+            </a:pPr>
+            <a:r>
+              <a:rPr lang="pt-PT" spc="-185" dirty="0"/>
+              <a:t>Funcionalidades</a:t>
+            </a:r>
+            <a:endParaRPr spc="-185" dirty="0"/>
+          </a:p>
+        </p:txBody>
+      </p:sp>
+      <p:sp>
+        <p:nvSpPr>
+          <p:cNvPr id="6" name="Retângulo: Cantos Arredondados 5">
+            <a:extLst>
+              <a:ext uri="{FF2B5EF4-FFF2-40B4-BE49-F238E27FC236}">
+                <a16:creationId xmlns:a16="http://schemas.microsoft.com/office/drawing/2014/main" id="{8DDA3C24-187C-496E-86EF-52662A0EAAD1}"/>
+              </a:ext>
+            </a:extLst>
+          </p:cNvPr>
+          <p:cNvSpPr/>
+          <p:nvPr/>
+        </p:nvSpPr>
+        <p:spPr>
+          <a:xfrm>
+            <a:off x="3094382" y="1969627"/>
+            <a:ext cx="2696817" cy="685800"/>
+          </a:xfrm>
+          <a:prstGeom prst="roundRect">
+            <a:avLst/>
+          </a:prstGeom>
+          <a:solidFill>
+            <a:schemeClr val="bg1"/>
+          </a:solidFill>
+          <a:ln>
+            <a:noFill/>
+          </a:ln>
+        </p:spPr>
+        <p:style>
+          <a:lnRef idx="2">
+            <a:schemeClr val="accent1">
+              <a:shade val="50000"/>
+            </a:schemeClr>
+          </a:lnRef>
+          <a:fillRef idx="1">
+            <a:schemeClr val="accent1"/>
+          </a:fillRef>
+          <a:effectRef idx="0">
+            <a:schemeClr val="accent1"/>
+          </a:effectRef>
+          <a:fontRef idx="minor">
+            <a:schemeClr val="lt1"/>
+          </a:fontRef>
+        </p:style>
+        <p:txBody>
+          <a:bodyPr rtlCol="0" anchor="ctr"/>
+          <a:lstStyle/>
+          <a:p>
+            <a:pPr algn="ctr"/>
+            <a:endParaRPr lang="pt-PT"/>
+          </a:p>
+        </p:txBody>
+      </p:sp>
+      <p:sp>
+        <p:nvSpPr>
+          <p:cNvPr id="9" name="CaixaDeTexto 8">
+            <a:extLst>
+              <a:ext uri="{FF2B5EF4-FFF2-40B4-BE49-F238E27FC236}">
+                <a16:creationId xmlns:a16="http://schemas.microsoft.com/office/drawing/2014/main" id="{396035ED-2CB9-4E2F-85E5-E1474F00001C}"/>
+              </a:ext>
+            </a:extLst>
+          </p:cNvPr>
+          <p:cNvSpPr txBox="1"/>
+          <p:nvPr/>
+        </p:nvSpPr>
+        <p:spPr>
+          <a:xfrm>
+            <a:off x="3048000" y="2133600"/>
+            <a:ext cx="2743199" cy="338554"/>
+          </a:xfrm>
+          <a:prstGeom prst="rect">
+            <a:avLst/>
+          </a:prstGeom>
+          <a:noFill/>
+        </p:spPr>
+        <p:txBody>
+          <a:bodyPr wrap="square" rtlCol="0">
+            <a:spAutoFit/>
+          </a:bodyPr>
+          <a:lstStyle/>
+          <a:p>
+            <a:r>
+              <a:rPr lang="pt-PT" sz="1600" dirty="0" err="1">
+                <a:latin typeface="Consolas" panose="020B0609020204030204" pitchFamily="49" charset="0"/>
+                <a:cs typeface="Arial" panose="020B0604020202020204" pitchFamily="34" charset="0"/>
+              </a:rPr>
+              <a:t>G.add_nodes_from</a:t>
+            </a:r>
+            <a:r>
+              <a:rPr lang="pt-PT" sz="1600" dirty="0">
+                <a:latin typeface="Consolas" panose="020B0609020204030204" pitchFamily="49" charset="0"/>
+                <a:cs typeface="Arial" panose="020B0604020202020204" pitchFamily="34" charset="0"/>
+              </a:rPr>
+              <a:t>([2,3])</a:t>
+            </a:r>
+          </a:p>
+        </p:txBody>
+      </p:sp>
+      <p:sp>
+        <p:nvSpPr>
+          <p:cNvPr id="10" name="Retângulo: Cantos Arredondados 9">
+            <a:extLst>
+              <a:ext uri="{FF2B5EF4-FFF2-40B4-BE49-F238E27FC236}">
+                <a16:creationId xmlns:a16="http://schemas.microsoft.com/office/drawing/2014/main" id="{ECCA48A0-3C6B-4449-B894-751B7EE5E8D5}"/>
+              </a:ext>
+            </a:extLst>
+          </p:cNvPr>
+          <p:cNvSpPr/>
+          <p:nvPr/>
+        </p:nvSpPr>
+        <p:spPr>
+          <a:xfrm>
+            <a:off x="6537202" y="1969627"/>
+            <a:ext cx="1981200" cy="685800"/>
+          </a:xfrm>
+          <a:prstGeom prst="roundRect">
+            <a:avLst/>
+          </a:prstGeom>
+          <a:solidFill>
+            <a:schemeClr val="bg1"/>
+          </a:solidFill>
+          <a:ln>
+            <a:noFill/>
+          </a:ln>
+        </p:spPr>
+        <p:style>
+          <a:lnRef idx="2">
+            <a:schemeClr val="accent1">
+              <a:shade val="50000"/>
+            </a:schemeClr>
+          </a:lnRef>
+          <a:fillRef idx="1">
+            <a:schemeClr val="accent1"/>
+          </a:fillRef>
+          <a:effectRef idx="0">
+            <a:schemeClr val="accent1"/>
+          </a:effectRef>
+          <a:fontRef idx="minor">
+            <a:schemeClr val="lt1"/>
+          </a:fontRef>
+        </p:style>
+        <p:txBody>
+          <a:bodyPr rtlCol="0" anchor="ctr"/>
+          <a:lstStyle/>
+          <a:p>
+            <a:pPr algn="ctr"/>
+            <a:endParaRPr lang="pt-PT"/>
+          </a:p>
+        </p:txBody>
+      </p:sp>
+      <p:sp>
+        <p:nvSpPr>
+          <p:cNvPr id="11" name="CaixaDeTexto 10">
+            <a:extLst>
+              <a:ext uri="{FF2B5EF4-FFF2-40B4-BE49-F238E27FC236}">
+                <a16:creationId xmlns:a16="http://schemas.microsoft.com/office/drawing/2014/main" id="{782A8B05-50A9-4CFC-89BC-16EEFD620B73}"/>
+              </a:ext>
+            </a:extLst>
+          </p:cNvPr>
+          <p:cNvSpPr txBox="1"/>
+          <p:nvPr/>
+        </p:nvSpPr>
+        <p:spPr>
+          <a:xfrm>
+            <a:off x="6537202" y="2122027"/>
+            <a:ext cx="1981200" cy="338554"/>
+          </a:xfrm>
+          <a:prstGeom prst="rect">
+            <a:avLst/>
+          </a:prstGeom>
+          <a:noFill/>
+        </p:spPr>
+        <p:txBody>
+          <a:bodyPr wrap="square" rtlCol="0">
+            <a:spAutoFit/>
+          </a:bodyPr>
+          <a:lstStyle/>
+          <a:p>
+            <a:r>
+              <a:rPr lang="pt-PT" sz="1600" dirty="0" err="1">
+                <a:latin typeface="Consolas" panose="020B0609020204030204" pitchFamily="49" charset="0"/>
+                <a:cs typeface="Arial" panose="020B0604020202020204" pitchFamily="34" charset="0"/>
+              </a:rPr>
+              <a:t>G.add_edge</a:t>
+            </a:r>
+            <a:r>
+              <a:rPr lang="pt-PT" sz="1600" dirty="0">
+                <a:latin typeface="Consolas" panose="020B0609020204030204" pitchFamily="49" charset="0"/>
+                <a:cs typeface="Arial" panose="020B0604020202020204" pitchFamily="34" charset="0"/>
+              </a:rPr>
+              <a:t>(1,2)</a:t>
+            </a:r>
+          </a:p>
+        </p:txBody>
+      </p:sp>
+      <p:sp>
+        <p:nvSpPr>
+          <p:cNvPr id="16" name="Retângulo: Cantos Arredondados 15">
+            <a:extLst>
+              <a:ext uri="{FF2B5EF4-FFF2-40B4-BE49-F238E27FC236}">
+                <a16:creationId xmlns:a16="http://schemas.microsoft.com/office/drawing/2014/main" id="{AA1F9B06-CF28-47E5-A5E9-D77124087254}"/>
+              </a:ext>
+            </a:extLst>
+          </p:cNvPr>
+          <p:cNvSpPr/>
+          <p:nvPr/>
+        </p:nvSpPr>
+        <p:spPr>
+          <a:xfrm>
+            <a:off x="522893" y="1969627"/>
+            <a:ext cx="1752600" cy="685800"/>
+          </a:xfrm>
+          <a:prstGeom prst="roundRect">
+            <a:avLst/>
+          </a:prstGeom>
+          <a:solidFill>
+            <a:schemeClr val="bg1"/>
+          </a:solidFill>
+          <a:ln>
+            <a:noFill/>
+          </a:ln>
+        </p:spPr>
+        <p:style>
+          <a:lnRef idx="2">
+            <a:schemeClr val="accent1">
+              <a:shade val="50000"/>
+            </a:schemeClr>
+          </a:lnRef>
+          <a:fillRef idx="1">
+            <a:schemeClr val="accent1"/>
+          </a:fillRef>
+          <a:effectRef idx="0">
+            <a:schemeClr val="accent1"/>
+          </a:effectRef>
+          <a:fontRef idx="minor">
+            <a:schemeClr val="lt1"/>
+          </a:fontRef>
+        </p:style>
+        <p:txBody>
+          <a:bodyPr rtlCol="0" anchor="ctr"/>
+          <a:lstStyle/>
+          <a:p>
+            <a:pPr algn="ctr"/>
             <a:endParaRPr lang="pt-PT"/>
           </a:p>
         </p:txBody>
@@ -5494,7 +7186,7 @@
         </p:nvSpPr>
         <p:spPr>
           <a:xfrm>
-            <a:off x="762000" y="1687973"/>
+            <a:off x="599092" y="2133600"/>
             <a:ext cx="1646582" cy="338554"/>
           </a:xfrm>
           <a:prstGeom prst="rect">
@@ -5521,6 +7213,726 @@
                 <a:cs typeface="Arial" panose="020B0604020202020204" pitchFamily="34" charset="0"/>
               </a:rPr>
               <a:t>(1)</a:t>
+            </a:r>
+          </a:p>
+        </p:txBody>
+      </p:sp>
+      <p:sp>
+        <p:nvSpPr>
+          <p:cNvPr id="4" name="Oval 3">
+            <a:extLst>
+              <a:ext uri="{FF2B5EF4-FFF2-40B4-BE49-F238E27FC236}">
+                <a16:creationId xmlns:a16="http://schemas.microsoft.com/office/drawing/2014/main" id="{2C1149D6-FBF7-4740-B963-827157B2B558}"/>
+              </a:ext>
+            </a:extLst>
+          </p:cNvPr>
+          <p:cNvSpPr/>
+          <p:nvPr/>
+        </p:nvSpPr>
+        <p:spPr>
+          <a:xfrm>
+            <a:off x="1149445" y="3521676"/>
+            <a:ext cx="228600" cy="228600"/>
+          </a:xfrm>
+          <a:prstGeom prst="ellipse">
+            <a:avLst/>
+          </a:prstGeom>
+          <a:solidFill>
+            <a:srgbClr val="00FF00"/>
+          </a:solidFill>
+          <a:ln>
+            <a:solidFill>
+              <a:srgbClr val="00FF00"/>
+            </a:solidFill>
+          </a:ln>
+        </p:spPr>
+        <p:style>
+          <a:lnRef idx="2">
+            <a:schemeClr val="accent1">
+              <a:shade val="50000"/>
+            </a:schemeClr>
+          </a:lnRef>
+          <a:fillRef idx="1">
+            <a:schemeClr val="accent1"/>
+          </a:fillRef>
+          <a:effectRef idx="0">
+            <a:schemeClr val="accent1"/>
+          </a:effectRef>
+          <a:fontRef idx="minor">
+            <a:schemeClr val="lt1"/>
+          </a:fontRef>
+        </p:style>
+        <p:txBody>
+          <a:bodyPr rtlCol="0" anchor="ctr"/>
+          <a:lstStyle/>
+          <a:p>
+            <a:pPr algn="ctr"/>
+            <a:endParaRPr lang="pt-PT"/>
+          </a:p>
+        </p:txBody>
+      </p:sp>
+      <p:sp>
+        <p:nvSpPr>
+          <p:cNvPr id="5" name="CaixaDeTexto 4">
+            <a:extLst>
+              <a:ext uri="{FF2B5EF4-FFF2-40B4-BE49-F238E27FC236}">
+                <a16:creationId xmlns:a16="http://schemas.microsoft.com/office/drawing/2014/main" id="{260ED37D-F9E8-45ED-A95F-732D1B7CD678}"/>
+              </a:ext>
+            </a:extLst>
+          </p:cNvPr>
+          <p:cNvSpPr txBox="1"/>
+          <p:nvPr/>
+        </p:nvSpPr>
+        <p:spPr>
+          <a:xfrm>
+            <a:off x="1141494" y="3490789"/>
+            <a:ext cx="228600" cy="276999"/>
+          </a:xfrm>
+          <a:prstGeom prst="rect">
+            <a:avLst/>
+          </a:prstGeom>
+          <a:noFill/>
+        </p:spPr>
+        <p:txBody>
+          <a:bodyPr wrap="square" rtlCol="0">
+            <a:spAutoFit/>
+          </a:bodyPr>
+          <a:lstStyle/>
+          <a:p>
+            <a:r>
+              <a:rPr lang="pt-PT" sz="1200" dirty="0"/>
+              <a:t>1</a:t>
+            </a:r>
+          </a:p>
+        </p:txBody>
+      </p:sp>
+      <p:sp>
+        <p:nvSpPr>
+          <p:cNvPr id="15" name="Oval 14">
+            <a:extLst>
+              <a:ext uri="{FF2B5EF4-FFF2-40B4-BE49-F238E27FC236}">
+                <a16:creationId xmlns:a16="http://schemas.microsoft.com/office/drawing/2014/main" id="{340E5620-8A68-46C7-8DEA-62F6991F8D2E}"/>
+              </a:ext>
+            </a:extLst>
+          </p:cNvPr>
+          <p:cNvSpPr/>
+          <p:nvPr/>
+        </p:nvSpPr>
+        <p:spPr>
+          <a:xfrm>
+            <a:off x="3883643" y="3265027"/>
+            <a:ext cx="228600" cy="228600"/>
+          </a:xfrm>
+          <a:prstGeom prst="ellipse">
+            <a:avLst/>
+          </a:prstGeom>
+          <a:solidFill>
+            <a:srgbClr val="00FF00"/>
+          </a:solidFill>
+          <a:ln>
+            <a:solidFill>
+              <a:srgbClr val="00FF00"/>
+            </a:solidFill>
+          </a:ln>
+        </p:spPr>
+        <p:style>
+          <a:lnRef idx="2">
+            <a:schemeClr val="accent1">
+              <a:shade val="50000"/>
+            </a:schemeClr>
+          </a:lnRef>
+          <a:fillRef idx="1">
+            <a:schemeClr val="accent1"/>
+          </a:fillRef>
+          <a:effectRef idx="0">
+            <a:schemeClr val="accent1"/>
+          </a:effectRef>
+          <a:fontRef idx="minor">
+            <a:schemeClr val="lt1"/>
+          </a:fontRef>
+        </p:style>
+        <p:txBody>
+          <a:bodyPr rtlCol="0" anchor="ctr"/>
+          <a:lstStyle/>
+          <a:p>
+            <a:pPr algn="ctr"/>
+            <a:endParaRPr lang="pt-PT"/>
+          </a:p>
+        </p:txBody>
+      </p:sp>
+      <p:sp>
+        <p:nvSpPr>
+          <p:cNvPr id="17" name="CaixaDeTexto 16">
+            <a:extLst>
+              <a:ext uri="{FF2B5EF4-FFF2-40B4-BE49-F238E27FC236}">
+                <a16:creationId xmlns:a16="http://schemas.microsoft.com/office/drawing/2014/main" id="{B37B64C2-759E-47A6-BD7F-3AA1A4C6ACD0}"/>
+              </a:ext>
+            </a:extLst>
+          </p:cNvPr>
+          <p:cNvSpPr txBox="1"/>
+          <p:nvPr/>
+        </p:nvSpPr>
+        <p:spPr>
+          <a:xfrm>
+            <a:off x="3875692" y="3234140"/>
+            <a:ext cx="228600" cy="276999"/>
+          </a:xfrm>
+          <a:prstGeom prst="rect">
+            <a:avLst/>
+          </a:prstGeom>
+          <a:noFill/>
+        </p:spPr>
+        <p:txBody>
+          <a:bodyPr wrap="square" rtlCol="0">
+            <a:spAutoFit/>
+          </a:bodyPr>
+          <a:lstStyle/>
+          <a:p>
+            <a:r>
+              <a:rPr lang="pt-PT" sz="1200" dirty="0"/>
+              <a:t>2</a:t>
+            </a:r>
+          </a:p>
+        </p:txBody>
+      </p:sp>
+      <p:sp>
+        <p:nvSpPr>
+          <p:cNvPr id="21" name="Oval 20">
+            <a:extLst>
+              <a:ext uri="{FF2B5EF4-FFF2-40B4-BE49-F238E27FC236}">
+                <a16:creationId xmlns:a16="http://schemas.microsoft.com/office/drawing/2014/main" id="{9930C663-3D85-4F70-89E7-7BEF23258899}"/>
+              </a:ext>
+            </a:extLst>
+          </p:cNvPr>
+          <p:cNvSpPr/>
+          <p:nvPr/>
+        </p:nvSpPr>
+        <p:spPr>
+          <a:xfrm>
+            <a:off x="3883643" y="3888002"/>
+            <a:ext cx="228600" cy="228600"/>
+          </a:xfrm>
+          <a:prstGeom prst="ellipse">
+            <a:avLst/>
+          </a:prstGeom>
+          <a:solidFill>
+            <a:srgbClr val="00FF00"/>
+          </a:solidFill>
+          <a:ln>
+            <a:solidFill>
+              <a:srgbClr val="00FF00"/>
+            </a:solidFill>
+          </a:ln>
+        </p:spPr>
+        <p:style>
+          <a:lnRef idx="2">
+            <a:schemeClr val="accent1">
+              <a:shade val="50000"/>
+            </a:schemeClr>
+          </a:lnRef>
+          <a:fillRef idx="1">
+            <a:schemeClr val="accent1"/>
+          </a:fillRef>
+          <a:effectRef idx="0">
+            <a:schemeClr val="accent1"/>
+          </a:effectRef>
+          <a:fontRef idx="minor">
+            <a:schemeClr val="lt1"/>
+          </a:fontRef>
+        </p:style>
+        <p:txBody>
+          <a:bodyPr rtlCol="0" anchor="ctr"/>
+          <a:lstStyle/>
+          <a:p>
+            <a:pPr algn="ctr"/>
+            <a:endParaRPr lang="pt-PT"/>
+          </a:p>
+        </p:txBody>
+      </p:sp>
+      <p:sp>
+        <p:nvSpPr>
+          <p:cNvPr id="22" name="CaixaDeTexto 21">
+            <a:extLst>
+              <a:ext uri="{FF2B5EF4-FFF2-40B4-BE49-F238E27FC236}">
+                <a16:creationId xmlns:a16="http://schemas.microsoft.com/office/drawing/2014/main" id="{E875C530-AEBB-4527-86F4-68946DE8C6A5}"/>
+              </a:ext>
+            </a:extLst>
+          </p:cNvPr>
+          <p:cNvSpPr txBox="1"/>
+          <p:nvPr/>
+        </p:nvSpPr>
+        <p:spPr>
+          <a:xfrm>
+            <a:off x="3875692" y="3857115"/>
+            <a:ext cx="228600" cy="276999"/>
+          </a:xfrm>
+          <a:prstGeom prst="rect">
+            <a:avLst/>
+          </a:prstGeom>
+          <a:noFill/>
+        </p:spPr>
+        <p:txBody>
+          <a:bodyPr wrap="square" rtlCol="0">
+            <a:spAutoFit/>
+          </a:bodyPr>
+          <a:lstStyle/>
+          <a:p>
+            <a:r>
+              <a:rPr lang="pt-PT" sz="1200" dirty="0"/>
+              <a:t>3</a:t>
+            </a:r>
+          </a:p>
+        </p:txBody>
+      </p:sp>
+      <p:sp>
+        <p:nvSpPr>
+          <p:cNvPr id="23" name="Oval 22">
+            <a:extLst>
+              <a:ext uri="{FF2B5EF4-FFF2-40B4-BE49-F238E27FC236}">
+                <a16:creationId xmlns:a16="http://schemas.microsoft.com/office/drawing/2014/main" id="{EA3DF206-AEB8-4272-BA36-111E7EEE3A2A}"/>
+              </a:ext>
+            </a:extLst>
+          </p:cNvPr>
+          <p:cNvSpPr/>
+          <p:nvPr/>
+        </p:nvSpPr>
+        <p:spPr>
+          <a:xfrm>
+            <a:off x="4731370" y="3553089"/>
+            <a:ext cx="228600" cy="228600"/>
+          </a:xfrm>
+          <a:prstGeom prst="ellipse">
+            <a:avLst/>
+          </a:prstGeom>
+          <a:solidFill>
+            <a:srgbClr val="00FF00"/>
+          </a:solidFill>
+          <a:ln>
+            <a:solidFill>
+              <a:srgbClr val="00FF00"/>
+            </a:solidFill>
+          </a:ln>
+        </p:spPr>
+        <p:style>
+          <a:lnRef idx="2">
+            <a:schemeClr val="accent1">
+              <a:shade val="50000"/>
+            </a:schemeClr>
+          </a:lnRef>
+          <a:fillRef idx="1">
+            <a:schemeClr val="accent1"/>
+          </a:fillRef>
+          <a:effectRef idx="0">
+            <a:schemeClr val="accent1"/>
+          </a:effectRef>
+          <a:fontRef idx="minor">
+            <a:schemeClr val="lt1"/>
+          </a:fontRef>
+        </p:style>
+        <p:txBody>
+          <a:bodyPr rtlCol="0" anchor="ctr"/>
+          <a:lstStyle/>
+          <a:p>
+            <a:pPr algn="ctr"/>
+            <a:endParaRPr lang="pt-PT"/>
+          </a:p>
+        </p:txBody>
+      </p:sp>
+      <p:sp>
+        <p:nvSpPr>
+          <p:cNvPr id="24" name="CaixaDeTexto 23">
+            <a:extLst>
+              <a:ext uri="{FF2B5EF4-FFF2-40B4-BE49-F238E27FC236}">
+                <a16:creationId xmlns:a16="http://schemas.microsoft.com/office/drawing/2014/main" id="{192C607E-7716-43B9-8930-70C6F605FE5E}"/>
+              </a:ext>
+            </a:extLst>
+          </p:cNvPr>
+          <p:cNvSpPr txBox="1"/>
+          <p:nvPr/>
+        </p:nvSpPr>
+        <p:spPr>
+          <a:xfrm>
+            <a:off x="4723419" y="3522202"/>
+            <a:ext cx="228600" cy="276999"/>
+          </a:xfrm>
+          <a:prstGeom prst="rect">
+            <a:avLst/>
+          </a:prstGeom>
+          <a:noFill/>
+        </p:spPr>
+        <p:txBody>
+          <a:bodyPr wrap="square" rtlCol="0">
+            <a:spAutoFit/>
+          </a:bodyPr>
+          <a:lstStyle/>
+          <a:p>
+            <a:r>
+              <a:rPr lang="pt-PT" sz="1200" dirty="0"/>
+              <a:t>1</a:t>
+            </a:r>
+          </a:p>
+        </p:txBody>
+      </p:sp>
+      <p:sp>
+        <p:nvSpPr>
+          <p:cNvPr id="25" name="Oval 24">
+            <a:extLst>
+              <a:ext uri="{FF2B5EF4-FFF2-40B4-BE49-F238E27FC236}">
+                <a16:creationId xmlns:a16="http://schemas.microsoft.com/office/drawing/2014/main" id="{3EEDDA65-5EA6-4845-91ED-D41B1CF82264}"/>
+              </a:ext>
+            </a:extLst>
+          </p:cNvPr>
+          <p:cNvSpPr/>
+          <p:nvPr/>
+        </p:nvSpPr>
+        <p:spPr>
+          <a:xfrm>
+            <a:off x="7022411" y="3254948"/>
+            <a:ext cx="228600" cy="228600"/>
+          </a:xfrm>
+          <a:prstGeom prst="ellipse">
+            <a:avLst/>
+          </a:prstGeom>
+          <a:solidFill>
+            <a:srgbClr val="00FF00"/>
+          </a:solidFill>
+          <a:ln>
+            <a:solidFill>
+              <a:srgbClr val="00FF00"/>
+            </a:solidFill>
+          </a:ln>
+        </p:spPr>
+        <p:style>
+          <a:lnRef idx="2">
+            <a:schemeClr val="accent1">
+              <a:shade val="50000"/>
+            </a:schemeClr>
+          </a:lnRef>
+          <a:fillRef idx="1">
+            <a:schemeClr val="accent1"/>
+          </a:fillRef>
+          <a:effectRef idx="0">
+            <a:schemeClr val="accent1"/>
+          </a:effectRef>
+          <a:fontRef idx="minor">
+            <a:schemeClr val="lt1"/>
+          </a:fontRef>
+        </p:style>
+        <p:txBody>
+          <a:bodyPr rtlCol="0" anchor="ctr"/>
+          <a:lstStyle/>
+          <a:p>
+            <a:pPr algn="ctr"/>
+            <a:endParaRPr lang="pt-PT"/>
+          </a:p>
+        </p:txBody>
+      </p:sp>
+      <p:sp>
+        <p:nvSpPr>
+          <p:cNvPr id="26" name="CaixaDeTexto 25">
+            <a:extLst>
+              <a:ext uri="{FF2B5EF4-FFF2-40B4-BE49-F238E27FC236}">
+                <a16:creationId xmlns:a16="http://schemas.microsoft.com/office/drawing/2014/main" id="{1B51F461-A629-46DE-A968-D4FD9CBDF9E6}"/>
+              </a:ext>
+            </a:extLst>
+          </p:cNvPr>
+          <p:cNvSpPr txBox="1"/>
+          <p:nvPr/>
+        </p:nvSpPr>
+        <p:spPr>
+          <a:xfrm>
+            <a:off x="7014460" y="3224061"/>
+            <a:ext cx="228600" cy="276999"/>
+          </a:xfrm>
+          <a:prstGeom prst="rect">
+            <a:avLst/>
+          </a:prstGeom>
+          <a:noFill/>
+        </p:spPr>
+        <p:txBody>
+          <a:bodyPr wrap="square" rtlCol="0">
+            <a:spAutoFit/>
+          </a:bodyPr>
+          <a:lstStyle/>
+          <a:p>
+            <a:r>
+              <a:rPr lang="pt-PT" sz="1200" dirty="0"/>
+              <a:t>2</a:t>
+            </a:r>
+          </a:p>
+        </p:txBody>
+      </p:sp>
+      <p:sp>
+        <p:nvSpPr>
+          <p:cNvPr id="27" name="Oval 26">
+            <a:extLst>
+              <a:ext uri="{FF2B5EF4-FFF2-40B4-BE49-F238E27FC236}">
+                <a16:creationId xmlns:a16="http://schemas.microsoft.com/office/drawing/2014/main" id="{6E3D5AC1-F0D5-46E2-936C-2689D848A091}"/>
+              </a:ext>
+            </a:extLst>
+          </p:cNvPr>
+          <p:cNvSpPr/>
+          <p:nvPr/>
+        </p:nvSpPr>
+        <p:spPr>
+          <a:xfrm>
+            <a:off x="7022411" y="3877923"/>
+            <a:ext cx="228600" cy="228600"/>
+          </a:xfrm>
+          <a:prstGeom prst="ellipse">
+            <a:avLst/>
+          </a:prstGeom>
+          <a:solidFill>
+            <a:srgbClr val="00FF00"/>
+          </a:solidFill>
+          <a:ln>
+            <a:solidFill>
+              <a:srgbClr val="00FF00"/>
+            </a:solidFill>
+          </a:ln>
+        </p:spPr>
+        <p:style>
+          <a:lnRef idx="2">
+            <a:schemeClr val="accent1">
+              <a:shade val="50000"/>
+            </a:schemeClr>
+          </a:lnRef>
+          <a:fillRef idx="1">
+            <a:schemeClr val="accent1"/>
+          </a:fillRef>
+          <a:effectRef idx="0">
+            <a:schemeClr val="accent1"/>
+          </a:effectRef>
+          <a:fontRef idx="minor">
+            <a:schemeClr val="lt1"/>
+          </a:fontRef>
+        </p:style>
+        <p:txBody>
+          <a:bodyPr rtlCol="0" anchor="ctr"/>
+          <a:lstStyle/>
+          <a:p>
+            <a:pPr algn="ctr"/>
+            <a:endParaRPr lang="pt-PT"/>
+          </a:p>
+        </p:txBody>
+      </p:sp>
+      <p:sp>
+        <p:nvSpPr>
+          <p:cNvPr id="28" name="CaixaDeTexto 27">
+            <a:extLst>
+              <a:ext uri="{FF2B5EF4-FFF2-40B4-BE49-F238E27FC236}">
+                <a16:creationId xmlns:a16="http://schemas.microsoft.com/office/drawing/2014/main" id="{0E9E3D91-14B6-4C4D-9E5F-9F4F12A2842D}"/>
+              </a:ext>
+            </a:extLst>
+          </p:cNvPr>
+          <p:cNvSpPr txBox="1"/>
+          <p:nvPr/>
+        </p:nvSpPr>
+        <p:spPr>
+          <a:xfrm>
+            <a:off x="7014460" y="3847036"/>
+            <a:ext cx="228600" cy="276999"/>
+          </a:xfrm>
+          <a:prstGeom prst="rect">
+            <a:avLst/>
+          </a:prstGeom>
+          <a:noFill/>
+        </p:spPr>
+        <p:txBody>
+          <a:bodyPr wrap="square" rtlCol="0">
+            <a:spAutoFit/>
+          </a:bodyPr>
+          <a:lstStyle/>
+          <a:p>
+            <a:r>
+              <a:rPr lang="pt-PT" sz="1200" dirty="0"/>
+              <a:t>3</a:t>
+            </a:r>
+          </a:p>
+        </p:txBody>
+      </p:sp>
+      <p:sp>
+        <p:nvSpPr>
+          <p:cNvPr id="29" name="Oval 28">
+            <a:extLst>
+              <a:ext uri="{FF2B5EF4-FFF2-40B4-BE49-F238E27FC236}">
+                <a16:creationId xmlns:a16="http://schemas.microsoft.com/office/drawing/2014/main" id="{771F7D05-F153-42FC-87EF-326069BBA848}"/>
+              </a:ext>
+            </a:extLst>
+          </p:cNvPr>
+          <p:cNvSpPr/>
+          <p:nvPr/>
+        </p:nvSpPr>
+        <p:spPr>
+          <a:xfrm>
+            <a:off x="7801889" y="3487543"/>
+            <a:ext cx="228600" cy="228600"/>
+          </a:xfrm>
+          <a:prstGeom prst="ellipse">
+            <a:avLst/>
+          </a:prstGeom>
+          <a:solidFill>
+            <a:srgbClr val="00FF00"/>
+          </a:solidFill>
+          <a:ln>
+            <a:solidFill>
+              <a:srgbClr val="00FF00"/>
+            </a:solidFill>
+          </a:ln>
+        </p:spPr>
+        <p:style>
+          <a:lnRef idx="2">
+            <a:schemeClr val="accent1">
+              <a:shade val="50000"/>
+            </a:schemeClr>
+          </a:lnRef>
+          <a:fillRef idx="1">
+            <a:schemeClr val="accent1"/>
+          </a:fillRef>
+          <a:effectRef idx="0">
+            <a:schemeClr val="accent1"/>
+          </a:effectRef>
+          <a:fontRef idx="minor">
+            <a:schemeClr val="lt1"/>
+          </a:fontRef>
+        </p:style>
+        <p:txBody>
+          <a:bodyPr rtlCol="0" anchor="ctr"/>
+          <a:lstStyle/>
+          <a:p>
+            <a:pPr algn="ctr"/>
+            <a:endParaRPr lang="pt-PT"/>
+          </a:p>
+        </p:txBody>
+      </p:sp>
+      <p:sp>
+        <p:nvSpPr>
+          <p:cNvPr id="30" name="CaixaDeTexto 29">
+            <a:extLst>
+              <a:ext uri="{FF2B5EF4-FFF2-40B4-BE49-F238E27FC236}">
+                <a16:creationId xmlns:a16="http://schemas.microsoft.com/office/drawing/2014/main" id="{8E4C0ABB-769E-4AD6-8D5F-2BA913425240}"/>
+              </a:ext>
+            </a:extLst>
+          </p:cNvPr>
+          <p:cNvSpPr txBox="1"/>
+          <p:nvPr/>
+        </p:nvSpPr>
+        <p:spPr>
+          <a:xfrm>
+            <a:off x="7793938" y="3456656"/>
+            <a:ext cx="228600" cy="276999"/>
+          </a:xfrm>
+          <a:prstGeom prst="rect">
+            <a:avLst/>
+          </a:prstGeom>
+          <a:noFill/>
+        </p:spPr>
+        <p:txBody>
+          <a:bodyPr wrap="square" rtlCol="0">
+            <a:spAutoFit/>
+          </a:bodyPr>
+          <a:lstStyle/>
+          <a:p>
+            <a:r>
+              <a:rPr lang="pt-PT" sz="1200" dirty="0"/>
+              <a:t>1</a:t>
+            </a:r>
+          </a:p>
+        </p:txBody>
+      </p:sp>
+      <p:sp>
+        <p:nvSpPr>
+          <p:cNvPr id="52" name="Retângulo: Cantos Arredondados 51">
+            <a:extLst>
+              <a:ext uri="{FF2B5EF4-FFF2-40B4-BE49-F238E27FC236}">
+                <a16:creationId xmlns:a16="http://schemas.microsoft.com/office/drawing/2014/main" id="{00FA8150-3C8B-444C-A969-B27432F06C34}"/>
+              </a:ext>
+            </a:extLst>
+          </p:cNvPr>
+          <p:cNvSpPr/>
+          <p:nvPr/>
+        </p:nvSpPr>
+        <p:spPr>
+          <a:xfrm>
+            <a:off x="6230003" y="10592625"/>
+            <a:ext cx="2098140" cy="578713"/>
+          </a:xfrm>
+          <a:prstGeom prst="roundRect">
+            <a:avLst/>
+          </a:prstGeom>
+          <a:solidFill>
+            <a:srgbClr val="DDDDDD"/>
+          </a:solidFill>
+          <a:ln>
+            <a:noFill/>
+          </a:ln>
+        </p:spPr>
+        <p:style>
+          <a:lnRef idx="2">
+            <a:schemeClr val="accent1">
+              <a:shade val="50000"/>
+            </a:schemeClr>
+          </a:lnRef>
+          <a:fillRef idx="1">
+            <a:schemeClr val="accent1"/>
+          </a:fillRef>
+          <a:effectRef idx="0">
+            <a:schemeClr val="accent1"/>
+          </a:effectRef>
+          <a:fontRef idx="minor">
+            <a:schemeClr val="lt1"/>
+          </a:fontRef>
+        </p:style>
+        <p:txBody>
+          <a:bodyPr rtlCol="0" anchor="ctr"/>
+          <a:lstStyle/>
+          <a:p>
+            <a:pPr algn="ctr"/>
+            <a:endParaRPr lang="pt-PT"/>
+          </a:p>
+        </p:txBody>
+      </p:sp>
+      <p:sp>
+        <p:nvSpPr>
+          <p:cNvPr id="53" name="CaixaDeTexto 52">
+            <a:extLst>
+              <a:ext uri="{FF2B5EF4-FFF2-40B4-BE49-F238E27FC236}">
+                <a16:creationId xmlns:a16="http://schemas.microsoft.com/office/drawing/2014/main" id="{D793EF91-072E-4A4A-9BC5-736D129DB627}"/>
+              </a:ext>
+            </a:extLst>
+          </p:cNvPr>
+          <p:cNvSpPr txBox="1"/>
+          <p:nvPr/>
+        </p:nvSpPr>
+        <p:spPr>
+          <a:xfrm>
+            <a:off x="6270743" y="10712704"/>
+            <a:ext cx="2119780" cy="338554"/>
+          </a:xfrm>
+          <a:prstGeom prst="rect">
+            <a:avLst/>
+          </a:prstGeom>
+          <a:noFill/>
+        </p:spPr>
+        <p:txBody>
+          <a:bodyPr wrap="square" rtlCol="0">
+            <a:spAutoFit/>
+          </a:bodyPr>
+          <a:lstStyle/>
+          <a:p>
+            <a:r>
+              <a:rPr lang="pt-PT" sz="1600" dirty="0" err="1">
+                <a:latin typeface="Consolas" panose="020B0609020204030204" pitchFamily="49" charset="0"/>
+                <a:cs typeface="Arial" panose="020B0604020202020204" pitchFamily="34" charset="0"/>
+              </a:rPr>
+              <a:t>NodeView</a:t>
+            </a:r>
+            <a:r>
+              <a:rPr lang="pt-PT" sz="1600" dirty="0">
+                <a:latin typeface="Consolas" panose="020B0609020204030204" pitchFamily="49" charset="0"/>
+                <a:cs typeface="Arial" panose="020B0604020202020204" pitchFamily="34" charset="0"/>
+              </a:rPr>
+              <a:t>((1,2,3))</a:t>
             </a:r>
           </a:p>
         </p:txBody>
@@ -5535,6 +7947,757 @@
   <p:clrMapOvr>
     <a:masterClrMapping/>
   </p:clrMapOvr>
+  <p:timing>
+    <p:tnLst>
+      <p:par>
+        <p:cTn id="1" dur="indefinite" restart="never" nodeType="tmRoot">
+          <p:childTnLst>
+            <p:seq concurrent="1" nextAc="seek">
+              <p:cTn id="2" dur="indefinite" nodeType="mainSeq">
+                <p:childTnLst>
+                  <p:par>
+                    <p:cTn id="3" fill="hold">
+                      <p:stCondLst>
+                        <p:cond delay="indefinite"/>
+                      </p:stCondLst>
+                      <p:childTnLst>
+                        <p:par>
+                          <p:cTn id="4" fill="hold">
+                            <p:stCondLst>
+                              <p:cond delay="0"/>
+                            </p:stCondLst>
+                            <p:childTnLst>
+                              <p:par>
+                                <p:cTn id="5" presetID="10" presetClass="entr" presetSubtype="0" fill="hold" grpId="0" nodeType="clickEffect">
+                                  <p:stCondLst>
+                                    <p:cond delay="0"/>
+                                  </p:stCondLst>
+                                  <p:childTnLst>
+                                    <p:set>
+                                      <p:cBhvr>
+                                        <p:cTn id="6" dur="1" fill="hold">
+                                          <p:stCondLst>
+                                            <p:cond delay="0"/>
+                                          </p:stCondLst>
+                                        </p:cTn>
+                                        <p:tgtEl>
+                                          <p:spTgt spid="45"/>
+                                        </p:tgtEl>
+                                        <p:attrNameLst>
+                                          <p:attrName>style.visibility</p:attrName>
+                                        </p:attrNameLst>
+                                      </p:cBhvr>
+                                      <p:to>
+                                        <p:strVal val="visible"/>
+                                      </p:to>
+                                    </p:set>
+                                    <p:animEffect transition="in" filter="fade">
+                                      <p:cBhvr>
+                                        <p:cTn id="7" dur="500"/>
+                                        <p:tgtEl>
+                                          <p:spTgt spid="45"/>
+                                        </p:tgtEl>
+                                      </p:cBhvr>
+                                    </p:animEffect>
+                                  </p:childTnLst>
+                                </p:cTn>
+                              </p:par>
+                              <p:par>
+                                <p:cTn id="8" presetID="10" presetClass="entr" presetSubtype="0" fill="hold" grpId="0" nodeType="withEffect">
+                                  <p:stCondLst>
+                                    <p:cond delay="0"/>
+                                  </p:stCondLst>
+                                  <p:childTnLst>
+                                    <p:set>
+                                      <p:cBhvr>
+                                        <p:cTn id="9" dur="1" fill="hold">
+                                          <p:stCondLst>
+                                            <p:cond delay="0"/>
+                                          </p:stCondLst>
+                                        </p:cTn>
+                                        <p:tgtEl>
+                                          <p:spTgt spid="6"/>
+                                        </p:tgtEl>
+                                        <p:attrNameLst>
+                                          <p:attrName>style.visibility</p:attrName>
+                                        </p:attrNameLst>
+                                      </p:cBhvr>
+                                      <p:to>
+                                        <p:strVal val="visible"/>
+                                      </p:to>
+                                    </p:set>
+                                    <p:animEffect transition="in" filter="fade">
+                                      <p:cBhvr>
+                                        <p:cTn id="10" dur="500"/>
+                                        <p:tgtEl>
+                                          <p:spTgt spid="6"/>
+                                        </p:tgtEl>
+                                      </p:cBhvr>
+                                    </p:animEffect>
+                                  </p:childTnLst>
+                                </p:cTn>
+                              </p:par>
+                              <p:par>
+                                <p:cTn id="11" presetID="10" presetClass="entr" presetSubtype="0" fill="hold" grpId="0" nodeType="withEffect">
+                                  <p:stCondLst>
+                                    <p:cond delay="0"/>
+                                  </p:stCondLst>
+                                  <p:childTnLst>
+                                    <p:set>
+                                      <p:cBhvr>
+                                        <p:cTn id="12" dur="1" fill="hold">
+                                          <p:stCondLst>
+                                            <p:cond delay="0"/>
+                                          </p:stCondLst>
+                                        </p:cTn>
+                                        <p:tgtEl>
+                                          <p:spTgt spid="9"/>
+                                        </p:tgtEl>
+                                        <p:attrNameLst>
+                                          <p:attrName>style.visibility</p:attrName>
+                                        </p:attrNameLst>
+                                      </p:cBhvr>
+                                      <p:to>
+                                        <p:strVal val="visible"/>
+                                      </p:to>
+                                    </p:set>
+                                    <p:animEffect transition="in" filter="fade">
+                                      <p:cBhvr>
+                                        <p:cTn id="13" dur="500"/>
+                                        <p:tgtEl>
+                                          <p:spTgt spid="9"/>
+                                        </p:tgtEl>
+                                      </p:cBhvr>
+                                    </p:animEffect>
+                                  </p:childTnLst>
+                                </p:cTn>
+                              </p:par>
+                              <p:par>
+                                <p:cTn id="14" presetID="10" presetClass="entr" presetSubtype="0" fill="hold" grpId="0" nodeType="withEffect">
+                                  <p:stCondLst>
+                                    <p:cond delay="0"/>
+                                  </p:stCondLst>
+                                  <p:childTnLst>
+                                    <p:set>
+                                      <p:cBhvr>
+                                        <p:cTn id="15" dur="1" fill="hold">
+                                          <p:stCondLst>
+                                            <p:cond delay="0"/>
+                                          </p:stCondLst>
+                                        </p:cTn>
+                                        <p:tgtEl>
+                                          <p:spTgt spid="15"/>
+                                        </p:tgtEl>
+                                        <p:attrNameLst>
+                                          <p:attrName>style.visibility</p:attrName>
+                                        </p:attrNameLst>
+                                      </p:cBhvr>
+                                      <p:to>
+                                        <p:strVal val="visible"/>
+                                      </p:to>
+                                    </p:set>
+                                    <p:animEffect transition="in" filter="fade">
+                                      <p:cBhvr>
+                                        <p:cTn id="16" dur="500"/>
+                                        <p:tgtEl>
+                                          <p:spTgt spid="15"/>
+                                        </p:tgtEl>
+                                      </p:cBhvr>
+                                    </p:animEffect>
+                                  </p:childTnLst>
+                                </p:cTn>
+                              </p:par>
+                              <p:par>
+                                <p:cTn id="17" presetID="10" presetClass="entr" presetSubtype="0" fill="hold" grpId="0" nodeType="withEffect">
+                                  <p:stCondLst>
+                                    <p:cond delay="0"/>
+                                  </p:stCondLst>
+                                  <p:childTnLst>
+                                    <p:set>
+                                      <p:cBhvr>
+                                        <p:cTn id="18" dur="1" fill="hold">
+                                          <p:stCondLst>
+                                            <p:cond delay="0"/>
+                                          </p:stCondLst>
+                                        </p:cTn>
+                                        <p:tgtEl>
+                                          <p:spTgt spid="17"/>
+                                        </p:tgtEl>
+                                        <p:attrNameLst>
+                                          <p:attrName>style.visibility</p:attrName>
+                                        </p:attrNameLst>
+                                      </p:cBhvr>
+                                      <p:to>
+                                        <p:strVal val="visible"/>
+                                      </p:to>
+                                    </p:set>
+                                    <p:animEffect transition="in" filter="fade">
+                                      <p:cBhvr>
+                                        <p:cTn id="19" dur="500"/>
+                                        <p:tgtEl>
+                                          <p:spTgt spid="17"/>
+                                        </p:tgtEl>
+                                      </p:cBhvr>
+                                    </p:animEffect>
+                                  </p:childTnLst>
+                                </p:cTn>
+                              </p:par>
+                              <p:par>
+                                <p:cTn id="20" presetID="10" presetClass="entr" presetSubtype="0" fill="hold" grpId="0" nodeType="withEffect">
+                                  <p:stCondLst>
+                                    <p:cond delay="0"/>
+                                  </p:stCondLst>
+                                  <p:childTnLst>
+                                    <p:set>
+                                      <p:cBhvr>
+                                        <p:cTn id="21" dur="1" fill="hold">
+                                          <p:stCondLst>
+                                            <p:cond delay="0"/>
+                                          </p:stCondLst>
+                                        </p:cTn>
+                                        <p:tgtEl>
+                                          <p:spTgt spid="21"/>
+                                        </p:tgtEl>
+                                        <p:attrNameLst>
+                                          <p:attrName>style.visibility</p:attrName>
+                                        </p:attrNameLst>
+                                      </p:cBhvr>
+                                      <p:to>
+                                        <p:strVal val="visible"/>
+                                      </p:to>
+                                    </p:set>
+                                    <p:animEffect transition="in" filter="fade">
+                                      <p:cBhvr>
+                                        <p:cTn id="22" dur="500"/>
+                                        <p:tgtEl>
+                                          <p:spTgt spid="21"/>
+                                        </p:tgtEl>
+                                      </p:cBhvr>
+                                    </p:animEffect>
+                                  </p:childTnLst>
+                                </p:cTn>
+                              </p:par>
+                              <p:par>
+                                <p:cTn id="23" presetID="10" presetClass="entr" presetSubtype="0" fill="hold" grpId="0" nodeType="withEffect">
+                                  <p:stCondLst>
+                                    <p:cond delay="0"/>
+                                  </p:stCondLst>
+                                  <p:childTnLst>
+                                    <p:set>
+                                      <p:cBhvr>
+                                        <p:cTn id="24" dur="1" fill="hold">
+                                          <p:stCondLst>
+                                            <p:cond delay="0"/>
+                                          </p:stCondLst>
+                                        </p:cTn>
+                                        <p:tgtEl>
+                                          <p:spTgt spid="22"/>
+                                        </p:tgtEl>
+                                        <p:attrNameLst>
+                                          <p:attrName>style.visibility</p:attrName>
+                                        </p:attrNameLst>
+                                      </p:cBhvr>
+                                      <p:to>
+                                        <p:strVal val="visible"/>
+                                      </p:to>
+                                    </p:set>
+                                    <p:animEffect transition="in" filter="fade">
+                                      <p:cBhvr>
+                                        <p:cTn id="25" dur="500"/>
+                                        <p:tgtEl>
+                                          <p:spTgt spid="22"/>
+                                        </p:tgtEl>
+                                      </p:cBhvr>
+                                    </p:animEffect>
+                                  </p:childTnLst>
+                                </p:cTn>
+                              </p:par>
+                              <p:par>
+                                <p:cTn id="26" presetID="10" presetClass="entr" presetSubtype="0" fill="hold" grpId="0" nodeType="withEffect">
+                                  <p:stCondLst>
+                                    <p:cond delay="0"/>
+                                  </p:stCondLst>
+                                  <p:childTnLst>
+                                    <p:set>
+                                      <p:cBhvr>
+                                        <p:cTn id="27" dur="1" fill="hold">
+                                          <p:stCondLst>
+                                            <p:cond delay="0"/>
+                                          </p:stCondLst>
+                                        </p:cTn>
+                                        <p:tgtEl>
+                                          <p:spTgt spid="23"/>
+                                        </p:tgtEl>
+                                        <p:attrNameLst>
+                                          <p:attrName>style.visibility</p:attrName>
+                                        </p:attrNameLst>
+                                      </p:cBhvr>
+                                      <p:to>
+                                        <p:strVal val="visible"/>
+                                      </p:to>
+                                    </p:set>
+                                    <p:animEffect transition="in" filter="fade">
+                                      <p:cBhvr>
+                                        <p:cTn id="28" dur="500"/>
+                                        <p:tgtEl>
+                                          <p:spTgt spid="23"/>
+                                        </p:tgtEl>
+                                      </p:cBhvr>
+                                    </p:animEffect>
+                                  </p:childTnLst>
+                                </p:cTn>
+                              </p:par>
+                              <p:par>
+                                <p:cTn id="29" presetID="10" presetClass="entr" presetSubtype="0" fill="hold" grpId="0" nodeType="withEffect">
+                                  <p:stCondLst>
+                                    <p:cond delay="0"/>
+                                  </p:stCondLst>
+                                  <p:childTnLst>
+                                    <p:set>
+                                      <p:cBhvr>
+                                        <p:cTn id="30" dur="1" fill="hold">
+                                          <p:stCondLst>
+                                            <p:cond delay="0"/>
+                                          </p:stCondLst>
+                                        </p:cTn>
+                                        <p:tgtEl>
+                                          <p:spTgt spid="24"/>
+                                        </p:tgtEl>
+                                        <p:attrNameLst>
+                                          <p:attrName>style.visibility</p:attrName>
+                                        </p:attrNameLst>
+                                      </p:cBhvr>
+                                      <p:to>
+                                        <p:strVal val="visible"/>
+                                      </p:to>
+                                    </p:set>
+                                    <p:animEffect transition="in" filter="fade">
+                                      <p:cBhvr>
+                                        <p:cTn id="31" dur="500"/>
+                                        <p:tgtEl>
+                                          <p:spTgt spid="24"/>
+                                        </p:tgtEl>
+                                      </p:cBhvr>
+                                    </p:animEffect>
+                                  </p:childTnLst>
+                                </p:cTn>
+                              </p:par>
+                            </p:childTnLst>
+                          </p:cTn>
+                        </p:par>
+                      </p:childTnLst>
+                    </p:cTn>
+                  </p:par>
+                  <p:par>
+                    <p:cTn id="32" fill="hold">
+                      <p:stCondLst>
+                        <p:cond delay="indefinite"/>
+                      </p:stCondLst>
+                      <p:childTnLst>
+                        <p:par>
+                          <p:cTn id="33" fill="hold">
+                            <p:stCondLst>
+                              <p:cond delay="0"/>
+                            </p:stCondLst>
+                            <p:childTnLst>
+                              <p:par>
+                                <p:cTn id="34" presetID="10" presetClass="entr" presetSubtype="0" fill="hold" grpId="0" nodeType="clickEffect">
+                                  <p:stCondLst>
+                                    <p:cond delay="0"/>
+                                  </p:stCondLst>
+                                  <p:childTnLst>
+                                    <p:set>
+                                      <p:cBhvr>
+                                        <p:cTn id="35" dur="1" fill="hold">
+                                          <p:stCondLst>
+                                            <p:cond delay="0"/>
+                                          </p:stCondLst>
+                                        </p:cTn>
+                                        <p:tgtEl>
+                                          <p:spTgt spid="46"/>
+                                        </p:tgtEl>
+                                        <p:attrNameLst>
+                                          <p:attrName>style.visibility</p:attrName>
+                                        </p:attrNameLst>
+                                      </p:cBhvr>
+                                      <p:to>
+                                        <p:strVal val="visible"/>
+                                      </p:to>
+                                    </p:set>
+                                    <p:animEffect transition="in" filter="fade">
+                                      <p:cBhvr>
+                                        <p:cTn id="36" dur="500"/>
+                                        <p:tgtEl>
+                                          <p:spTgt spid="46"/>
+                                        </p:tgtEl>
+                                      </p:cBhvr>
+                                    </p:animEffect>
+                                  </p:childTnLst>
+                                </p:cTn>
+                              </p:par>
+                              <p:par>
+                                <p:cTn id="37" presetID="10" presetClass="entr" presetSubtype="0" fill="hold" nodeType="withEffect">
+                                  <p:stCondLst>
+                                    <p:cond delay="0"/>
+                                  </p:stCondLst>
+                                  <p:childTnLst>
+                                    <p:set>
+                                      <p:cBhvr>
+                                        <p:cTn id="38" dur="1" fill="hold">
+                                          <p:stCondLst>
+                                            <p:cond delay="0"/>
+                                          </p:stCondLst>
+                                        </p:cTn>
+                                        <p:tgtEl>
+                                          <p:spTgt spid="14"/>
+                                        </p:tgtEl>
+                                        <p:attrNameLst>
+                                          <p:attrName>style.visibility</p:attrName>
+                                        </p:attrNameLst>
+                                      </p:cBhvr>
+                                      <p:to>
+                                        <p:strVal val="visible"/>
+                                      </p:to>
+                                    </p:set>
+                                    <p:animEffect transition="in" filter="fade">
+                                      <p:cBhvr>
+                                        <p:cTn id="39" dur="500"/>
+                                        <p:tgtEl>
+                                          <p:spTgt spid="14"/>
+                                        </p:tgtEl>
+                                      </p:cBhvr>
+                                    </p:animEffect>
+                                  </p:childTnLst>
+                                </p:cTn>
+                              </p:par>
+                              <p:par>
+                                <p:cTn id="40" presetID="10" presetClass="entr" presetSubtype="0" fill="hold" grpId="0" nodeType="withEffect">
+                                  <p:stCondLst>
+                                    <p:cond delay="0"/>
+                                  </p:stCondLst>
+                                  <p:childTnLst>
+                                    <p:set>
+                                      <p:cBhvr>
+                                        <p:cTn id="41" dur="1" fill="hold">
+                                          <p:stCondLst>
+                                            <p:cond delay="0"/>
+                                          </p:stCondLst>
+                                        </p:cTn>
+                                        <p:tgtEl>
+                                          <p:spTgt spid="10"/>
+                                        </p:tgtEl>
+                                        <p:attrNameLst>
+                                          <p:attrName>style.visibility</p:attrName>
+                                        </p:attrNameLst>
+                                      </p:cBhvr>
+                                      <p:to>
+                                        <p:strVal val="visible"/>
+                                      </p:to>
+                                    </p:set>
+                                    <p:animEffect transition="in" filter="fade">
+                                      <p:cBhvr>
+                                        <p:cTn id="42" dur="500"/>
+                                        <p:tgtEl>
+                                          <p:spTgt spid="10"/>
+                                        </p:tgtEl>
+                                      </p:cBhvr>
+                                    </p:animEffect>
+                                  </p:childTnLst>
+                                </p:cTn>
+                              </p:par>
+                              <p:par>
+                                <p:cTn id="43" presetID="10" presetClass="entr" presetSubtype="0" fill="hold" grpId="0" nodeType="withEffect">
+                                  <p:stCondLst>
+                                    <p:cond delay="0"/>
+                                  </p:stCondLst>
+                                  <p:childTnLst>
+                                    <p:set>
+                                      <p:cBhvr>
+                                        <p:cTn id="44" dur="1" fill="hold">
+                                          <p:stCondLst>
+                                            <p:cond delay="0"/>
+                                          </p:stCondLst>
+                                        </p:cTn>
+                                        <p:tgtEl>
+                                          <p:spTgt spid="11"/>
+                                        </p:tgtEl>
+                                        <p:attrNameLst>
+                                          <p:attrName>style.visibility</p:attrName>
+                                        </p:attrNameLst>
+                                      </p:cBhvr>
+                                      <p:to>
+                                        <p:strVal val="visible"/>
+                                      </p:to>
+                                    </p:set>
+                                    <p:animEffect transition="in" filter="fade">
+                                      <p:cBhvr>
+                                        <p:cTn id="45" dur="500"/>
+                                        <p:tgtEl>
+                                          <p:spTgt spid="11"/>
+                                        </p:tgtEl>
+                                      </p:cBhvr>
+                                    </p:animEffect>
+                                  </p:childTnLst>
+                                </p:cTn>
+                              </p:par>
+                              <p:par>
+                                <p:cTn id="46" presetID="10" presetClass="entr" presetSubtype="0" fill="hold" grpId="0" nodeType="withEffect">
+                                  <p:stCondLst>
+                                    <p:cond delay="0"/>
+                                  </p:stCondLst>
+                                  <p:childTnLst>
+                                    <p:set>
+                                      <p:cBhvr>
+                                        <p:cTn id="47" dur="1" fill="hold">
+                                          <p:stCondLst>
+                                            <p:cond delay="0"/>
+                                          </p:stCondLst>
+                                        </p:cTn>
+                                        <p:tgtEl>
+                                          <p:spTgt spid="25"/>
+                                        </p:tgtEl>
+                                        <p:attrNameLst>
+                                          <p:attrName>style.visibility</p:attrName>
+                                        </p:attrNameLst>
+                                      </p:cBhvr>
+                                      <p:to>
+                                        <p:strVal val="visible"/>
+                                      </p:to>
+                                    </p:set>
+                                    <p:animEffect transition="in" filter="fade">
+                                      <p:cBhvr>
+                                        <p:cTn id="48" dur="500"/>
+                                        <p:tgtEl>
+                                          <p:spTgt spid="25"/>
+                                        </p:tgtEl>
+                                      </p:cBhvr>
+                                    </p:animEffect>
+                                  </p:childTnLst>
+                                </p:cTn>
+                              </p:par>
+                              <p:par>
+                                <p:cTn id="49" presetID="10" presetClass="entr" presetSubtype="0" fill="hold" grpId="0" nodeType="withEffect">
+                                  <p:stCondLst>
+                                    <p:cond delay="0"/>
+                                  </p:stCondLst>
+                                  <p:childTnLst>
+                                    <p:set>
+                                      <p:cBhvr>
+                                        <p:cTn id="50" dur="1" fill="hold">
+                                          <p:stCondLst>
+                                            <p:cond delay="0"/>
+                                          </p:stCondLst>
+                                        </p:cTn>
+                                        <p:tgtEl>
+                                          <p:spTgt spid="26"/>
+                                        </p:tgtEl>
+                                        <p:attrNameLst>
+                                          <p:attrName>style.visibility</p:attrName>
+                                        </p:attrNameLst>
+                                      </p:cBhvr>
+                                      <p:to>
+                                        <p:strVal val="visible"/>
+                                      </p:to>
+                                    </p:set>
+                                    <p:animEffect transition="in" filter="fade">
+                                      <p:cBhvr>
+                                        <p:cTn id="51" dur="500"/>
+                                        <p:tgtEl>
+                                          <p:spTgt spid="26"/>
+                                        </p:tgtEl>
+                                      </p:cBhvr>
+                                    </p:animEffect>
+                                  </p:childTnLst>
+                                </p:cTn>
+                              </p:par>
+                              <p:par>
+                                <p:cTn id="52" presetID="10" presetClass="entr" presetSubtype="0" fill="hold" grpId="0" nodeType="withEffect">
+                                  <p:stCondLst>
+                                    <p:cond delay="0"/>
+                                  </p:stCondLst>
+                                  <p:childTnLst>
+                                    <p:set>
+                                      <p:cBhvr>
+                                        <p:cTn id="53" dur="1" fill="hold">
+                                          <p:stCondLst>
+                                            <p:cond delay="0"/>
+                                          </p:stCondLst>
+                                        </p:cTn>
+                                        <p:tgtEl>
+                                          <p:spTgt spid="27"/>
+                                        </p:tgtEl>
+                                        <p:attrNameLst>
+                                          <p:attrName>style.visibility</p:attrName>
+                                        </p:attrNameLst>
+                                      </p:cBhvr>
+                                      <p:to>
+                                        <p:strVal val="visible"/>
+                                      </p:to>
+                                    </p:set>
+                                    <p:animEffect transition="in" filter="fade">
+                                      <p:cBhvr>
+                                        <p:cTn id="54" dur="500"/>
+                                        <p:tgtEl>
+                                          <p:spTgt spid="27"/>
+                                        </p:tgtEl>
+                                      </p:cBhvr>
+                                    </p:animEffect>
+                                  </p:childTnLst>
+                                </p:cTn>
+                              </p:par>
+                              <p:par>
+                                <p:cTn id="55" presetID="10" presetClass="entr" presetSubtype="0" fill="hold" grpId="0" nodeType="withEffect">
+                                  <p:stCondLst>
+                                    <p:cond delay="0"/>
+                                  </p:stCondLst>
+                                  <p:childTnLst>
+                                    <p:set>
+                                      <p:cBhvr>
+                                        <p:cTn id="56" dur="1" fill="hold">
+                                          <p:stCondLst>
+                                            <p:cond delay="0"/>
+                                          </p:stCondLst>
+                                        </p:cTn>
+                                        <p:tgtEl>
+                                          <p:spTgt spid="28"/>
+                                        </p:tgtEl>
+                                        <p:attrNameLst>
+                                          <p:attrName>style.visibility</p:attrName>
+                                        </p:attrNameLst>
+                                      </p:cBhvr>
+                                      <p:to>
+                                        <p:strVal val="visible"/>
+                                      </p:to>
+                                    </p:set>
+                                    <p:animEffect transition="in" filter="fade">
+                                      <p:cBhvr>
+                                        <p:cTn id="57" dur="500"/>
+                                        <p:tgtEl>
+                                          <p:spTgt spid="28"/>
+                                        </p:tgtEl>
+                                      </p:cBhvr>
+                                    </p:animEffect>
+                                  </p:childTnLst>
+                                </p:cTn>
+                              </p:par>
+                              <p:par>
+                                <p:cTn id="58" presetID="10" presetClass="entr" presetSubtype="0" fill="hold" grpId="0" nodeType="withEffect">
+                                  <p:stCondLst>
+                                    <p:cond delay="0"/>
+                                  </p:stCondLst>
+                                  <p:childTnLst>
+                                    <p:set>
+                                      <p:cBhvr>
+                                        <p:cTn id="59" dur="1" fill="hold">
+                                          <p:stCondLst>
+                                            <p:cond delay="0"/>
+                                          </p:stCondLst>
+                                        </p:cTn>
+                                        <p:tgtEl>
+                                          <p:spTgt spid="29"/>
+                                        </p:tgtEl>
+                                        <p:attrNameLst>
+                                          <p:attrName>style.visibility</p:attrName>
+                                        </p:attrNameLst>
+                                      </p:cBhvr>
+                                      <p:to>
+                                        <p:strVal val="visible"/>
+                                      </p:to>
+                                    </p:set>
+                                    <p:animEffect transition="in" filter="fade">
+                                      <p:cBhvr>
+                                        <p:cTn id="60" dur="500"/>
+                                        <p:tgtEl>
+                                          <p:spTgt spid="29"/>
+                                        </p:tgtEl>
+                                      </p:cBhvr>
+                                    </p:animEffect>
+                                  </p:childTnLst>
+                                </p:cTn>
+                              </p:par>
+                              <p:par>
+                                <p:cTn id="61" presetID="10" presetClass="entr" presetSubtype="0" fill="hold" grpId="0" nodeType="withEffect">
+                                  <p:stCondLst>
+                                    <p:cond delay="0"/>
+                                  </p:stCondLst>
+                                  <p:childTnLst>
+                                    <p:set>
+                                      <p:cBhvr>
+                                        <p:cTn id="62" dur="1" fill="hold">
+                                          <p:stCondLst>
+                                            <p:cond delay="0"/>
+                                          </p:stCondLst>
+                                        </p:cTn>
+                                        <p:tgtEl>
+                                          <p:spTgt spid="30"/>
+                                        </p:tgtEl>
+                                        <p:attrNameLst>
+                                          <p:attrName>style.visibility</p:attrName>
+                                        </p:attrNameLst>
+                                      </p:cBhvr>
+                                      <p:to>
+                                        <p:strVal val="visible"/>
+                                      </p:to>
+                                    </p:set>
+                                    <p:animEffect transition="in" filter="fade">
+                                      <p:cBhvr>
+                                        <p:cTn id="63" dur="500"/>
+                                        <p:tgtEl>
+                                          <p:spTgt spid="30"/>
+                                        </p:tgtEl>
+                                      </p:cBhvr>
+                                    </p:animEffect>
+                                  </p:childTnLst>
+                                </p:cTn>
+                              </p:par>
+                            </p:childTnLst>
+                          </p:cTn>
+                        </p:par>
+                      </p:childTnLst>
+                    </p:cTn>
+                  </p:par>
+                </p:childTnLst>
+              </p:cTn>
+              <p:prevCondLst>
+                <p:cond evt="onPrev" delay="0">
+                  <p:tgtEl>
+                    <p:sldTgt/>
+                  </p:tgtEl>
+                </p:cond>
+              </p:prevCondLst>
+              <p:nextCondLst>
+                <p:cond evt="onNext" delay="0">
+                  <p:tgtEl>
+                    <p:sldTgt/>
+                  </p:tgtEl>
+                </p:cond>
+              </p:nextCondLst>
+            </p:seq>
+          </p:childTnLst>
+        </p:cTn>
+      </p:par>
+    </p:tnLst>
+    <p:bldLst>
+      <p:bldP spid="46" grpId="0" animBg="1"/>
+      <p:bldP spid="45" grpId="0" animBg="1"/>
+      <p:bldP spid="6" grpId="0" animBg="1"/>
+      <p:bldP spid="9" grpId="0"/>
+      <p:bldP spid="10" grpId="0" animBg="1"/>
+      <p:bldP spid="11" grpId="0"/>
+      <p:bldP spid="15" grpId="0" animBg="1"/>
+      <p:bldP spid="17" grpId="0"/>
+      <p:bldP spid="21" grpId="0" animBg="1"/>
+      <p:bldP spid="22" grpId="0"/>
+      <p:bldP spid="23" grpId="0" animBg="1"/>
+      <p:bldP spid="24" grpId="0"/>
+      <p:bldP spid="25" grpId="0" animBg="1"/>
+      <p:bldP spid="26" grpId="0"/>
+      <p:bldP spid="27" grpId="0" animBg="1"/>
+      <p:bldP spid="28" grpId="0"/>
+      <p:bldP spid="29" grpId="0" animBg="1"/>
+      <p:bldP spid="30" grpId="0"/>
+    </p:bldLst>
+  </p:timing>
 </p:sld>
 </file>
 
@@ -5557,57 +8720,10 @@
       </p:grpSpPr>
       <p:sp>
         <p:nvSpPr>
-          <p:cNvPr id="12" name="object 2">
+          <p:cNvPr id="11" name="Retângulo: Cantos Arredondados 10">
             <a:extLst>
               <a:ext uri="{FF2B5EF4-FFF2-40B4-BE49-F238E27FC236}">
-                <a16:creationId xmlns:a16="http://schemas.microsoft.com/office/drawing/2014/main" id="{3FB8BEF2-4FBF-456A-BB55-B3EE58FADD7D}"/>
-              </a:ext>
-            </a:extLst>
-          </p:cNvPr>
-          <p:cNvSpPr txBox="1">
-            <a:spLocks noGrp="1"/>
-          </p:cNvSpPr>
-          <p:nvPr>
-            <p:ph type="title"/>
-          </p:nvPr>
-        </p:nvSpPr>
-        <p:spPr>
-          <a:xfrm>
-            <a:off x="3223020" y="304800"/>
-            <a:ext cx="2697957" cy="461023"/>
-          </a:xfrm>
-          <a:prstGeom prst="rect">
-            <a:avLst/>
-          </a:prstGeom>
-        </p:spPr>
-        <p:txBody>
-          <a:bodyPr vert="horz" wrap="square" lIns="0" tIns="14604" rIns="0" bIns="0" rtlCol="0">
-            <a:spAutoFit/>
-          </a:bodyPr>
-          <a:lstStyle/>
-          <a:p>
-            <a:pPr marL="12700" algn="l">
-              <a:lnSpc>
-                <a:spcPct val="100000"/>
-              </a:lnSpc>
-              <a:spcBef>
-                <a:spcPts val="114"/>
-              </a:spcBef>
-            </a:pPr>
-            <a:r>
-              <a:rPr lang="pt-PT" spc="-185" dirty="0"/>
-              <a:t>Funcionalidades</a:t>
-            </a:r>
-            <a:endParaRPr spc="-185" dirty="0"/>
-          </a:p>
-        </p:txBody>
-      </p:sp>
-      <p:sp>
-        <p:nvSpPr>
-          <p:cNvPr id="6" name="Retângulo: Cantos Arredondados 5">
-            <a:extLst>
-              <a:ext uri="{FF2B5EF4-FFF2-40B4-BE49-F238E27FC236}">
-                <a16:creationId xmlns:a16="http://schemas.microsoft.com/office/drawing/2014/main" id="{8DDA3C24-187C-496E-86EF-52662A0EAAD1}"/>
+                <a16:creationId xmlns:a16="http://schemas.microsoft.com/office/drawing/2014/main" id="{4500F18E-9FB3-4CA0-9414-4DA9A301B886}"/>
               </a:ext>
             </a:extLst>
           </p:cNvPr>
@@ -5616,14 +8732,14 @@
         </p:nvSpPr>
         <p:spPr>
           <a:xfrm>
-            <a:off x="4952999" y="1524000"/>
-            <a:ext cx="3988673" cy="585736"/>
+            <a:off x="703127" y="2497418"/>
+            <a:ext cx="2971800" cy="2217420"/>
           </a:xfrm>
           <a:prstGeom prst="roundRect">
             <a:avLst/>
           </a:prstGeom>
           <a:solidFill>
-            <a:srgbClr val="DDDDDD"/>
+            <a:schemeClr val="bg1"/>
           </a:solidFill>
           <a:ln>
             <a:noFill/>
@@ -5656,6 +8772,53 @@
       </p:sp>
       <p:sp>
         <p:nvSpPr>
+          <p:cNvPr id="12" name="object 2">
+            <a:extLst>
+              <a:ext uri="{FF2B5EF4-FFF2-40B4-BE49-F238E27FC236}">
+                <a16:creationId xmlns:a16="http://schemas.microsoft.com/office/drawing/2014/main" id="{3FB8BEF2-4FBF-456A-BB55-B3EE58FADD7D}"/>
+              </a:ext>
+            </a:extLst>
+          </p:cNvPr>
+          <p:cNvSpPr txBox="1">
+            <a:spLocks noGrp="1"/>
+          </p:cNvSpPr>
+          <p:nvPr>
+            <p:ph type="title"/>
+          </p:nvPr>
+        </p:nvSpPr>
+        <p:spPr>
+          <a:xfrm>
+            <a:off x="3223020" y="304800"/>
+            <a:ext cx="2697957" cy="461023"/>
+          </a:xfrm>
+          <a:prstGeom prst="rect">
+            <a:avLst/>
+          </a:prstGeom>
+        </p:spPr>
+        <p:txBody>
+          <a:bodyPr vert="horz" wrap="square" lIns="0" tIns="14604" rIns="0" bIns="0" rtlCol="0">
+            <a:spAutoFit/>
+          </a:bodyPr>
+          <a:lstStyle/>
+          <a:p>
+            <a:pPr marL="12700" algn="l">
+              <a:lnSpc>
+                <a:spcPct val="100000"/>
+              </a:lnSpc>
+              <a:spcBef>
+                <a:spcPts val="114"/>
+              </a:spcBef>
+            </a:pPr>
+            <a:r>
+              <a:rPr lang="pt-PT" spc="-185" dirty="0"/>
+              <a:t>Funcionalidades</a:t>
+            </a:r>
+            <a:endParaRPr spc="-185" dirty="0"/>
+          </a:p>
+        </p:txBody>
+      </p:sp>
+      <p:sp>
+        <p:nvSpPr>
           <p:cNvPr id="16" name="Retângulo: Cantos Arredondados 15">
             <a:extLst>
               <a:ext uri="{FF2B5EF4-FFF2-40B4-BE49-F238E27FC236}">
@@ -5668,14 +8831,14 @@
         </p:nvSpPr>
         <p:spPr>
           <a:xfrm>
-            <a:off x="658646" y="1474976"/>
-            <a:ext cx="2971800" cy="685800"/>
+            <a:off x="686002" y="1659561"/>
+            <a:ext cx="2971800" cy="512177"/>
           </a:xfrm>
           <a:prstGeom prst="roundRect">
             <a:avLst/>
           </a:prstGeom>
           <a:solidFill>
-            <a:srgbClr val="DDDDDD"/>
+            <a:schemeClr val="bg1"/>
           </a:solidFill>
           <a:ln>
             <a:noFill/>
@@ -5720,8 +8883,8 @@
         </p:nvSpPr>
         <p:spPr>
           <a:xfrm>
-            <a:off x="782600" y="1648599"/>
-            <a:ext cx="2971800" cy="338554"/>
+            <a:off x="731702" y="1746372"/>
+            <a:ext cx="2926100" cy="338554"/>
           </a:xfrm>
           <a:prstGeom prst="rect">
             <a:avLst/>
@@ -5758,153 +8921,42 @@
           </a:p>
         </p:txBody>
       </p:sp>
-      <p:sp>
-        <p:nvSpPr>
-          <p:cNvPr id="2" name="Retângulo 1">
+      <p:pic>
+        <p:nvPicPr>
+          <p:cNvPr id="5" name="Imagem 4">
             <a:extLst>
               <a:ext uri="{FF2B5EF4-FFF2-40B4-BE49-F238E27FC236}">
-                <a16:creationId xmlns:a16="http://schemas.microsoft.com/office/drawing/2014/main" id="{98827B96-B37C-4F6C-BDA4-4618F17CD3EE}"/>
+                <a16:creationId xmlns:a16="http://schemas.microsoft.com/office/drawing/2014/main" id="{02055F41-0245-4079-922D-B40A2E3996E0}"/>
               </a:ext>
             </a:extLst>
           </p:cNvPr>
-          <p:cNvSpPr/>
+          <p:cNvPicPr>
+            <a:picLocks noChangeAspect="1"/>
+          </p:cNvPicPr>
           <p:nvPr/>
-        </p:nvSpPr>
-        <p:spPr>
-          <a:xfrm>
-            <a:off x="5054069" y="1671118"/>
-            <a:ext cx="3887603" cy="338554"/>
-          </a:xfrm>
-          <a:prstGeom prst="rect">
-            <a:avLst/>
-          </a:prstGeom>
-        </p:spPr>
-        <p:txBody>
-          <a:bodyPr wrap="none">
-            <a:spAutoFit/>
-          </a:bodyPr>
-          <a:lstStyle/>
-          <a:p>
-            <a:r>
-              <a:rPr lang="pt-PT" sz="1600" dirty="0">
-                <a:latin typeface="Consolas" panose="020B0609020204030204" pitchFamily="49" charset="0"/>
-                <a:cs typeface="Arial" panose="020B0604020202020204" pitchFamily="34" charset="0"/>
-              </a:rPr>
-              <a:t>G2 = </a:t>
-            </a:r>
-            <a:r>
-              <a:rPr lang="pt-PT" sz="1600" dirty="0" err="1">
-                <a:latin typeface="Consolas" panose="020B0609020204030204" pitchFamily="49" charset="0"/>
-                <a:cs typeface="Arial" panose="020B0604020202020204" pitchFamily="34" charset="0"/>
-              </a:rPr>
-              <a:t>nx.erdos_renyi_graph</a:t>
-            </a:r>
-            <a:r>
-              <a:rPr lang="pt-PT" sz="1600" dirty="0">
-                <a:latin typeface="Consolas" panose="020B0609020204030204" pitchFamily="49" charset="0"/>
-                <a:cs typeface="Arial" panose="020B0604020202020204" pitchFamily="34" charset="0"/>
-              </a:rPr>
-              <a:t>(10,0.4)</a:t>
-            </a:r>
-          </a:p>
-        </p:txBody>
-      </p:sp>
-      <p:sp>
-        <p:nvSpPr>
-          <p:cNvPr id="13" name="Retângulo: Cantos Arredondados 12">
+        </p:nvPicPr>
+        <p:blipFill>
+          <a:blip r:embed="rId3">
             <a:extLst>
-              <a:ext uri="{FF2B5EF4-FFF2-40B4-BE49-F238E27FC236}">
-                <a16:creationId xmlns:a16="http://schemas.microsoft.com/office/drawing/2014/main" id="{E42DD0BB-5BD8-47DA-ADF1-8E547B342108}"/>
+              <a:ext uri="{28A0092B-C50C-407E-A947-70E740481C1C}">
+                <a14:useLocalDpi xmlns:a14="http://schemas.microsoft.com/office/drawing/2010/main" val="0"/>
               </a:ext>
             </a:extLst>
-          </p:cNvPr>
-          <p:cNvSpPr/>
-          <p:nvPr/>
-        </p:nvSpPr>
+          </a:blip>
+          <a:stretch>
+            <a:fillRect/>
+          </a:stretch>
+        </p:blipFill>
         <p:spPr>
           <a:xfrm>
-            <a:off x="3462284" y="3657600"/>
-            <a:ext cx="1884687" cy="585736"/>
-          </a:xfrm>
-          <a:prstGeom prst="roundRect">
+            <a:off x="731702" y="2806416"/>
+            <a:ext cx="2694154" cy="1758290"/>
+          </a:xfrm>
+          <a:prstGeom prst="rect">
             <a:avLst/>
           </a:prstGeom>
-          <a:solidFill>
-            <a:srgbClr val="DDDDDD"/>
-          </a:solidFill>
-          <a:ln>
-            <a:noFill/>
-          </a:ln>
-        </p:spPr>
-        <p:style>
-          <a:lnRef idx="2">
-            <a:schemeClr val="accent1">
-              <a:shade val="50000"/>
-            </a:schemeClr>
-          </a:lnRef>
-          <a:fillRef idx="1">
-            <a:schemeClr val="accent1"/>
-          </a:fillRef>
-          <a:effectRef idx="0">
-            <a:schemeClr val="accent1"/>
-          </a:effectRef>
-          <a:fontRef idx="minor">
-            <a:schemeClr val="lt1"/>
-          </a:fontRef>
-        </p:style>
-        <p:txBody>
-          <a:bodyPr rtlCol="0" anchor="ctr"/>
-          <a:lstStyle/>
-          <a:p>
-            <a:pPr algn="ctr"/>
-            <a:endParaRPr lang="pt-PT"/>
-          </a:p>
-        </p:txBody>
-      </p:sp>
-      <p:sp>
-        <p:nvSpPr>
-          <p:cNvPr id="3" name="Retângulo 2">
-            <a:extLst>
-              <a:ext uri="{FF2B5EF4-FFF2-40B4-BE49-F238E27FC236}">
-                <a16:creationId xmlns:a16="http://schemas.microsoft.com/office/drawing/2014/main" id="{C112E6DB-457C-4848-A072-E354F7F9A5A4}"/>
-              </a:ext>
-            </a:extLst>
-          </p:cNvPr>
-          <p:cNvSpPr/>
-          <p:nvPr/>
-        </p:nvSpPr>
-        <p:spPr>
-          <a:xfrm>
-            <a:off x="3635285" y="3780183"/>
-            <a:ext cx="1531188" cy="338554"/>
-          </a:xfrm>
-          <a:prstGeom prst="rect">
-            <a:avLst/>
-          </a:prstGeom>
-        </p:spPr>
-        <p:txBody>
-          <a:bodyPr wrap="none">
-            <a:spAutoFit/>
-          </a:bodyPr>
-          <a:lstStyle/>
-          <a:p>
-            <a:r>
-              <a:rPr lang="pt-PT" sz="1600" dirty="0" err="1">
-                <a:latin typeface="Consolas" panose="020B0609020204030204" pitchFamily="49" charset="0"/>
-                <a:cs typeface="Arial" panose="020B0604020202020204" pitchFamily="34" charset="0"/>
-              </a:rPr>
-              <a:t>union</a:t>
-            </a:r>
-            <a:r>
-              <a:rPr lang="pt-PT" sz="1600" dirty="0">
-                <a:latin typeface="Consolas" panose="020B0609020204030204" pitchFamily="49" charset="0"/>
-                <a:cs typeface="Arial" panose="020B0604020202020204" pitchFamily="34" charset="0"/>
-              </a:rPr>
-              <a:t>(G1,G2)</a:t>
-            </a:r>
-          </a:p>
-        </p:txBody>
-      </p:sp>
+        </p:spPr>
+      </p:pic>
     </p:spTree>
     <p:extLst>
       <p:ext uri="{BB962C8B-B14F-4D97-AF65-F5344CB8AC3E}">
@@ -5915,6 +8967,18 @@
   <p:clrMapOvr>
     <a:masterClrMapping/>
   </p:clrMapOvr>
+  <mc:AlternateContent xmlns:mc="http://schemas.openxmlformats.org/markup-compatibility/2006">
+    <mc:Choice xmlns:p14="http://schemas.microsoft.com/office/powerpoint/2010/main" Requires="p14">
+      <p:transition spd="med" p14:dur="700">
+        <p:fade/>
+      </p:transition>
+    </mc:Choice>
+    <mc:Fallback>
+      <p:transition spd="med">
+        <p:fade/>
+      </p:transition>
+    </mc:Fallback>
+  </mc:AlternateContent>
 </p:sld>
 </file>
 
@@ -5937,87 +9001,10 @@
       </p:grpSpPr>
       <p:sp>
         <p:nvSpPr>
-          <p:cNvPr id="12" name="object 2">
+          <p:cNvPr id="11" name="Retângulo: Cantos Arredondados 10">
             <a:extLst>
               <a:ext uri="{FF2B5EF4-FFF2-40B4-BE49-F238E27FC236}">
-                <a16:creationId xmlns:a16="http://schemas.microsoft.com/office/drawing/2014/main" id="{3FB8BEF2-4FBF-456A-BB55-B3EE58FADD7D}"/>
-              </a:ext>
-            </a:extLst>
-          </p:cNvPr>
-          <p:cNvSpPr txBox="1">
-            <a:spLocks noGrp="1"/>
-          </p:cNvSpPr>
-          <p:nvPr>
-            <p:ph type="title"/>
-          </p:nvPr>
-        </p:nvSpPr>
-        <p:spPr>
-          <a:xfrm>
-            <a:off x="2868810" y="231172"/>
-            <a:ext cx="3406380" cy="461023"/>
-          </a:xfrm>
-          <a:prstGeom prst="rect">
-            <a:avLst/>
-          </a:prstGeom>
-        </p:spPr>
-        <p:txBody>
-          <a:bodyPr vert="horz" wrap="square" lIns="0" tIns="14604" rIns="0" bIns="0" rtlCol="0">
-            <a:spAutoFit/>
-          </a:bodyPr>
-          <a:lstStyle/>
-          <a:p>
-            <a:pPr marL="12700" algn="l">
-              <a:lnSpc>
-                <a:spcPct val="100000"/>
-              </a:lnSpc>
-              <a:spcBef>
-                <a:spcPts val="114"/>
-              </a:spcBef>
-            </a:pPr>
-            <a:r>
-              <a:rPr lang="pt-PT" spc="-185" dirty="0"/>
-              <a:t>Exemplo de utilização</a:t>
-            </a:r>
-            <a:endParaRPr spc="-185" dirty="0"/>
-          </a:p>
-        </p:txBody>
-      </p:sp>
-    </p:spTree>
-    <p:extLst>
-      <p:ext uri="{BB962C8B-B14F-4D97-AF65-F5344CB8AC3E}">
-        <p14:creationId xmlns:p14="http://schemas.microsoft.com/office/powerpoint/2010/main" val="2364574878"/>
-      </p:ext>
-    </p:extLst>
-  </p:cSld>
-  <p:clrMapOvr>
-    <a:masterClrMapping/>
-  </p:clrMapOvr>
-</p:sld>
-</file>
-
-<file path=ppt/slides/slide7.xml><?xml version="1.0" encoding="utf-8"?>
-<p:sld xmlns:a="http://schemas.openxmlformats.org/drawingml/2006/main" xmlns:r="http://schemas.openxmlformats.org/officeDocument/2006/relationships" xmlns:p="http://schemas.openxmlformats.org/presentationml/2006/main" showMasterSp="0">
-  <p:cSld>
-    <p:spTree>
-      <p:nvGrpSpPr>
-        <p:cNvPr id="1" name=""/>
-        <p:cNvGrpSpPr/>
-        <p:nvPr/>
-      </p:nvGrpSpPr>
-      <p:grpSpPr>
-        <a:xfrm>
-          <a:off x="0" y="0"/>
-          <a:ext cx="0" cy="0"/>
-          <a:chOff x="0" y="0"/>
-          <a:chExt cx="0" cy="0"/>
-        </a:xfrm>
-      </p:grpSpPr>
-      <p:sp>
-        <p:nvSpPr>
-          <p:cNvPr id="18" name="object 2">
-            <a:extLst>
-              <a:ext uri="{FF2B5EF4-FFF2-40B4-BE49-F238E27FC236}">
-                <a16:creationId xmlns:a16="http://schemas.microsoft.com/office/drawing/2014/main" id="{05AAF6C0-D971-4C1B-B829-B8B4D0B5493A}"/>
+                <a16:creationId xmlns:a16="http://schemas.microsoft.com/office/drawing/2014/main" id="{4500F18E-9FB3-4CA0-9414-4DA9A301B886}"/>
               </a:ext>
             </a:extLst>
           </p:cNvPr>
@@ -6026,111 +9013,14 @@
         </p:nvSpPr>
         <p:spPr>
           <a:xfrm>
-            <a:off x="0" y="6"/>
-            <a:ext cx="9144000" cy="6858000"/>
-          </a:xfrm>
-          <a:custGeom>
-            <a:avLst/>
-            <a:gdLst/>
-            <a:ahLst/>
-            <a:cxnLst/>
-            <a:rect l="l" t="t" r="r" b="b"/>
-            <a:pathLst>
-              <a:path w="9144000" h="6858000">
-                <a:moveTo>
-                  <a:pt x="0" y="6857993"/>
-                </a:moveTo>
-                <a:lnTo>
-                  <a:pt x="9144000" y="6857993"/>
-                </a:lnTo>
-                <a:lnTo>
-                  <a:pt x="9144000" y="0"/>
-                </a:lnTo>
-                <a:lnTo>
-                  <a:pt x="0" y="0"/>
-                </a:lnTo>
-                <a:lnTo>
-                  <a:pt x="0" y="6857993"/>
-                </a:lnTo>
-                <a:close/>
-              </a:path>
-            </a:pathLst>
-          </a:custGeom>
-          <a:solidFill>
-            <a:srgbClr val="FAB200"/>
-          </a:solidFill>
-        </p:spPr>
-        <p:txBody>
-          <a:bodyPr wrap="square" lIns="0" tIns="0" rIns="0" bIns="0" rtlCol="0"/>
-          <a:lstStyle/>
-          <a:p>
-            <a:endParaRPr/>
-          </a:p>
-        </p:txBody>
-      </p:sp>
-      <p:sp>
-        <p:nvSpPr>
-          <p:cNvPr id="3" name="object 3"/>
-          <p:cNvSpPr txBox="1">
-            <a:spLocks noGrp="1"/>
-          </p:cNvSpPr>
-          <p:nvPr>
-            <p:ph type="title"/>
-          </p:nvPr>
-        </p:nvSpPr>
-        <p:spPr>
-          <a:xfrm>
-            <a:off x="0" y="224777"/>
-            <a:ext cx="9144000" cy="461023"/>
-          </a:xfrm>
-          <a:prstGeom prst="rect">
-            <a:avLst/>
-          </a:prstGeom>
-        </p:spPr>
-        <p:txBody>
-          <a:bodyPr vert="horz" wrap="square" lIns="0" tIns="14604" rIns="0" bIns="0" rtlCol="0">
-            <a:spAutoFit/>
-          </a:bodyPr>
-          <a:lstStyle/>
-          <a:p>
-            <a:pPr marL="12700" algn="ctr">
-              <a:lnSpc>
-                <a:spcPct val="100000"/>
-              </a:lnSpc>
-              <a:spcBef>
-                <a:spcPts val="114"/>
-              </a:spcBef>
-            </a:pPr>
-            <a:r>
-              <a:rPr lang="pt-PT" spc="-135" dirty="0"/>
-              <a:t>Demo</a:t>
-            </a:r>
-            <a:endParaRPr spc="-135" dirty="0"/>
-          </a:p>
-        </p:txBody>
-      </p:sp>
-      <p:sp>
-        <p:nvSpPr>
-          <p:cNvPr id="8" name="Retângulo: Cantos Arredondados 7">
-            <a:extLst>
-              <a:ext uri="{FF2B5EF4-FFF2-40B4-BE49-F238E27FC236}">
-                <a16:creationId xmlns:a16="http://schemas.microsoft.com/office/drawing/2014/main" id="{908BDC70-7C18-4922-ADB8-130022C17DF3}"/>
-              </a:ext>
-            </a:extLst>
-          </p:cNvPr>
-          <p:cNvSpPr/>
-          <p:nvPr/>
-        </p:nvSpPr>
-        <p:spPr>
-          <a:xfrm>
-            <a:off x="323088" y="932296"/>
-            <a:ext cx="8496300" cy="5747900"/>
+            <a:off x="686002" y="2499323"/>
+            <a:ext cx="2971800" cy="2217420"/>
           </a:xfrm>
           <a:prstGeom prst="roundRect">
             <a:avLst/>
           </a:prstGeom>
           <a:solidFill>
-            <a:srgbClr val="DDDDDD"/>
+            <a:schemeClr val="bg1"/>
           </a:solidFill>
           <a:ln>
             <a:noFill/>
@@ -6157,16 +9047,63 @@
           <a:lstStyle/>
           <a:p>
             <a:pPr algn="ctr"/>
-            <a:endParaRPr lang="pt-PT" dirty="0"/>
-          </a:p>
-        </p:txBody>
-      </p:sp>
-      <p:sp>
-        <p:nvSpPr>
-          <p:cNvPr id="5" name="Retângulo: Cantos Arredondados 4">
+            <a:endParaRPr lang="pt-PT"/>
+          </a:p>
+        </p:txBody>
+      </p:sp>
+      <p:sp>
+        <p:nvSpPr>
+          <p:cNvPr id="12" name="object 2">
             <a:extLst>
               <a:ext uri="{FF2B5EF4-FFF2-40B4-BE49-F238E27FC236}">
-                <a16:creationId xmlns:a16="http://schemas.microsoft.com/office/drawing/2014/main" id="{B8336ACE-D0D5-489B-ACD7-457A46608889}"/>
+                <a16:creationId xmlns:a16="http://schemas.microsoft.com/office/drawing/2014/main" id="{3FB8BEF2-4FBF-456A-BB55-B3EE58FADD7D}"/>
+              </a:ext>
+            </a:extLst>
+          </p:cNvPr>
+          <p:cNvSpPr txBox="1">
+            <a:spLocks noGrp="1"/>
+          </p:cNvSpPr>
+          <p:nvPr>
+            <p:ph type="title"/>
+          </p:nvPr>
+        </p:nvSpPr>
+        <p:spPr>
+          <a:xfrm>
+            <a:off x="3223020" y="304800"/>
+            <a:ext cx="2697957" cy="461023"/>
+          </a:xfrm>
+          <a:prstGeom prst="rect">
+            <a:avLst/>
+          </a:prstGeom>
+        </p:spPr>
+        <p:txBody>
+          <a:bodyPr vert="horz" wrap="square" lIns="0" tIns="14604" rIns="0" bIns="0" rtlCol="0">
+            <a:spAutoFit/>
+          </a:bodyPr>
+          <a:lstStyle/>
+          <a:p>
+            <a:pPr marL="12700" algn="l">
+              <a:lnSpc>
+                <a:spcPct val="100000"/>
+              </a:lnSpc>
+              <a:spcBef>
+                <a:spcPts val="114"/>
+              </a:spcBef>
+            </a:pPr>
+            <a:r>
+              <a:rPr lang="pt-PT" spc="-185" dirty="0"/>
+              <a:t>Funcionalidades</a:t>
+            </a:r>
+            <a:endParaRPr spc="-185" dirty="0"/>
+          </a:p>
+        </p:txBody>
+      </p:sp>
+      <p:sp>
+        <p:nvSpPr>
+          <p:cNvPr id="6" name="Retângulo: Cantos Arredondados 5">
+            <a:extLst>
+              <a:ext uri="{FF2B5EF4-FFF2-40B4-BE49-F238E27FC236}">
+                <a16:creationId xmlns:a16="http://schemas.microsoft.com/office/drawing/2014/main" id="{8DDA3C24-187C-496E-86EF-52662A0EAAD1}"/>
               </a:ext>
             </a:extLst>
           </p:cNvPr>
@@ -6175,13 +9112,15 @@
         </p:nvSpPr>
         <p:spPr>
           <a:xfrm>
-            <a:off x="399288" y="834646"/>
-            <a:ext cx="8858251" cy="5854694"/>
+            <a:off x="4724400" y="1659561"/>
+            <a:ext cx="4105209" cy="512178"/>
           </a:xfrm>
           <a:prstGeom prst="roundRect">
             <a:avLst/>
           </a:prstGeom>
-          <a:noFill/>
+          <a:solidFill>
+            <a:schemeClr val="bg1"/>
+          </a:solidFill>
           <a:ln>
             <a:noFill/>
           </a:ln>
@@ -6206,516 +9145,1000 @@
           <a:bodyPr rtlCol="0" anchor="ctr"/>
           <a:lstStyle/>
           <a:p>
-            <a:pPr marL="182563"/>
-            <a:r>
-              <a:rPr lang="pt-PT" sz="1700" dirty="0" err="1">
+            <a:pPr algn="ctr"/>
+            <a:endParaRPr lang="pt-PT"/>
+          </a:p>
+        </p:txBody>
+      </p:sp>
+      <p:sp>
+        <p:nvSpPr>
+          <p:cNvPr id="16" name="Retângulo: Cantos Arredondados 15">
+            <a:extLst>
+              <a:ext uri="{FF2B5EF4-FFF2-40B4-BE49-F238E27FC236}">
+                <a16:creationId xmlns:a16="http://schemas.microsoft.com/office/drawing/2014/main" id="{AA1F9B06-CF28-47E5-A5E9-D77124087254}"/>
+              </a:ext>
+            </a:extLst>
+          </p:cNvPr>
+          <p:cNvSpPr/>
+          <p:nvPr/>
+        </p:nvSpPr>
+        <p:spPr>
+          <a:xfrm>
+            <a:off x="686002" y="1659561"/>
+            <a:ext cx="2971800" cy="512177"/>
+          </a:xfrm>
+          <a:prstGeom prst="roundRect">
+            <a:avLst/>
+          </a:prstGeom>
+          <a:solidFill>
+            <a:schemeClr val="bg1"/>
+          </a:solidFill>
+          <a:ln>
+            <a:noFill/>
+          </a:ln>
+        </p:spPr>
+        <p:style>
+          <a:lnRef idx="2">
+            <a:schemeClr val="accent1">
+              <a:shade val="50000"/>
+            </a:schemeClr>
+          </a:lnRef>
+          <a:fillRef idx="1">
+            <a:schemeClr val="accent1"/>
+          </a:fillRef>
+          <a:effectRef idx="0">
+            <a:schemeClr val="accent1"/>
+          </a:effectRef>
+          <a:fontRef idx="minor">
+            <a:schemeClr val="lt1"/>
+          </a:fontRef>
+        </p:style>
+        <p:txBody>
+          <a:bodyPr rtlCol="0" anchor="ctr"/>
+          <a:lstStyle/>
+          <a:p>
+            <a:pPr algn="ctr"/>
+            <a:endParaRPr lang="pt-PT"/>
+          </a:p>
+        </p:txBody>
+      </p:sp>
+      <p:sp>
+        <p:nvSpPr>
+          <p:cNvPr id="18" name="CaixaDeTexto 17">
+            <a:extLst>
+              <a:ext uri="{FF2B5EF4-FFF2-40B4-BE49-F238E27FC236}">
+                <a16:creationId xmlns:a16="http://schemas.microsoft.com/office/drawing/2014/main" id="{E5081225-BA0C-4FD7-94C3-E36722EACB92}"/>
+              </a:ext>
+            </a:extLst>
+          </p:cNvPr>
+          <p:cNvSpPr txBox="1"/>
+          <p:nvPr/>
+        </p:nvSpPr>
+        <p:spPr>
+          <a:xfrm>
+            <a:off x="731702" y="1746372"/>
+            <a:ext cx="2926100" cy="338554"/>
+          </a:xfrm>
+          <a:prstGeom prst="rect">
+            <a:avLst/>
+          </a:prstGeom>
+          <a:noFill/>
+        </p:spPr>
+        <p:txBody>
+          <a:bodyPr wrap="square" rtlCol="0">
+            <a:spAutoFit/>
+          </a:bodyPr>
+          <a:lstStyle/>
+          <a:p>
+            <a:r>
+              <a:rPr lang="pt-PT" sz="1600" dirty="0">
+                <a:latin typeface="Consolas" panose="020B0609020204030204" pitchFamily="49" charset="0"/>
+                <a:cs typeface="Arial" panose="020B0604020202020204" pitchFamily="34" charset="0"/>
+              </a:rPr>
+              <a:t>G1 = </a:t>
+            </a:r>
+            <a:r>
+              <a:rPr lang="pt-PT" sz="1600" dirty="0" err="1">
+                <a:latin typeface="Consolas" panose="020B0609020204030204" pitchFamily="49" charset="0"/>
+                <a:cs typeface="Arial" panose="020B0604020202020204" pitchFamily="34" charset="0"/>
+              </a:rPr>
+              <a:t>nx.Peterson_graph</a:t>
+            </a:r>
+            <a:r>
+              <a:rPr lang="pt-PT" sz="1600" dirty="0">
+                <a:latin typeface="Consolas" panose="020B0609020204030204" pitchFamily="49" charset="0"/>
+                <a:cs typeface="Arial" panose="020B0604020202020204" pitchFamily="34" charset="0"/>
+              </a:rPr>
+              <a:t>()</a:t>
+            </a:r>
+          </a:p>
+        </p:txBody>
+      </p:sp>
+      <p:sp>
+        <p:nvSpPr>
+          <p:cNvPr id="2" name="Retângulo 1">
+            <a:extLst>
+              <a:ext uri="{FF2B5EF4-FFF2-40B4-BE49-F238E27FC236}">
+                <a16:creationId xmlns:a16="http://schemas.microsoft.com/office/drawing/2014/main" id="{98827B96-B37C-4F6C-BDA4-4618F17CD3EE}"/>
+              </a:ext>
+            </a:extLst>
+          </p:cNvPr>
+          <p:cNvSpPr/>
+          <p:nvPr/>
+        </p:nvSpPr>
+        <p:spPr>
+          <a:xfrm>
+            <a:off x="4835816" y="1746373"/>
+            <a:ext cx="3887603" cy="338554"/>
+          </a:xfrm>
+          <a:prstGeom prst="rect">
+            <a:avLst/>
+          </a:prstGeom>
+        </p:spPr>
+        <p:txBody>
+          <a:bodyPr wrap="none">
+            <a:spAutoFit/>
+          </a:bodyPr>
+          <a:lstStyle/>
+          <a:p>
+            <a:r>
+              <a:rPr lang="pt-PT" sz="1600" dirty="0">
+                <a:latin typeface="Consolas" panose="020B0609020204030204" pitchFamily="49" charset="0"/>
+                <a:cs typeface="Arial" panose="020B0604020202020204" pitchFamily="34" charset="0"/>
+              </a:rPr>
+              <a:t>G2 = </a:t>
+            </a:r>
+            <a:r>
+              <a:rPr lang="pt-PT" sz="1600" dirty="0" err="1">
+                <a:latin typeface="Consolas" panose="020B0609020204030204" pitchFamily="49" charset="0"/>
+                <a:cs typeface="Arial" panose="020B0604020202020204" pitchFamily="34" charset="0"/>
+              </a:rPr>
+              <a:t>nx.erdos_renyi_graph</a:t>
+            </a:r>
+            <a:r>
+              <a:rPr lang="pt-PT" sz="1600" dirty="0">
+                <a:latin typeface="Consolas" panose="020B0609020204030204" pitchFamily="49" charset="0"/>
+                <a:cs typeface="Arial" panose="020B0604020202020204" pitchFamily="34" charset="0"/>
+              </a:rPr>
+              <a:t>(10,0.4)</a:t>
+            </a:r>
+          </a:p>
+        </p:txBody>
+      </p:sp>
+      <p:pic>
+        <p:nvPicPr>
+          <p:cNvPr id="5" name="Imagem 4">
+            <a:extLst>
+              <a:ext uri="{FF2B5EF4-FFF2-40B4-BE49-F238E27FC236}">
+                <a16:creationId xmlns:a16="http://schemas.microsoft.com/office/drawing/2014/main" id="{02055F41-0245-4079-922D-B40A2E3996E0}"/>
+              </a:ext>
+            </a:extLst>
+          </p:cNvPr>
+          <p:cNvPicPr>
+            <a:picLocks noChangeAspect="1"/>
+          </p:cNvPicPr>
+          <p:nvPr/>
+        </p:nvPicPr>
+        <p:blipFill>
+          <a:blip r:embed="rId3">
+            <a:extLst>
+              <a:ext uri="{28A0092B-C50C-407E-A947-70E740481C1C}">
+                <a14:useLocalDpi xmlns:a14="http://schemas.microsoft.com/office/drawing/2010/main" val="0"/>
+              </a:ext>
+            </a:extLst>
+          </a:blip>
+          <a:stretch>
+            <a:fillRect/>
+          </a:stretch>
+        </p:blipFill>
+        <p:spPr>
+          <a:xfrm>
+            <a:off x="731702" y="2806416"/>
+            <a:ext cx="2694154" cy="1758290"/>
+          </a:xfrm>
+          <a:prstGeom prst="rect">
+            <a:avLst/>
+          </a:prstGeom>
+        </p:spPr>
+      </p:pic>
+      <p:grpSp>
+        <p:nvGrpSpPr>
+          <p:cNvPr id="14" name="Agrupar 13">
+            <a:extLst>
+              <a:ext uri="{FF2B5EF4-FFF2-40B4-BE49-F238E27FC236}">
+                <a16:creationId xmlns:a16="http://schemas.microsoft.com/office/drawing/2014/main" id="{AF86B989-CC52-42E4-A42B-34D64F679B26}"/>
+              </a:ext>
+            </a:extLst>
+          </p:cNvPr>
+          <p:cNvGrpSpPr/>
+          <p:nvPr/>
+        </p:nvGrpSpPr>
+        <p:grpSpPr>
+          <a:xfrm>
+            <a:off x="5029200" y="2506943"/>
+            <a:ext cx="3166960" cy="2209800"/>
+            <a:chOff x="5291038" y="2453565"/>
+            <a:chExt cx="3166960" cy="2209800"/>
+          </a:xfrm>
+        </p:grpSpPr>
+        <p:sp>
+          <p:nvSpPr>
+            <p:cNvPr id="17" name="Retângulo: Cantos Arredondados 16">
+              <a:extLst>
+                <a:ext uri="{FF2B5EF4-FFF2-40B4-BE49-F238E27FC236}">
+                  <a16:creationId xmlns:a16="http://schemas.microsoft.com/office/drawing/2014/main" id="{A9446F17-7307-473D-B840-E0D0522B3C64}"/>
+                </a:ext>
+              </a:extLst>
+            </p:cNvPr>
+            <p:cNvSpPr/>
+            <p:nvPr/>
+          </p:nvSpPr>
+          <p:spPr>
+            <a:xfrm>
+              <a:off x="5291038" y="2453565"/>
+              <a:ext cx="3166960" cy="2209800"/>
+            </a:xfrm>
+            <a:prstGeom prst="roundRect">
+              <a:avLst/>
+            </a:prstGeom>
+            <a:solidFill>
+              <a:schemeClr val="bg1"/>
+            </a:solidFill>
+            <a:ln>
+              <a:noFill/>
+            </a:ln>
+          </p:spPr>
+          <p:style>
+            <a:lnRef idx="2">
+              <a:schemeClr val="accent1">
+                <a:shade val="50000"/>
+              </a:schemeClr>
+            </a:lnRef>
+            <a:fillRef idx="1">
+              <a:schemeClr val="accent1"/>
+            </a:fillRef>
+            <a:effectRef idx="0">
+              <a:schemeClr val="accent1"/>
+            </a:effectRef>
+            <a:fontRef idx="minor">
+              <a:schemeClr val="lt1"/>
+            </a:fontRef>
+          </p:style>
+          <p:txBody>
+            <a:bodyPr rtlCol="0" anchor="ctr"/>
+            <a:lstStyle/>
+            <a:p>
+              <a:pPr algn="ctr"/>
+              <a:endParaRPr lang="pt-PT"/>
+            </a:p>
+          </p:txBody>
+        </p:sp>
+        <p:pic>
+          <p:nvPicPr>
+            <p:cNvPr id="10" name="Imagem 9">
+              <a:extLst>
+                <a:ext uri="{FF2B5EF4-FFF2-40B4-BE49-F238E27FC236}">
+                  <a16:creationId xmlns:a16="http://schemas.microsoft.com/office/drawing/2014/main" id="{6DC642C4-BA94-473D-977E-58920F71D968}"/>
+                </a:ext>
+              </a:extLst>
+            </p:cNvPr>
+            <p:cNvPicPr>
+              <a:picLocks noChangeAspect="1"/>
+            </p:cNvPicPr>
+            <p:nvPr/>
+          </p:nvPicPr>
+          <p:blipFill>
+            <a:blip r:embed="rId4">
+              <a:extLst>
+                <a:ext uri="{28A0092B-C50C-407E-A947-70E740481C1C}">
+                  <a14:useLocalDpi xmlns:a14="http://schemas.microsoft.com/office/drawing/2010/main" val="0"/>
+                </a:ext>
+              </a:extLst>
+            </a:blip>
+            <a:stretch>
+              <a:fillRect/>
+            </a:stretch>
+          </p:blipFill>
+          <p:spPr>
+            <a:xfrm>
+              <a:off x="5443438" y="2650419"/>
+              <a:ext cx="2763824" cy="1803759"/>
+            </a:xfrm>
+            <a:prstGeom prst="rect">
+              <a:avLst/>
+            </a:prstGeom>
+            <a:solidFill>
+              <a:schemeClr val="bg1"/>
+            </a:solidFill>
+          </p:spPr>
+        </p:pic>
+      </p:grpSp>
+    </p:spTree>
+    <p:extLst>
+      <p:ext uri="{BB962C8B-B14F-4D97-AF65-F5344CB8AC3E}">
+        <p14:creationId xmlns:p14="http://schemas.microsoft.com/office/powerpoint/2010/main" val="2660110491"/>
+      </p:ext>
+    </p:extLst>
+  </p:cSld>
+  <p:clrMapOvr>
+    <a:masterClrMapping/>
+  </p:clrMapOvr>
+  <mc:AlternateContent xmlns:mc="http://schemas.openxmlformats.org/markup-compatibility/2006">
+    <mc:Choice xmlns:p14="http://schemas.microsoft.com/office/powerpoint/2010/main" Requires="p14">
+      <p:transition spd="med" p14:dur="700">
+        <p:fade/>
+      </p:transition>
+    </mc:Choice>
+    <mc:Fallback>
+      <p:transition spd="med">
+        <p:fade/>
+      </p:transition>
+    </mc:Fallback>
+  </mc:AlternateContent>
+</p:sld>
+</file>
+
+<file path=ppt/slides/slide7.xml><?xml version="1.0" encoding="utf-8"?>
+<p:sld xmlns:a="http://schemas.openxmlformats.org/drawingml/2006/main" xmlns:r="http://schemas.openxmlformats.org/officeDocument/2006/relationships" xmlns:p="http://schemas.openxmlformats.org/presentationml/2006/main">
+  <p:cSld>
+    <p:spTree>
+      <p:nvGrpSpPr>
+        <p:cNvPr id="1" name=""/>
+        <p:cNvGrpSpPr/>
+        <p:nvPr/>
+      </p:nvGrpSpPr>
+      <p:grpSpPr>
+        <a:xfrm>
+          <a:off x="0" y="0"/>
+          <a:ext cx="0" cy="0"/>
+          <a:chOff x="0" y="0"/>
+          <a:chExt cx="0" cy="0"/>
+        </a:xfrm>
+      </p:grpSpPr>
+      <p:sp>
+        <p:nvSpPr>
+          <p:cNvPr id="4" name="Retângulo: Cantos Arredondados 3">
+            <a:extLst>
+              <a:ext uri="{FF2B5EF4-FFF2-40B4-BE49-F238E27FC236}">
+                <a16:creationId xmlns:a16="http://schemas.microsoft.com/office/drawing/2014/main" id="{5A155CB5-D81B-41CC-BE5B-36B05B169A2A}"/>
+              </a:ext>
+            </a:extLst>
+          </p:cNvPr>
+          <p:cNvSpPr/>
+          <p:nvPr/>
+        </p:nvSpPr>
+        <p:spPr>
+          <a:xfrm>
+            <a:off x="457200" y="1066800"/>
+            <a:ext cx="8458200" cy="4457581"/>
+          </a:xfrm>
+          <a:prstGeom prst="roundRect">
+            <a:avLst/>
+          </a:prstGeom>
+          <a:solidFill>
+            <a:schemeClr val="bg1"/>
+          </a:solidFill>
+          <a:ln>
+            <a:noFill/>
+          </a:ln>
+        </p:spPr>
+        <p:style>
+          <a:lnRef idx="2">
+            <a:schemeClr val="accent1">
+              <a:shade val="50000"/>
+            </a:schemeClr>
+          </a:lnRef>
+          <a:fillRef idx="1">
+            <a:schemeClr val="accent1"/>
+          </a:fillRef>
+          <a:effectRef idx="0">
+            <a:schemeClr val="accent1"/>
+          </a:effectRef>
+          <a:fontRef idx="minor">
+            <a:schemeClr val="lt1"/>
+          </a:fontRef>
+        </p:style>
+        <p:txBody>
+          <a:bodyPr rtlCol="0" anchor="ctr"/>
+          <a:lstStyle/>
+          <a:p>
+            <a:pPr algn="ctr"/>
+            <a:endParaRPr lang="pt-PT"/>
+          </a:p>
+        </p:txBody>
+      </p:sp>
+      <p:sp>
+        <p:nvSpPr>
+          <p:cNvPr id="12" name="object 2">
+            <a:extLst>
+              <a:ext uri="{FF2B5EF4-FFF2-40B4-BE49-F238E27FC236}">
+                <a16:creationId xmlns:a16="http://schemas.microsoft.com/office/drawing/2014/main" id="{3FB8BEF2-4FBF-456A-BB55-B3EE58FADD7D}"/>
+              </a:ext>
+            </a:extLst>
+          </p:cNvPr>
+          <p:cNvSpPr txBox="1">
+            <a:spLocks noGrp="1"/>
+          </p:cNvSpPr>
+          <p:nvPr>
+            <p:ph type="title"/>
+          </p:nvPr>
+        </p:nvSpPr>
+        <p:spPr>
+          <a:xfrm>
+            <a:off x="2868810" y="228600"/>
+            <a:ext cx="3406380" cy="461023"/>
+          </a:xfrm>
+          <a:prstGeom prst="rect">
+            <a:avLst/>
+          </a:prstGeom>
+        </p:spPr>
+        <p:txBody>
+          <a:bodyPr vert="horz" wrap="square" lIns="0" tIns="14604" rIns="0" bIns="0" rtlCol="0">
+            <a:spAutoFit/>
+          </a:bodyPr>
+          <a:lstStyle/>
+          <a:p>
+            <a:pPr marL="12700" algn="l">
+              <a:lnSpc>
+                <a:spcPct val="100000"/>
+              </a:lnSpc>
+              <a:spcBef>
+                <a:spcPts val="114"/>
+              </a:spcBef>
+            </a:pPr>
+            <a:r>
+              <a:rPr lang="pt-PT" spc="-185" dirty="0"/>
+              <a:t>Exemplo de utilização</a:t>
+            </a:r>
+            <a:endParaRPr spc="-185" dirty="0"/>
+          </a:p>
+        </p:txBody>
+      </p:sp>
+      <p:sp>
+        <p:nvSpPr>
+          <p:cNvPr id="2" name="Retângulo 1">
+            <a:extLst>
+              <a:ext uri="{FF2B5EF4-FFF2-40B4-BE49-F238E27FC236}">
+                <a16:creationId xmlns:a16="http://schemas.microsoft.com/office/drawing/2014/main" id="{A989D150-DEFC-4AD6-A86E-A991D131A93D}"/>
+              </a:ext>
+            </a:extLst>
+          </p:cNvPr>
+          <p:cNvSpPr/>
+          <p:nvPr/>
+        </p:nvSpPr>
+        <p:spPr>
+          <a:xfrm>
+            <a:off x="685800" y="1409582"/>
+            <a:ext cx="8229600" cy="3785652"/>
+          </a:xfrm>
+          <a:prstGeom prst="rect">
+            <a:avLst/>
+          </a:prstGeom>
+        </p:spPr>
+        <p:txBody>
+          <a:bodyPr wrap="square">
+            <a:spAutoFit/>
+          </a:bodyPr>
+          <a:lstStyle/>
+          <a:p>
+            <a:r>
+              <a:rPr lang="pt-PT" sz="1600" dirty="0" err="1">
                 <a:solidFill>
-                  <a:srgbClr val="488ED4"/>
+                  <a:srgbClr val="2A6DD0"/>
                 </a:solidFill>
                 <a:latin typeface="Consolas" panose="020B0609020204030204" pitchFamily="49" charset="0"/>
-                <a:cs typeface="Segoe UI" panose="020B0502040204020203" pitchFamily="34" charset="0"/>
+                <a:cs typeface="Arial" panose="020B0604020202020204" pitchFamily="34" charset="0"/>
               </a:rPr>
-              <a:t>User</a:t>
-            </a:r>
-            <a:r>
-              <a:rPr lang="pt-PT" sz="1700" dirty="0">
-                <a:solidFill>
-                  <a:schemeClr val="tx1"/>
-                </a:solidFill>
+              <a:t>def</a:t>
+            </a:r>
+            <a:r>
+              <a:rPr lang="pt-PT" sz="1600" dirty="0">
                 <a:latin typeface="Consolas" panose="020B0609020204030204" pitchFamily="49" charset="0"/>
-                <a:cs typeface="Segoe UI" panose="020B0502040204020203" pitchFamily="34" charset="0"/>
+                <a:cs typeface="Arial" panose="020B0604020202020204" pitchFamily="34" charset="0"/>
               </a:rPr>
-              <a:t>: Bom dia, meu caro!</a:t>
-            </a:r>
-          </a:p>
-          <a:p>
-            <a:pPr marL="182563"/>
-            <a:r>
-              <a:rPr lang="pt-PT" sz="1700" dirty="0" err="1">
+              <a:t> </a:t>
+            </a:r>
+            <a:r>
+              <a:rPr lang="pt-PT" sz="1600" dirty="0" err="1">
                 <a:solidFill>
                   <a:srgbClr val="00B050"/>
                 </a:solidFill>
                 <a:latin typeface="Consolas" panose="020B0609020204030204" pitchFamily="49" charset="0"/>
-                <a:cs typeface="Segoe UI" panose="020B0502040204020203" pitchFamily="34" charset="0"/>
+                <a:cs typeface="Arial" panose="020B0604020202020204" pitchFamily="34" charset="0"/>
               </a:rPr>
-              <a:t>Bots</a:t>
-            </a:r>
-            <a:r>
-              <a:rPr lang="pt-PT" sz="1700" dirty="0">
+              <a:t>create_tree</a:t>
+            </a:r>
+            <a:r>
+              <a:rPr lang="pt-PT" sz="1600" dirty="0">
+                <a:latin typeface="Consolas" panose="020B0609020204030204" pitchFamily="49" charset="0"/>
+                <a:cs typeface="Arial" panose="020B0604020202020204" pitchFamily="34" charset="0"/>
+              </a:rPr>
+              <a:t>(</a:t>
+            </a:r>
+            <a:r>
+              <a:rPr lang="pt-PT" sz="1600" dirty="0">
                 <a:solidFill>
-                  <a:schemeClr val="tx1"/>
+                  <a:srgbClr val="00B0F0"/>
                 </a:solidFill>
                 <a:latin typeface="Consolas" panose="020B0609020204030204" pitchFamily="49" charset="0"/>
-                <a:cs typeface="Segoe UI" panose="020B0502040204020203" pitchFamily="34" charset="0"/>
+                <a:cs typeface="Arial" panose="020B0604020202020204" pitchFamily="34" charset="0"/>
               </a:rPr>
-              <a:t>: Bom dia para ti também!</a:t>
-            </a:r>
-          </a:p>
-          <a:p>
-            <a:pPr marL="182563"/>
-            <a:r>
-              <a:rPr lang="pt-PT" sz="1700" dirty="0" err="1">
-                <a:solidFill>
-                  <a:srgbClr val="488ED4"/>
-                </a:solidFill>
+              <a:t>lista</a:t>
+            </a:r>
+            <a:r>
+              <a:rPr lang="pt-PT" sz="1600" dirty="0">
                 <a:latin typeface="Consolas" panose="020B0609020204030204" pitchFamily="49" charset="0"/>
-                <a:cs typeface="Segoe UI" panose="020B0502040204020203" pitchFamily="34" charset="0"/>
+                <a:cs typeface="Arial" panose="020B0604020202020204" pitchFamily="34" charset="0"/>
               </a:rPr>
-              <a:t>User</a:t>
-            </a:r>
-            <a:r>
-              <a:rPr lang="pt-PT" sz="1700" dirty="0">
-                <a:solidFill>
-                  <a:schemeClr val="tx1"/>
-                </a:solidFill>
+              <a:t>):</a:t>
+            </a:r>
+          </a:p>
+          <a:p>
+            <a:r>
+              <a:rPr lang="pt-PT" sz="1600" dirty="0">
                 <a:latin typeface="Consolas" panose="020B0609020204030204" pitchFamily="49" charset="0"/>
-                <a:cs typeface="Segoe UI" panose="020B0502040204020203" pitchFamily="34" charset="0"/>
+                <a:cs typeface="Arial" panose="020B0604020202020204" pitchFamily="34" charset="0"/>
               </a:rPr>
-              <a:t>: Como vai a vida?</a:t>
-            </a:r>
-          </a:p>
-          <a:p>
-            <a:pPr marL="182563"/>
-            <a:r>
-              <a:rPr lang="pt-PT" sz="1700" dirty="0" err="1">
+              <a:t>    </a:t>
+            </a:r>
+            <a:r>
+              <a:rPr lang="pt-PT" sz="1600" dirty="0" err="1">
+                <a:latin typeface="Consolas" panose="020B0609020204030204" pitchFamily="49" charset="0"/>
+                <a:cs typeface="Arial" panose="020B0604020202020204" pitchFamily="34" charset="0"/>
+              </a:rPr>
+              <a:t>tam</a:t>
+            </a:r>
+            <a:r>
+              <a:rPr lang="pt-PT" sz="1600" dirty="0">
+                <a:latin typeface="Consolas" panose="020B0609020204030204" pitchFamily="49" charset="0"/>
+                <a:cs typeface="Arial" panose="020B0604020202020204" pitchFamily="34" charset="0"/>
+              </a:rPr>
+              <a:t> = </a:t>
+            </a:r>
+            <a:r>
+              <a:rPr lang="pt-PT" sz="1600" dirty="0" err="1">
                 <a:solidFill>
                   <a:srgbClr val="00B050"/>
                 </a:solidFill>
                 <a:latin typeface="Consolas" panose="020B0609020204030204" pitchFamily="49" charset="0"/>
-                <a:cs typeface="Segoe UI" panose="020B0502040204020203" pitchFamily="34" charset="0"/>
+                <a:cs typeface="Arial" panose="020B0604020202020204" pitchFamily="34" charset="0"/>
               </a:rPr>
-              <a:t>Bots</a:t>
-            </a:r>
-            <a:r>
-              <a:rPr lang="pt-PT" sz="1700" dirty="0">
+              <a:t>len</a:t>
+            </a:r>
+            <a:r>
+              <a:rPr lang="pt-PT" sz="1600" dirty="0">
+                <a:latin typeface="Consolas" panose="020B0609020204030204" pitchFamily="49" charset="0"/>
+                <a:cs typeface="Arial" panose="020B0604020202020204" pitchFamily="34" charset="0"/>
+              </a:rPr>
+              <a:t>(lista)-1</a:t>
+            </a:r>
+          </a:p>
+          <a:p>
+            <a:r>
+              <a:rPr lang="pt-PT" sz="1600" dirty="0">
+                <a:latin typeface="Consolas" panose="020B0609020204030204" pitchFamily="49" charset="0"/>
+                <a:cs typeface="Arial" panose="020B0604020202020204" pitchFamily="34" charset="0"/>
+              </a:rPr>
+              <a:t>    </a:t>
+            </a:r>
+            <a:r>
+              <a:rPr lang="pt-PT" sz="1600" dirty="0">
                 <a:solidFill>
-                  <a:schemeClr val="tx1"/>
+                  <a:srgbClr val="B17BAC"/>
                 </a:solidFill>
                 <a:latin typeface="Consolas" panose="020B0609020204030204" pitchFamily="49" charset="0"/>
-                <a:cs typeface="Segoe UI" panose="020B0502040204020203" pitchFamily="34" charset="0"/>
+                <a:cs typeface="Arial" panose="020B0604020202020204" pitchFamily="34" charset="0"/>
               </a:rPr>
-              <a:t>: Ótima, e a tua?</a:t>
-            </a:r>
-          </a:p>
-          <a:p>
-            <a:pPr marL="182563"/>
-            <a:r>
-              <a:rPr lang="pt-PT" sz="1700" dirty="0" err="1">
+              <a:t>for</a:t>
+            </a:r>
+            <a:r>
+              <a:rPr lang="pt-PT" sz="1600" dirty="0">
+                <a:latin typeface="Consolas" panose="020B0609020204030204" pitchFamily="49" charset="0"/>
+                <a:cs typeface="Arial" panose="020B0604020202020204" pitchFamily="34" charset="0"/>
+              </a:rPr>
+              <a:t> i </a:t>
+            </a:r>
+            <a:r>
+              <a:rPr lang="pt-PT" sz="1600" dirty="0">
                 <a:solidFill>
-                  <a:srgbClr val="488ED4"/>
+                  <a:srgbClr val="2A6DD0"/>
                 </a:solidFill>
                 <a:latin typeface="Consolas" panose="020B0609020204030204" pitchFamily="49" charset="0"/>
-                <a:cs typeface="Segoe UI" panose="020B0502040204020203" pitchFamily="34" charset="0"/>
+                <a:cs typeface="Arial" panose="020B0604020202020204" pitchFamily="34" charset="0"/>
               </a:rPr>
-              <a:t>User</a:t>
-            </a:r>
-            <a:r>
-              <a:rPr lang="pt-PT" sz="1700" dirty="0">
-                <a:solidFill>
-                  <a:schemeClr val="tx1"/>
-                </a:solidFill>
+              <a:t>in</a:t>
+            </a:r>
+            <a:r>
+              <a:rPr lang="pt-PT" sz="1600" dirty="0">
                 <a:latin typeface="Consolas" panose="020B0609020204030204" pitchFamily="49" charset="0"/>
-                <a:cs typeface="Segoe UI" panose="020B0502040204020203" pitchFamily="34" charset="0"/>
-              </a:rPr>
-              <a:t>: Comigo tudo bem, obrigado.</a:t>
-            </a:r>
-            <a:r>
-              <a:rPr lang="pt-PT" sz="1700" dirty="0">
-                <a:solidFill>
-                  <a:srgbClr val="FF3300"/>
-                </a:solidFill>
-                <a:latin typeface="Consolas" panose="020B0609020204030204" pitchFamily="49" charset="0"/>
-                <a:cs typeface="Segoe UI" panose="020B0502040204020203" pitchFamily="34" charset="0"/>
+                <a:cs typeface="Arial" panose="020B0604020202020204" pitchFamily="34" charset="0"/>
               </a:rPr>
               <a:t> </a:t>
             </a:r>
             <a:r>
-              <a:rPr lang="pt-PT" sz="1700" u="sng" dirty="0">
-                <a:solidFill>
-                  <a:schemeClr val="tx1"/>
-                </a:solidFill>
-                <a:latin typeface="Consolas" panose="020B0609020204030204" pitchFamily="49" charset="0"/>
-                <a:cs typeface="Segoe UI" panose="020B0502040204020203" pitchFamily="34" charset="0"/>
-              </a:rPr>
-              <a:t>Como se diz bem em inglês</a:t>
-            </a:r>
-            <a:r>
-              <a:rPr lang="pt-PT" sz="1700" dirty="0">
-                <a:solidFill>
-                  <a:schemeClr val="tx1"/>
-                </a:solidFill>
-                <a:latin typeface="Consolas" panose="020B0609020204030204" pitchFamily="49" charset="0"/>
-                <a:cs typeface="Segoe UI" panose="020B0502040204020203" pitchFamily="34" charset="0"/>
-              </a:rPr>
-              <a:t>?</a:t>
-            </a:r>
-          </a:p>
-          <a:p>
-            <a:pPr marL="182563"/>
-            <a:r>
-              <a:rPr lang="pt-PT" sz="1700" dirty="0" err="1">
+              <a:rPr lang="pt-PT" sz="1600" dirty="0">
                 <a:solidFill>
                   <a:srgbClr val="00B050"/>
                 </a:solidFill>
                 <a:latin typeface="Consolas" panose="020B0609020204030204" pitchFamily="49" charset="0"/>
-                <a:cs typeface="Segoe UI" panose="020B0502040204020203" pitchFamily="34" charset="0"/>
+                <a:cs typeface="Arial" panose="020B0604020202020204" pitchFamily="34" charset="0"/>
               </a:rPr>
-              <a:t>Bots</a:t>
-            </a:r>
-            <a:r>
-              <a:rPr lang="pt-PT" sz="1700" dirty="0">
+              <a:t>range</a:t>
+            </a:r>
+            <a:r>
+              <a:rPr lang="pt-PT" sz="1600" dirty="0">
+                <a:latin typeface="Consolas" panose="020B0609020204030204" pitchFamily="49" charset="0"/>
+                <a:cs typeface="Arial" panose="020B0604020202020204" pitchFamily="34" charset="0"/>
+              </a:rPr>
+              <a:t>(</a:t>
+            </a:r>
+            <a:r>
+              <a:rPr lang="pt-PT" sz="1600" dirty="0" err="1">
+                <a:latin typeface="Consolas" panose="020B0609020204030204" pitchFamily="49" charset="0"/>
+                <a:cs typeface="Arial" panose="020B0604020202020204" pitchFamily="34" charset="0"/>
+              </a:rPr>
+              <a:t>tam</a:t>
+            </a:r>
+            <a:r>
+              <a:rPr lang="pt-PT" sz="1600" dirty="0">
+                <a:latin typeface="Consolas" panose="020B0609020204030204" pitchFamily="49" charset="0"/>
+                <a:cs typeface="Arial" panose="020B0604020202020204" pitchFamily="34" charset="0"/>
+              </a:rPr>
+              <a:t>):</a:t>
+            </a:r>
+          </a:p>
+          <a:p>
+            <a:r>
+              <a:rPr lang="pt-PT" sz="1600" dirty="0">
+                <a:latin typeface="Consolas" panose="020B0609020204030204" pitchFamily="49" charset="0"/>
+                <a:cs typeface="Arial" panose="020B0604020202020204" pitchFamily="34" charset="0"/>
+              </a:rPr>
+              <a:t>        </a:t>
+            </a:r>
+            <a:r>
+              <a:rPr lang="pt-PT" sz="1600" dirty="0" err="1">
                 <a:solidFill>
-                  <a:schemeClr val="tx1"/>
+                  <a:srgbClr val="B17BAC"/>
                 </a:solidFill>
                 <a:latin typeface="Consolas" panose="020B0609020204030204" pitchFamily="49" charset="0"/>
-                <a:cs typeface="Segoe UI" panose="020B0502040204020203" pitchFamily="34" charset="0"/>
+                <a:cs typeface="Arial" panose="020B0604020202020204" pitchFamily="34" charset="0"/>
               </a:rPr>
-              <a:t>: De nada! "Bem" em inglês diz-se "</a:t>
-            </a:r>
-            <a:r>
-              <a:rPr lang="pt-PT" sz="1700" dirty="0" err="1">
+              <a:t>if</a:t>
+            </a:r>
+            <a:r>
+              <a:rPr lang="pt-PT" sz="1600" dirty="0">
+                <a:latin typeface="Consolas" panose="020B0609020204030204" pitchFamily="49" charset="0"/>
+                <a:cs typeface="Arial" panose="020B0604020202020204" pitchFamily="34" charset="0"/>
+              </a:rPr>
+              <a:t> 2*i+1 &lt;= </a:t>
+            </a:r>
+            <a:r>
+              <a:rPr lang="pt-PT" sz="1600" dirty="0" err="1">
+                <a:latin typeface="Consolas" panose="020B0609020204030204" pitchFamily="49" charset="0"/>
+                <a:cs typeface="Arial" panose="020B0604020202020204" pitchFamily="34" charset="0"/>
+              </a:rPr>
+              <a:t>tam</a:t>
+            </a:r>
+            <a:r>
+              <a:rPr lang="pt-PT" sz="1600" dirty="0">
+                <a:latin typeface="Consolas" panose="020B0609020204030204" pitchFamily="49" charset="0"/>
+                <a:cs typeface="Arial" panose="020B0604020202020204" pitchFamily="34" charset="0"/>
+              </a:rPr>
+              <a:t>:</a:t>
+            </a:r>
+          </a:p>
+          <a:p>
+            <a:r>
+              <a:rPr lang="pt-PT" sz="1600" dirty="0">
+                <a:latin typeface="Consolas" panose="020B0609020204030204" pitchFamily="49" charset="0"/>
+                <a:cs typeface="Arial" panose="020B0604020202020204" pitchFamily="34" charset="0"/>
+              </a:rPr>
+              <a:t>            </a:t>
+            </a:r>
+            <a:r>
+              <a:rPr lang="pt-PT" sz="1600" dirty="0" err="1">
+                <a:latin typeface="Consolas" panose="020B0609020204030204" pitchFamily="49" charset="0"/>
+                <a:cs typeface="Arial" panose="020B0604020202020204" pitchFamily="34" charset="0"/>
+              </a:rPr>
+              <a:t>G.add_edge</a:t>
+            </a:r>
+            <a:r>
+              <a:rPr lang="pt-PT" sz="1600" dirty="0">
+                <a:latin typeface="Consolas" panose="020B0609020204030204" pitchFamily="49" charset="0"/>
+                <a:cs typeface="Arial" panose="020B0604020202020204" pitchFamily="34" charset="0"/>
+              </a:rPr>
+              <a:t>(lista[i],lista[2*i+1])</a:t>
+            </a:r>
+          </a:p>
+          <a:p>
+            <a:r>
+              <a:rPr lang="pt-PT" sz="1600" dirty="0">
+                <a:latin typeface="Consolas" panose="020B0609020204030204" pitchFamily="49" charset="0"/>
+                <a:cs typeface="Arial" panose="020B0604020202020204" pitchFamily="34" charset="0"/>
+              </a:rPr>
+              <a:t>        </a:t>
+            </a:r>
+            <a:r>
+              <a:rPr lang="pt-PT" sz="1600" dirty="0" err="1">
                 <a:solidFill>
-                  <a:schemeClr val="tx1"/>
+                  <a:srgbClr val="B17BAC"/>
                 </a:solidFill>
                 <a:latin typeface="Consolas" panose="020B0609020204030204" pitchFamily="49" charset="0"/>
-                <a:cs typeface="Segoe UI" panose="020B0502040204020203" pitchFamily="34" charset="0"/>
+                <a:cs typeface="Arial" panose="020B0604020202020204" pitchFamily="34" charset="0"/>
               </a:rPr>
-              <a:t>well</a:t>
-            </a:r>
-            <a:r>
-              <a:rPr lang="pt-PT" sz="1700" dirty="0">
-                <a:solidFill>
-                  <a:schemeClr val="tx1"/>
-                </a:solidFill>
+              <a:t>if</a:t>
+            </a:r>
+            <a:r>
+              <a:rPr lang="pt-PT" sz="1600" dirty="0">
                 <a:latin typeface="Consolas" panose="020B0609020204030204" pitchFamily="49" charset="0"/>
-                <a:cs typeface="Segoe UI" panose="020B0502040204020203" pitchFamily="34" charset="0"/>
+                <a:cs typeface="Arial" panose="020B0604020202020204" pitchFamily="34" charset="0"/>
               </a:rPr>
-              <a:t>". </a:t>
-            </a:r>
-          </a:p>
-          <a:p>
-            <a:pPr marL="182563"/>
-            <a:r>
-              <a:rPr lang="pt-PT" sz="1700" dirty="0" err="1">
-                <a:solidFill>
-                  <a:srgbClr val="488ED4"/>
-                </a:solidFill>
+              <a:t> 2*i+2 &lt;= </a:t>
+            </a:r>
+            <a:r>
+              <a:rPr lang="pt-PT" sz="1600" dirty="0" err="1">
                 <a:latin typeface="Consolas" panose="020B0609020204030204" pitchFamily="49" charset="0"/>
-                <a:cs typeface="Segoe UI" panose="020B0502040204020203" pitchFamily="34" charset="0"/>
+                <a:cs typeface="Arial" panose="020B0604020202020204" pitchFamily="34" charset="0"/>
               </a:rPr>
-              <a:t>User</a:t>
-            </a:r>
-            <a:r>
-              <a:rPr lang="pt-PT" sz="1700" dirty="0">
-                <a:solidFill>
-                  <a:schemeClr val="tx1"/>
-                </a:solidFill>
+              <a:t>tam</a:t>
+            </a:r>
+            <a:r>
+              <a:rPr lang="pt-PT" sz="1600" dirty="0">
                 <a:latin typeface="Consolas" panose="020B0609020204030204" pitchFamily="49" charset="0"/>
-                <a:cs typeface="Segoe UI" panose="020B0502040204020203" pitchFamily="34" charset="0"/>
+                <a:cs typeface="Arial" panose="020B0604020202020204" pitchFamily="34" charset="0"/>
               </a:rPr>
-              <a:t>: Que dia lindo...</a:t>
-            </a:r>
-          </a:p>
-          <a:p>
-            <a:pPr marL="182563"/>
-            <a:r>
-              <a:rPr lang="pt-PT" sz="1700" dirty="0" err="1">
+              <a:t>:</a:t>
+            </a:r>
+          </a:p>
+          <a:p>
+            <a:r>
+              <a:rPr lang="pt-PT" sz="1600" dirty="0">
+                <a:latin typeface="Consolas" panose="020B0609020204030204" pitchFamily="49" charset="0"/>
+                <a:cs typeface="Arial" panose="020B0604020202020204" pitchFamily="34" charset="0"/>
+              </a:rPr>
+              <a:t>            </a:t>
+            </a:r>
+            <a:r>
+              <a:rPr lang="pt-PT" sz="1600" dirty="0" err="1">
+                <a:latin typeface="Consolas" panose="020B0609020204030204" pitchFamily="49" charset="0"/>
+                <a:cs typeface="Arial" panose="020B0604020202020204" pitchFamily="34" charset="0"/>
+              </a:rPr>
+              <a:t>G.add_edge</a:t>
+            </a:r>
+            <a:r>
+              <a:rPr lang="pt-PT" sz="1600" dirty="0">
+                <a:latin typeface="Consolas" panose="020B0609020204030204" pitchFamily="49" charset="0"/>
+                <a:cs typeface="Arial" panose="020B0604020202020204" pitchFamily="34" charset="0"/>
+              </a:rPr>
+              <a:t>(lista[i],lista[2*i+2])</a:t>
+            </a:r>
+          </a:p>
+          <a:p>
+            <a:endParaRPr lang="pt-PT" sz="1600" dirty="0">
+              <a:latin typeface="Consolas" panose="020B0609020204030204" pitchFamily="49" charset="0"/>
+              <a:cs typeface="Arial" panose="020B0604020202020204" pitchFamily="34" charset="0"/>
+            </a:endParaRPr>
+          </a:p>
+          <a:p>
+            <a:endParaRPr lang="pt-PT" sz="1600" dirty="0">
+              <a:latin typeface="Consolas" panose="020B0609020204030204" pitchFamily="49" charset="0"/>
+              <a:cs typeface="Arial" panose="020B0604020202020204" pitchFamily="34" charset="0"/>
+            </a:endParaRPr>
+          </a:p>
+          <a:p>
+            <a:r>
+              <a:rPr lang="pt-PT" sz="1600" dirty="0">
+                <a:latin typeface="Consolas" panose="020B0609020204030204" pitchFamily="49" charset="0"/>
+                <a:cs typeface="Arial" panose="020B0604020202020204" pitchFamily="34" charset="0"/>
+              </a:rPr>
+              <a:t>G = </a:t>
+            </a:r>
+            <a:r>
+              <a:rPr lang="pt-PT" sz="1600" dirty="0" err="1">
+                <a:latin typeface="Consolas" panose="020B0609020204030204" pitchFamily="49" charset="0"/>
+                <a:cs typeface="Arial" panose="020B0604020202020204" pitchFamily="34" charset="0"/>
+              </a:rPr>
+              <a:t>nx.Graph</a:t>
+            </a:r>
+            <a:r>
+              <a:rPr lang="pt-PT" sz="1600" dirty="0">
+                <a:latin typeface="Consolas" panose="020B0609020204030204" pitchFamily="49" charset="0"/>
+                <a:cs typeface="Arial" panose="020B0604020202020204" pitchFamily="34" charset="0"/>
+              </a:rPr>
+              <a:t>()</a:t>
+            </a:r>
+          </a:p>
+          <a:p>
+            <a:r>
+              <a:rPr lang="pt-PT" sz="1600" dirty="0">
+                <a:latin typeface="Consolas" panose="020B0609020204030204" pitchFamily="49" charset="0"/>
+                <a:cs typeface="Arial" panose="020B0604020202020204" pitchFamily="34" charset="0"/>
+              </a:rPr>
+              <a:t>lista = </a:t>
+            </a:r>
+            <a:r>
+              <a:rPr lang="pt-PT" sz="1600" dirty="0">
                 <a:solidFill>
                   <a:srgbClr val="00B050"/>
                 </a:solidFill>
                 <a:latin typeface="Consolas" panose="020B0609020204030204" pitchFamily="49" charset="0"/>
-                <a:cs typeface="Segoe UI" panose="020B0502040204020203" pitchFamily="34" charset="0"/>
+                <a:cs typeface="Arial" panose="020B0604020202020204" pitchFamily="34" charset="0"/>
               </a:rPr>
-              <a:t>Bots</a:t>
-            </a:r>
-            <a:r>
-              <a:rPr lang="pt-PT" sz="1700" dirty="0">
+              <a:t>range</a:t>
+            </a:r>
+            <a:r>
+              <a:rPr lang="pt-PT" sz="1600" dirty="0">
+                <a:latin typeface="Consolas" panose="020B0609020204030204" pitchFamily="49" charset="0"/>
+                <a:cs typeface="Arial" panose="020B0604020202020204" pitchFamily="34" charset="0"/>
+              </a:rPr>
+              <a:t>(X)</a:t>
+            </a:r>
+          </a:p>
+          <a:p>
+            <a:r>
+              <a:rPr lang="pt-PT" sz="1600" dirty="0" err="1">
+                <a:latin typeface="Consolas" panose="020B0609020204030204" pitchFamily="49" charset="0"/>
+                <a:cs typeface="Arial" panose="020B0604020202020204" pitchFamily="34" charset="0"/>
+              </a:rPr>
+              <a:t>G.add_nodes_from</a:t>
+            </a:r>
+            <a:r>
+              <a:rPr lang="pt-PT" sz="1600" dirty="0">
+                <a:latin typeface="Consolas" panose="020B0609020204030204" pitchFamily="49" charset="0"/>
+                <a:cs typeface="Arial" panose="020B0604020202020204" pitchFamily="34" charset="0"/>
+              </a:rPr>
+              <a:t>(lista)</a:t>
+            </a:r>
+          </a:p>
+          <a:p>
+            <a:r>
+              <a:rPr lang="pt-PT" sz="1600" dirty="0" err="1">
                 <a:solidFill>
-                  <a:schemeClr val="tx1"/>
+                  <a:srgbClr val="36BB73"/>
                 </a:solidFill>
                 <a:latin typeface="Consolas" panose="020B0609020204030204" pitchFamily="49" charset="0"/>
-                <a:cs typeface="Segoe UI" panose="020B0502040204020203" pitchFamily="34" charset="0"/>
+                <a:cs typeface="Arial" panose="020B0604020202020204" pitchFamily="34" charset="0"/>
               </a:rPr>
-              <a:t>: Não há dia sem tarde.</a:t>
-            </a:r>
-          </a:p>
-          <a:p>
-            <a:pPr marL="182563"/>
-            <a:r>
-              <a:rPr lang="pt-PT" sz="1700" dirty="0" err="1">
+              <a:t>create_tree</a:t>
+            </a:r>
+            <a:r>
+              <a:rPr lang="pt-PT" sz="1600" dirty="0">
+                <a:latin typeface="Consolas" panose="020B0609020204030204" pitchFamily="49" charset="0"/>
+                <a:cs typeface="Arial" panose="020B0604020202020204" pitchFamily="34" charset="0"/>
+              </a:rPr>
+              <a:t>(lista)</a:t>
+            </a:r>
+          </a:p>
+          <a:p>
+            <a:r>
+              <a:rPr lang="pt-PT" sz="1600" dirty="0" err="1">
+                <a:latin typeface="Consolas" panose="020B0609020204030204" pitchFamily="49" charset="0"/>
+                <a:cs typeface="Arial" panose="020B0604020202020204" pitchFamily="34" charset="0"/>
+              </a:rPr>
+              <a:t>nx.draw_kamada_kawai</a:t>
+            </a:r>
+            <a:r>
+              <a:rPr lang="pt-PT" sz="1600" dirty="0">
+                <a:latin typeface="Consolas" panose="020B0609020204030204" pitchFamily="49" charset="0"/>
+                <a:cs typeface="Arial" panose="020B0604020202020204" pitchFamily="34" charset="0"/>
+              </a:rPr>
+              <a:t>(</a:t>
+            </a:r>
+            <a:r>
+              <a:rPr lang="pt-PT" sz="1600" dirty="0" err="1">
+                <a:latin typeface="Consolas" panose="020B0609020204030204" pitchFamily="49" charset="0"/>
+                <a:cs typeface="Arial" panose="020B0604020202020204" pitchFamily="34" charset="0"/>
+              </a:rPr>
+              <a:t>G,</a:t>
+            </a:r>
+            <a:r>
+              <a:rPr lang="pt-PT" sz="1600" dirty="0" err="1">
                 <a:solidFill>
-                  <a:srgbClr val="488ED4"/>
+                  <a:srgbClr val="00B0F0"/>
                 </a:solidFill>
                 <a:latin typeface="Consolas" panose="020B0609020204030204" pitchFamily="49" charset="0"/>
-                <a:cs typeface="Segoe UI" panose="020B0502040204020203" pitchFamily="34" charset="0"/>
+                <a:cs typeface="Arial" panose="020B0604020202020204" pitchFamily="34" charset="0"/>
               </a:rPr>
-              <a:t>User</a:t>
-            </a:r>
-            <a:r>
-              <a:rPr lang="pt-PT" sz="1700" dirty="0">
+              <a:t>node_color</a:t>
+            </a:r>
+            <a:r>
+              <a:rPr lang="pt-PT" sz="1600" dirty="0">
+                <a:latin typeface="Consolas" panose="020B0609020204030204" pitchFamily="49" charset="0"/>
+                <a:cs typeface="Arial" panose="020B0604020202020204" pitchFamily="34" charset="0"/>
+              </a:rPr>
+              <a:t>=</a:t>
+            </a:r>
+            <a:r>
+              <a:rPr lang="pt-PT" sz="1600" dirty="0">
                 <a:solidFill>
-                  <a:schemeClr val="tx1"/>
+                  <a:schemeClr val="accent6">
+                    <a:lumMod val="75000"/>
+                  </a:schemeClr>
                 </a:solidFill>
                 <a:latin typeface="Consolas" panose="020B0609020204030204" pitchFamily="49" charset="0"/>
-                <a:cs typeface="Segoe UI" panose="020B0502040204020203" pitchFamily="34" charset="0"/>
+                <a:cs typeface="Arial" panose="020B0604020202020204" pitchFamily="34" charset="0"/>
               </a:rPr>
-              <a:t>: ok</a:t>
-            </a:r>
-          </a:p>
-          <a:p>
-            <a:pPr marL="182563"/>
-            <a:r>
-              <a:rPr lang="pt-PT" sz="1700" dirty="0" err="1">
+              <a:t>'lime',</a:t>
+            </a:r>
+            <a:r>
+              <a:rPr lang="pt-PT" sz="1600" dirty="0" err="1">
                 <a:solidFill>
-                  <a:srgbClr val="00B050"/>
+                  <a:srgbClr val="00B0F0"/>
                 </a:solidFill>
                 <a:latin typeface="Consolas" panose="020B0609020204030204" pitchFamily="49" charset="0"/>
-                <a:cs typeface="Segoe UI" panose="020B0502040204020203" pitchFamily="34" charset="0"/>
+                <a:cs typeface="Arial" panose="020B0604020202020204" pitchFamily="34" charset="0"/>
               </a:rPr>
-              <a:t>Bots</a:t>
-            </a:r>
-            <a:r>
-              <a:rPr lang="pt-PT" sz="1700" dirty="0">
+              <a:t>node_size</a:t>
+            </a:r>
+            <a:r>
+              <a:rPr lang="pt-PT" sz="1600" dirty="0">
+                <a:latin typeface="Consolas" panose="020B0609020204030204" pitchFamily="49" charset="0"/>
+                <a:cs typeface="Arial" panose="020B0604020202020204" pitchFamily="34" charset="0"/>
+              </a:rPr>
+              <a:t>=500,</a:t>
+            </a:r>
+            <a:r>
+              <a:rPr lang="pt-PT" sz="1600" dirty="0">
                 <a:solidFill>
-                  <a:schemeClr val="tx1"/>
+                  <a:srgbClr val="00B0F0"/>
                 </a:solidFill>
                 <a:latin typeface="Consolas" panose="020B0609020204030204" pitchFamily="49" charset="0"/>
-                <a:cs typeface="Segoe UI" panose="020B0502040204020203" pitchFamily="34" charset="0"/>
+                <a:cs typeface="Arial" panose="020B0604020202020204" pitchFamily="34" charset="0"/>
               </a:rPr>
-              <a:t>: Fala-me português!</a:t>
-            </a:r>
-          </a:p>
-          <a:p>
-            <a:pPr marL="182563"/>
-            <a:r>
-              <a:rPr lang="pt-PT" sz="1700" dirty="0">
-                <a:solidFill>
-                  <a:srgbClr val="488ED4"/>
-                </a:solidFill>
+              <a:t>with_labels</a:t>
+            </a:r>
+            <a:r>
+              <a:rPr lang="pt-PT" sz="1600" dirty="0">
                 <a:latin typeface="Consolas" panose="020B0609020204030204" pitchFamily="49" charset="0"/>
-                <a:cs typeface="Segoe UI" panose="020B0502040204020203" pitchFamily="34" charset="0"/>
+                <a:cs typeface="Arial" panose="020B0604020202020204" pitchFamily="34" charset="0"/>
               </a:rPr>
-              <a:t>User</a:t>
-            </a:r>
-            <a:r>
-              <a:rPr lang="pt-PT" sz="1700" dirty="0">
-                <a:solidFill>
-                  <a:schemeClr val="tx1"/>
-                </a:solidFill>
+              <a:t>=</a:t>
+            </a:r>
+            <a:r>
+              <a:rPr lang="pt-PT" sz="1600" dirty="0" err="1">
                 <a:latin typeface="Consolas" panose="020B0609020204030204" pitchFamily="49" charset="0"/>
-                <a:cs typeface="Segoe UI" panose="020B0502040204020203" pitchFamily="34" charset="0"/>
+                <a:cs typeface="Arial" panose="020B0604020202020204" pitchFamily="34" charset="0"/>
               </a:rPr>
-              <a:t>: O meu livro preferido é A Arte de Insultar. </a:t>
-            </a:r>
-            <a:r>
-              <a:rPr lang="pt-PT" sz="1700" u="sng" dirty="0">
-                <a:solidFill>
-                  <a:schemeClr val="tx1"/>
-                </a:solidFill>
+              <a:t>True</a:t>
+            </a:r>
+            <a:r>
+              <a:rPr lang="pt-PT" sz="1600" dirty="0">
                 <a:latin typeface="Consolas" panose="020B0609020204030204" pitchFamily="49" charset="0"/>
-                <a:cs typeface="Segoe UI" panose="020B0502040204020203" pitchFamily="34" charset="0"/>
+                <a:cs typeface="Arial" panose="020B0604020202020204" pitchFamily="34" charset="0"/>
               </a:rPr>
-              <a:t>Conheces</a:t>
-            </a:r>
-            <a:r>
-              <a:rPr lang="pt-PT" sz="1700" dirty="0">
-                <a:solidFill>
-                  <a:schemeClr val="tx1"/>
-                </a:solidFill>
-                <a:latin typeface="Consolas" panose="020B0609020204030204" pitchFamily="49" charset="0"/>
-                <a:cs typeface="Segoe UI" panose="020B0502040204020203" pitchFamily="34" charset="0"/>
-              </a:rPr>
-              <a:t>?</a:t>
-            </a:r>
-          </a:p>
-          <a:p>
-            <a:pPr marL="182563"/>
-            <a:r>
-              <a:rPr lang="pt-PT" sz="1700" dirty="0" err="1">
-                <a:solidFill>
-                  <a:srgbClr val="00B050"/>
-                </a:solidFill>
-                <a:latin typeface="Consolas" panose="020B0609020204030204" pitchFamily="49" charset="0"/>
-                <a:cs typeface="Segoe UI" panose="020B0502040204020203" pitchFamily="34" charset="0"/>
-              </a:rPr>
-              <a:t>Bots</a:t>
-            </a:r>
-            <a:r>
-              <a:rPr lang="pt-PT" sz="1700" dirty="0">
-                <a:solidFill>
-                  <a:schemeClr val="tx1"/>
-                </a:solidFill>
-                <a:latin typeface="Consolas" panose="020B0609020204030204" pitchFamily="49" charset="0"/>
-                <a:cs typeface="Segoe UI" panose="020B0502040204020203" pitchFamily="34" charset="0"/>
-              </a:rPr>
-              <a:t>: A Arte de Insultar é um livro escrito pelo filósofo Arthur Schopenhauer e foi publicado somente após sua morte em 1860.</a:t>
-            </a:r>
-          </a:p>
-          <a:p>
-            <a:pPr marL="182563"/>
-            <a:r>
-              <a:rPr lang="pt-PT" sz="1700" dirty="0" err="1">
-                <a:solidFill>
-                  <a:srgbClr val="488ED4"/>
-                </a:solidFill>
-                <a:latin typeface="Consolas" panose="020B0609020204030204" pitchFamily="49" charset="0"/>
-                <a:cs typeface="Segoe UI" panose="020B0502040204020203" pitchFamily="34" charset="0"/>
-              </a:rPr>
-              <a:t>User</a:t>
-            </a:r>
-            <a:r>
-              <a:rPr lang="pt-PT" sz="1700" dirty="0">
-                <a:solidFill>
-                  <a:schemeClr val="tx1"/>
-                </a:solidFill>
-                <a:latin typeface="Consolas" panose="020B0609020204030204" pitchFamily="49" charset="0"/>
-                <a:cs typeface="Segoe UI" panose="020B0502040204020203" pitchFamily="34" charset="0"/>
-              </a:rPr>
-              <a:t>: </a:t>
-            </a:r>
-            <a:r>
-              <a:rPr lang="pt-PT" sz="1700" u="sng" dirty="0">
-                <a:solidFill>
-                  <a:schemeClr val="tx1"/>
-                </a:solidFill>
-                <a:latin typeface="Consolas" panose="020B0609020204030204" pitchFamily="49" charset="0"/>
-                <a:cs typeface="Segoe UI" panose="020B0502040204020203" pitchFamily="34" charset="0"/>
-              </a:rPr>
-              <a:t>Adoro ir à praia</a:t>
-            </a:r>
-            <a:r>
-              <a:rPr lang="pt-PT" sz="1700" dirty="0">
-                <a:solidFill>
-                  <a:schemeClr val="tx1"/>
-                </a:solidFill>
-                <a:latin typeface="Consolas" panose="020B0609020204030204" pitchFamily="49" charset="0"/>
-                <a:cs typeface="Segoe UI" panose="020B0502040204020203" pitchFamily="34" charset="0"/>
-              </a:rPr>
-              <a:t>.</a:t>
-            </a:r>
-          </a:p>
-          <a:p>
-            <a:pPr marL="182563"/>
-            <a:r>
-              <a:rPr lang="pt-PT" sz="1700" dirty="0" err="1">
-                <a:solidFill>
-                  <a:srgbClr val="00B050"/>
-                </a:solidFill>
-                <a:latin typeface="Consolas" panose="020B0609020204030204" pitchFamily="49" charset="0"/>
-                <a:cs typeface="Segoe UI" panose="020B0502040204020203" pitchFamily="34" charset="0"/>
-              </a:rPr>
-              <a:t>Bots</a:t>
-            </a:r>
-            <a:r>
-              <a:rPr lang="pt-PT" sz="1700" dirty="0">
-                <a:solidFill>
-                  <a:schemeClr val="tx1"/>
-                </a:solidFill>
-                <a:latin typeface="Consolas" panose="020B0609020204030204" pitchFamily="49" charset="0"/>
-                <a:cs typeface="Segoe UI" panose="020B0502040204020203" pitchFamily="34" charset="0"/>
-              </a:rPr>
-              <a:t>: Deixando a frota, em nenhum porto ou praia.</a:t>
-            </a:r>
-          </a:p>
-          <a:p>
-            <a:pPr marL="182563"/>
-            <a:r>
-              <a:rPr lang="pt-PT" sz="1700" dirty="0" err="1">
-                <a:solidFill>
-                  <a:srgbClr val="488ED4"/>
-                </a:solidFill>
-                <a:latin typeface="Consolas" panose="020B0609020204030204" pitchFamily="49" charset="0"/>
-                <a:cs typeface="Segoe UI" panose="020B0502040204020203" pitchFamily="34" charset="0"/>
-              </a:rPr>
-              <a:t>User</a:t>
-            </a:r>
-            <a:r>
-              <a:rPr lang="pt-PT" sz="1700" dirty="0">
-                <a:solidFill>
-                  <a:schemeClr val="tx1"/>
-                </a:solidFill>
-                <a:latin typeface="Consolas" panose="020B0609020204030204" pitchFamily="49" charset="0"/>
-                <a:cs typeface="Segoe UI" panose="020B0502040204020203" pitchFamily="34" charset="0"/>
-              </a:rPr>
-              <a:t>: Isso é dos lusíadas, não é?</a:t>
-            </a:r>
-          </a:p>
-          <a:p>
-            <a:pPr marL="182563"/>
-            <a:r>
-              <a:rPr lang="pt-PT" sz="1700" dirty="0" err="1">
-                <a:solidFill>
-                  <a:srgbClr val="00B050"/>
-                </a:solidFill>
-                <a:latin typeface="Consolas" panose="020B0609020204030204" pitchFamily="49" charset="0"/>
-                <a:cs typeface="Segoe UI" panose="020B0502040204020203" pitchFamily="34" charset="0"/>
-              </a:rPr>
-              <a:t>Bots</a:t>
-            </a:r>
-            <a:r>
-              <a:rPr lang="pt-PT" sz="1700" dirty="0">
-                <a:solidFill>
-                  <a:schemeClr val="tx1"/>
-                </a:solidFill>
-                <a:latin typeface="Consolas" panose="020B0609020204030204" pitchFamily="49" charset="0"/>
-                <a:cs typeface="Segoe UI" panose="020B0502040204020203" pitchFamily="34" charset="0"/>
-              </a:rPr>
-              <a:t>: Sim, este verso pertence aos Lusíadas.</a:t>
-            </a:r>
-          </a:p>
-          <a:p>
-            <a:pPr marL="182563"/>
-            <a:r>
-              <a:rPr lang="pt-PT" sz="1700" dirty="0" err="1">
-                <a:solidFill>
-                  <a:srgbClr val="488ED4"/>
-                </a:solidFill>
-                <a:latin typeface="Consolas" panose="020B0609020204030204" pitchFamily="49" charset="0"/>
-                <a:cs typeface="Segoe UI" panose="020B0502040204020203" pitchFamily="34" charset="0"/>
-              </a:rPr>
-              <a:t>User</a:t>
-            </a:r>
-            <a:r>
-              <a:rPr lang="pt-PT" sz="1700" dirty="0">
-                <a:solidFill>
-                  <a:schemeClr val="tx1"/>
-                </a:solidFill>
-                <a:latin typeface="Consolas" panose="020B0609020204030204" pitchFamily="49" charset="0"/>
-                <a:cs typeface="Segoe UI" panose="020B0502040204020203" pitchFamily="34" charset="0"/>
-              </a:rPr>
-              <a:t>: Adeus</a:t>
-            </a:r>
-          </a:p>
-          <a:p>
-            <a:pPr marL="182563"/>
-            <a:r>
-              <a:rPr lang="pt-PT" sz="1700" dirty="0" err="1">
-                <a:solidFill>
-                  <a:srgbClr val="00B050"/>
-                </a:solidFill>
-                <a:latin typeface="Consolas" panose="020B0609020204030204" pitchFamily="49" charset="0"/>
-                <a:cs typeface="Segoe UI" panose="020B0502040204020203" pitchFamily="34" charset="0"/>
-              </a:rPr>
-              <a:t>Bots</a:t>
-            </a:r>
-            <a:r>
-              <a:rPr lang="pt-PT" sz="1700" dirty="0">
-                <a:solidFill>
-                  <a:schemeClr val="tx1"/>
-                </a:solidFill>
-                <a:latin typeface="Consolas" panose="020B0609020204030204" pitchFamily="49" charset="0"/>
-                <a:cs typeface="Segoe UI" panose="020B0502040204020203" pitchFamily="34" charset="0"/>
-              </a:rPr>
-              <a:t>: Até logo!</a:t>
-            </a:r>
+              <a:t>)</a:t>
+            </a:r>
+          </a:p>
+          <a:p>
+            <a:endParaRPr lang="pt-PT" sz="1600" dirty="0">
+              <a:latin typeface="Consolas" panose="020B0609020204030204" pitchFamily="49" charset="0"/>
+              <a:cs typeface="Arial" panose="020B0604020202020204" pitchFamily="34" charset="0"/>
+            </a:endParaRPr>
           </a:p>
         </p:txBody>
       </p:sp>
     </p:spTree>
+    <p:extLst>
+      <p:ext uri="{BB962C8B-B14F-4D97-AF65-F5344CB8AC3E}">
+        <p14:creationId xmlns:p14="http://schemas.microsoft.com/office/powerpoint/2010/main" val="2364574878"/>
+      </p:ext>
+    </p:extLst>
   </p:cSld>
   <p:clrMapOvr>
     <a:masterClrMapping/>
   </p:clrMapOvr>
+  <mc:AlternateContent xmlns:mc="http://schemas.openxmlformats.org/markup-compatibility/2006">
+    <mc:Choice xmlns:p159="http://schemas.microsoft.com/office/powerpoint/2015/09/main" Requires="p159">
+      <p:transition xmlns:p14="http://schemas.microsoft.com/office/powerpoint/2010/main" spd="slow" p14:dur="2000">
+        <p159:morph option="byObject"/>
+      </p:transition>
+    </mc:Choice>
+    <mc:Fallback>
+      <p:transition spd="slow">
+        <p:fade/>
+      </p:transition>
+    </mc:Fallback>
+  </mc:AlternateContent>
 </p:sld>
 </file>
 
@@ -6738,10 +10161,45 @@
       </p:grpSpPr>
       <p:sp>
         <p:nvSpPr>
-          <p:cNvPr id="18" name="object 2">
+          <p:cNvPr id="10" name="CaixaDeTexto 9">
             <a:extLst>
               <a:ext uri="{FF2B5EF4-FFF2-40B4-BE49-F238E27FC236}">
-                <a16:creationId xmlns:a16="http://schemas.microsoft.com/office/drawing/2014/main" id="{05AAF6C0-D971-4C1B-B829-B8B4D0B5493A}"/>
+                <a16:creationId xmlns:a16="http://schemas.microsoft.com/office/drawing/2014/main" id="{2BD6D9DB-2E83-4F23-A979-DB0D1E506279}"/>
+              </a:ext>
+            </a:extLst>
+          </p:cNvPr>
+          <p:cNvSpPr txBox="1"/>
+          <p:nvPr/>
+        </p:nvSpPr>
+        <p:spPr>
+          <a:xfrm>
+            <a:off x="3597573" y="1908933"/>
+            <a:ext cx="990600" cy="461665"/>
+          </a:xfrm>
+          <a:prstGeom prst="rect">
+            <a:avLst/>
+          </a:prstGeom>
+          <a:noFill/>
+        </p:spPr>
+        <p:txBody>
+          <a:bodyPr wrap="square" rtlCol="0">
+            <a:spAutoFit/>
+          </a:bodyPr>
+          <a:lstStyle/>
+          <a:p>
+            <a:r>
+              <a:rPr lang="pt-PT" sz="2400" dirty="0"/>
+              <a:t>X = 10</a:t>
+            </a:r>
+          </a:p>
+        </p:txBody>
+      </p:sp>
+      <p:sp>
+        <p:nvSpPr>
+          <p:cNvPr id="18" name="Retângulo: Cantos Arredondados 17">
+            <a:extLst>
+              <a:ext uri="{FF2B5EF4-FFF2-40B4-BE49-F238E27FC236}">
+                <a16:creationId xmlns:a16="http://schemas.microsoft.com/office/drawing/2014/main" id="{FF34A504-7FDE-476F-8A62-4B7949468928}"/>
               </a:ext>
             </a:extLst>
           </p:cNvPr>
@@ -6750,232 +10208,14 @@
         </p:nvSpPr>
         <p:spPr>
           <a:xfrm>
-            <a:off x="0" y="6"/>
-            <a:ext cx="9144000" cy="6858000"/>
-          </a:xfrm>
-          <a:custGeom>
-            <a:avLst/>
-            <a:gdLst/>
-            <a:ahLst/>
-            <a:cxnLst/>
-            <a:rect l="l" t="t" r="r" b="b"/>
-            <a:pathLst>
-              <a:path w="9144000" h="6858000">
-                <a:moveTo>
-                  <a:pt x="0" y="6857993"/>
-                </a:moveTo>
-                <a:lnTo>
-                  <a:pt x="9144000" y="6857993"/>
-                </a:lnTo>
-                <a:lnTo>
-                  <a:pt x="9144000" y="0"/>
-                </a:lnTo>
-                <a:lnTo>
-                  <a:pt x="0" y="0"/>
-                </a:lnTo>
-                <a:lnTo>
-                  <a:pt x="0" y="6857993"/>
-                </a:lnTo>
-                <a:close/>
-              </a:path>
-            </a:pathLst>
-          </a:custGeom>
-          <a:solidFill>
-            <a:srgbClr val="FAB200"/>
-          </a:solidFill>
-        </p:spPr>
-        <p:txBody>
-          <a:bodyPr wrap="square" lIns="0" tIns="0" rIns="0" bIns="0" rtlCol="0"/>
-          <a:lstStyle/>
-          <a:p>
-            <a:endParaRPr/>
-          </a:p>
-        </p:txBody>
-      </p:sp>
-      <p:sp>
-        <p:nvSpPr>
-          <p:cNvPr id="3" name="object 3"/>
-          <p:cNvSpPr txBox="1">
-            <a:spLocks noGrp="1"/>
-          </p:cNvSpPr>
-          <p:nvPr>
-            <p:ph type="title"/>
-          </p:nvPr>
-        </p:nvSpPr>
-        <p:spPr>
-          <a:xfrm>
-            <a:off x="3196205" y="186331"/>
-            <a:ext cx="2705101" cy="461023"/>
-          </a:xfrm>
-          <a:prstGeom prst="rect">
-            <a:avLst/>
-          </a:prstGeom>
-        </p:spPr>
-        <p:txBody>
-          <a:bodyPr vert="horz" wrap="square" lIns="0" tIns="14604" rIns="0" bIns="0" rtlCol="0">
-            <a:spAutoFit/>
-          </a:bodyPr>
-          <a:lstStyle/>
-          <a:p>
-            <a:pPr marL="12700" algn="ctr">
-              <a:lnSpc>
-                <a:spcPct val="100000"/>
-              </a:lnSpc>
-              <a:spcBef>
-                <a:spcPts val="114"/>
-              </a:spcBef>
-            </a:pPr>
-            <a:r>
-              <a:rPr lang="pt-PT" spc="-135" dirty="0"/>
-              <a:t>Trabalho Futuro</a:t>
-            </a:r>
-            <a:endParaRPr spc="-135" dirty="0"/>
-          </a:p>
-        </p:txBody>
-      </p:sp>
-      <p:pic>
-        <p:nvPicPr>
-          <p:cNvPr id="2052" name="Picture 4" descr="Resultado de imagem para ponto interrogaÃ§ao png">
-            <a:extLst>
-              <a:ext uri="{FF2B5EF4-FFF2-40B4-BE49-F238E27FC236}">
-                <a16:creationId xmlns:a16="http://schemas.microsoft.com/office/drawing/2014/main" id="{DF3841DC-8498-4036-87DF-9A0D93C12B1E}"/>
-              </a:ext>
-            </a:extLst>
-          </p:cNvPr>
-          <p:cNvPicPr>
-            <a:picLocks noChangeAspect="1" noChangeArrowheads="1"/>
-          </p:cNvPicPr>
-          <p:nvPr/>
-        </p:nvPicPr>
-        <p:blipFill>
-          <a:blip r:embed="rId3" cstate="print">
-            <a:extLst>
-              <a:ext uri="{28A0092B-C50C-407E-A947-70E740481C1C}">
-                <a14:useLocalDpi xmlns:a14="http://schemas.microsoft.com/office/drawing/2010/main" val="0"/>
-              </a:ext>
-            </a:extLst>
-          </a:blip>
-          <a:srcRect/>
-          <a:stretch>
-            <a:fillRect/>
-          </a:stretch>
-        </p:blipFill>
-        <p:spPr bwMode="auto">
-          <a:xfrm>
-            <a:off x="7543800" y="368653"/>
-            <a:ext cx="1819969" cy="1819969"/>
-          </a:xfrm>
-          <a:prstGeom prst="rect">
-            <a:avLst/>
-          </a:prstGeom>
-          <a:noFill/>
-          <a:extLst>
-            <a:ext uri="{909E8E84-426E-40DD-AFC4-6F175D3DCCD1}">
-              <a14:hiddenFill xmlns:a14="http://schemas.microsoft.com/office/drawing/2010/main">
-                <a:solidFill>
-                  <a:srgbClr val="FFFFFF"/>
-                </a:solidFill>
-              </a14:hiddenFill>
-            </a:ext>
-          </a:extLst>
-        </p:spPr>
-      </p:pic>
-      <p:pic>
-        <p:nvPicPr>
-          <p:cNvPr id="2054" name="Picture 6" descr="Resultado de imagem para trabalho futuro png">
-            <a:extLst>
-              <a:ext uri="{FF2B5EF4-FFF2-40B4-BE49-F238E27FC236}">
-                <a16:creationId xmlns:a16="http://schemas.microsoft.com/office/drawing/2014/main" id="{7BACF2A3-A54A-444A-A532-AB064B3B4651}"/>
-              </a:ext>
-            </a:extLst>
-          </p:cNvPr>
-          <p:cNvPicPr>
-            <a:picLocks noChangeAspect="1" noChangeArrowheads="1"/>
-          </p:cNvPicPr>
-          <p:nvPr/>
-        </p:nvPicPr>
-        <p:blipFill>
-          <a:blip r:embed="rId4" cstate="print">
-            <a:extLst>
-              <a:ext uri="{BEBA8EAE-BF5A-486C-A8C5-ECC9F3942E4B}">
-                <a14:imgProps xmlns:a14="http://schemas.microsoft.com/office/drawing/2010/main">
-                  <a14:imgLayer r:embed="rId5">
-                    <a14:imgEffect>
-                      <a14:backgroundRemoval t="10000" b="99474" l="10000" r="90000">
-                        <a14:foregroundMark x1="29035" y1="83947" x2="29035" y2="83947"/>
-                        <a14:foregroundMark x1="28860" y1="85000" x2="28070" y2="94211"/>
-                        <a14:foregroundMark x1="27544" y1="80658" x2="26842" y2="92895"/>
-                        <a14:foregroundMark x1="27018" y1="95263" x2="26754" y2="99211"/>
-                        <a14:foregroundMark x1="31228" y1="94474" x2="30351" y2="99474"/>
-                        <a14:foregroundMark x1="30526" y1="79605" x2="30877" y2="98026"/>
-                        <a14:backgroundMark x1="30175" y1="38026" x2="30175" y2="38026"/>
-                        <a14:backgroundMark x1="38158" y1="41053" x2="38158" y2="41053"/>
-                        <a14:backgroundMark x1="34211" y1="72763" x2="34649" y2="78026"/>
-                        <a14:backgroundMark x1="33509" y1="65263" x2="34386" y2="69737"/>
-                        <a14:backgroundMark x1="32018" y1="56447" x2="32018" y2="56447"/>
-                        <a14:backgroundMark x1="32018" y1="56053" x2="32018" y2="56053"/>
-                        <a14:backgroundMark x1="33333" y1="64079" x2="33333" y2="64079"/>
-                        <a14:backgroundMark x1="33070" y1="62237" x2="33070" y2="62237"/>
-                        <a14:backgroundMark x1="42632" y1="43421" x2="42632" y2="43421"/>
-                        <a14:backgroundMark x1="42895" y1="43158" x2="42895" y2="43158"/>
-                        <a14:backgroundMark x1="42105" y1="46974" x2="42105" y2="46974"/>
-                      </a14:backgroundRemoval>
-                    </a14:imgEffect>
-                  </a14:imgLayer>
-                </a14:imgProps>
-              </a:ext>
-              <a:ext uri="{28A0092B-C50C-407E-A947-70E740481C1C}">
-                <a14:useLocalDpi xmlns:a14="http://schemas.microsoft.com/office/drawing/2010/main" val="0"/>
-              </a:ext>
-            </a:extLst>
-          </a:blip>
-          <a:srcRect/>
-          <a:stretch>
-            <a:fillRect/>
-          </a:stretch>
-        </p:blipFill>
-        <p:spPr bwMode="auto">
-          <a:xfrm>
-            <a:off x="-609600" y="152400"/>
-            <a:ext cx="4686301" cy="3124200"/>
-          </a:xfrm>
-          <a:prstGeom prst="rect">
-            <a:avLst/>
-          </a:prstGeom>
-          <a:noFill/>
-          <a:extLst>
-            <a:ext uri="{909E8E84-426E-40DD-AFC4-6F175D3DCCD1}">
-              <a14:hiddenFill xmlns:a14="http://schemas.microsoft.com/office/drawing/2010/main">
-                <a:solidFill>
-                  <a:srgbClr val="FFFFFF"/>
-                </a:solidFill>
-              </a14:hiddenFill>
-            </a:ext>
-          </a:extLst>
-        </p:spPr>
-      </p:pic>
-      <p:sp>
-        <p:nvSpPr>
-          <p:cNvPr id="16" name="Retângulo: Cantos Arredondados 15">
-            <a:extLst>
-              <a:ext uri="{FF2B5EF4-FFF2-40B4-BE49-F238E27FC236}">
-                <a16:creationId xmlns:a16="http://schemas.microsoft.com/office/drawing/2014/main" id="{878AF0DB-B655-457A-AB34-6DE2F0DD9317}"/>
-              </a:ext>
-            </a:extLst>
-          </p:cNvPr>
-          <p:cNvSpPr/>
-          <p:nvPr/>
-        </p:nvSpPr>
-        <p:spPr>
-          <a:xfrm>
-            <a:off x="1295400" y="2057399"/>
-            <a:ext cx="6743699" cy="3261479"/>
+            <a:off x="918561" y="1276605"/>
+            <a:ext cx="2537405" cy="1850232"/>
           </a:xfrm>
           <a:prstGeom prst="roundRect">
             <a:avLst/>
           </a:prstGeom>
           <a:solidFill>
-            <a:srgbClr val="DDDDDD"/>
+            <a:schemeClr val="bg1"/>
           </a:solidFill>
           <a:ln>
             <a:noFill/>
@@ -7002,184 +10242,63 @@
           <a:lstStyle/>
           <a:p>
             <a:pPr algn="ctr"/>
-            <a:endParaRPr lang="pt-PT" dirty="0"/>
-          </a:p>
-        </p:txBody>
-      </p:sp>
-      <p:sp>
-        <p:nvSpPr>
-          <p:cNvPr id="10" name="CaixaDeTexto 9">
+            <a:endParaRPr lang="pt-PT"/>
+          </a:p>
+        </p:txBody>
+      </p:sp>
+      <p:sp>
+        <p:nvSpPr>
+          <p:cNvPr id="12" name="object 2">
             <a:extLst>
               <a:ext uri="{FF2B5EF4-FFF2-40B4-BE49-F238E27FC236}">
-                <a16:creationId xmlns:a16="http://schemas.microsoft.com/office/drawing/2014/main" id="{665CFF42-7D2E-4CD5-BF8A-19AEEE23089F}"/>
+                <a16:creationId xmlns:a16="http://schemas.microsoft.com/office/drawing/2014/main" id="{3FB8BEF2-4FBF-456A-BB55-B3EE58FADD7D}"/>
               </a:ext>
             </a:extLst>
           </p:cNvPr>
-          <p:cNvSpPr txBox="1"/>
-          <p:nvPr/>
+          <p:cNvSpPr txBox="1">
+            <a:spLocks noGrp="1"/>
+          </p:cNvSpPr>
+          <p:nvPr>
+            <p:ph type="title"/>
+          </p:nvPr>
         </p:nvSpPr>
         <p:spPr>
           <a:xfrm>
-            <a:off x="1447800" y="2250281"/>
-            <a:ext cx="6391713" cy="3693319"/>
+            <a:off x="2868810" y="228600"/>
+            <a:ext cx="3406380" cy="461023"/>
           </a:xfrm>
           <a:prstGeom prst="rect">
             <a:avLst/>
           </a:prstGeom>
-          <a:noFill/>
-        </p:spPr>
-        <p:txBody>
-          <a:bodyPr wrap="square" rtlCol="0">
+        </p:spPr>
+        <p:txBody>
+          <a:bodyPr vert="horz" wrap="square" lIns="0" tIns="14604" rIns="0" bIns="0" rtlCol="0">
             <a:spAutoFit/>
           </a:bodyPr>
           <a:lstStyle/>
           <a:p>
-            <a:pPr marL="285750" indent="-285750">
-              <a:buFont typeface="Wingdings" panose="05000000000000000000" pitchFamily="2" charset="2"/>
-              <a:buChar char="§"/>
+            <a:pPr marL="12700" algn="l">
+              <a:lnSpc>
+                <a:spcPct val="100000"/>
+              </a:lnSpc>
+              <a:spcBef>
+                <a:spcPts val="114"/>
+              </a:spcBef>
             </a:pPr>
             <a:r>
-              <a:rPr lang="pt-PT" dirty="0">
-                <a:latin typeface="Arial" panose="020B0604020202020204" pitchFamily="34" charset="0"/>
-                <a:cs typeface="Arial" panose="020B0604020202020204" pitchFamily="34" charset="0"/>
-              </a:rPr>
-              <a:t>Permitir geração dos </a:t>
-            </a:r>
-            <a:r>
-              <a:rPr lang="pt-PT" i="1" dirty="0" err="1">
-                <a:latin typeface="Arial" panose="020B0604020202020204" pitchFamily="34" charset="0"/>
-                <a:cs typeface="Arial" panose="020B0604020202020204" pitchFamily="34" charset="0"/>
-              </a:rPr>
-              <a:t>bots</a:t>
-            </a:r>
-            <a:r>
-              <a:rPr lang="pt-PT" dirty="0">
-                <a:latin typeface="Arial" panose="020B0604020202020204" pitchFamily="34" charset="0"/>
-                <a:cs typeface="Arial" panose="020B0604020202020204" pitchFamily="34" charset="0"/>
-              </a:rPr>
-              <a:t> através da DSL possibilitando a especificação da categoria dos mesmos, prioridade,  agregação, …</a:t>
-            </a:r>
-          </a:p>
-          <a:p>
-            <a:pPr marL="285750" indent="-285750">
-              <a:buFont typeface="Arial" panose="020B0604020202020204" pitchFamily="34" charset="0"/>
-              <a:buChar char="•"/>
-            </a:pPr>
-            <a:endParaRPr lang="pt-PT" dirty="0">
-              <a:latin typeface="Arial" panose="020B0604020202020204" pitchFamily="34" charset="0"/>
-              <a:cs typeface="Arial" panose="020B0604020202020204" pitchFamily="34" charset="0"/>
-            </a:endParaRPr>
-          </a:p>
-          <a:p>
-            <a:pPr marL="285750" indent="-285750">
-              <a:buFont typeface="Wingdings" panose="05000000000000000000" pitchFamily="2" charset="2"/>
-              <a:buChar char="§"/>
-            </a:pPr>
-            <a:r>
-              <a:rPr lang="pt-PT" dirty="0">
-                <a:latin typeface="Arial" panose="020B0604020202020204" pitchFamily="34" charset="0"/>
-                <a:cs typeface="Arial" panose="020B0604020202020204" pitchFamily="34" charset="0"/>
-              </a:rPr>
-              <a:t>Aprendizagem</a:t>
-            </a:r>
-          </a:p>
-          <a:p>
-            <a:pPr marL="742950" lvl="1" indent="-285750">
-              <a:buFont typeface="Arial" panose="020B0604020202020204" pitchFamily="34" charset="0"/>
-              <a:buChar char="•"/>
-            </a:pPr>
-            <a:r>
-              <a:rPr lang="pt-PT" dirty="0">
-                <a:latin typeface="Arial" panose="020B0604020202020204" pitchFamily="34" charset="0"/>
-                <a:cs typeface="Arial" panose="020B0604020202020204" pitchFamily="34" charset="0"/>
-              </a:rPr>
-              <a:t>Criação de perfis de utilizador</a:t>
-            </a:r>
-          </a:p>
-          <a:p>
-            <a:pPr marL="742950" lvl="1" indent="-285750">
-              <a:buFont typeface="Arial" panose="020B0604020202020204" pitchFamily="34" charset="0"/>
-              <a:buChar char="•"/>
-            </a:pPr>
-            <a:r>
-              <a:rPr lang="pt-PT" dirty="0">
-                <a:latin typeface="Arial" panose="020B0604020202020204" pitchFamily="34" charset="0"/>
-                <a:cs typeface="Arial" panose="020B0604020202020204" pitchFamily="34" charset="0"/>
-              </a:rPr>
-              <a:t>Aprender através dos diálogos (utilizador, filmes, …)</a:t>
-            </a:r>
-          </a:p>
-          <a:p>
-            <a:pPr marL="285750" indent="-285750">
-              <a:buFont typeface="Arial" panose="020B0604020202020204" pitchFamily="34" charset="0"/>
-              <a:buChar char="•"/>
-            </a:pPr>
-            <a:endParaRPr lang="pt-PT" dirty="0">
-              <a:latin typeface="Arial" panose="020B0604020202020204" pitchFamily="34" charset="0"/>
-              <a:cs typeface="Arial" panose="020B0604020202020204" pitchFamily="34" charset="0"/>
-            </a:endParaRPr>
-          </a:p>
-          <a:p>
-            <a:pPr marL="285750" indent="-285750">
-              <a:buFont typeface="Wingdings" panose="05000000000000000000" pitchFamily="2" charset="2"/>
-              <a:buChar char="§"/>
-            </a:pPr>
-            <a:r>
-              <a:rPr lang="pt-PT" dirty="0">
-                <a:latin typeface="Arial" panose="020B0604020202020204" pitchFamily="34" charset="0"/>
-                <a:cs typeface="Arial" panose="020B0604020202020204" pitchFamily="34" charset="0"/>
-              </a:rPr>
-              <a:t>Guardar estados para dar melhor seguimento à conversa</a:t>
-            </a:r>
-          </a:p>
-          <a:p>
-            <a:pPr marL="285750" indent="-285750">
-              <a:buFont typeface="Wingdings" panose="05000000000000000000" pitchFamily="2" charset="2"/>
-              <a:buChar char="§"/>
-            </a:pPr>
-            <a:endParaRPr lang="pt-PT" dirty="0">
-              <a:latin typeface="Arial" panose="020B0604020202020204" pitchFamily="34" charset="0"/>
-              <a:cs typeface="Arial" panose="020B0604020202020204" pitchFamily="34" charset="0"/>
-            </a:endParaRPr>
-          </a:p>
-          <a:p>
-            <a:pPr marL="285750" indent="-285750">
-              <a:buFont typeface="Wingdings" panose="05000000000000000000" pitchFamily="2" charset="2"/>
-              <a:buChar char="§"/>
-            </a:pPr>
-            <a:endParaRPr lang="pt-PT" dirty="0">
-              <a:latin typeface="Arial" panose="020B0604020202020204" pitchFamily="34" charset="0"/>
-              <a:cs typeface="Arial" panose="020B0604020202020204" pitchFamily="34" charset="0"/>
-            </a:endParaRPr>
-          </a:p>
-          <a:p>
-            <a:pPr marL="742950" lvl="1" indent="-285750">
-              <a:buFont typeface="Arial" panose="020B0604020202020204" pitchFamily="34" charset="0"/>
-              <a:buChar char="•"/>
-            </a:pPr>
-            <a:endParaRPr lang="pt-PT" dirty="0">
-              <a:latin typeface="Arial" panose="020B0604020202020204" pitchFamily="34" charset="0"/>
-              <a:cs typeface="Arial" panose="020B0604020202020204" pitchFamily="34" charset="0"/>
-            </a:endParaRPr>
-          </a:p>
-          <a:p>
-            <a:pPr marL="742950" lvl="1" indent="-285750">
-              <a:buFont typeface="Arial" panose="020B0604020202020204" pitchFamily="34" charset="0"/>
-              <a:buChar char="•"/>
-            </a:pPr>
-            <a:endParaRPr lang="pt-PT" dirty="0">
-              <a:latin typeface="Arial" panose="020B0604020202020204" pitchFamily="34" charset="0"/>
-              <a:cs typeface="Arial" panose="020B0604020202020204" pitchFamily="34" charset="0"/>
-            </a:endParaRPr>
+              <a:rPr lang="pt-PT" spc="-185" dirty="0"/>
+              <a:t>Exemplo de utilização</a:t>
+            </a:r>
+            <a:endParaRPr spc="-185" dirty="0"/>
           </a:p>
         </p:txBody>
       </p:sp>
       <p:pic>
         <p:nvPicPr>
-          <p:cNvPr id="2060" name="Picture 12" descr="Resultado de imagem para bot png">
+          <p:cNvPr id="2058" name="Picture 10">
             <a:extLst>
               <a:ext uri="{FF2B5EF4-FFF2-40B4-BE49-F238E27FC236}">
-                <a16:creationId xmlns:a16="http://schemas.microsoft.com/office/drawing/2014/main" id="{790224CB-C97F-4DAB-8626-1491B3C90123}"/>
+                <a16:creationId xmlns:a16="http://schemas.microsoft.com/office/drawing/2014/main" id="{98432A3F-9940-4384-95BC-356F5351329D}"/>
               </a:ext>
             </a:extLst>
           </p:cNvPr>
@@ -7189,7 +10308,7 @@
           <p:nvPr/>
         </p:nvPicPr>
         <p:blipFill>
-          <a:blip r:embed="rId6" cstate="print">
+          <a:blip r:embed="rId3">
             <a:extLst>
               <a:ext uri="{28A0092B-C50C-407E-A947-70E740481C1C}">
                 <a14:useLocalDpi xmlns:a14="http://schemas.microsoft.com/office/drawing/2010/main" val="0"/>
@@ -7203,8 +10322,8 @@
         </p:blipFill>
         <p:spPr bwMode="auto">
           <a:xfrm>
-            <a:off x="7051885" y="4350172"/>
-            <a:ext cx="1974428" cy="1974428"/>
+            <a:off x="1052548" y="1530385"/>
+            <a:ext cx="2269430" cy="1495761"/>
           </a:xfrm>
           <a:prstGeom prst="rect">
             <a:avLst/>
@@ -7224,13 +10343,403 @@
     </p:spTree>
     <p:extLst>
       <p:ext uri="{BB962C8B-B14F-4D97-AF65-F5344CB8AC3E}">
-        <p14:creationId xmlns:p14="http://schemas.microsoft.com/office/powerpoint/2010/main" val="724390932"/>
+        <p14:creationId xmlns:p14="http://schemas.microsoft.com/office/powerpoint/2010/main" val="1102649629"/>
       </p:ext>
     </p:extLst>
   </p:cSld>
   <p:clrMapOvr>
     <a:masterClrMapping/>
   </p:clrMapOvr>
+  <mc:AlternateContent xmlns:mc="http://schemas.openxmlformats.org/markup-compatibility/2006">
+    <mc:Choice xmlns:p14="http://schemas.microsoft.com/office/powerpoint/2010/main" Requires="p14">
+      <p:transition spd="med" p14:dur="700">
+        <p:fade/>
+      </p:transition>
+    </mc:Choice>
+    <mc:Fallback>
+      <p:transition spd="med">
+        <p:fade/>
+      </p:transition>
+    </mc:Fallback>
+  </mc:AlternateContent>
+</p:sld>
+</file>
+
+<file path=ppt/slides/slide9.xml><?xml version="1.0" encoding="utf-8"?>
+<p:sld xmlns:a="http://schemas.openxmlformats.org/drawingml/2006/main" xmlns:r="http://schemas.openxmlformats.org/officeDocument/2006/relationships" xmlns:p="http://schemas.openxmlformats.org/presentationml/2006/main">
+  <p:cSld>
+    <p:spTree>
+      <p:nvGrpSpPr>
+        <p:cNvPr id="1" name=""/>
+        <p:cNvGrpSpPr/>
+        <p:nvPr/>
+      </p:nvGrpSpPr>
+      <p:grpSpPr>
+        <a:xfrm>
+          <a:off x="0" y="0"/>
+          <a:ext cx="0" cy="0"/>
+          <a:chOff x="0" y="0"/>
+          <a:chExt cx="0" cy="0"/>
+        </a:xfrm>
+      </p:grpSpPr>
+      <p:sp>
+        <p:nvSpPr>
+          <p:cNvPr id="10" name="CaixaDeTexto 9">
+            <a:extLst>
+              <a:ext uri="{FF2B5EF4-FFF2-40B4-BE49-F238E27FC236}">
+                <a16:creationId xmlns:a16="http://schemas.microsoft.com/office/drawing/2014/main" id="{2BD6D9DB-2E83-4F23-A979-DB0D1E506279}"/>
+              </a:ext>
+            </a:extLst>
+          </p:cNvPr>
+          <p:cNvSpPr txBox="1"/>
+          <p:nvPr/>
+        </p:nvSpPr>
+        <p:spPr>
+          <a:xfrm>
+            <a:off x="3597573" y="1908933"/>
+            <a:ext cx="990600" cy="461665"/>
+          </a:xfrm>
+          <a:prstGeom prst="rect">
+            <a:avLst/>
+          </a:prstGeom>
+          <a:noFill/>
+        </p:spPr>
+        <p:txBody>
+          <a:bodyPr wrap="square" rtlCol="0">
+            <a:spAutoFit/>
+          </a:bodyPr>
+          <a:lstStyle/>
+          <a:p>
+            <a:r>
+              <a:rPr lang="pt-PT" sz="2400" dirty="0"/>
+              <a:t>X = 10</a:t>
+            </a:r>
+          </a:p>
+        </p:txBody>
+      </p:sp>
+      <p:sp>
+        <p:nvSpPr>
+          <p:cNvPr id="18" name="Retângulo: Cantos Arredondados 17">
+            <a:extLst>
+              <a:ext uri="{FF2B5EF4-FFF2-40B4-BE49-F238E27FC236}">
+                <a16:creationId xmlns:a16="http://schemas.microsoft.com/office/drawing/2014/main" id="{FF34A504-7FDE-476F-8A62-4B7949468928}"/>
+              </a:ext>
+            </a:extLst>
+          </p:cNvPr>
+          <p:cNvSpPr/>
+          <p:nvPr/>
+        </p:nvSpPr>
+        <p:spPr>
+          <a:xfrm>
+            <a:off x="918561" y="1276605"/>
+            <a:ext cx="2537405" cy="1850232"/>
+          </a:xfrm>
+          <a:prstGeom prst="roundRect">
+            <a:avLst/>
+          </a:prstGeom>
+          <a:solidFill>
+            <a:schemeClr val="bg1"/>
+          </a:solidFill>
+          <a:ln>
+            <a:noFill/>
+          </a:ln>
+        </p:spPr>
+        <p:style>
+          <a:lnRef idx="2">
+            <a:schemeClr val="accent1">
+              <a:shade val="50000"/>
+            </a:schemeClr>
+          </a:lnRef>
+          <a:fillRef idx="1">
+            <a:schemeClr val="accent1"/>
+          </a:fillRef>
+          <a:effectRef idx="0">
+            <a:schemeClr val="accent1"/>
+          </a:effectRef>
+          <a:fontRef idx="minor">
+            <a:schemeClr val="lt1"/>
+          </a:fontRef>
+        </p:style>
+        <p:txBody>
+          <a:bodyPr rtlCol="0" anchor="ctr"/>
+          <a:lstStyle/>
+          <a:p>
+            <a:pPr algn="ctr"/>
+            <a:endParaRPr lang="pt-PT"/>
+          </a:p>
+        </p:txBody>
+      </p:sp>
+      <p:sp>
+        <p:nvSpPr>
+          <p:cNvPr id="12" name="object 2">
+            <a:extLst>
+              <a:ext uri="{FF2B5EF4-FFF2-40B4-BE49-F238E27FC236}">
+                <a16:creationId xmlns:a16="http://schemas.microsoft.com/office/drawing/2014/main" id="{3FB8BEF2-4FBF-456A-BB55-B3EE58FADD7D}"/>
+              </a:ext>
+            </a:extLst>
+          </p:cNvPr>
+          <p:cNvSpPr txBox="1">
+            <a:spLocks noGrp="1"/>
+          </p:cNvSpPr>
+          <p:nvPr>
+            <p:ph type="title"/>
+          </p:nvPr>
+        </p:nvSpPr>
+        <p:spPr>
+          <a:xfrm>
+            <a:off x="2868810" y="228600"/>
+            <a:ext cx="3406380" cy="461023"/>
+          </a:xfrm>
+          <a:prstGeom prst="rect">
+            <a:avLst/>
+          </a:prstGeom>
+        </p:spPr>
+        <p:txBody>
+          <a:bodyPr vert="horz" wrap="square" lIns="0" tIns="14604" rIns="0" bIns="0" rtlCol="0">
+            <a:spAutoFit/>
+          </a:bodyPr>
+          <a:lstStyle/>
+          <a:p>
+            <a:pPr marL="12700" algn="l">
+              <a:lnSpc>
+                <a:spcPct val="100000"/>
+              </a:lnSpc>
+              <a:spcBef>
+                <a:spcPts val="114"/>
+              </a:spcBef>
+            </a:pPr>
+            <a:r>
+              <a:rPr lang="pt-PT" spc="-185" dirty="0"/>
+              <a:t>Exemplo de utilização</a:t>
+            </a:r>
+            <a:endParaRPr spc="-185" dirty="0"/>
+          </a:p>
+        </p:txBody>
+      </p:sp>
+      <p:pic>
+        <p:nvPicPr>
+          <p:cNvPr id="2058" name="Picture 10">
+            <a:extLst>
+              <a:ext uri="{FF2B5EF4-FFF2-40B4-BE49-F238E27FC236}">
+                <a16:creationId xmlns:a16="http://schemas.microsoft.com/office/drawing/2014/main" id="{98432A3F-9940-4384-95BC-356F5351329D}"/>
+              </a:ext>
+            </a:extLst>
+          </p:cNvPr>
+          <p:cNvPicPr>
+            <a:picLocks noChangeAspect="1" noChangeArrowheads="1"/>
+          </p:cNvPicPr>
+          <p:nvPr/>
+        </p:nvPicPr>
+        <p:blipFill>
+          <a:blip r:embed="rId3">
+            <a:extLst>
+              <a:ext uri="{28A0092B-C50C-407E-A947-70E740481C1C}">
+                <a14:useLocalDpi xmlns:a14="http://schemas.microsoft.com/office/drawing/2010/main" val="0"/>
+              </a:ext>
+            </a:extLst>
+          </a:blip>
+          <a:srcRect/>
+          <a:stretch>
+            <a:fillRect/>
+          </a:stretch>
+        </p:blipFill>
+        <p:spPr bwMode="auto">
+          <a:xfrm>
+            <a:off x="1052548" y="1530385"/>
+            <a:ext cx="2269430" cy="1495761"/>
+          </a:xfrm>
+          <a:prstGeom prst="rect">
+            <a:avLst/>
+          </a:prstGeom>
+          <a:noFill/>
+          <a:extLst>
+            <a:ext uri="{909E8E84-426E-40DD-AFC4-6F175D3DCCD1}">
+              <a14:hiddenFill xmlns:a14="http://schemas.microsoft.com/office/drawing/2010/main">
+                <a:solidFill>
+                  <a:srgbClr val="FFFFFF"/>
+                </a:solidFill>
+              </a14:hiddenFill>
+            </a:ext>
+          </a:extLst>
+        </p:spPr>
+      </p:pic>
+      <p:grpSp>
+        <p:nvGrpSpPr>
+          <p:cNvPr id="2" name="Agrupar 1">
+            <a:extLst>
+              <a:ext uri="{FF2B5EF4-FFF2-40B4-BE49-F238E27FC236}">
+                <a16:creationId xmlns:a16="http://schemas.microsoft.com/office/drawing/2014/main" id="{6321A55E-DFAD-4B4F-A1C3-66764517F708}"/>
+              </a:ext>
+            </a:extLst>
+          </p:cNvPr>
+          <p:cNvGrpSpPr/>
+          <p:nvPr/>
+        </p:nvGrpSpPr>
+        <p:grpSpPr>
+          <a:xfrm>
+            <a:off x="1909161" y="1832389"/>
+            <a:ext cx="2601722" cy="1878539"/>
+            <a:chOff x="1143000" y="1371600"/>
+            <a:chExt cx="2601722" cy="1878539"/>
+          </a:xfrm>
+        </p:grpSpPr>
+        <p:sp>
+          <p:nvSpPr>
+            <p:cNvPr id="22" name="Retângulo: Cantos Arredondados 21">
+              <a:extLst>
+                <a:ext uri="{FF2B5EF4-FFF2-40B4-BE49-F238E27FC236}">
+                  <a16:creationId xmlns:a16="http://schemas.microsoft.com/office/drawing/2014/main" id="{91D7D628-4021-440F-B5EE-1837B4EDF8E4}"/>
+                </a:ext>
+              </a:extLst>
+            </p:cNvPr>
+            <p:cNvSpPr/>
+            <p:nvPr/>
+          </p:nvSpPr>
+          <p:spPr>
+            <a:xfrm>
+              <a:off x="1143000" y="1371600"/>
+              <a:ext cx="2601722" cy="1878539"/>
+            </a:xfrm>
+            <a:prstGeom prst="roundRect">
+              <a:avLst/>
+            </a:prstGeom>
+            <a:solidFill>
+              <a:schemeClr val="bg1"/>
+            </a:solidFill>
+            <a:ln>
+              <a:noFill/>
+            </a:ln>
+          </p:spPr>
+          <p:style>
+            <a:lnRef idx="2">
+              <a:schemeClr val="accent1">
+                <a:shade val="50000"/>
+              </a:schemeClr>
+            </a:lnRef>
+            <a:fillRef idx="1">
+              <a:schemeClr val="accent1"/>
+            </a:fillRef>
+            <a:effectRef idx="0">
+              <a:schemeClr val="accent1"/>
+            </a:effectRef>
+            <a:fontRef idx="minor">
+              <a:schemeClr val="lt1"/>
+            </a:fontRef>
+          </p:style>
+          <p:txBody>
+            <a:bodyPr rtlCol="0" anchor="ctr"/>
+            <a:lstStyle/>
+            <a:p>
+              <a:pPr algn="ctr"/>
+              <a:endParaRPr lang="pt-PT"/>
+            </a:p>
+          </p:txBody>
+        </p:sp>
+        <p:pic>
+          <p:nvPicPr>
+            <p:cNvPr id="2060" name="Picture 12">
+              <a:extLst>
+                <a:ext uri="{FF2B5EF4-FFF2-40B4-BE49-F238E27FC236}">
+                  <a16:creationId xmlns:a16="http://schemas.microsoft.com/office/drawing/2014/main" id="{A9311B19-F1ED-4998-8DDF-AE6908E07C7F}"/>
+                </a:ext>
+              </a:extLst>
+            </p:cNvPr>
+            <p:cNvPicPr>
+              <a:picLocks noChangeAspect="1" noChangeArrowheads="1"/>
+            </p:cNvPicPr>
+            <p:nvPr/>
+          </p:nvPicPr>
+          <p:blipFill>
+            <a:blip r:embed="rId4">
+              <a:extLst>
+                <a:ext uri="{28A0092B-C50C-407E-A947-70E740481C1C}">
+                  <a14:useLocalDpi xmlns:a14="http://schemas.microsoft.com/office/drawing/2010/main" val="0"/>
+                </a:ext>
+              </a:extLst>
+            </a:blip>
+            <a:srcRect/>
+            <a:stretch>
+              <a:fillRect/>
+            </a:stretch>
+          </p:blipFill>
+          <p:spPr bwMode="auto">
+            <a:xfrm>
+              <a:off x="1235363" y="1514359"/>
+              <a:ext cx="2416996" cy="1593020"/>
+            </a:xfrm>
+            <a:prstGeom prst="rect">
+              <a:avLst/>
+            </a:prstGeom>
+            <a:noFill/>
+            <a:extLst>
+              <a:ext uri="{909E8E84-426E-40DD-AFC4-6F175D3DCCD1}">
+                <a14:hiddenFill xmlns:a14="http://schemas.microsoft.com/office/drawing/2010/main">
+                  <a:solidFill>
+                    <a:srgbClr val="FFFFFF"/>
+                  </a:solidFill>
+                </a14:hiddenFill>
+              </a:ext>
+            </a:extLst>
+          </p:spPr>
+        </p:pic>
+      </p:grpSp>
+      <p:sp>
+        <p:nvSpPr>
+          <p:cNvPr id="11" name="CaixaDeTexto 10">
+            <a:extLst>
+              <a:ext uri="{FF2B5EF4-FFF2-40B4-BE49-F238E27FC236}">
+                <a16:creationId xmlns:a16="http://schemas.microsoft.com/office/drawing/2014/main" id="{2313E966-6A85-4BD0-89E8-4B75267F4DB3}"/>
+              </a:ext>
+            </a:extLst>
+          </p:cNvPr>
+          <p:cNvSpPr txBox="1"/>
+          <p:nvPr/>
+        </p:nvSpPr>
+        <p:spPr>
+          <a:xfrm>
+            <a:off x="4724400" y="2540825"/>
+            <a:ext cx="990600" cy="461665"/>
+          </a:xfrm>
+          <a:prstGeom prst="rect">
+            <a:avLst/>
+          </a:prstGeom>
+          <a:noFill/>
+        </p:spPr>
+        <p:txBody>
+          <a:bodyPr wrap="square" rtlCol="0">
+            <a:spAutoFit/>
+          </a:bodyPr>
+          <a:lstStyle/>
+          <a:p>
+            <a:r>
+              <a:rPr lang="pt-PT" sz="2400" dirty="0"/>
+              <a:t>X = 20</a:t>
+            </a:r>
+          </a:p>
+        </p:txBody>
+      </p:sp>
+    </p:spTree>
+    <p:extLst>
+      <p:ext uri="{BB962C8B-B14F-4D97-AF65-F5344CB8AC3E}">
+        <p14:creationId xmlns:p14="http://schemas.microsoft.com/office/powerpoint/2010/main" val="1347707633"/>
+      </p:ext>
+    </p:extLst>
+  </p:cSld>
+  <p:clrMapOvr>
+    <a:masterClrMapping/>
+  </p:clrMapOvr>
+  <mc:AlternateContent xmlns:mc="http://schemas.openxmlformats.org/markup-compatibility/2006">
+    <mc:Choice xmlns:p14="http://schemas.microsoft.com/office/powerpoint/2010/main" Requires="p14">
+      <p:transition spd="med" p14:dur="700">
+        <p:fade/>
+      </p:transition>
+    </mc:Choice>
+    <mc:Fallback>
+      <p:transition spd="med">
+        <p:fade/>
+      </p:transition>
+    </mc:Fallback>
+  </mc:AlternateContent>
 </p:sld>
 </file>
 

--- a/SPLN/tp2/apresSPLN.pptx
+++ b/SPLN/tp2/apresSPLN.pptx
@@ -5,7 +5,7 @@
     <p:sldMasterId id="2147483648" r:id="rId1"/>
   </p:sldMasterIdLst>
   <p:notesMasterIdLst>
-    <p:notesMasterId r:id="rId14"/>
+    <p:notesMasterId r:id="rId17"/>
   </p:notesMasterIdLst>
   <p:sldIdLst>
     <p:sldId id="256" r:id="rId2"/>
@@ -20,6 +20,9 @@
     <p:sldId id="307" r:id="rId11"/>
     <p:sldId id="306" r:id="rId12"/>
     <p:sldId id="309" r:id="rId13"/>
+    <p:sldId id="312" r:id="rId14"/>
+    <p:sldId id="311" r:id="rId15"/>
+    <p:sldId id="313" r:id="rId16"/>
   </p:sldIdLst>
   <p:sldSz cx="9144000" cy="6858000" type="screen4x3"/>
   <p:notesSz cx="9144000" cy="6858000"/>
@@ -219,7 +222,7 @@
           <a:p>
             <a:fld id="{06D80BC0-DB8E-4343-896B-DB141BAE3B05}" type="datetimeFigureOut">
               <a:rPr lang="pt-PT" smtClean="0"/>
-              <a:t>25/04/2019</a:t>
+              <a:t>27/04/2019</a:t>
             </a:fld>
             <a:endParaRPr lang="pt-PT"/>
           </a:p>
@@ -738,6 +741,90 @@
 </p:notes>
 </file>
 
+<file path=ppt/notesSlides/notesSlide12.xml><?xml version="1.0" encoding="utf-8"?>
+<p:notes xmlns:a="http://schemas.openxmlformats.org/drawingml/2006/main" xmlns:r="http://schemas.openxmlformats.org/officeDocument/2006/relationships" xmlns:p="http://schemas.openxmlformats.org/presentationml/2006/main">
+  <p:cSld>
+    <p:spTree>
+      <p:nvGrpSpPr>
+        <p:cNvPr id="1" name=""/>
+        <p:cNvGrpSpPr/>
+        <p:nvPr/>
+      </p:nvGrpSpPr>
+      <p:grpSpPr>
+        <a:xfrm>
+          <a:off x="0" y="0"/>
+          <a:ext cx="0" cy="0"/>
+          <a:chOff x="0" y="0"/>
+          <a:chExt cx="0" cy="0"/>
+        </a:xfrm>
+      </p:grpSpPr>
+      <p:sp>
+        <p:nvSpPr>
+          <p:cNvPr id="2" name="Marcador de Posição da Imagem do Diapositivo 1"/>
+          <p:cNvSpPr>
+            <a:spLocks noGrp="1" noRot="1" noChangeAspect="1"/>
+          </p:cNvSpPr>
+          <p:nvPr>
+            <p:ph type="sldImg"/>
+          </p:nvPr>
+        </p:nvSpPr>
+        <p:spPr/>
+      </p:sp>
+      <p:sp>
+        <p:nvSpPr>
+          <p:cNvPr id="3" name="Marcador de Posição de Notas 2"/>
+          <p:cNvSpPr>
+            <a:spLocks noGrp="1"/>
+          </p:cNvSpPr>
+          <p:nvPr>
+            <p:ph type="body" idx="1"/>
+          </p:nvPr>
+        </p:nvSpPr>
+        <p:spPr/>
+        <p:txBody>
+          <a:bodyPr/>
+          <a:lstStyle/>
+          <a:p>
+            <a:endParaRPr lang="pt-PT" b="1" u="sng" dirty="0"/>
+          </a:p>
+        </p:txBody>
+      </p:sp>
+      <p:sp>
+        <p:nvSpPr>
+          <p:cNvPr id="4" name="Marcador de Posição do Número do Diapositivo 3"/>
+          <p:cNvSpPr>
+            <a:spLocks noGrp="1"/>
+          </p:cNvSpPr>
+          <p:nvPr>
+            <p:ph type="sldNum" sz="quarter" idx="10"/>
+          </p:nvPr>
+        </p:nvSpPr>
+        <p:spPr/>
+        <p:txBody>
+          <a:bodyPr/>
+          <a:lstStyle/>
+          <a:p>
+            <a:fld id="{62C9FF69-D9AD-48B5-8D39-7AA42039F77D}" type="slidenum">
+              <a:rPr lang="pt-PT" smtClean="0"/>
+              <a:t>15</a:t>
+            </a:fld>
+            <a:endParaRPr lang="pt-PT"/>
+          </a:p>
+        </p:txBody>
+      </p:sp>
+    </p:spTree>
+    <p:extLst>
+      <p:ext uri="{BB962C8B-B14F-4D97-AF65-F5344CB8AC3E}">
+        <p14:creationId xmlns:p14="http://schemas.microsoft.com/office/powerpoint/2010/main" val="1276099384"/>
+      </p:ext>
+    </p:extLst>
+  </p:cSld>
+  <p:clrMapOvr>
+    <a:masterClrMapping/>
+  </p:clrMapOvr>
+</p:notes>
+</file>
+
 <file path=ppt/notesSlides/notesSlide2.xml><?xml version="1.0" encoding="utf-8"?>
 <p:notes xmlns:a="http://schemas.openxmlformats.org/drawingml/2006/main" xmlns:r="http://schemas.openxmlformats.org/officeDocument/2006/relationships" xmlns:p="http://schemas.openxmlformats.org/presentationml/2006/main">
   <p:cSld>
@@ -1549,7 +1636,7 @@
           <a:p>
             <a:fld id="{1D8BD707-D9CF-40AE-B4C6-C98DA3205C09}" type="datetimeFigureOut">
               <a:rPr lang="en-US"/>
-              <a:t>4/25/2019</a:t>
+              <a:t>4/27/2019</a:t>
             </a:fld>
             <a:endParaRPr lang="en-US"/>
           </a:p>
@@ -1720,7 +1807,7 @@
           <a:p>
             <a:fld id="{1D8BD707-D9CF-40AE-B4C6-C98DA3205C09}" type="datetimeFigureOut">
               <a:rPr lang="en-US"/>
-              <a:t>4/25/2019</a:t>
+              <a:t>4/27/2019</a:t>
             </a:fld>
             <a:endParaRPr lang="en-US"/>
           </a:p>
@@ -2160,7 +2247,7 @@
           <a:p>
             <a:fld id="{1D8BD707-D9CF-40AE-B4C6-C98DA3205C09}" type="datetimeFigureOut">
               <a:rPr lang="en-US"/>
-              <a:t>4/25/2019</a:t>
+              <a:t>4/27/2019</a:t>
             </a:fld>
             <a:endParaRPr lang="en-US"/>
           </a:p>
@@ -2366,7 +2453,7 @@
           <a:p>
             <a:fld id="{1D8BD707-D9CF-40AE-B4C6-C98DA3205C09}" type="datetimeFigureOut">
               <a:rPr lang="en-US"/>
-              <a:t>4/25/2019</a:t>
+              <a:t>4/27/2019</a:t>
             </a:fld>
             <a:endParaRPr lang="en-US"/>
           </a:p>
@@ -2485,7 +2572,7 @@
           <a:p>
             <a:fld id="{1D8BD707-D9CF-40AE-B4C6-C98DA3205C09}" type="datetimeFigureOut">
               <a:rPr lang="en-US"/>
-              <a:t>4/25/2019</a:t>
+              <a:t>4/27/2019</a:t>
             </a:fld>
             <a:endParaRPr lang="en-US"/>
           </a:p>
@@ -2704,7 +2791,7 @@
           <a:p>
             <a:fld id="{1D8BD707-D9CF-40AE-B4C6-C98DA3205C09}" type="datetimeFigureOut">
               <a:rPr lang="en-US"/>
-              <a:t>4/25/2019</a:t>
+              <a:t>4/27/2019</a:t>
             </a:fld>
             <a:endParaRPr lang="en-US"/>
           </a:p>
@@ -4222,13 +4309,13 @@
   <p:clrMapOvr>
     <a:masterClrMapping/>
   </p:clrMapOvr>
-  <mc:AlternateContent xmlns:mc="http://schemas.openxmlformats.org/markup-compatibility/2006">
-    <mc:Choice xmlns:p14="http://schemas.microsoft.com/office/powerpoint/2010/main" Requires="p14">
+  <mc:AlternateContent xmlns:mc="http://schemas.openxmlformats.org/markup-compatibility/2006" xmlns:p14="http://schemas.microsoft.com/office/powerpoint/2010/main">
+    <mc:Choice Requires="p14">
       <p:transition spd="med" p14:dur="700">
         <p:fade/>
       </p:transition>
     </mc:Choice>
-    <mc:Fallback>
+    <mc:Fallback xmlns="">
       <p:transition spd="med">
         <p:fade/>
       </p:transition>
@@ -4864,13 +4951,13 @@
   <p:clrMapOvr>
     <a:masterClrMapping/>
   </p:clrMapOvr>
-  <mc:AlternateContent xmlns:mc="http://schemas.openxmlformats.org/markup-compatibility/2006">
-    <mc:Choice xmlns:p14="http://schemas.microsoft.com/office/powerpoint/2010/main" Requires="p14">
+  <mc:AlternateContent xmlns:mc="http://schemas.openxmlformats.org/markup-compatibility/2006" xmlns:p14="http://schemas.microsoft.com/office/powerpoint/2010/main">
+    <mc:Choice Requires="p14">
       <p:transition spd="med" p14:dur="700">
         <p:fade/>
       </p:transition>
     </mc:Choice>
-    <mc:Fallback>
+    <mc:Fallback xmlns="">
       <p:transition spd="med">
         <p:fade/>
       </p:transition>
@@ -4880,6 +4967,372 @@
 </file>
 
 <file path=ppt/slides/slide12.xml><?xml version="1.0" encoding="utf-8"?>
+<p:sld xmlns:a="http://schemas.openxmlformats.org/drawingml/2006/main" xmlns:r="http://schemas.openxmlformats.org/officeDocument/2006/relationships" xmlns:p="http://schemas.openxmlformats.org/presentationml/2006/main">
+  <p:cSld>
+    <p:spTree>
+      <p:nvGrpSpPr>
+        <p:cNvPr id="1" name=""/>
+        <p:cNvGrpSpPr/>
+        <p:nvPr/>
+      </p:nvGrpSpPr>
+      <p:grpSpPr>
+        <a:xfrm>
+          <a:off x="0" y="0"/>
+          <a:ext cx="0" cy="0"/>
+          <a:chOff x="0" y="0"/>
+          <a:chExt cx="0" cy="0"/>
+        </a:xfrm>
+      </p:grpSpPr>
+      <p:sp>
+        <p:nvSpPr>
+          <p:cNvPr id="3" name="object 2">
+            <a:extLst>
+              <a:ext uri="{FF2B5EF4-FFF2-40B4-BE49-F238E27FC236}">
+                <a16:creationId xmlns:a16="http://schemas.microsoft.com/office/drawing/2014/main" id="{6F0730CB-7564-49D9-9E3D-721F27D4FBB3}"/>
+              </a:ext>
+            </a:extLst>
+          </p:cNvPr>
+          <p:cNvSpPr txBox="1">
+            <a:spLocks noGrp="1"/>
+          </p:cNvSpPr>
+          <p:nvPr>
+            <p:ph type="title"/>
+          </p:nvPr>
+        </p:nvSpPr>
+        <p:spPr>
+          <a:xfrm>
+            <a:off x="3415605" y="228600"/>
+            <a:ext cx="2312790" cy="461023"/>
+          </a:xfrm>
+          <a:prstGeom prst="rect">
+            <a:avLst/>
+          </a:prstGeom>
+        </p:spPr>
+        <p:txBody>
+          <a:bodyPr vert="horz" wrap="square" lIns="0" tIns="14604" rIns="0" bIns="0" rtlCol="0">
+            <a:spAutoFit/>
+          </a:bodyPr>
+          <a:lstStyle/>
+          <a:p>
+            <a:pPr marL="12700" algn="l">
+              <a:lnSpc>
+                <a:spcPct val="100000"/>
+              </a:lnSpc>
+              <a:spcBef>
+                <a:spcPts val="114"/>
+              </a:spcBef>
+            </a:pPr>
+            <a:r>
+              <a:rPr lang="pt-PT" spc="-185" dirty="0"/>
+              <a:t>Exemplo NLP</a:t>
+            </a:r>
+            <a:endParaRPr spc="-185" dirty="0"/>
+          </a:p>
+        </p:txBody>
+      </p:sp>
+      <p:sp>
+        <p:nvSpPr>
+          <p:cNvPr id="26" name="Retângulo 25">
+            <a:extLst>
+              <a:ext uri="{FF2B5EF4-FFF2-40B4-BE49-F238E27FC236}">
+                <a16:creationId xmlns:a16="http://schemas.microsoft.com/office/drawing/2014/main" id="{1C89B2B3-881A-4822-99EA-82D19F886AEE}"/>
+              </a:ext>
+            </a:extLst>
+          </p:cNvPr>
+          <p:cNvSpPr/>
+          <p:nvPr/>
+        </p:nvSpPr>
+        <p:spPr>
+          <a:xfrm>
+            <a:off x="2990990" y="1143000"/>
+            <a:ext cx="3162019" cy="369332"/>
+          </a:xfrm>
+          <a:prstGeom prst="rect">
+            <a:avLst/>
+          </a:prstGeom>
+        </p:spPr>
+        <p:txBody>
+          <a:bodyPr wrap="none">
+            <a:spAutoFit/>
+          </a:bodyPr>
+          <a:lstStyle/>
+          <a:p>
+            <a:r>
+              <a:rPr lang="pt-PT" b="1" dirty="0">
+                <a:solidFill>
+                  <a:srgbClr val="24292E"/>
+                </a:solidFill>
+                <a:latin typeface="-apple-system"/>
+              </a:rPr>
+              <a:t>CETEMPublicoAnotado2019.txt</a:t>
+            </a:r>
+            <a:endParaRPr lang="pt-PT" b="0" i="0" dirty="0">
+              <a:solidFill>
+                <a:srgbClr val="586069"/>
+              </a:solidFill>
+              <a:effectLst/>
+              <a:latin typeface="-apple-system"/>
+            </a:endParaRPr>
+          </a:p>
+        </p:txBody>
+      </p:sp>
+      <p:sp>
+        <p:nvSpPr>
+          <p:cNvPr id="27" name="Seta: Para Baixo 26">
+            <a:extLst>
+              <a:ext uri="{FF2B5EF4-FFF2-40B4-BE49-F238E27FC236}">
+                <a16:creationId xmlns:a16="http://schemas.microsoft.com/office/drawing/2014/main" id="{4AD549B4-B06A-4F62-9D1F-3980ECC702E2}"/>
+              </a:ext>
+            </a:extLst>
+          </p:cNvPr>
+          <p:cNvSpPr/>
+          <p:nvPr/>
+        </p:nvSpPr>
+        <p:spPr>
+          <a:xfrm>
+            <a:off x="4286390" y="1673913"/>
+            <a:ext cx="304800" cy="444443"/>
+          </a:xfrm>
+          <a:prstGeom prst="downArrow">
+            <a:avLst/>
+          </a:prstGeom>
+        </p:spPr>
+        <p:style>
+          <a:lnRef idx="2">
+            <a:schemeClr val="accent1">
+              <a:shade val="50000"/>
+            </a:schemeClr>
+          </a:lnRef>
+          <a:fillRef idx="1">
+            <a:schemeClr val="accent1"/>
+          </a:fillRef>
+          <a:effectRef idx="0">
+            <a:schemeClr val="accent1"/>
+          </a:effectRef>
+          <a:fontRef idx="minor">
+            <a:schemeClr val="lt1"/>
+          </a:fontRef>
+        </p:style>
+        <p:txBody>
+          <a:bodyPr rtlCol="0" anchor="ctr"/>
+          <a:lstStyle/>
+          <a:p>
+            <a:pPr algn="ctr"/>
+            <a:endParaRPr lang="pt-PT"/>
+          </a:p>
+        </p:txBody>
+      </p:sp>
+      <p:sp>
+        <p:nvSpPr>
+          <p:cNvPr id="28" name="CaixaDeTexto 27">
+            <a:extLst>
+              <a:ext uri="{FF2B5EF4-FFF2-40B4-BE49-F238E27FC236}">
+                <a16:creationId xmlns:a16="http://schemas.microsoft.com/office/drawing/2014/main" id="{9FF0FF57-1B70-424E-B9E4-A96D6BCB33CE}"/>
+              </a:ext>
+            </a:extLst>
+          </p:cNvPr>
+          <p:cNvSpPr txBox="1"/>
+          <p:nvPr/>
+        </p:nvSpPr>
+        <p:spPr>
+          <a:xfrm>
+            <a:off x="3905390" y="2575556"/>
+            <a:ext cx="838200" cy="369332"/>
+          </a:xfrm>
+          <a:prstGeom prst="rect">
+            <a:avLst/>
+          </a:prstGeom>
+          <a:noFill/>
+        </p:spPr>
+        <p:txBody>
+          <a:bodyPr wrap="square" rtlCol="0">
+            <a:spAutoFit/>
+          </a:bodyPr>
+          <a:lstStyle/>
+          <a:p>
+            <a:r>
+              <a:rPr lang="pt-PT" dirty="0" err="1"/>
+              <a:t>Tagged</a:t>
+            </a:r>
+            <a:endParaRPr lang="pt-PT" dirty="0"/>
+          </a:p>
+        </p:txBody>
+      </p:sp>
+      <p:sp>
+        <p:nvSpPr>
+          <p:cNvPr id="30" name="Seta: Para Baixo 29">
+            <a:extLst>
+              <a:ext uri="{FF2B5EF4-FFF2-40B4-BE49-F238E27FC236}">
+                <a16:creationId xmlns:a16="http://schemas.microsoft.com/office/drawing/2014/main" id="{159578ED-B452-48DC-BB88-111246261D19}"/>
+              </a:ext>
+            </a:extLst>
+          </p:cNvPr>
+          <p:cNvSpPr/>
+          <p:nvPr/>
+        </p:nvSpPr>
+        <p:spPr>
+          <a:xfrm>
+            <a:off x="4133990" y="3429000"/>
+            <a:ext cx="304800" cy="444443"/>
+          </a:xfrm>
+          <a:prstGeom prst="downArrow">
+            <a:avLst/>
+          </a:prstGeom>
+        </p:spPr>
+        <p:style>
+          <a:lnRef idx="2">
+            <a:schemeClr val="accent1">
+              <a:shade val="50000"/>
+            </a:schemeClr>
+          </a:lnRef>
+          <a:fillRef idx="1">
+            <a:schemeClr val="accent1"/>
+          </a:fillRef>
+          <a:effectRef idx="0">
+            <a:schemeClr val="accent1"/>
+          </a:effectRef>
+          <a:fontRef idx="minor">
+            <a:schemeClr val="lt1"/>
+          </a:fontRef>
+        </p:style>
+        <p:txBody>
+          <a:bodyPr rtlCol="0" anchor="ctr"/>
+          <a:lstStyle/>
+          <a:p>
+            <a:pPr algn="ctr"/>
+            <a:endParaRPr lang="pt-PT"/>
+          </a:p>
+        </p:txBody>
+      </p:sp>
+      <p:sp>
+        <p:nvSpPr>
+          <p:cNvPr id="29" name="Retângulo 28">
+            <a:extLst>
+              <a:ext uri="{FF2B5EF4-FFF2-40B4-BE49-F238E27FC236}">
+                <a16:creationId xmlns:a16="http://schemas.microsoft.com/office/drawing/2014/main" id="{B7B783A0-17BE-46D5-9B48-FFEB70FAB22A}"/>
+              </a:ext>
+            </a:extLst>
+          </p:cNvPr>
+          <p:cNvSpPr/>
+          <p:nvPr/>
+        </p:nvSpPr>
+        <p:spPr>
+          <a:xfrm>
+            <a:off x="3746279" y="4172889"/>
+            <a:ext cx="647037" cy="369332"/>
+          </a:xfrm>
+          <a:prstGeom prst="rect">
+            <a:avLst/>
+          </a:prstGeom>
+        </p:spPr>
+        <p:txBody>
+          <a:bodyPr wrap="none">
+            <a:spAutoFit/>
+          </a:bodyPr>
+          <a:lstStyle/>
+          <a:p>
+            <a:r>
+              <a:rPr lang="pt-PT" dirty="0"/>
+              <a:t>NLTK</a:t>
+            </a:r>
+          </a:p>
+        </p:txBody>
+      </p:sp>
+      <p:sp>
+        <p:nvSpPr>
+          <p:cNvPr id="32" name="Seta: Para Baixo 31">
+            <a:extLst>
+              <a:ext uri="{FF2B5EF4-FFF2-40B4-BE49-F238E27FC236}">
+                <a16:creationId xmlns:a16="http://schemas.microsoft.com/office/drawing/2014/main" id="{28AD30F9-45BC-446E-979E-FF9F640FB2E6}"/>
+              </a:ext>
+            </a:extLst>
+          </p:cNvPr>
+          <p:cNvSpPr/>
+          <p:nvPr/>
+        </p:nvSpPr>
+        <p:spPr>
+          <a:xfrm>
+            <a:off x="4053038" y="4739644"/>
+            <a:ext cx="304800" cy="444443"/>
+          </a:xfrm>
+          <a:prstGeom prst="downArrow">
+            <a:avLst/>
+          </a:prstGeom>
+        </p:spPr>
+        <p:style>
+          <a:lnRef idx="2">
+            <a:schemeClr val="accent1">
+              <a:shade val="50000"/>
+            </a:schemeClr>
+          </a:lnRef>
+          <a:fillRef idx="1">
+            <a:schemeClr val="accent1"/>
+          </a:fillRef>
+          <a:effectRef idx="0">
+            <a:schemeClr val="accent1"/>
+          </a:effectRef>
+          <a:fontRef idx="minor">
+            <a:schemeClr val="lt1"/>
+          </a:fontRef>
+        </p:style>
+        <p:txBody>
+          <a:bodyPr rtlCol="0" anchor="ctr"/>
+          <a:lstStyle/>
+          <a:p>
+            <a:pPr algn="ctr"/>
+            <a:endParaRPr lang="pt-PT"/>
+          </a:p>
+        </p:txBody>
+      </p:sp>
+      <p:sp>
+        <p:nvSpPr>
+          <p:cNvPr id="31" name="CaixaDeTexto 30">
+            <a:extLst>
+              <a:ext uri="{FF2B5EF4-FFF2-40B4-BE49-F238E27FC236}">
+                <a16:creationId xmlns:a16="http://schemas.microsoft.com/office/drawing/2014/main" id="{16ABBCDC-CFF6-4C73-8129-1106E2345FFF}"/>
+              </a:ext>
+            </a:extLst>
+          </p:cNvPr>
+          <p:cNvSpPr txBox="1"/>
+          <p:nvPr/>
+        </p:nvSpPr>
+        <p:spPr>
+          <a:xfrm>
+            <a:off x="3606829" y="5585556"/>
+            <a:ext cx="1435321" cy="369332"/>
+          </a:xfrm>
+          <a:prstGeom prst="rect">
+            <a:avLst/>
+          </a:prstGeom>
+          <a:noFill/>
+        </p:spPr>
+        <p:txBody>
+          <a:bodyPr wrap="square" rtlCol="0">
+            <a:spAutoFit/>
+          </a:bodyPr>
+          <a:lstStyle/>
+          <a:p>
+            <a:r>
+              <a:rPr lang="pt-PT" dirty="0"/>
+              <a:t>Objetivo</a:t>
+            </a:r>
+          </a:p>
+        </p:txBody>
+      </p:sp>
+    </p:spTree>
+    <p:extLst>
+      <p:ext uri="{BB962C8B-B14F-4D97-AF65-F5344CB8AC3E}">
+        <p14:creationId xmlns:p14="http://schemas.microsoft.com/office/powerpoint/2010/main" val="1090889626"/>
+      </p:ext>
+    </p:extLst>
+  </p:cSld>
+  <p:clrMapOvr>
+    <a:masterClrMapping/>
+  </p:clrMapOvr>
+</p:sld>
+</file>
+
+<file path=ppt/slides/slide13.xml><?xml version="1.0" encoding="utf-8"?>
 <p:sld xmlns:a="http://schemas.openxmlformats.org/drawingml/2006/main" xmlns:r="http://schemas.openxmlformats.org/officeDocument/2006/relationships" xmlns:p="http://schemas.openxmlformats.org/presentationml/2006/main">
   <p:cSld>
     <p:spTree>
@@ -4972,8 +5425,8 @@
         </p:blipFill>
         <p:spPr bwMode="auto">
           <a:xfrm>
-            <a:off x="6934200" y="533400"/>
-            <a:ext cx="1543903" cy="2586037"/>
+            <a:off x="7010400" y="110491"/>
+            <a:ext cx="1981200" cy="3318509"/>
           </a:xfrm>
           <a:prstGeom prst="rect">
             <a:avLst/>
@@ -4990,10 +5443,1900 @@
           </a:extLst>
         </p:spPr>
       </p:pic>
+      <p:grpSp>
+        <p:nvGrpSpPr>
+          <p:cNvPr id="22" name="Agrupar 21">
+            <a:extLst>
+              <a:ext uri="{FF2B5EF4-FFF2-40B4-BE49-F238E27FC236}">
+                <a16:creationId xmlns:a16="http://schemas.microsoft.com/office/drawing/2014/main" id="{C20DF14E-AF9E-4340-81D2-597A0BF3C6A3}"/>
+              </a:ext>
+            </a:extLst>
+          </p:cNvPr>
+          <p:cNvGrpSpPr/>
+          <p:nvPr/>
+        </p:nvGrpSpPr>
+        <p:grpSpPr>
+          <a:xfrm>
+            <a:off x="2514600" y="1371600"/>
+            <a:ext cx="2772561" cy="688607"/>
+            <a:chOff x="1266038" y="1444956"/>
+            <a:chExt cx="2772561" cy="688607"/>
+          </a:xfrm>
+        </p:grpSpPr>
+        <p:sp>
+          <p:nvSpPr>
+            <p:cNvPr id="11" name="Retângulo: Cantos Arredondados 10">
+              <a:extLst>
+                <a:ext uri="{FF2B5EF4-FFF2-40B4-BE49-F238E27FC236}">
+                  <a16:creationId xmlns:a16="http://schemas.microsoft.com/office/drawing/2014/main" id="{CE8B535E-C11B-42CC-8AF0-817625F9A7B6}"/>
+                </a:ext>
+              </a:extLst>
+            </p:cNvPr>
+            <p:cNvSpPr/>
+            <p:nvPr/>
+          </p:nvSpPr>
+          <p:spPr>
+            <a:xfrm>
+              <a:off x="1266038" y="1444956"/>
+              <a:ext cx="2772561" cy="688607"/>
+            </a:xfrm>
+            <a:prstGeom prst="roundRect">
+              <a:avLst/>
+            </a:prstGeom>
+            <a:solidFill>
+              <a:schemeClr val="bg1"/>
+            </a:solidFill>
+            <a:ln>
+              <a:noFill/>
+            </a:ln>
+          </p:spPr>
+          <p:style>
+            <a:lnRef idx="2">
+              <a:schemeClr val="accent1">
+                <a:shade val="50000"/>
+              </a:schemeClr>
+            </a:lnRef>
+            <a:fillRef idx="1">
+              <a:schemeClr val="accent1"/>
+            </a:fillRef>
+            <a:effectRef idx="0">
+              <a:schemeClr val="accent1"/>
+            </a:effectRef>
+            <a:fontRef idx="minor">
+              <a:schemeClr val="lt1"/>
+            </a:fontRef>
+          </p:style>
+          <p:txBody>
+            <a:bodyPr rtlCol="0" anchor="ctr"/>
+            <a:lstStyle/>
+            <a:p>
+              <a:pPr algn="ctr"/>
+              <a:endParaRPr lang="pt-PT"/>
+            </a:p>
+          </p:txBody>
+        </p:sp>
+        <p:sp>
+          <p:nvSpPr>
+            <p:cNvPr id="6" name="CaixaDeTexto 5">
+              <a:extLst>
+                <a:ext uri="{FF2B5EF4-FFF2-40B4-BE49-F238E27FC236}">
+                  <a16:creationId xmlns:a16="http://schemas.microsoft.com/office/drawing/2014/main" id="{FD3EAE69-1D1D-44BF-B81D-EC70B6F51F35}"/>
+                </a:ext>
+              </a:extLst>
+            </p:cNvPr>
+            <p:cNvSpPr txBox="1"/>
+            <p:nvPr/>
+          </p:nvSpPr>
+          <p:spPr>
+            <a:xfrm>
+              <a:off x="1447800" y="1613309"/>
+              <a:ext cx="2514600" cy="369332"/>
+            </a:xfrm>
+            <a:prstGeom prst="rect">
+              <a:avLst/>
+            </a:prstGeom>
+            <a:noFill/>
+          </p:spPr>
+          <p:txBody>
+            <a:bodyPr wrap="square" rtlCol="0">
+              <a:spAutoFit/>
+            </a:bodyPr>
+            <a:lstStyle/>
+            <a:p>
+              <a:r>
+                <a:rPr lang="pt-PT" dirty="0"/>
+                <a:t>&gt;&gt;&gt; A Maria viu o Carlos.</a:t>
+              </a:r>
+            </a:p>
+          </p:txBody>
+        </p:sp>
+      </p:grpSp>
+      <p:grpSp>
+        <p:nvGrpSpPr>
+          <p:cNvPr id="21" name="Agrupar 20">
+            <a:extLst>
+              <a:ext uri="{FF2B5EF4-FFF2-40B4-BE49-F238E27FC236}">
+                <a16:creationId xmlns:a16="http://schemas.microsoft.com/office/drawing/2014/main" id="{EEE43542-8821-4182-8016-21D622533AF4}"/>
+              </a:ext>
+            </a:extLst>
+          </p:cNvPr>
+          <p:cNvGrpSpPr/>
+          <p:nvPr/>
+        </p:nvGrpSpPr>
+        <p:grpSpPr>
+          <a:xfrm>
+            <a:off x="2574668" y="2538541"/>
+            <a:ext cx="2757987" cy="688606"/>
+            <a:chOff x="1834341" y="2727787"/>
+            <a:chExt cx="1722407" cy="440724"/>
+          </a:xfrm>
+        </p:grpSpPr>
+        <p:grpSp>
+          <p:nvGrpSpPr>
+            <p:cNvPr id="19" name="Agrupar 18">
+              <a:extLst>
+                <a:ext uri="{FF2B5EF4-FFF2-40B4-BE49-F238E27FC236}">
+                  <a16:creationId xmlns:a16="http://schemas.microsoft.com/office/drawing/2014/main" id="{938B0F6A-DDBE-4DC0-AD3C-72BC36043CB2}"/>
+                </a:ext>
+              </a:extLst>
+            </p:cNvPr>
+            <p:cNvGrpSpPr/>
+            <p:nvPr/>
+          </p:nvGrpSpPr>
+          <p:grpSpPr>
+            <a:xfrm>
+              <a:off x="1834341" y="2727787"/>
+              <a:ext cx="1722407" cy="440724"/>
+              <a:chOff x="1834341" y="2727787"/>
+              <a:chExt cx="1722407" cy="440724"/>
+            </a:xfrm>
+          </p:grpSpPr>
+          <p:cxnSp>
+            <p:nvCxnSpPr>
+              <p:cNvPr id="18" name="Conexão reta 17">
+                <a:extLst>
+                  <a:ext uri="{FF2B5EF4-FFF2-40B4-BE49-F238E27FC236}">
+                    <a16:creationId xmlns:a16="http://schemas.microsoft.com/office/drawing/2014/main" id="{2E312C3C-EFB8-417C-855B-532652CC1231}"/>
+                  </a:ext>
+                </a:extLst>
+              </p:cNvPr>
+              <p:cNvCxnSpPr>
+                <a:cxnSpLocks/>
+              </p:cNvCxnSpPr>
+              <p:nvPr/>
+            </p:nvCxnSpPr>
+            <p:spPr>
+              <a:xfrm>
+                <a:off x="2264588" y="2948148"/>
+                <a:ext cx="1151017" cy="0"/>
+              </a:xfrm>
+              <a:prstGeom prst="line">
+                <a:avLst/>
+              </a:prstGeom>
+              <a:ln>
+                <a:solidFill>
+                  <a:schemeClr val="tx1"/>
+                </a:solidFill>
+              </a:ln>
+            </p:spPr>
+            <p:style>
+              <a:lnRef idx="1">
+                <a:schemeClr val="dk1"/>
+              </a:lnRef>
+              <a:fillRef idx="0">
+                <a:schemeClr val="dk1"/>
+              </a:fillRef>
+              <a:effectRef idx="0">
+                <a:schemeClr val="dk1"/>
+              </a:effectRef>
+              <a:fontRef idx="minor">
+                <a:schemeClr val="tx1"/>
+              </a:fontRef>
+            </p:style>
+          </p:cxnSp>
+          <p:grpSp>
+            <p:nvGrpSpPr>
+              <p:cNvPr id="14" name="Agrupar 13">
+                <a:extLst>
+                  <a:ext uri="{FF2B5EF4-FFF2-40B4-BE49-F238E27FC236}">
+                    <a16:creationId xmlns:a16="http://schemas.microsoft.com/office/drawing/2014/main" id="{9208F5EE-FEA0-4660-B61B-2373D0098C9B}"/>
+                  </a:ext>
+                </a:extLst>
+              </p:cNvPr>
+              <p:cNvGrpSpPr/>
+              <p:nvPr/>
+            </p:nvGrpSpPr>
+            <p:grpSpPr>
+              <a:xfrm>
+                <a:off x="1834341" y="2727787"/>
+                <a:ext cx="506051" cy="440724"/>
+                <a:chOff x="1752600" y="2834936"/>
+                <a:chExt cx="506051" cy="440724"/>
+              </a:xfrm>
+            </p:grpSpPr>
+            <p:sp>
+              <p:nvSpPr>
+                <p:cNvPr id="9" name="Oval 8">
+                  <a:extLst>
+                    <a:ext uri="{FF2B5EF4-FFF2-40B4-BE49-F238E27FC236}">
+                      <a16:creationId xmlns:a16="http://schemas.microsoft.com/office/drawing/2014/main" id="{2316422C-98AA-46E3-94B1-B42F7A75D84F}"/>
+                    </a:ext>
+                  </a:extLst>
+                </p:cNvPr>
+                <p:cNvSpPr/>
+                <p:nvPr/>
+              </p:nvSpPr>
+              <p:spPr>
+                <a:xfrm>
+                  <a:off x="1752600" y="2834936"/>
+                  <a:ext cx="450755" cy="440724"/>
+                </a:xfrm>
+                <a:prstGeom prst="ellipse">
+                  <a:avLst/>
+                </a:prstGeom>
+                <a:solidFill>
+                  <a:srgbClr val="00FF00"/>
+                </a:solidFill>
+                <a:ln>
+                  <a:solidFill>
+                    <a:srgbClr val="00FF00"/>
+                  </a:solidFill>
+                </a:ln>
+              </p:spPr>
+              <p:style>
+                <a:lnRef idx="2">
+                  <a:schemeClr val="accent1">
+                    <a:shade val="50000"/>
+                  </a:schemeClr>
+                </a:lnRef>
+                <a:fillRef idx="1">
+                  <a:schemeClr val="accent1"/>
+                </a:fillRef>
+                <a:effectRef idx="0">
+                  <a:schemeClr val="accent1"/>
+                </a:effectRef>
+                <a:fontRef idx="minor">
+                  <a:schemeClr val="lt1"/>
+                </a:fontRef>
+              </p:style>
+              <p:txBody>
+                <a:bodyPr rtlCol="0" anchor="ctr"/>
+                <a:lstStyle/>
+                <a:p>
+                  <a:pPr algn="ctr"/>
+                  <a:endParaRPr lang="pt-PT"/>
+                </a:p>
+              </p:txBody>
+            </p:sp>
+            <p:sp>
+              <p:nvSpPr>
+                <p:cNvPr id="10" name="CaixaDeTexto 9">
+                  <a:extLst>
+                    <a:ext uri="{FF2B5EF4-FFF2-40B4-BE49-F238E27FC236}">
+                      <a16:creationId xmlns:a16="http://schemas.microsoft.com/office/drawing/2014/main" id="{A39B8345-B2E1-4975-A74F-C0FB350B2342}"/>
+                    </a:ext>
+                  </a:extLst>
+                </p:cNvPr>
+                <p:cNvSpPr txBox="1"/>
+                <p:nvPr/>
+              </p:nvSpPr>
+              <p:spPr>
+                <a:xfrm>
+                  <a:off x="1773088" y="2951880"/>
+                  <a:ext cx="485563" cy="206833"/>
+                </a:xfrm>
+                <a:prstGeom prst="rect">
+                  <a:avLst/>
+                </a:prstGeom>
+                <a:noFill/>
+              </p:spPr>
+              <p:txBody>
+                <a:bodyPr wrap="square" rtlCol="0">
+                  <a:spAutoFit/>
+                </a:bodyPr>
+                <a:lstStyle/>
+                <a:p>
+                  <a:r>
+                    <a:rPr lang="pt-PT" sz="1500" dirty="0"/>
+                    <a:t>Maria</a:t>
+                  </a:r>
+                </a:p>
+              </p:txBody>
+            </p:sp>
+          </p:grpSp>
+          <p:grpSp>
+            <p:nvGrpSpPr>
+              <p:cNvPr id="8" name="Agrupar 7">
+                <a:extLst>
+                  <a:ext uri="{FF2B5EF4-FFF2-40B4-BE49-F238E27FC236}">
+                    <a16:creationId xmlns:a16="http://schemas.microsoft.com/office/drawing/2014/main" id="{F35BD86B-BC7C-4A10-B94F-79EA46887324}"/>
+                  </a:ext>
+                </a:extLst>
+              </p:cNvPr>
+              <p:cNvGrpSpPr/>
+              <p:nvPr/>
+            </p:nvGrpSpPr>
+            <p:grpSpPr>
+              <a:xfrm>
+                <a:off x="3085566" y="2727787"/>
+                <a:ext cx="471182" cy="440724"/>
+                <a:chOff x="2958361" y="2866287"/>
+                <a:chExt cx="471182" cy="440724"/>
+              </a:xfrm>
+            </p:grpSpPr>
+            <p:sp>
+              <p:nvSpPr>
+                <p:cNvPr id="12" name="Oval 11">
+                  <a:extLst>
+                    <a:ext uri="{FF2B5EF4-FFF2-40B4-BE49-F238E27FC236}">
+                      <a16:creationId xmlns:a16="http://schemas.microsoft.com/office/drawing/2014/main" id="{C2810F44-4950-47EC-8177-1892900640E9}"/>
+                    </a:ext>
+                  </a:extLst>
+                </p:cNvPr>
+                <p:cNvSpPr/>
+                <p:nvPr/>
+              </p:nvSpPr>
+              <p:spPr>
+                <a:xfrm>
+                  <a:off x="2958361" y="2866287"/>
+                  <a:ext cx="450755" cy="440724"/>
+                </a:xfrm>
+                <a:prstGeom prst="ellipse">
+                  <a:avLst/>
+                </a:prstGeom>
+                <a:solidFill>
+                  <a:srgbClr val="00FF00"/>
+                </a:solidFill>
+                <a:ln>
+                  <a:solidFill>
+                    <a:srgbClr val="00FF00"/>
+                  </a:solidFill>
+                </a:ln>
+              </p:spPr>
+              <p:style>
+                <a:lnRef idx="2">
+                  <a:schemeClr val="accent1">
+                    <a:shade val="50000"/>
+                  </a:schemeClr>
+                </a:lnRef>
+                <a:fillRef idx="1">
+                  <a:schemeClr val="accent1"/>
+                </a:fillRef>
+                <a:effectRef idx="0">
+                  <a:schemeClr val="accent1"/>
+                </a:effectRef>
+                <a:fontRef idx="minor">
+                  <a:schemeClr val="lt1"/>
+                </a:fontRef>
+              </p:style>
+              <p:txBody>
+                <a:bodyPr rtlCol="0" anchor="ctr"/>
+                <a:lstStyle/>
+                <a:p>
+                  <a:pPr algn="ctr"/>
+                  <a:endParaRPr lang="pt-PT"/>
+                </a:p>
+              </p:txBody>
+            </p:sp>
+            <p:sp>
+              <p:nvSpPr>
+                <p:cNvPr id="13" name="CaixaDeTexto 12">
+                  <a:extLst>
+                    <a:ext uri="{FF2B5EF4-FFF2-40B4-BE49-F238E27FC236}">
+                      <a16:creationId xmlns:a16="http://schemas.microsoft.com/office/drawing/2014/main" id="{1671860F-D4B5-4D21-BBB3-AC210FA666F0}"/>
+                    </a:ext>
+                  </a:extLst>
+                </p:cNvPr>
+                <p:cNvSpPr txBox="1"/>
+                <p:nvPr/>
+              </p:nvSpPr>
+              <p:spPr>
+                <a:xfrm>
+                  <a:off x="2978788" y="2983230"/>
+                  <a:ext cx="450755" cy="206833"/>
+                </a:xfrm>
+                <a:prstGeom prst="rect">
+                  <a:avLst/>
+                </a:prstGeom>
+                <a:noFill/>
+              </p:spPr>
+              <p:txBody>
+                <a:bodyPr wrap="square" rtlCol="0">
+                  <a:spAutoFit/>
+                </a:bodyPr>
+                <a:lstStyle/>
+                <a:p>
+                  <a:r>
+                    <a:rPr lang="pt-PT" sz="1500" dirty="0"/>
+                    <a:t>Carlos</a:t>
+                  </a:r>
+                </a:p>
+              </p:txBody>
+            </p:sp>
+          </p:grpSp>
+        </p:grpSp>
+        <p:sp>
+          <p:nvSpPr>
+            <p:cNvPr id="20" name="CaixaDeTexto 19">
+              <a:extLst>
+                <a:ext uri="{FF2B5EF4-FFF2-40B4-BE49-F238E27FC236}">
+                  <a16:creationId xmlns:a16="http://schemas.microsoft.com/office/drawing/2014/main" id="{B359EEEA-1F5A-4141-8CDA-948224F7F75D}"/>
+                </a:ext>
+              </a:extLst>
+            </p:cNvPr>
+            <p:cNvSpPr txBox="1"/>
+            <p:nvPr/>
+          </p:nvSpPr>
+          <p:spPr>
+            <a:xfrm>
+              <a:off x="2600452" y="2757176"/>
+              <a:ext cx="169757" cy="196985"/>
+            </a:xfrm>
+            <a:prstGeom prst="rect">
+              <a:avLst/>
+            </a:prstGeom>
+            <a:noFill/>
+          </p:spPr>
+          <p:txBody>
+            <a:bodyPr wrap="square" rtlCol="0">
+              <a:spAutoFit/>
+            </a:bodyPr>
+            <a:lstStyle/>
+            <a:p>
+              <a:r>
+                <a:rPr lang="pt-PT" sz="1400" dirty="0"/>
+                <a:t>1</a:t>
+              </a:r>
+            </a:p>
+          </p:txBody>
+        </p:sp>
+      </p:grpSp>
+      <p:grpSp>
+        <p:nvGrpSpPr>
+          <p:cNvPr id="23" name="Agrupar 22">
+            <a:extLst>
+              <a:ext uri="{FF2B5EF4-FFF2-40B4-BE49-F238E27FC236}">
+                <a16:creationId xmlns:a16="http://schemas.microsoft.com/office/drawing/2014/main" id="{4906BC67-0028-4B33-AC6A-C486E28B52F3}"/>
+              </a:ext>
+            </a:extLst>
+          </p:cNvPr>
+          <p:cNvGrpSpPr/>
+          <p:nvPr/>
+        </p:nvGrpSpPr>
+        <p:grpSpPr>
+          <a:xfrm>
+            <a:off x="2593450" y="3813577"/>
+            <a:ext cx="2772561" cy="688607"/>
+            <a:chOff x="1266038" y="1444956"/>
+            <a:chExt cx="2772561" cy="688607"/>
+          </a:xfrm>
+        </p:grpSpPr>
+        <p:sp>
+          <p:nvSpPr>
+            <p:cNvPr id="24" name="Retângulo: Cantos Arredondados 23">
+              <a:extLst>
+                <a:ext uri="{FF2B5EF4-FFF2-40B4-BE49-F238E27FC236}">
+                  <a16:creationId xmlns:a16="http://schemas.microsoft.com/office/drawing/2014/main" id="{A32C12FF-3F32-48A6-8ED7-F2C4A9849019}"/>
+                </a:ext>
+              </a:extLst>
+            </p:cNvPr>
+            <p:cNvSpPr/>
+            <p:nvPr/>
+          </p:nvSpPr>
+          <p:spPr>
+            <a:xfrm>
+              <a:off x="1266038" y="1444956"/>
+              <a:ext cx="2772561" cy="688607"/>
+            </a:xfrm>
+            <a:prstGeom prst="roundRect">
+              <a:avLst/>
+            </a:prstGeom>
+            <a:solidFill>
+              <a:schemeClr val="bg1"/>
+            </a:solidFill>
+            <a:ln>
+              <a:noFill/>
+            </a:ln>
+          </p:spPr>
+          <p:style>
+            <a:lnRef idx="2">
+              <a:schemeClr val="accent1">
+                <a:shade val="50000"/>
+              </a:schemeClr>
+            </a:lnRef>
+            <a:fillRef idx="1">
+              <a:schemeClr val="accent1"/>
+            </a:fillRef>
+            <a:effectRef idx="0">
+              <a:schemeClr val="accent1"/>
+            </a:effectRef>
+            <a:fontRef idx="minor">
+              <a:schemeClr val="lt1"/>
+            </a:fontRef>
+          </p:style>
+          <p:txBody>
+            <a:bodyPr rtlCol="0" anchor="ctr"/>
+            <a:lstStyle/>
+            <a:p>
+              <a:pPr algn="ctr"/>
+              <a:endParaRPr lang="pt-PT"/>
+            </a:p>
+          </p:txBody>
+        </p:sp>
+        <p:sp>
+          <p:nvSpPr>
+            <p:cNvPr id="25" name="CaixaDeTexto 24">
+              <a:extLst>
+                <a:ext uri="{FF2B5EF4-FFF2-40B4-BE49-F238E27FC236}">
+                  <a16:creationId xmlns:a16="http://schemas.microsoft.com/office/drawing/2014/main" id="{BA1FA7F1-E390-4C03-BC40-136BFD880F4C}"/>
+                </a:ext>
+              </a:extLst>
+            </p:cNvPr>
+            <p:cNvSpPr txBox="1"/>
+            <p:nvPr/>
+          </p:nvSpPr>
+          <p:spPr>
+            <a:xfrm>
+              <a:off x="1447800" y="1613309"/>
+              <a:ext cx="2514600" cy="369332"/>
+            </a:xfrm>
+            <a:prstGeom prst="rect">
+              <a:avLst/>
+            </a:prstGeom>
+            <a:noFill/>
+          </p:spPr>
+          <p:txBody>
+            <a:bodyPr wrap="square" rtlCol="0">
+              <a:spAutoFit/>
+            </a:bodyPr>
+            <a:lstStyle/>
+            <a:p>
+              <a:r>
+                <a:rPr lang="pt-PT" dirty="0"/>
+                <a:t>Meter frase dos maias</a:t>
+              </a:r>
+            </a:p>
+          </p:txBody>
+        </p:sp>
+      </p:grpSp>
+      <p:grpSp>
+        <p:nvGrpSpPr>
+          <p:cNvPr id="29" name="Agrupar 28">
+            <a:extLst>
+              <a:ext uri="{FF2B5EF4-FFF2-40B4-BE49-F238E27FC236}">
+                <a16:creationId xmlns:a16="http://schemas.microsoft.com/office/drawing/2014/main" id="{888BF99B-D336-4AA7-8CCB-53856CAB9ACB}"/>
+              </a:ext>
+            </a:extLst>
+          </p:cNvPr>
+          <p:cNvGrpSpPr/>
+          <p:nvPr/>
+        </p:nvGrpSpPr>
+        <p:grpSpPr>
+          <a:xfrm>
+            <a:off x="2653518" y="4980518"/>
+            <a:ext cx="2757987" cy="688606"/>
+            <a:chOff x="1834341" y="2727787"/>
+            <a:chExt cx="1722407" cy="440724"/>
+          </a:xfrm>
+        </p:grpSpPr>
+        <p:grpSp>
+          <p:nvGrpSpPr>
+            <p:cNvPr id="30" name="Agrupar 29">
+              <a:extLst>
+                <a:ext uri="{FF2B5EF4-FFF2-40B4-BE49-F238E27FC236}">
+                  <a16:creationId xmlns:a16="http://schemas.microsoft.com/office/drawing/2014/main" id="{5593B4FE-685B-4E2C-A5FE-C4FA5950F2B4}"/>
+                </a:ext>
+              </a:extLst>
+            </p:cNvPr>
+            <p:cNvGrpSpPr/>
+            <p:nvPr/>
+          </p:nvGrpSpPr>
+          <p:grpSpPr>
+            <a:xfrm>
+              <a:off x="1834341" y="2727787"/>
+              <a:ext cx="1722407" cy="440724"/>
+              <a:chOff x="1834341" y="2727787"/>
+              <a:chExt cx="1722407" cy="440724"/>
+            </a:xfrm>
+          </p:grpSpPr>
+          <p:cxnSp>
+            <p:nvCxnSpPr>
+              <p:cNvPr id="32" name="Conexão reta 31">
+                <a:extLst>
+                  <a:ext uri="{FF2B5EF4-FFF2-40B4-BE49-F238E27FC236}">
+                    <a16:creationId xmlns:a16="http://schemas.microsoft.com/office/drawing/2014/main" id="{212A649C-C1D9-4DDA-BCC4-9B78BBED4B25}"/>
+                  </a:ext>
+                </a:extLst>
+              </p:cNvPr>
+              <p:cNvCxnSpPr>
+                <a:cxnSpLocks/>
+              </p:cNvCxnSpPr>
+              <p:nvPr/>
+            </p:nvCxnSpPr>
+            <p:spPr>
+              <a:xfrm>
+                <a:off x="2264588" y="2948148"/>
+                <a:ext cx="1151017" cy="0"/>
+              </a:xfrm>
+              <a:prstGeom prst="line">
+                <a:avLst/>
+              </a:prstGeom>
+              <a:ln>
+                <a:solidFill>
+                  <a:schemeClr val="tx1"/>
+                </a:solidFill>
+              </a:ln>
+            </p:spPr>
+            <p:style>
+              <a:lnRef idx="1">
+                <a:schemeClr val="dk1"/>
+              </a:lnRef>
+              <a:fillRef idx="0">
+                <a:schemeClr val="dk1"/>
+              </a:fillRef>
+              <a:effectRef idx="0">
+                <a:schemeClr val="dk1"/>
+              </a:effectRef>
+              <a:fontRef idx="minor">
+                <a:schemeClr val="tx1"/>
+              </a:fontRef>
+            </p:style>
+          </p:cxnSp>
+          <p:grpSp>
+            <p:nvGrpSpPr>
+              <p:cNvPr id="33" name="Agrupar 32">
+                <a:extLst>
+                  <a:ext uri="{FF2B5EF4-FFF2-40B4-BE49-F238E27FC236}">
+                    <a16:creationId xmlns:a16="http://schemas.microsoft.com/office/drawing/2014/main" id="{8707BFD2-81E8-4FA0-A4FD-233C6EF6BBBF}"/>
+                  </a:ext>
+                </a:extLst>
+              </p:cNvPr>
+              <p:cNvGrpSpPr/>
+              <p:nvPr/>
+            </p:nvGrpSpPr>
+            <p:grpSpPr>
+              <a:xfrm>
+                <a:off x="1834341" y="2727787"/>
+                <a:ext cx="506051" cy="440724"/>
+                <a:chOff x="1752600" y="2834936"/>
+                <a:chExt cx="506051" cy="440724"/>
+              </a:xfrm>
+            </p:grpSpPr>
+            <p:sp>
+              <p:nvSpPr>
+                <p:cNvPr id="37" name="Oval 36">
+                  <a:extLst>
+                    <a:ext uri="{FF2B5EF4-FFF2-40B4-BE49-F238E27FC236}">
+                      <a16:creationId xmlns:a16="http://schemas.microsoft.com/office/drawing/2014/main" id="{31014E98-8FFA-4722-AD92-2F15D617DA11}"/>
+                    </a:ext>
+                  </a:extLst>
+                </p:cNvPr>
+                <p:cNvSpPr/>
+                <p:nvPr/>
+              </p:nvSpPr>
+              <p:spPr>
+                <a:xfrm>
+                  <a:off x="1752600" y="2834936"/>
+                  <a:ext cx="450755" cy="440724"/>
+                </a:xfrm>
+                <a:prstGeom prst="ellipse">
+                  <a:avLst/>
+                </a:prstGeom>
+                <a:solidFill>
+                  <a:srgbClr val="00FF00"/>
+                </a:solidFill>
+                <a:ln>
+                  <a:solidFill>
+                    <a:srgbClr val="00FF00"/>
+                  </a:solidFill>
+                </a:ln>
+              </p:spPr>
+              <p:style>
+                <a:lnRef idx="2">
+                  <a:schemeClr val="accent1">
+                    <a:shade val="50000"/>
+                  </a:schemeClr>
+                </a:lnRef>
+                <a:fillRef idx="1">
+                  <a:schemeClr val="accent1"/>
+                </a:fillRef>
+                <a:effectRef idx="0">
+                  <a:schemeClr val="accent1"/>
+                </a:effectRef>
+                <a:fontRef idx="minor">
+                  <a:schemeClr val="lt1"/>
+                </a:fontRef>
+              </p:style>
+              <p:txBody>
+                <a:bodyPr rtlCol="0" anchor="ctr"/>
+                <a:lstStyle/>
+                <a:p>
+                  <a:pPr algn="ctr"/>
+                  <a:endParaRPr lang="pt-PT"/>
+                </a:p>
+              </p:txBody>
+            </p:sp>
+            <p:sp>
+              <p:nvSpPr>
+                <p:cNvPr id="38" name="CaixaDeTexto 37">
+                  <a:extLst>
+                    <a:ext uri="{FF2B5EF4-FFF2-40B4-BE49-F238E27FC236}">
+                      <a16:creationId xmlns:a16="http://schemas.microsoft.com/office/drawing/2014/main" id="{F1C1C8BB-F87B-4EC0-8042-3B02632FC0AB}"/>
+                    </a:ext>
+                  </a:extLst>
+                </p:cNvPr>
+                <p:cNvSpPr txBox="1"/>
+                <p:nvPr/>
+              </p:nvSpPr>
+              <p:spPr>
+                <a:xfrm>
+                  <a:off x="1773088" y="2951880"/>
+                  <a:ext cx="485563" cy="206833"/>
+                </a:xfrm>
+                <a:prstGeom prst="rect">
+                  <a:avLst/>
+                </a:prstGeom>
+                <a:noFill/>
+              </p:spPr>
+              <p:txBody>
+                <a:bodyPr wrap="square" rtlCol="0">
+                  <a:spAutoFit/>
+                </a:bodyPr>
+                <a:lstStyle/>
+                <a:p>
+                  <a:r>
+                    <a:rPr lang="pt-PT" sz="1500" dirty="0"/>
+                    <a:t>Maria</a:t>
+                  </a:r>
+                </a:p>
+              </p:txBody>
+            </p:sp>
+          </p:grpSp>
+          <p:grpSp>
+            <p:nvGrpSpPr>
+              <p:cNvPr id="34" name="Agrupar 33">
+                <a:extLst>
+                  <a:ext uri="{FF2B5EF4-FFF2-40B4-BE49-F238E27FC236}">
+                    <a16:creationId xmlns:a16="http://schemas.microsoft.com/office/drawing/2014/main" id="{A059779D-156D-4345-BB3B-5FDF2BCEA231}"/>
+                  </a:ext>
+                </a:extLst>
+              </p:cNvPr>
+              <p:cNvGrpSpPr/>
+              <p:nvPr/>
+            </p:nvGrpSpPr>
+            <p:grpSpPr>
+              <a:xfrm>
+                <a:off x="3085566" y="2727787"/>
+                <a:ext cx="471182" cy="440724"/>
+                <a:chOff x="2958361" y="2866287"/>
+                <a:chExt cx="471182" cy="440724"/>
+              </a:xfrm>
+            </p:grpSpPr>
+            <p:sp>
+              <p:nvSpPr>
+                <p:cNvPr id="35" name="Oval 34">
+                  <a:extLst>
+                    <a:ext uri="{FF2B5EF4-FFF2-40B4-BE49-F238E27FC236}">
+                      <a16:creationId xmlns:a16="http://schemas.microsoft.com/office/drawing/2014/main" id="{3996AAD8-E7FE-4902-91C5-D1C127307581}"/>
+                    </a:ext>
+                  </a:extLst>
+                </p:cNvPr>
+                <p:cNvSpPr/>
+                <p:nvPr/>
+              </p:nvSpPr>
+              <p:spPr>
+                <a:xfrm>
+                  <a:off x="2958361" y="2866287"/>
+                  <a:ext cx="450755" cy="440724"/>
+                </a:xfrm>
+                <a:prstGeom prst="ellipse">
+                  <a:avLst/>
+                </a:prstGeom>
+                <a:solidFill>
+                  <a:srgbClr val="00FF00"/>
+                </a:solidFill>
+                <a:ln>
+                  <a:solidFill>
+                    <a:srgbClr val="00FF00"/>
+                  </a:solidFill>
+                </a:ln>
+              </p:spPr>
+              <p:style>
+                <a:lnRef idx="2">
+                  <a:schemeClr val="accent1">
+                    <a:shade val="50000"/>
+                  </a:schemeClr>
+                </a:lnRef>
+                <a:fillRef idx="1">
+                  <a:schemeClr val="accent1"/>
+                </a:fillRef>
+                <a:effectRef idx="0">
+                  <a:schemeClr val="accent1"/>
+                </a:effectRef>
+                <a:fontRef idx="minor">
+                  <a:schemeClr val="lt1"/>
+                </a:fontRef>
+              </p:style>
+              <p:txBody>
+                <a:bodyPr rtlCol="0" anchor="ctr"/>
+                <a:lstStyle/>
+                <a:p>
+                  <a:pPr algn="ctr"/>
+                  <a:endParaRPr lang="pt-PT"/>
+                </a:p>
+              </p:txBody>
+            </p:sp>
+            <p:sp>
+              <p:nvSpPr>
+                <p:cNvPr id="36" name="CaixaDeTexto 35">
+                  <a:extLst>
+                    <a:ext uri="{FF2B5EF4-FFF2-40B4-BE49-F238E27FC236}">
+                      <a16:creationId xmlns:a16="http://schemas.microsoft.com/office/drawing/2014/main" id="{5760EAAC-6E14-44D1-9931-9B4B7CDDCD42}"/>
+                    </a:ext>
+                  </a:extLst>
+                </p:cNvPr>
+                <p:cNvSpPr txBox="1"/>
+                <p:nvPr/>
+              </p:nvSpPr>
+              <p:spPr>
+                <a:xfrm>
+                  <a:off x="2978788" y="2983230"/>
+                  <a:ext cx="450755" cy="206833"/>
+                </a:xfrm>
+                <a:prstGeom prst="rect">
+                  <a:avLst/>
+                </a:prstGeom>
+                <a:noFill/>
+              </p:spPr>
+              <p:txBody>
+                <a:bodyPr wrap="square" rtlCol="0">
+                  <a:spAutoFit/>
+                </a:bodyPr>
+                <a:lstStyle/>
+                <a:p>
+                  <a:r>
+                    <a:rPr lang="pt-PT" sz="1500" dirty="0"/>
+                    <a:t>Carlos</a:t>
+                  </a:r>
+                </a:p>
+              </p:txBody>
+            </p:sp>
+          </p:grpSp>
+        </p:grpSp>
+        <p:sp>
+          <p:nvSpPr>
+            <p:cNvPr id="31" name="CaixaDeTexto 30">
+              <a:extLst>
+                <a:ext uri="{FF2B5EF4-FFF2-40B4-BE49-F238E27FC236}">
+                  <a16:creationId xmlns:a16="http://schemas.microsoft.com/office/drawing/2014/main" id="{183DA000-43E3-4F7C-BC13-1DE4785A3E11}"/>
+                </a:ext>
+              </a:extLst>
+            </p:cNvPr>
+            <p:cNvSpPr txBox="1"/>
+            <p:nvPr/>
+          </p:nvSpPr>
+          <p:spPr>
+            <a:xfrm>
+              <a:off x="2600452" y="2757176"/>
+              <a:ext cx="169757" cy="196985"/>
+            </a:xfrm>
+            <a:prstGeom prst="rect">
+              <a:avLst/>
+            </a:prstGeom>
+            <a:noFill/>
+          </p:spPr>
+          <p:txBody>
+            <a:bodyPr wrap="square" rtlCol="0">
+              <a:spAutoFit/>
+            </a:bodyPr>
+            <a:lstStyle/>
+            <a:p>
+              <a:r>
+                <a:rPr lang="pt-PT" sz="1400" dirty="0"/>
+                <a:t>1</a:t>
+              </a:r>
+            </a:p>
+          </p:txBody>
+        </p:sp>
+      </p:grpSp>
     </p:spTree>
     <p:extLst>
       <p:ext uri="{BB962C8B-B14F-4D97-AF65-F5344CB8AC3E}">
-        <p14:creationId xmlns:p14="http://schemas.microsoft.com/office/powerpoint/2010/main" val="1090889626"/>
+        <p14:creationId xmlns:p14="http://schemas.microsoft.com/office/powerpoint/2010/main" val="2975855901"/>
+      </p:ext>
+    </p:extLst>
+  </p:cSld>
+  <p:clrMapOvr>
+    <a:masterClrMapping/>
+  </p:clrMapOvr>
+</p:sld>
+</file>
+
+<file path=ppt/slides/slide14.xml><?xml version="1.0" encoding="utf-8"?>
+<p:sld xmlns:a="http://schemas.openxmlformats.org/drawingml/2006/main" xmlns:r="http://schemas.openxmlformats.org/officeDocument/2006/relationships" xmlns:p="http://schemas.openxmlformats.org/presentationml/2006/main">
+  <p:cSld>
+    <p:spTree>
+      <p:nvGrpSpPr>
+        <p:cNvPr id="1" name=""/>
+        <p:cNvGrpSpPr/>
+        <p:nvPr/>
+      </p:nvGrpSpPr>
+      <p:grpSpPr>
+        <a:xfrm>
+          <a:off x="0" y="0"/>
+          <a:ext cx="0" cy="0"/>
+          <a:chOff x="0" y="0"/>
+          <a:chExt cx="0" cy="0"/>
+        </a:xfrm>
+      </p:grpSpPr>
+      <p:sp>
+        <p:nvSpPr>
+          <p:cNvPr id="3" name="object 2">
+            <a:extLst>
+              <a:ext uri="{FF2B5EF4-FFF2-40B4-BE49-F238E27FC236}">
+                <a16:creationId xmlns:a16="http://schemas.microsoft.com/office/drawing/2014/main" id="{6F0730CB-7564-49D9-9E3D-721F27D4FBB3}"/>
+              </a:ext>
+            </a:extLst>
+          </p:cNvPr>
+          <p:cNvSpPr txBox="1">
+            <a:spLocks noGrp="1"/>
+          </p:cNvSpPr>
+          <p:nvPr>
+            <p:ph type="title"/>
+          </p:nvPr>
+        </p:nvSpPr>
+        <p:spPr>
+          <a:xfrm>
+            <a:off x="3765202" y="214777"/>
+            <a:ext cx="1765995" cy="461023"/>
+          </a:xfrm>
+          <a:prstGeom prst="rect">
+            <a:avLst/>
+          </a:prstGeom>
+        </p:spPr>
+        <p:txBody>
+          <a:bodyPr vert="horz" wrap="square" lIns="0" tIns="14604" rIns="0" bIns="0" rtlCol="0">
+            <a:spAutoFit/>
+          </a:bodyPr>
+          <a:lstStyle/>
+          <a:p>
+            <a:pPr marL="12700" algn="l">
+              <a:lnSpc>
+                <a:spcPct val="100000"/>
+              </a:lnSpc>
+              <a:spcBef>
+                <a:spcPts val="114"/>
+              </a:spcBef>
+            </a:pPr>
+            <a:r>
+              <a:rPr lang="pt-PT" spc="-185" dirty="0"/>
+              <a:t>Resultado</a:t>
+            </a:r>
+            <a:endParaRPr spc="-185" dirty="0"/>
+          </a:p>
+        </p:txBody>
+      </p:sp>
+      <p:sp>
+        <p:nvSpPr>
+          <p:cNvPr id="7" name="Retângulo: Cantos Arredondados 6">
+            <a:extLst>
+              <a:ext uri="{FF2B5EF4-FFF2-40B4-BE49-F238E27FC236}">
+                <a16:creationId xmlns:a16="http://schemas.microsoft.com/office/drawing/2014/main" id="{45E2CA7A-4B65-49C3-94A7-9E271A840331}"/>
+              </a:ext>
+            </a:extLst>
+          </p:cNvPr>
+          <p:cNvSpPr/>
+          <p:nvPr/>
+        </p:nvSpPr>
+        <p:spPr>
+          <a:xfrm>
+            <a:off x="685800" y="990600"/>
+            <a:ext cx="7924800" cy="5410200"/>
+          </a:xfrm>
+          <a:prstGeom prst="roundRect">
+            <a:avLst/>
+          </a:prstGeom>
+          <a:solidFill>
+            <a:schemeClr val="bg1"/>
+          </a:solidFill>
+          <a:ln>
+            <a:noFill/>
+          </a:ln>
+        </p:spPr>
+        <p:style>
+          <a:lnRef idx="2">
+            <a:schemeClr val="accent1">
+              <a:shade val="50000"/>
+            </a:schemeClr>
+          </a:lnRef>
+          <a:fillRef idx="1">
+            <a:schemeClr val="accent1"/>
+          </a:fillRef>
+          <a:effectRef idx="0">
+            <a:schemeClr val="accent1"/>
+          </a:effectRef>
+          <a:fontRef idx="minor">
+            <a:schemeClr val="lt1"/>
+          </a:fontRef>
+        </p:style>
+        <p:txBody>
+          <a:bodyPr rtlCol="0" anchor="ctr"/>
+          <a:lstStyle/>
+          <a:p>
+            <a:pPr algn="ctr"/>
+            <a:endParaRPr lang="pt-PT"/>
+          </a:p>
+        </p:txBody>
+      </p:sp>
+      <p:pic>
+        <p:nvPicPr>
+          <p:cNvPr id="4" name="Imagem 3">
+            <a:extLst>
+              <a:ext uri="{FF2B5EF4-FFF2-40B4-BE49-F238E27FC236}">
+                <a16:creationId xmlns:a16="http://schemas.microsoft.com/office/drawing/2014/main" id="{E0D7C343-2EA4-4076-ADFB-1BA400AF9635}"/>
+              </a:ext>
+            </a:extLst>
+          </p:cNvPr>
+          <p:cNvPicPr>
+            <a:picLocks noChangeAspect="1"/>
+          </p:cNvPicPr>
+          <p:nvPr/>
+        </p:nvPicPr>
+        <p:blipFill>
+          <a:blip r:embed="rId2">
+            <a:extLst>
+              <a:ext uri="{28A0092B-C50C-407E-A947-70E740481C1C}">
+                <a14:useLocalDpi xmlns:a14="http://schemas.microsoft.com/office/drawing/2010/main" val="0"/>
+              </a:ext>
+            </a:extLst>
+          </a:blip>
+          <a:stretch>
+            <a:fillRect/>
+          </a:stretch>
+        </p:blipFill>
+        <p:spPr>
+          <a:xfrm>
+            <a:off x="1403666" y="1295400"/>
+            <a:ext cx="6336667" cy="4752500"/>
+          </a:xfrm>
+          <a:prstGeom prst="rect">
+            <a:avLst/>
+          </a:prstGeom>
+          <a:effectLst>
+            <a:softEdge rad="0"/>
+          </a:effectLst>
+        </p:spPr>
+      </p:pic>
+    </p:spTree>
+    <p:extLst>
+      <p:ext uri="{BB962C8B-B14F-4D97-AF65-F5344CB8AC3E}">
+        <p14:creationId xmlns:p14="http://schemas.microsoft.com/office/powerpoint/2010/main" val="1833035488"/>
+      </p:ext>
+    </p:extLst>
+  </p:cSld>
+  <p:clrMapOvr>
+    <a:masterClrMapping/>
+  </p:clrMapOvr>
+</p:sld>
+</file>
+
+<file path=ppt/slides/slide15.xml><?xml version="1.0" encoding="utf-8"?>
+<p:sld xmlns:a="http://schemas.openxmlformats.org/drawingml/2006/main" xmlns:r="http://schemas.openxmlformats.org/officeDocument/2006/relationships" xmlns:p="http://schemas.openxmlformats.org/presentationml/2006/main">
+  <p:cSld>
+    <p:spTree>
+      <p:nvGrpSpPr>
+        <p:cNvPr id="1" name=""/>
+        <p:cNvGrpSpPr/>
+        <p:nvPr/>
+      </p:nvGrpSpPr>
+      <p:grpSpPr>
+        <a:xfrm>
+          <a:off x="0" y="0"/>
+          <a:ext cx="0" cy="0"/>
+          <a:chOff x="0" y="0"/>
+          <a:chExt cx="0" cy="0"/>
+        </a:xfrm>
+      </p:grpSpPr>
+      <p:sp>
+        <p:nvSpPr>
+          <p:cNvPr id="2" name="object 2"/>
+          <p:cNvSpPr/>
+          <p:nvPr/>
+        </p:nvSpPr>
+        <p:spPr>
+          <a:xfrm>
+            <a:off x="0" y="0"/>
+            <a:ext cx="3790950" cy="6858000"/>
+          </a:xfrm>
+          <a:custGeom>
+            <a:avLst/>
+            <a:gdLst/>
+            <a:ahLst/>
+            <a:cxnLst/>
+            <a:rect l="l" t="t" r="r" b="b"/>
+            <a:pathLst>
+              <a:path w="3790950" h="6858000">
+                <a:moveTo>
+                  <a:pt x="0" y="6858000"/>
+                </a:moveTo>
+                <a:lnTo>
+                  <a:pt x="3790416" y="6858000"/>
+                </a:lnTo>
+                <a:lnTo>
+                  <a:pt x="3790416" y="0"/>
+                </a:lnTo>
+                <a:lnTo>
+                  <a:pt x="0" y="0"/>
+                </a:lnTo>
+                <a:lnTo>
+                  <a:pt x="0" y="6858000"/>
+                </a:lnTo>
+                <a:close/>
+              </a:path>
+            </a:pathLst>
+          </a:custGeom>
+          <a:solidFill>
+            <a:srgbClr val="00ADE2"/>
+          </a:solidFill>
+        </p:spPr>
+        <p:txBody>
+          <a:bodyPr wrap="square" lIns="0" tIns="0" rIns="0" bIns="0" rtlCol="0"/>
+          <a:lstStyle/>
+          <a:p>
+            <a:endParaRPr dirty="0">
+              <a:solidFill>
+                <a:srgbClr val="FF0000"/>
+              </a:solidFill>
+            </a:endParaRPr>
+          </a:p>
+        </p:txBody>
+      </p:sp>
+      <p:sp>
+        <p:nvSpPr>
+          <p:cNvPr id="3" name="object 3"/>
+          <p:cNvSpPr/>
+          <p:nvPr/>
+        </p:nvSpPr>
+        <p:spPr>
+          <a:xfrm>
+            <a:off x="3806432" y="0"/>
+            <a:ext cx="5337924" cy="6858000"/>
+          </a:xfrm>
+          <a:custGeom>
+            <a:avLst/>
+            <a:gdLst/>
+            <a:ahLst/>
+            <a:cxnLst/>
+            <a:rect l="l" t="t" r="r" b="b"/>
+            <a:pathLst>
+              <a:path w="5254625" h="6858000">
+                <a:moveTo>
+                  <a:pt x="0" y="6858000"/>
+                </a:moveTo>
+                <a:lnTo>
+                  <a:pt x="5254269" y="6858000"/>
+                </a:lnTo>
+                <a:lnTo>
+                  <a:pt x="5254269" y="0"/>
+                </a:lnTo>
+                <a:lnTo>
+                  <a:pt x="0" y="0"/>
+                </a:lnTo>
+                <a:lnTo>
+                  <a:pt x="0" y="6858000"/>
+                </a:lnTo>
+                <a:close/>
+              </a:path>
+            </a:pathLst>
+          </a:custGeom>
+          <a:solidFill>
+            <a:srgbClr val="38505F"/>
+          </a:solidFill>
+        </p:spPr>
+        <p:txBody>
+          <a:bodyPr wrap="square" lIns="0" tIns="0" rIns="0" bIns="0" rtlCol="0"/>
+          <a:lstStyle/>
+          <a:p>
+            <a:endParaRPr dirty="0"/>
+          </a:p>
+        </p:txBody>
+      </p:sp>
+      <p:sp>
+        <p:nvSpPr>
+          <p:cNvPr id="4" name="object 4"/>
+          <p:cNvSpPr txBox="1"/>
+          <p:nvPr/>
+        </p:nvSpPr>
+        <p:spPr>
+          <a:xfrm>
+            <a:off x="4393769" y="2907495"/>
+            <a:ext cx="4481552" cy="446276"/>
+          </a:xfrm>
+          <a:prstGeom prst="rect">
+            <a:avLst/>
+          </a:prstGeom>
+        </p:spPr>
+        <p:txBody>
+          <a:bodyPr vert="horz" wrap="square" lIns="0" tIns="76200" rIns="0" bIns="0" rtlCol="0">
+            <a:spAutoFit/>
+          </a:bodyPr>
+          <a:lstStyle/>
+          <a:p>
+            <a:pPr algn="ctr">
+              <a:lnSpc>
+                <a:spcPct val="100000"/>
+              </a:lnSpc>
+              <a:spcBef>
+                <a:spcPts val="600"/>
+              </a:spcBef>
+            </a:pPr>
+            <a:r>
+              <a:rPr lang="pt-PT" sz="2400" b="1" spc="-90" dirty="0" err="1">
+                <a:solidFill>
+                  <a:srgbClr val="FFFFFF"/>
+                </a:solidFill>
+                <a:latin typeface="Arial"/>
+                <a:cs typeface="Arial"/>
+              </a:rPr>
+              <a:t>NetworkX</a:t>
+            </a:r>
+            <a:endParaRPr sz="2400" dirty="0">
+              <a:latin typeface="Arial"/>
+              <a:cs typeface="Arial"/>
+            </a:endParaRPr>
+          </a:p>
+        </p:txBody>
+      </p:sp>
+      <p:sp>
+        <p:nvSpPr>
+          <p:cNvPr id="5" name="object 5"/>
+          <p:cNvSpPr/>
+          <p:nvPr/>
+        </p:nvSpPr>
+        <p:spPr>
+          <a:xfrm>
+            <a:off x="7689417" y="406961"/>
+            <a:ext cx="1485900" cy="762000"/>
+          </a:xfrm>
+          <a:prstGeom prst="rect">
+            <a:avLst/>
+          </a:prstGeom>
+          <a:blipFill>
+            <a:blip r:embed="rId3" cstate="print"/>
+            <a:stretch>
+              <a:fillRect/>
+            </a:stretch>
+          </a:blipFill>
+        </p:spPr>
+        <p:txBody>
+          <a:bodyPr wrap="square" lIns="0" tIns="0" rIns="0" bIns="0" rtlCol="0"/>
+          <a:lstStyle/>
+          <a:p>
+            <a:endParaRPr dirty="0"/>
+          </a:p>
+        </p:txBody>
+      </p:sp>
+      <p:sp>
+        <p:nvSpPr>
+          <p:cNvPr id="6" name="object 6"/>
+          <p:cNvSpPr txBox="1"/>
+          <p:nvPr/>
+        </p:nvSpPr>
+        <p:spPr>
+          <a:xfrm>
+            <a:off x="5334000" y="5717724"/>
+            <a:ext cx="2743200" cy="683329"/>
+          </a:xfrm>
+          <a:prstGeom prst="rect">
+            <a:avLst/>
+          </a:prstGeom>
+        </p:spPr>
+        <p:txBody>
+          <a:bodyPr vert="horz" wrap="square" lIns="0" tIns="12700" rIns="0" bIns="0" rtlCol="0">
+            <a:spAutoFit/>
+          </a:bodyPr>
+          <a:lstStyle/>
+          <a:p>
+            <a:pPr marL="19685" marR="11430" algn="ctr">
+              <a:lnSpc>
+                <a:spcPct val="166700"/>
+              </a:lnSpc>
+            </a:pPr>
+            <a:r>
+              <a:rPr sz="1400" spc="35" dirty="0">
+                <a:solidFill>
+                  <a:srgbClr val="FFFFFF"/>
+                </a:solidFill>
+                <a:latin typeface="Arial" panose="020B0604020202020204" pitchFamily="34" charset="0"/>
+                <a:cs typeface="Arial" panose="020B0604020202020204" pitchFamily="34" charset="0"/>
+              </a:rPr>
+              <a:t>Francisco </a:t>
+            </a:r>
+            <a:r>
+              <a:rPr sz="1400" spc="60" dirty="0">
+                <a:solidFill>
+                  <a:srgbClr val="FFFFFF"/>
+                </a:solidFill>
+                <a:latin typeface="Arial" panose="020B0604020202020204" pitchFamily="34" charset="0"/>
+                <a:cs typeface="Arial" panose="020B0604020202020204" pitchFamily="34" charset="0"/>
+              </a:rPr>
+              <a:t>José </a:t>
+            </a:r>
+            <a:r>
+              <a:rPr sz="1400" spc="20" dirty="0">
+                <a:solidFill>
+                  <a:srgbClr val="FFFFFF"/>
+                </a:solidFill>
+                <a:latin typeface="Arial" panose="020B0604020202020204" pitchFamily="34" charset="0"/>
+                <a:cs typeface="Arial" panose="020B0604020202020204" pitchFamily="34" charset="0"/>
+              </a:rPr>
+              <a:t>Moreira</a:t>
+            </a:r>
+            <a:r>
+              <a:rPr sz="1400" spc="-195" dirty="0">
+                <a:solidFill>
+                  <a:srgbClr val="FFFFFF"/>
+                </a:solidFill>
+                <a:latin typeface="Arial" panose="020B0604020202020204" pitchFamily="34" charset="0"/>
+                <a:cs typeface="Arial" panose="020B0604020202020204" pitchFamily="34" charset="0"/>
+              </a:rPr>
+              <a:t> </a:t>
+            </a:r>
+            <a:r>
+              <a:rPr sz="1400" spc="-5" dirty="0">
+                <a:solidFill>
+                  <a:srgbClr val="FFFFFF"/>
+                </a:solidFill>
+                <a:latin typeface="Arial" panose="020B0604020202020204" pitchFamily="34" charset="0"/>
+                <a:cs typeface="Arial" panose="020B0604020202020204" pitchFamily="34" charset="0"/>
+              </a:rPr>
+              <a:t>Oliveira  </a:t>
+            </a:r>
+            <a:r>
+              <a:rPr sz="1400" spc="20" dirty="0">
+                <a:solidFill>
+                  <a:srgbClr val="FFFFFF"/>
+                </a:solidFill>
+                <a:latin typeface="Arial" panose="020B0604020202020204" pitchFamily="34" charset="0"/>
+                <a:cs typeface="Arial" panose="020B0604020202020204" pitchFamily="34" charset="0"/>
+              </a:rPr>
+              <a:t>Raul Vilas</a:t>
+            </a:r>
+            <a:r>
+              <a:rPr sz="1400" spc="-114" dirty="0">
+                <a:solidFill>
+                  <a:srgbClr val="FFFFFF"/>
+                </a:solidFill>
+                <a:latin typeface="Arial" panose="020B0604020202020204" pitchFamily="34" charset="0"/>
+                <a:cs typeface="Arial" panose="020B0604020202020204" pitchFamily="34" charset="0"/>
+              </a:rPr>
+              <a:t> </a:t>
+            </a:r>
+            <a:r>
+              <a:rPr sz="1400" spc="75" dirty="0">
+                <a:solidFill>
+                  <a:srgbClr val="FFFFFF"/>
+                </a:solidFill>
+                <a:latin typeface="Arial" panose="020B0604020202020204" pitchFamily="34" charset="0"/>
+                <a:cs typeface="Arial" panose="020B0604020202020204" pitchFamily="34" charset="0"/>
+              </a:rPr>
+              <a:t>Boas</a:t>
+            </a:r>
+            <a:endParaRPr sz="1400" dirty="0">
+              <a:latin typeface="Arial" panose="020B0604020202020204" pitchFamily="34" charset="0"/>
+              <a:cs typeface="Arial" panose="020B0604020202020204" pitchFamily="34" charset="0"/>
+            </a:endParaRPr>
+          </a:p>
+        </p:txBody>
+      </p:sp>
+      <p:sp>
+        <p:nvSpPr>
+          <p:cNvPr id="8" name="object 8"/>
+          <p:cNvSpPr txBox="1">
+            <a:spLocks noGrp="1"/>
+          </p:cNvSpPr>
+          <p:nvPr>
+            <p:ph type="title"/>
+          </p:nvPr>
+        </p:nvSpPr>
+        <p:spPr>
+          <a:xfrm>
+            <a:off x="3555706" y="422401"/>
+            <a:ext cx="4453855" cy="666208"/>
+          </a:xfrm>
+          <a:prstGeom prst="rect">
+            <a:avLst/>
+          </a:prstGeom>
+        </p:spPr>
+        <p:txBody>
+          <a:bodyPr vert="horz" wrap="square" lIns="0" tIns="83185" rIns="0" bIns="0" rtlCol="0">
+            <a:spAutoFit/>
+          </a:bodyPr>
+          <a:lstStyle/>
+          <a:p>
+            <a:pPr marL="12700" algn="ctr">
+              <a:lnSpc>
+                <a:spcPct val="100000"/>
+              </a:lnSpc>
+              <a:spcBef>
+                <a:spcPts val="655"/>
+              </a:spcBef>
+            </a:pPr>
+            <a:r>
+              <a:rPr sz="2050" spc="-95" dirty="0" err="1">
+                <a:solidFill>
+                  <a:srgbClr val="FFFFFF"/>
+                </a:solidFill>
+                <a:latin typeface="Arial" panose="020B0604020202020204" pitchFamily="34" charset="0"/>
+                <a:cs typeface="Arial" panose="020B0604020202020204" pitchFamily="34" charset="0"/>
+              </a:rPr>
+              <a:t>Universidade</a:t>
+            </a:r>
+            <a:r>
+              <a:rPr sz="2050" spc="-95" dirty="0">
+                <a:solidFill>
+                  <a:srgbClr val="FFFFFF"/>
+                </a:solidFill>
+                <a:latin typeface="Arial" panose="020B0604020202020204" pitchFamily="34" charset="0"/>
+                <a:cs typeface="Arial" panose="020B0604020202020204" pitchFamily="34" charset="0"/>
+              </a:rPr>
+              <a:t> </a:t>
+            </a:r>
+            <a:r>
+              <a:rPr sz="2050" spc="-80" dirty="0">
+                <a:solidFill>
+                  <a:srgbClr val="FFFFFF"/>
+                </a:solidFill>
+                <a:latin typeface="Arial" panose="020B0604020202020204" pitchFamily="34" charset="0"/>
+                <a:cs typeface="Arial" panose="020B0604020202020204" pitchFamily="34" charset="0"/>
+              </a:rPr>
+              <a:t>do</a:t>
+            </a:r>
+            <a:r>
+              <a:rPr lang="pt-PT" sz="2050" spc="-80" dirty="0">
+                <a:solidFill>
+                  <a:srgbClr val="FFFFFF"/>
+                </a:solidFill>
+                <a:latin typeface="Arial" panose="020B0604020202020204" pitchFamily="34" charset="0"/>
+                <a:cs typeface="Arial" panose="020B0604020202020204" pitchFamily="34" charset="0"/>
+              </a:rPr>
+              <a:t> </a:t>
+            </a:r>
+            <a:r>
+              <a:rPr sz="2050" spc="-470" dirty="0">
+                <a:solidFill>
+                  <a:srgbClr val="FFFFFF"/>
+                </a:solidFill>
+                <a:latin typeface="Arial" panose="020B0604020202020204" pitchFamily="34" charset="0"/>
+                <a:cs typeface="Arial" panose="020B0604020202020204" pitchFamily="34" charset="0"/>
+              </a:rPr>
+              <a:t> </a:t>
+            </a:r>
+            <a:r>
+              <a:rPr sz="2050" spc="-90" dirty="0">
+                <a:solidFill>
+                  <a:srgbClr val="FFFFFF"/>
+                </a:solidFill>
+                <a:latin typeface="Arial" panose="020B0604020202020204" pitchFamily="34" charset="0"/>
+                <a:cs typeface="Arial" panose="020B0604020202020204" pitchFamily="34" charset="0"/>
+              </a:rPr>
+              <a:t>Minho</a:t>
+            </a:r>
+            <a:endParaRPr lang="pt-PT" sz="2050" dirty="0">
+              <a:latin typeface="Arial" panose="020B0604020202020204" pitchFamily="34" charset="0"/>
+              <a:cs typeface="Arial" panose="020B0604020202020204" pitchFamily="34" charset="0"/>
+            </a:endParaRPr>
+          </a:p>
+          <a:p>
+            <a:pPr marL="24765" algn="ctr">
+              <a:lnSpc>
+                <a:spcPct val="100000"/>
+              </a:lnSpc>
+              <a:spcBef>
+                <a:spcPts val="439"/>
+              </a:spcBef>
+            </a:pPr>
+            <a:r>
+              <a:rPr lang="pt-PT" sz="1300" b="0" spc="-70" dirty="0" err="1">
+                <a:solidFill>
+                  <a:srgbClr val="FFFFFF"/>
+                </a:solidFill>
+                <a:latin typeface="Arial" panose="020B0604020202020204" pitchFamily="34" charset="0"/>
+                <a:cs typeface="Arial" panose="020B0604020202020204" pitchFamily="34" charset="0"/>
+              </a:rPr>
+              <a:t>Scripting</a:t>
+            </a:r>
+            <a:r>
+              <a:rPr lang="pt-PT" sz="1300" b="0" spc="-70" dirty="0">
+                <a:solidFill>
+                  <a:srgbClr val="FFFFFF"/>
+                </a:solidFill>
+                <a:latin typeface="Arial" panose="020B0604020202020204" pitchFamily="34" charset="0"/>
+                <a:cs typeface="Arial" panose="020B0604020202020204" pitchFamily="34" charset="0"/>
+              </a:rPr>
+              <a:t> no Processamento de Linguagem Natural</a:t>
+            </a:r>
+            <a:endParaRPr lang="pt-PT" sz="1300" dirty="0">
+              <a:latin typeface="Arial" panose="020B0604020202020204" pitchFamily="34" charset="0"/>
+              <a:cs typeface="Arial" panose="020B0604020202020204" pitchFamily="34" charset="0"/>
+            </a:endParaRPr>
+          </a:p>
+        </p:txBody>
+      </p:sp>
+      <p:sp>
+        <p:nvSpPr>
+          <p:cNvPr id="9" name="object 9"/>
+          <p:cNvSpPr/>
+          <p:nvPr/>
+        </p:nvSpPr>
+        <p:spPr>
+          <a:xfrm>
+            <a:off x="4356914" y="2635658"/>
+            <a:ext cx="4404995" cy="0"/>
+          </a:xfrm>
+          <a:custGeom>
+            <a:avLst/>
+            <a:gdLst/>
+            <a:ahLst/>
+            <a:cxnLst/>
+            <a:rect l="l" t="t" r="r" b="b"/>
+            <a:pathLst>
+              <a:path w="4404995">
+                <a:moveTo>
+                  <a:pt x="0" y="0"/>
+                </a:moveTo>
+                <a:lnTo>
+                  <a:pt x="4404462" y="1"/>
+                </a:lnTo>
+              </a:path>
+            </a:pathLst>
+          </a:custGeom>
+          <a:ln w="52916">
+            <a:solidFill>
+              <a:srgbClr val="00ADE2"/>
+            </a:solidFill>
+          </a:ln>
+        </p:spPr>
+        <p:txBody>
+          <a:bodyPr wrap="square" lIns="0" tIns="0" rIns="0" bIns="0" rtlCol="0"/>
+          <a:lstStyle/>
+          <a:p>
+            <a:endParaRPr/>
+          </a:p>
+        </p:txBody>
+      </p:sp>
+      <p:sp>
+        <p:nvSpPr>
+          <p:cNvPr id="10" name="object 10"/>
+          <p:cNvSpPr/>
+          <p:nvPr/>
+        </p:nvSpPr>
+        <p:spPr>
+          <a:xfrm>
+            <a:off x="4639756" y="2468881"/>
+            <a:ext cx="3839210" cy="0"/>
+          </a:xfrm>
+          <a:custGeom>
+            <a:avLst/>
+            <a:gdLst/>
+            <a:ahLst/>
+            <a:cxnLst/>
+            <a:rect l="l" t="t" r="r" b="b"/>
+            <a:pathLst>
+              <a:path w="3839209">
+                <a:moveTo>
+                  <a:pt x="0" y="0"/>
+                </a:moveTo>
+                <a:lnTo>
+                  <a:pt x="3838782" y="1"/>
+                </a:lnTo>
+              </a:path>
+            </a:pathLst>
+          </a:custGeom>
+          <a:ln w="52916">
+            <a:solidFill>
+              <a:srgbClr val="00ADE2"/>
+            </a:solidFill>
+          </a:ln>
+        </p:spPr>
+        <p:txBody>
+          <a:bodyPr wrap="square" lIns="0" tIns="0" rIns="0" bIns="0" rtlCol="0"/>
+          <a:lstStyle/>
+          <a:p>
+            <a:endParaRPr/>
+          </a:p>
+        </p:txBody>
+      </p:sp>
+      <p:sp>
+        <p:nvSpPr>
+          <p:cNvPr id="11" name="object 11"/>
+          <p:cNvSpPr/>
+          <p:nvPr/>
+        </p:nvSpPr>
+        <p:spPr>
+          <a:xfrm>
+            <a:off x="4356914" y="3693822"/>
+            <a:ext cx="4404995" cy="0"/>
+          </a:xfrm>
+          <a:custGeom>
+            <a:avLst/>
+            <a:gdLst/>
+            <a:ahLst/>
+            <a:cxnLst/>
+            <a:rect l="l" t="t" r="r" b="b"/>
+            <a:pathLst>
+              <a:path w="4404995">
+                <a:moveTo>
+                  <a:pt x="0" y="0"/>
+                </a:moveTo>
+                <a:lnTo>
+                  <a:pt x="4404462" y="1"/>
+                </a:lnTo>
+              </a:path>
+            </a:pathLst>
+          </a:custGeom>
+          <a:ln w="52916">
+            <a:solidFill>
+              <a:srgbClr val="00ADE2"/>
+            </a:solidFill>
+          </a:ln>
+        </p:spPr>
+        <p:txBody>
+          <a:bodyPr wrap="square" lIns="0" tIns="0" rIns="0" bIns="0" rtlCol="0"/>
+          <a:lstStyle/>
+          <a:p>
+            <a:endParaRPr/>
+          </a:p>
+        </p:txBody>
+      </p:sp>
+      <p:sp>
+        <p:nvSpPr>
+          <p:cNvPr id="12" name="object 12"/>
+          <p:cNvSpPr/>
+          <p:nvPr/>
+        </p:nvSpPr>
+        <p:spPr>
+          <a:xfrm>
+            <a:off x="4639756" y="3863481"/>
+            <a:ext cx="3839210" cy="0"/>
+          </a:xfrm>
+          <a:custGeom>
+            <a:avLst/>
+            <a:gdLst/>
+            <a:ahLst/>
+            <a:cxnLst/>
+            <a:rect l="l" t="t" r="r" b="b"/>
+            <a:pathLst>
+              <a:path w="3839209">
+                <a:moveTo>
+                  <a:pt x="0" y="0"/>
+                </a:moveTo>
+                <a:lnTo>
+                  <a:pt x="3838782" y="1"/>
+                </a:lnTo>
+              </a:path>
+            </a:pathLst>
+          </a:custGeom>
+          <a:ln w="52916">
+            <a:solidFill>
+              <a:srgbClr val="00ADE2"/>
+            </a:solidFill>
+          </a:ln>
+        </p:spPr>
+        <p:txBody>
+          <a:bodyPr wrap="square" lIns="0" tIns="0" rIns="0" bIns="0" rtlCol="0"/>
+          <a:lstStyle/>
+          <a:p>
+            <a:endParaRPr/>
+          </a:p>
+        </p:txBody>
+      </p:sp>
+      <p:sp>
+        <p:nvSpPr>
+          <p:cNvPr id="13" name="object 13"/>
+          <p:cNvSpPr/>
+          <p:nvPr/>
+        </p:nvSpPr>
+        <p:spPr>
+          <a:xfrm>
+            <a:off x="3697846" y="0"/>
+            <a:ext cx="108585" cy="6858000"/>
+          </a:xfrm>
+          <a:custGeom>
+            <a:avLst/>
+            <a:gdLst/>
+            <a:ahLst/>
+            <a:cxnLst/>
+            <a:rect l="l" t="t" r="r" b="b"/>
+            <a:pathLst>
+              <a:path w="108585" h="6858000">
+                <a:moveTo>
+                  <a:pt x="0" y="6858000"/>
+                </a:moveTo>
+                <a:lnTo>
+                  <a:pt x="108220" y="6858000"/>
+                </a:lnTo>
+                <a:lnTo>
+                  <a:pt x="108220" y="0"/>
+                </a:lnTo>
+                <a:lnTo>
+                  <a:pt x="0" y="0"/>
+                </a:lnTo>
+                <a:lnTo>
+                  <a:pt x="0" y="6858000"/>
+                </a:lnTo>
+                <a:close/>
+              </a:path>
+            </a:pathLst>
+          </a:custGeom>
+          <a:solidFill>
+            <a:srgbClr val="FAB200"/>
+          </a:solidFill>
+        </p:spPr>
+        <p:txBody>
+          <a:bodyPr wrap="square" lIns="0" tIns="0" rIns="0" bIns="0" rtlCol="0"/>
+          <a:lstStyle/>
+          <a:p>
+            <a:endParaRPr/>
+          </a:p>
+        </p:txBody>
+      </p:sp>
+      <p:pic>
+        <p:nvPicPr>
+          <p:cNvPr id="14" name="Imagem 13">
+            <a:extLst>
+              <a:ext uri="{FF2B5EF4-FFF2-40B4-BE49-F238E27FC236}">
+                <a16:creationId xmlns:a16="http://schemas.microsoft.com/office/drawing/2014/main" id="{C738E9B3-4162-4211-8E04-17E91A6E4892}"/>
+              </a:ext>
+            </a:extLst>
+          </p:cNvPr>
+          <p:cNvPicPr>
+            <a:picLocks noChangeAspect="1"/>
+          </p:cNvPicPr>
+          <p:nvPr/>
+        </p:nvPicPr>
+        <p:blipFill>
+          <a:blip r:embed="rId4"/>
+          <a:stretch>
+            <a:fillRect/>
+          </a:stretch>
+        </p:blipFill>
+        <p:spPr>
+          <a:xfrm>
+            <a:off x="7620000" y="381000"/>
+            <a:ext cx="1568488" cy="812239"/>
+          </a:xfrm>
+          <a:prstGeom prst="rect">
+            <a:avLst/>
+          </a:prstGeom>
+        </p:spPr>
+      </p:pic>
+      <p:pic>
+        <p:nvPicPr>
+          <p:cNvPr id="20" name="Imagem 19">
+            <a:extLst>
+              <a:ext uri="{FF2B5EF4-FFF2-40B4-BE49-F238E27FC236}">
+                <a16:creationId xmlns:a16="http://schemas.microsoft.com/office/drawing/2014/main" id="{344E8D08-D3B1-4847-AFDC-BC0E4DA08605}"/>
+              </a:ext>
+            </a:extLst>
+          </p:cNvPr>
+          <p:cNvPicPr>
+            <a:picLocks noChangeAspect="1"/>
+          </p:cNvPicPr>
+          <p:nvPr/>
+        </p:nvPicPr>
+        <p:blipFill>
+          <a:blip r:embed="rId5"/>
+          <a:stretch>
+            <a:fillRect/>
+          </a:stretch>
+        </p:blipFill>
+        <p:spPr>
+          <a:xfrm>
+            <a:off x="4567238" y="3424238"/>
+            <a:ext cx="9524" cy="9524"/>
+          </a:xfrm>
+          <a:prstGeom prst="rect">
+            <a:avLst/>
+          </a:prstGeom>
+        </p:spPr>
+      </p:pic>
+      <p:pic>
+        <p:nvPicPr>
+          <p:cNvPr id="1026" name="Picture 2" descr="Resultado de imagem para networkx logo">
+            <a:extLst>
+              <a:ext uri="{FF2B5EF4-FFF2-40B4-BE49-F238E27FC236}">
+                <a16:creationId xmlns:a16="http://schemas.microsoft.com/office/drawing/2014/main" id="{78F6F917-42B7-4AC4-B381-264C8FE09B37}"/>
+              </a:ext>
+            </a:extLst>
+          </p:cNvPr>
+          <p:cNvPicPr>
+            <a:picLocks noChangeAspect="1" noChangeArrowheads="1"/>
+          </p:cNvPicPr>
+          <p:nvPr/>
+        </p:nvPicPr>
+        <p:blipFill rotWithShape="1">
+          <a:blip r:embed="rId6">
+            <a:extLst>
+              <a:ext uri="{28A0092B-C50C-407E-A947-70E740481C1C}">
+                <a14:useLocalDpi xmlns:a14="http://schemas.microsoft.com/office/drawing/2010/main" val="0"/>
+              </a:ext>
+            </a:extLst>
+          </a:blip>
+          <a:srcRect b="27600"/>
+          <a:stretch/>
+        </p:blipFill>
+        <p:spPr bwMode="auto">
+          <a:xfrm>
+            <a:off x="685800" y="3094190"/>
+            <a:ext cx="2197099" cy="1193017"/>
+          </a:xfrm>
+          <a:prstGeom prst="rect">
+            <a:avLst/>
+          </a:prstGeom>
+          <a:noFill/>
+          <a:extLst>
+            <a:ext uri="{909E8E84-426E-40DD-AFC4-6F175D3DCCD1}">
+              <a14:hiddenFill xmlns:a14="http://schemas.microsoft.com/office/drawing/2010/main">
+                <a:solidFill>
+                  <a:srgbClr val="FFFFFF"/>
+                </a:solidFill>
+              </a14:hiddenFill>
+            </a:ext>
+          </a:extLst>
+        </p:spPr>
+      </p:pic>
+      <p:pic>
+        <p:nvPicPr>
+          <p:cNvPr id="1028" name="Picture 4" descr="Resultado de imagem para networkX logo">
+            <a:extLst>
+              <a:ext uri="{FF2B5EF4-FFF2-40B4-BE49-F238E27FC236}">
+                <a16:creationId xmlns:a16="http://schemas.microsoft.com/office/drawing/2014/main" id="{E860BDCE-8E2F-455F-BFCC-10E04A6E55C9}"/>
+              </a:ext>
+            </a:extLst>
+          </p:cNvPr>
+          <p:cNvPicPr>
+            <a:picLocks noChangeAspect="1" noChangeArrowheads="1"/>
+          </p:cNvPicPr>
+          <p:nvPr/>
+        </p:nvPicPr>
+        <p:blipFill>
+          <a:blip r:embed="rId7" cstate="print">
+            <a:extLst>
+              <a:ext uri="{28A0092B-C50C-407E-A947-70E740481C1C}">
+                <a14:useLocalDpi xmlns:a14="http://schemas.microsoft.com/office/drawing/2010/main" val="0"/>
+              </a:ext>
+            </a:extLst>
+          </a:blip>
+          <a:srcRect/>
+          <a:stretch>
+            <a:fillRect/>
+          </a:stretch>
+        </p:blipFill>
+        <p:spPr bwMode="auto">
+          <a:xfrm>
+            <a:off x="212789" y="1752600"/>
+            <a:ext cx="2928253" cy="989302"/>
+          </a:xfrm>
+          <a:prstGeom prst="rect">
+            <a:avLst/>
+          </a:prstGeom>
+          <a:noFill/>
+          <a:extLst>
+            <a:ext uri="{909E8E84-426E-40DD-AFC4-6F175D3DCCD1}">
+              <a14:hiddenFill xmlns:a14="http://schemas.microsoft.com/office/drawing/2010/main">
+                <a:solidFill>
+                  <a:srgbClr val="FFFFFF"/>
+                </a:solidFill>
+              </a14:hiddenFill>
+            </a:ext>
+          </a:extLst>
+        </p:spPr>
+      </p:pic>
+    </p:spTree>
+    <p:extLst>
+      <p:ext uri="{BB962C8B-B14F-4D97-AF65-F5344CB8AC3E}">
+        <p14:creationId xmlns:p14="http://schemas.microsoft.com/office/powerpoint/2010/main" val="296050652"/>
       </p:ext>
     </p:extLst>
   </p:cSld>
@@ -5508,7 +7851,7 @@
         <p:spPr>
           <a:xfrm>
             <a:off x="859968" y="4740051"/>
-            <a:ext cx="2994660" cy="1203549"/>
+            <a:ext cx="2994660" cy="1355949"/>
           </a:xfrm>
           <a:custGeom>
             <a:avLst/>
@@ -6249,7 +8592,7 @@
         </p:nvSpPr>
         <p:spPr>
           <a:xfrm>
-            <a:off x="2788442" y="304800"/>
+            <a:off x="2636042" y="304800"/>
             <a:ext cx="3871913" cy="461023"/>
           </a:xfrm>
           <a:prstGeom prst="rect">
@@ -8967,13 +11310,13 @@
   <p:clrMapOvr>
     <a:masterClrMapping/>
   </p:clrMapOvr>
-  <mc:AlternateContent xmlns:mc="http://schemas.openxmlformats.org/markup-compatibility/2006">
-    <mc:Choice xmlns:p14="http://schemas.microsoft.com/office/powerpoint/2010/main" Requires="p14">
+  <mc:AlternateContent xmlns:mc="http://schemas.openxmlformats.org/markup-compatibility/2006" xmlns:p14="http://schemas.microsoft.com/office/powerpoint/2010/main">
+    <mc:Choice Requires="p14">
       <p:transition spd="med" p14:dur="700">
         <p:fade/>
       </p:transition>
     </mc:Choice>
-    <mc:Fallback>
+    <mc:Fallback xmlns="">
       <p:transition spd="med">
         <p:fade/>
       </p:transition>
@@ -9463,13 +11806,13 @@
   <p:clrMapOvr>
     <a:masterClrMapping/>
   </p:clrMapOvr>
-  <mc:AlternateContent xmlns:mc="http://schemas.openxmlformats.org/markup-compatibility/2006">
-    <mc:Choice xmlns:p14="http://schemas.microsoft.com/office/powerpoint/2010/main" Requires="p14">
+  <mc:AlternateContent xmlns:mc="http://schemas.openxmlformats.org/markup-compatibility/2006" xmlns:p14="http://schemas.microsoft.com/office/powerpoint/2010/main">
+    <mc:Choice Requires="p14">
       <p:transition spd="med" p14:dur="700">
         <p:fade/>
       </p:transition>
     </mc:Choice>
-    <mc:Fallback>
+    <mc:Fallback xmlns="">
       <p:transition spd="med">
         <p:fade/>
       </p:transition>
@@ -10127,18 +12470,6 @@
   <p:clrMapOvr>
     <a:masterClrMapping/>
   </p:clrMapOvr>
-  <mc:AlternateContent xmlns:mc="http://schemas.openxmlformats.org/markup-compatibility/2006">
-    <mc:Choice xmlns:p159="http://schemas.microsoft.com/office/powerpoint/2015/09/main" Requires="p159">
-      <p:transition xmlns:p14="http://schemas.microsoft.com/office/powerpoint/2010/main" spd="slow" p14:dur="2000">
-        <p159:morph option="byObject"/>
-      </p:transition>
-    </mc:Choice>
-    <mc:Fallback>
-      <p:transition spd="slow">
-        <p:fade/>
-      </p:transition>
-    </mc:Fallback>
-  </mc:AlternateContent>
 </p:sld>
 </file>
 
@@ -10350,13 +12681,13 @@
   <p:clrMapOvr>
     <a:masterClrMapping/>
   </p:clrMapOvr>
-  <mc:AlternateContent xmlns:mc="http://schemas.openxmlformats.org/markup-compatibility/2006">
-    <mc:Choice xmlns:p14="http://schemas.microsoft.com/office/powerpoint/2010/main" Requires="p14">
+  <mc:AlternateContent xmlns:mc="http://schemas.openxmlformats.org/markup-compatibility/2006" xmlns:p14="http://schemas.microsoft.com/office/powerpoint/2010/main">
+    <mc:Choice Requires="p14">
       <p:transition spd="med" p14:dur="700">
         <p:fade/>
       </p:transition>
     </mc:Choice>
-    <mc:Fallback>
+    <mc:Fallback xmlns="">
       <p:transition spd="med">
         <p:fade/>
       </p:transition>
@@ -10728,13 +13059,13 @@
   <p:clrMapOvr>
     <a:masterClrMapping/>
   </p:clrMapOvr>
-  <mc:AlternateContent xmlns:mc="http://schemas.openxmlformats.org/markup-compatibility/2006">
-    <mc:Choice xmlns:p14="http://schemas.microsoft.com/office/powerpoint/2010/main" Requires="p14">
+  <mc:AlternateContent xmlns:mc="http://schemas.openxmlformats.org/markup-compatibility/2006" xmlns:p14="http://schemas.microsoft.com/office/powerpoint/2010/main">
+    <mc:Choice Requires="p14">
       <p:transition spd="med" p14:dur="700">
         <p:fade/>
       </p:transition>
     </mc:Choice>
-    <mc:Fallback>
+    <mc:Fallback xmlns="">
       <p:transition spd="med">
         <p:fade/>
       </p:transition>

--- a/SPLN/tp2/apresSPLN.pptx
+++ b/SPLN/tp2/apresSPLN.pptx
@@ -5044,19 +5044,20 @@
         </p:nvSpPr>
         <p:spPr>
           <a:xfrm>
-            <a:off x="2990990" y="1143000"/>
-            <a:ext cx="3162019" cy="369332"/>
+            <a:off x="2976594" y="894770"/>
+            <a:ext cx="3190805" cy="369332"/>
           </a:xfrm>
           <a:prstGeom prst="rect">
             <a:avLst/>
           </a:prstGeom>
         </p:spPr>
         <p:txBody>
-          <a:bodyPr wrap="none">
+          <a:bodyPr wrap="square">
             <a:spAutoFit/>
           </a:bodyPr>
           <a:lstStyle/>
           <a:p>
+            <a:pPr algn="ctr"/>
             <a:r>
               <a:rPr lang="pt-PT" b="1" dirty="0">
                 <a:solidFill>
@@ -5090,11 +5091,14 @@
         </p:nvSpPr>
         <p:spPr>
           <a:xfrm>
-            <a:off x="4286390" y="1673913"/>
-            <a:ext cx="304800" cy="444443"/>
+            <a:off x="3371643" y="1362478"/>
+            <a:ext cx="2405065" cy="620402"/>
           </a:xfrm>
           <a:prstGeom prst="downArrow">
-            <a:avLst/>
+            <a:avLst>
+              <a:gd name="adj1" fmla="val 74410"/>
+              <a:gd name="adj2" fmla="val 62354"/>
+            </a:avLst>
           </a:prstGeom>
         </p:spPr>
         <p:style>
@@ -5118,7 +5122,10 @@
           <a:lstStyle/>
           <a:p>
             <a:pPr algn="ctr"/>
-            <a:endParaRPr lang="pt-PT"/>
+            <a:r>
+              <a:rPr lang="pt-PT" dirty="0"/>
+              <a:t>Cetem_to_tag.py</a:t>
+            </a:r>
           </a:p>
         </p:txBody>
       </p:sp>
@@ -5136,8 +5143,8 @@
         </p:nvSpPr>
         <p:spPr>
           <a:xfrm>
-            <a:off x="3905390" y="2575556"/>
-            <a:ext cx="838200" cy="369332"/>
+            <a:off x="3753424" y="2090277"/>
+            <a:ext cx="1635837" cy="369332"/>
           </a:xfrm>
           <a:prstGeom prst="rect">
             <a:avLst/>
@@ -5150,11 +5157,22 @@
           </a:bodyPr>
           <a:lstStyle/>
           <a:p>
-            <a:r>
-              <a:rPr lang="pt-PT" dirty="0" err="1"/>
-              <a:t>Tagged</a:t>
-            </a:r>
-            <a:endParaRPr lang="pt-PT" dirty="0"/>
+            <a:pPr algn="ctr"/>
+            <a:r>
+              <a:rPr lang="pt-PT" b="1" dirty="0" err="1">
+                <a:solidFill>
+                  <a:srgbClr val="24292E"/>
+                </a:solidFill>
+                <a:latin typeface="-apple-system"/>
+              </a:rPr>
+              <a:t>Tagged.tagged</a:t>
+            </a:r>
+            <a:endParaRPr lang="pt-PT" b="1" dirty="0">
+              <a:solidFill>
+                <a:srgbClr val="24292E"/>
+              </a:solidFill>
+              <a:latin typeface="-apple-system"/>
+            </a:endParaRPr>
           </a:p>
         </p:txBody>
       </p:sp>
@@ -5172,8 +5190,8 @@
         </p:nvSpPr>
         <p:spPr>
           <a:xfrm>
-            <a:off x="4133990" y="3429000"/>
-            <a:ext cx="304800" cy="444443"/>
+            <a:off x="3882672" y="2582870"/>
+            <a:ext cx="1385971" cy="444443"/>
           </a:xfrm>
           <a:prstGeom prst="downArrow">
             <a:avLst/>
@@ -5200,41 +5218,11 @@
           <a:lstStyle/>
           <a:p>
             <a:pPr algn="ctr"/>
-            <a:endParaRPr lang="pt-PT"/>
-          </a:p>
-        </p:txBody>
-      </p:sp>
-      <p:sp>
-        <p:nvSpPr>
-          <p:cNvPr id="29" name="Retângulo 28">
-            <a:extLst>
-              <a:ext uri="{FF2B5EF4-FFF2-40B4-BE49-F238E27FC236}">
-                <a16:creationId xmlns:a16="http://schemas.microsoft.com/office/drawing/2014/main" id="{B7B783A0-17BE-46D5-9B48-FFEB70FAB22A}"/>
-              </a:ext>
-            </a:extLst>
-          </p:cNvPr>
-          <p:cNvSpPr/>
-          <p:nvPr/>
-        </p:nvSpPr>
-        <p:spPr>
-          <a:xfrm>
-            <a:off x="3746279" y="4172889"/>
-            <a:ext cx="647037" cy="369332"/>
-          </a:xfrm>
-          <a:prstGeom prst="rect">
-            <a:avLst/>
-          </a:prstGeom>
-        </p:spPr>
-        <p:txBody>
-          <a:bodyPr wrap="none">
-            <a:spAutoFit/>
-          </a:bodyPr>
-          <a:lstStyle/>
-          <a:p>
-            <a:r>
-              <a:rPr lang="pt-PT" dirty="0"/>
-              <a:t>NLTK</a:t>
-            </a:r>
+            <a:r>
+              <a:rPr lang="pt-PT" dirty="0" err="1"/>
+              <a:t>build</a:t>
+            </a:r>
+            <a:endParaRPr lang="pt-PT" dirty="0"/>
           </a:p>
         </p:txBody>
       </p:sp>
@@ -5251,12 +5239,15 @@
           <p:nvPr/>
         </p:nvSpPr>
         <p:spPr>
-          <a:xfrm>
-            <a:off x="4053038" y="4739644"/>
-            <a:ext cx="304800" cy="444443"/>
+          <a:xfrm rot="5400000">
+            <a:off x="2479426" y="4818708"/>
+            <a:ext cx="1619830" cy="939882"/>
           </a:xfrm>
           <a:prstGeom prst="downArrow">
-            <a:avLst/>
+            <a:avLst>
+              <a:gd name="adj1" fmla="val 68260"/>
+              <a:gd name="adj2" fmla="val 50000"/>
+            </a:avLst>
           </a:prstGeom>
         </p:spPr>
         <p:style>
@@ -5280,7 +5271,15 @@
           <a:lstStyle/>
           <a:p>
             <a:pPr algn="ctr"/>
-            <a:endParaRPr lang="pt-PT"/>
+            <a:r>
+              <a:rPr lang="pt-PT" dirty="0"/>
+              <a:t>Processar </a:t>
+            </a:r>
+            <a:r>
+              <a:rPr lang="pt-PT" dirty="0" err="1"/>
+              <a:t>Info</a:t>
+            </a:r>
+            <a:endParaRPr lang="pt-PT" dirty="0"/>
           </a:p>
         </p:txBody>
       </p:sp>
@@ -5298,8 +5297,8 @@
         </p:nvSpPr>
         <p:spPr>
           <a:xfrm>
-            <a:off x="3606829" y="5585556"/>
-            <a:ext cx="1435321" cy="369332"/>
+            <a:off x="1883676" y="6179757"/>
+            <a:ext cx="4191000" cy="584775"/>
           </a:xfrm>
           <a:prstGeom prst="rect">
             <a:avLst/>
@@ -5313,8 +5312,506 @@
           <a:lstStyle/>
           <a:p>
             <a:r>
+              <a:rPr lang="pt-PT" sz="1600" dirty="0">
+                <a:highlight>
+                  <a:srgbClr val="FFFF00"/>
+                </a:highlight>
+              </a:rPr>
+              <a:t>Selecionar </a:t>
+            </a:r>
+            <a:r>
+              <a:rPr lang="pt-PT" sz="1600" dirty="0" err="1">
+                <a:highlight>
+                  <a:srgbClr val="FFFF00"/>
+                </a:highlight>
+              </a:rPr>
+              <a:t>NPros</a:t>
+            </a:r>
+            <a:r>
+              <a:rPr lang="pt-PT" sz="1600" dirty="0">
+                <a:highlight>
+                  <a:srgbClr val="FFFF00"/>
+                </a:highlight>
+              </a:rPr>
+              <a:t> -&gt; Gerar Duplos -&gt;</a:t>
+            </a:r>
+          </a:p>
+          <a:p>
+            <a:r>
+              <a:rPr lang="pt-PT" sz="1600" dirty="0">
+                <a:highlight>
+                  <a:srgbClr val="FFFF00"/>
+                </a:highlight>
+              </a:rPr>
+              <a:t>Gerar triplos (adicionar </a:t>
+            </a:r>
+            <a:r>
+              <a:rPr lang="pt-PT" sz="1600" dirty="0" err="1">
+                <a:highlight>
+                  <a:srgbClr val="FFFF00"/>
+                </a:highlight>
+              </a:rPr>
+              <a:t>Noccur</a:t>
+            </a:r>
+            <a:r>
+              <a:rPr lang="pt-PT" sz="1600" dirty="0">
+                <a:highlight>
+                  <a:srgbClr val="FFFF00"/>
+                </a:highlight>
+              </a:rPr>
+              <a:t> aos duplos)</a:t>
+            </a:r>
+          </a:p>
+        </p:txBody>
+      </p:sp>
+      <p:sp>
+        <p:nvSpPr>
+          <p:cNvPr id="10" name="CaixaDeTexto 9">
+            <a:extLst>
+              <a:ext uri="{FF2B5EF4-FFF2-40B4-BE49-F238E27FC236}">
+                <a16:creationId xmlns:a16="http://schemas.microsoft.com/office/drawing/2014/main" id="{BBBDB3E9-6ECC-478F-86C3-908814F521C3}"/>
+              </a:ext>
+            </a:extLst>
+          </p:cNvPr>
+          <p:cNvSpPr txBox="1"/>
+          <p:nvPr/>
+        </p:nvSpPr>
+        <p:spPr>
+          <a:xfrm>
+            <a:off x="3878359" y="3084537"/>
+            <a:ext cx="1385970" cy="369332"/>
+          </a:xfrm>
+          <a:prstGeom prst="rect">
+            <a:avLst/>
+          </a:prstGeom>
+          <a:noFill/>
+        </p:spPr>
+        <p:txBody>
+          <a:bodyPr wrap="square" rtlCol="0">
+            <a:spAutoFit/>
+          </a:bodyPr>
+          <a:lstStyle/>
+          <a:p>
+            <a:pPr algn="ctr"/>
+            <a:r>
+              <a:rPr lang="pt-PT" b="1" dirty="0" err="1">
+                <a:solidFill>
+                  <a:srgbClr val="24292E"/>
+                </a:solidFill>
+                <a:latin typeface="-apple-system"/>
+              </a:rPr>
+              <a:t>Tagged.pkl</a:t>
+            </a:r>
+            <a:endParaRPr lang="pt-PT" b="1" dirty="0">
+              <a:solidFill>
+                <a:srgbClr val="24292E"/>
+              </a:solidFill>
+              <a:latin typeface="-apple-system"/>
+            </a:endParaRPr>
+          </a:p>
+        </p:txBody>
+      </p:sp>
+      <p:sp>
+        <p:nvSpPr>
+          <p:cNvPr id="12" name="Retângulo 11">
+            <a:extLst>
+              <a:ext uri="{FF2B5EF4-FFF2-40B4-BE49-F238E27FC236}">
+                <a16:creationId xmlns:a16="http://schemas.microsoft.com/office/drawing/2014/main" id="{2224F4AA-C062-4679-A5AF-AC89BA7BE717}"/>
+              </a:ext>
+            </a:extLst>
+          </p:cNvPr>
+          <p:cNvSpPr/>
+          <p:nvPr/>
+        </p:nvSpPr>
+        <p:spPr>
+          <a:xfrm>
+            <a:off x="5964502" y="2946037"/>
+            <a:ext cx="2839416" cy="584775"/>
+          </a:xfrm>
+          <a:prstGeom prst="rect">
+            <a:avLst/>
+          </a:prstGeom>
+        </p:spPr>
+        <p:txBody>
+          <a:bodyPr wrap="square">
+            <a:spAutoFit/>
+          </a:bodyPr>
+          <a:lstStyle/>
+          <a:p>
+            <a:r>
+              <a:rPr lang="pt-PT" sz="1600" dirty="0">
+                <a:highlight>
+                  <a:srgbClr val="FFFF00"/>
+                </a:highlight>
+              </a:rPr>
+              <a:t>O ficheiro que vai ser lido é passado como argumento</a:t>
+            </a:r>
+          </a:p>
+        </p:txBody>
+      </p:sp>
+      <p:sp>
+        <p:nvSpPr>
+          <p:cNvPr id="13" name="CaixaDeTexto 12">
+            <a:extLst>
+              <a:ext uri="{FF2B5EF4-FFF2-40B4-BE49-F238E27FC236}">
+                <a16:creationId xmlns:a16="http://schemas.microsoft.com/office/drawing/2014/main" id="{A8B49FDB-033C-4C9E-AFF4-994536B71DEB}"/>
+              </a:ext>
+            </a:extLst>
+          </p:cNvPr>
+          <p:cNvSpPr txBox="1"/>
+          <p:nvPr/>
+        </p:nvSpPr>
+        <p:spPr>
+          <a:xfrm>
+            <a:off x="5964502" y="3637737"/>
+            <a:ext cx="1314591" cy="369332"/>
+          </a:xfrm>
+          <a:prstGeom prst="rect">
+            <a:avLst/>
+          </a:prstGeom>
+          <a:noFill/>
+        </p:spPr>
+        <p:txBody>
+          <a:bodyPr wrap="square" rtlCol="0">
+            <a:spAutoFit/>
+          </a:bodyPr>
+          <a:lstStyle/>
+          <a:p>
+            <a:pPr algn="ctr"/>
+            <a:r>
+              <a:rPr lang="pt-PT" b="1" dirty="0">
+                <a:solidFill>
+                  <a:srgbClr val="24292E"/>
+                </a:solidFill>
+                <a:latin typeface="-apple-system"/>
+              </a:rPr>
+              <a:t>Input File</a:t>
+            </a:r>
+          </a:p>
+        </p:txBody>
+      </p:sp>
+      <p:sp>
+        <p:nvSpPr>
+          <p:cNvPr id="15" name="Seta: Para Baixo 14">
+            <a:extLst>
+              <a:ext uri="{FF2B5EF4-FFF2-40B4-BE49-F238E27FC236}">
+                <a16:creationId xmlns:a16="http://schemas.microsoft.com/office/drawing/2014/main" id="{808C9531-BAAE-4BF7-B920-2AAF3B3B7407}"/>
+              </a:ext>
+            </a:extLst>
+          </p:cNvPr>
+          <p:cNvSpPr/>
+          <p:nvPr/>
+        </p:nvSpPr>
+        <p:spPr>
+          <a:xfrm>
+            <a:off x="3979176" y="4177584"/>
+            <a:ext cx="1184337" cy="755883"/>
+          </a:xfrm>
+          <a:prstGeom prst="downArrow">
+            <a:avLst>
+              <a:gd name="adj1" fmla="val 71972"/>
+              <a:gd name="adj2" fmla="val 39966"/>
+            </a:avLst>
+          </a:prstGeom>
+        </p:spPr>
+        <p:style>
+          <a:lnRef idx="2">
+            <a:schemeClr val="accent1">
+              <a:shade val="50000"/>
+            </a:schemeClr>
+          </a:lnRef>
+          <a:fillRef idx="1">
+            <a:schemeClr val="accent1"/>
+          </a:fillRef>
+          <a:effectRef idx="0">
+            <a:schemeClr val="accent1"/>
+          </a:effectRef>
+          <a:fontRef idx="minor">
+            <a:schemeClr val="lt1"/>
+          </a:fontRef>
+        </p:style>
+        <p:txBody>
+          <a:bodyPr rtlCol="0" anchor="ctr"/>
+          <a:lstStyle/>
+          <a:p>
+            <a:pPr algn="ctr"/>
+            <a:r>
+              <a:rPr lang="pt-PT" dirty="0" err="1"/>
+              <a:t>Tagger</a:t>
+            </a:r>
+            <a:endParaRPr lang="pt-PT" dirty="0"/>
+          </a:p>
+          <a:p>
+            <a:pPr algn="ctr"/>
+            <a:r>
               <a:rPr lang="pt-PT" dirty="0"/>
-              <a:t>Objetivo</a:t>
+              <a:t>(NLTK)</a:t>
+            </a:r>
+          </a:p>
+        </p:txBody>
+      </p:sp>
+      <p:cxnSp>
+        <p:nvCxnSpPr>
+          <p:cNvPr id="5" name="Conexão: Ângulo Reto 4">
+            <a:extLst>
+              <a:ext uri="{FF2B5EF4-FFF2-40B4-BE49-F238E27FC236}">
+                <a16:creationId xmlns:a16="http://schemas.microsoft.com/office/drawing/2014/main" id="{0B892ECB-7337-498D-9E6A-16752557048F}"/>
+              </a:ext>
+            </a:extLst>
+          </p:cNvPr>
+          <p:cNvCxnSpPr>
+            <a:cxnSpLocks/>
+            <a:stCxn id="13" idx="1"/>
+            <a:endCxn id="15" idx="0"/>
+          </p:cNvCxnSpPr>
+          <p:nvPr/>
+        </p:nvCxnSpPr>
+        <p:spPr>
+          <a:xfrm rot="10800000" flipV="1">
+            <a:off x="4571346" y="3822402"/>
+            <a:ext cx="1393157" cy="355181"/>
+          </a:xfrm>
+          <a:prstGeom prst="bentConnector2">
+            <a:avLst/>
+          </a:prstGeom>
+          <a:ln>
+            <a:tailEnd type="triangle"/>
+          </a:ln>
+        </p:spPr>
+        <p:style>
+          <a:lnRef idx="1">
+            <a:schemeClr val="accent1"/>
+          </a:lnRef>
+          <a:fillRef idx="0">
+            <a:schemeClr val="accent1"/>
+          </a:fillRef>
+          <a:effectRef idx="0">
+            <a:schemeClr val="accent1"/>
+          </a:effectRef>
+          <a:fontRef idx="minor">
+            <a:schemeClr val="tx1"/>
+          </a:fontRef>
+        </p:style>
+      </p:cxnSp>
+      <p:cxnSp>
+        <p:nvCxnSpPr>
+          <p:cNvPr id="7" name="Conexão: Ângulo Reto 6">
+            <a:extLst>
+              <a:ext uri="{FF2B5EF4-FFF2-40B4-BE49-F238E27FC236}">
+                <a16:creationId xmlns:a16="http://schemas.microsoft.com/office/drawing/2014/main" id="{F8E5F2F7-A630-413E-AA0E-F2FB892EC6CB}"/>
+              </a:ext>
+            </a:extLst>
+          </p:cNvPr>
+          <p:cNvCxnSpPr>
+            <a:cxnSpLocks/>
+            <a:stCxn id="10" idx="2"/>
+            <a:endCxn id="15" idx="0"/>
+          </p:cNvCxnSpPr>
+          <p:nvPr/>
+        </p:nvCxnSpPr>
+        <p:spPr>
+          <a:xfrm rot="16200000" flipH="1">
+            <a:off x="4209487" y="3815725"/>
+            <a:ext cx="723715" cy="1"/>
+          </a:xfrm>
+          <a:prstGeom prst="bentConnector3">
+            <a:avLst/>
+          </a:prstGeom>
+          <a:ln>
+            <a:tailEnd type="triangle"/>
+          </a:ln>
+        </p:spPr>
+        <p:style>
+          <a:lnRef idx="1">
+            <a:schemeClr val="accent1"/>
+          </a:lnRef>
+          <a:fillRef idx="0">
+            <a:schemeClr val="accent1"/>
+          </a:fillRef>
+          <a:effectRef idx="0">
+            <a:schemeClr val="accent1"/>
+          </a:effectRef>
+          <a:fontRef idx="minor">
+            <a:schemeClr val="tx1"/>
+          </a:fontRef>
+        </p:style>
+      </p:cxnSp>
+      <p:sp>
+        <p:nvSpPr>
+          <p:cNvPr id="33" name="CaixaDeTexto 32">
+            <a:extLst>
+              <a:ext uri="{FF2B5EF4-FFF2-40B4-BE49-F238E27FC236}">
+                <a16:creationId xmlns:a16="http://schemas.microsoft.com/office/drawing/2014/main" id="{09DE6F56-E316-4390-8DF1-3825B878A5FB}"/>
+              </a:ext>
+            </a:extLst>
+          </p:cNvPr>
+          <p:cNvSpPr txBox="1"/>
+          <p:nvPr/>
+        </p:nvSpPr>
+        <p:spPr>
+          <a:xfrm>
+            <a:off x="3938277" y="5103983"/>
+            <a:ext cx="1266132" cy="369332"/>
+          </a:xfrm>
+          <a:prstGeom prst="rect">
+            <a:avLst/>
+          </a:prstGeom>
+          <a:noFill/>
+        </p:spPr>
+        <p:txBody>
+          <a:bodyPr wrap="square" rtlCol="0">
+            <a:spAutoFit/>
+          </a:bodyPr>
+          <a:lstStyle/>
+          <a:p>
+            <a:pPr algn="ctr"/>
+            <a:r>
+              <a:rPr lang="pt-PT" b="1" dirty="0" err="1"/>
+              <a:t>Tagged</a:t>
+            </a:r>
+            <a:r>
+              <a:rPr lang="pt-PT" b="1" dirty="0"/>
+              <a:t> File</a:t>
+            </a:r>
+          </a:p>
+        </p:txBody>
+      </p:sp>
+      <p:sp>
+        <p:nvSpPr>
+          <p:cNvPr id="34" name="CaixaDeTexto 33">
+            <a:extLst>
+              <a:ext uri="{FF2B5EF4-FFF2-40B4-BE49-F238E27FC236}">
+                <a16:creationId xmlns:a16="http://schemas.microsoft.com/office/drawing/2014/main" id="{B14BC43E-4680-49F6-BD93-BAFB089FC678}"/>
+              </a:ext>
+            </a:extLst>
+          </p:cNvPr>
+          <p:cNvSpPr txBox="1"/>
+          <p:nvPr/>
+        </p:nvSpPr>
+        <p:spPr>
+          <a:xfrm>
+            <a:off x="1098322" y="3393706"/>
+            <a:ext cx="1141526" cy="369332"/>
+          </a:xfrm>
+          <a:prstGeom prst="rect">
+            <a:avLst/>
+          </a:prstGeom>
+          <a:noFill/>
+        </p:spPr>
+        <p:txBody>
+          <a:bodyPr wrap="square" rtlCol="0">
+            <a:spAutoFit/>
+          </a:bodyPr>
+          <a:lstStyle/>
+          <a:p>
+            <a:pPr algn="ctr"/>
+            <a:r>
+              <a:rPr lang="pt-PT" dirty="0"/>
+              <a:t>Grafo.png</a:t>
+            </a:r>
+          </a:p>
+        </p:txBody>
+      </p:sp>
+      <p:sp>
+        <p:nvSpPr>
+          <p:cNvPr id="35" name="CaixaDeTexto 34">
+            <a:extLst>
+              <a:ext uri="{FF2B5EF4-FFF2-40B4-BE49-F238E27FC236}">
+                <a16:creationId xmlns:a16="http://schemas.microsoft.com/office/drawing/2014/main" id="{D85BBBED-B9B6-4A34-B9F8-896B15C1FCE9}"/>
+              </a:ext>
+            </a:extLst>
+          </p:cNvPr>
+          <p:cNvSpPr txBox="1"/>
+          <p:nvPr/>
+        </p:nvSpPr>
+        <p:spPr>
+          <a:xfrm>
+            <a:off x="685800" y="4724400"/>
+            <a:ext cx="2133600" cy="1200329"/>
+          </a:xfrm>
+          <a:prstGeom prst="rect">
+            <a:avLst/>
+          </a:prstGeom>
+          <a:noFill/>
+        </p:spPr>
+        <p:txBody>
+          <a:bodyPr wrap="square" rtlCol="0">
+            <a:spAutoFit/>
+          </a:bodyPr>
+          <a:lstStyle/>
+          <a:p>
+            <a:pPr algn="ctr"/>
+            <a:r>
+              <a:rPr lang="pt-PT" dirty="0"/>
+              <a:t>Lista de triplos, com par </a:t>
+            </a:r>
+            <a:r>
+              <a:rPr lang="pt-PT" dirty="0" err="1"/>
+              <a:t>NProps</a:t>
+            </a:r>
+            <a:r>
+              <a:rPr lang="pt-PT" dirty="0"/>
+              <a:t> e nº </a:t>
+            </a:r>
+            <a:r>
+              <a:rPr lang="pt-PT" dirty="0" err="1"/>
+              <a:t>occorrencias</a:t>
+            </a:r>
+            <a:r>
+              <a:rPr lang="pt-PT" dirty="0"/>
+              <a:t> na mesma frase</a:t>
+            </a:r>
+          </a:p>
+        </p:txBody>
+      </p:sp>
+      <p:sp>
+        <p:nvSpPr>
+          <p:cNvPr id="25" name="Seta: Para Cima 24">
+            <a:extLst>
+              <a:ext uri="{FF2B5EF4-FFF2-40B4-BE49-F238E27FC236}">
+                <a16:creationId xmlns:a16="http://schemas.microsoft.com/office/drawing/2014/main" id="{F80C6E8E-0068-43D2-8ECE-D0D987B3DFBA}"/>
+              </a:ext>
+            </a:extLst>
+          </p:cNvPr>
+          <p:cNvSpPr/>
+          <p:nvPr/>
+        </p:nvSpPr>
+        <p:spPr>
+          <a:xfrm>
+            <a:off x="961000" y="3902577"/>
+            <a:ext cx="1416170" cy="830270"/>
+          </a:xfrm>
+          <a:prstGeom prst="upArrow">
+            <a:avLst>
+              <a:gd name="adj1" fmla="val 66995"/>
+              <a:gd name="adj2" fmla="val 48760"/>
+            </a:avLst>
+          </a:prstGeom>
+        </p:spPr>
+        <p:style>
+          <a:lnRef idx="2">
+            <a:schemeClr val="accent1">
+              <a:shade val="50000"/>
+            </a:schemeClr>
+          </a:lnRef>
+          <a:fillRef idx="1">
+            <a:schemeClr val="accent1"/>
+          </a:fillRef>
+          <a:effectRef idx="0">
+            <a:schemeClr val="accent1"/>
+          </a:effectRef>
+          <a:fontRef idx="minor">
+            <a:schemeClr val="lt1"/>
+          </a:fontRef>
+        </p:style>
+        <p:txBody>
+          <a:bodyPr rtlCol="0" anchor="ctr"/>
+          <a:lstStyle/>
+          <a:p>
+            <a:pPr algn="ctr"/>
+            <a:r>
+              <a:rPr lang="pt-PT" dirty="0"/>
+              <a:t>Gerar grafo</a:t>
             </a:r>
           </a:p>
         </p:txBody>

--- a/SPLN/tp2/apresSPLN.pptx
+++ b/SPLN/tp2/apresSPLN.pptx
@@ -5,7 +5,7 @@
     <p:sldMasterId id="2147483648" r:id="rId1"/>
   </p:sldMasterIdLst>
   <p:notesMasterIdLst>
-    <p:notesMasterId r:id="rId17"/>
+    <p:notesMasterId r:id="rId18"/>
   </p:notesMasterIdLst>
   <p:sldIdLst>
     <p:sldId id="256" r:id="rId2"/>
@@ -20,9 +20,10 @@
     <p:sldId id="307" r:id="rId11"/>
     <p:sldId id="306" r:id="rId12"/>
     <p:sldId id="309" r:id="rId13"/>
-    <p:sldId id="312" r:id="rId14"/>
-    <p:sldId id="311" r:id="rId15"/>
-    <p:sldId id="313" r:id="rId16"/>
+    <p:sldId id="314" r:id="rId14"/>
+    <p:sldId id="312" r:id="rId15"/>
+    <p:sldId id="311" r:id="rId16"/>
+    <p:sldId id="313" r:id="rId17"/>
   </p:sldIdLst>
   <p:sldSz cx="9144000" cy="6858000" type="screen4x3"/>
   <p:notesSz cx="9144000" cy="6858000"/>
@@ -785,6 +786,99 @@
           <a:bodyPr/>
           <a:lstStyle/>
           <a:p>
+            <a:r>
+              <a:rPr lang="pt-PT" dirty="0"/>
+              <a:t>-Carlos e maria personagens principais</a:t>
+            </a:r>
+          </a:p>
+          <a:p>
+            <a:r>
+              <a:rPr lang="pt-PT" dirty="0"/>
+              <a:t>-Toda a gente tem interações com o Carlos</a:t>
+            </a:r>
+          </a:p>
+        </p:txBody>
+      </p:sp>
+      <p:sp>
+        <p:nvSpPr>
+          <p:cNvPr id="4" name="Marcador de Posição do Número do Diapositivo 3"/>
+          <p:cNvSpPr>
+            <a:spLocks noGrp="1"/>
+          </p:cNvSpPr>
+          <p:nvPr>
+            <p:ph type="sldNum" sz="quarter" idx="5"/>
+          </p:nvPr>
+        </p:nvSpPr>
+        <p:spPr/>
+        <p:txBody>
+          <a:bodyPr/>
+          <a:lstStyle/>
+          <a:p>
+            <a:fld id="{62C9FF69-D9AD-48B5-8D39-7AA42039F77D}" type="slidenum">
+              <a:rPr lang="pt-PT" smtClean="0"/>
+              <a:t>15</a:t>
+            </a:fld>
+            <a:endParaRPr lang="pt-PT"/>
+          </a:p>
+        </p:txBody>
+      </p:sp>
+    </p:spTree>
+    <p:extLst>
+      <p:ext uri="{BB962C8B-B14F-4D97-AF65-F5344CB8AC3E}">
+        <p14:creationId xmlns:p14="http://schemas.microsoft.com/office/powerpoint/2010/main" val="2453390385"/>
+      </p:ext>
+    </p:extLst>
+  </p:cSld>
+  <p:clrMapOvr>
+    <a:masterClrMapping/>
+  </p:clrMapOvr>
+</p:notes>
+</file>
+
+<file path=ppt/notesSlides/notesSlide13.xml><?xml version="1.0" encoding="utf-8"?>
+<p:notes xmlns:a="http://schemas.openxmlformats.org/drawingml/2006/main" xmlns:r="http://schemas.openxmlformats.org/officeDocument/2006/relationships" xmlns:p="http://schemas.openxmlformats.org/presentationml/2006/main">
+  <p:cSld>
+    <p:spTree>
+      <p:nvGrpSpPr>
+        <p:cNvPr id="1" name=""/>
+        <p:cNvGrpSpPr/>
+        <p:nvPr/>
+      </p:nvGrpSpPr>
+      <p:grpSpPr>
+        <a:xfrm>
+          <a:off x="0" y="0"/>
+          <a:ext cx="0" cy="0"/>
+          <a:chOff x="0" y="0"/>
+          <a:chExt cx="0" cy="0"/>
+        </a:xfrm>
+      </p:grpSpPr>
+      <p:sp>
+        <p:nvSpPr>
+          <p:cNvPr id="2" name="Marcador de Posição da Imagem do Diapositivo 1"/>
+          <p:cNvSpPr>
+            <a:spLocks noGrp="1" noRot="1" noChangeAspect="1"/>
+          </p:cNvSpPr>
+          <p:nvPr>
+            <p:ph type="sldImg"/>
+          </p:nvPr>
+        </p:nvSpPr>
+        <p:spPr/>
+      </p:sp>
+      <p:sp>
+        <p:nvSpPr>
+          <p:cNvPr id="3" name="Marcador de Posição de Notas 2"/>
+          <p:cNvSpPr>
+            <a:spLocks noGrp="1"/>
+          </p:cNvSpPr>
+          <p:nvPr>
+            <p:ph type="body" idx="1"/>
+          </p:nvPr>
+        </p:nvSpPr>
+        <p:spPr/>
+        <p:txBody>
+          <a:bodyPr/>
+          <a:lstStyle/>
+          <a:p>
             <a:endParaRPr lang="pt-PT" b="1" u="sng" dirty="0"/>
           </a:p>
         </p:txBody>
@@ -806,7 +900,7 @@
           <a:p>
             <a:fld id="{62C9FF69-D9AD-48B5-8D39-7AA42039F77D}" type="slidenum">
               <a:rPr lang="pt-PT" smtClean="0"/>
-              <a:t>15</a:t>
+              <a:t>16</a:t>
             </a:fld>
             <a:endParaRPr lang="pt-PT"/>
           </a:p>
@@ -4182,7 +4276,7 @@
         <p:spPr>
           <a:xfrm>
             <a:off x="5594703" y="3337335"/>
-            <a:ext cx="990600" cy="461665"/>
+            <a:ext cx="990600" cy="400110"/>
           </a:xfrm>
           <a:prstGeom prst="rect">
             <a:avLst/>
@@ -4196,7 +4290,10 @@
           <a:lstStyle/>
           <a:p>
             <a:r>
-              <a:rPr lang="pt-PT" sz="2400" dirty="0"/>
+              <a:rPr lang="pt-PT" sz="2000" dirty="0">
+                <a:latin typeface="Arial" panose="020B0604020202020204" pitchFamily="34" charset="0"/>
+                <a:cs typeface="Arial" panose="020B0604020202020204" pitchFamily="34" charset="0"/>
+              </a:rPr>
               <a:t>X = 30</a:t>
             </a:r>
           </a:p>
@@ -4824,7 +4921,7 @@
         <p:spPr>
           <a:xfrm>
             <a:off x="6629400" y="4069646"/>
-            <a:ext cx="990600" cy="461665"/>
+            <a:ext cx="990600" cy="400110"/>
           </a:xfrm>
           <a:prstGeom prst="rect">
             <a:avLst/>
@@ -4838,7 +4935,10 @@
           <a:lstStyle/>
           <a:p>
             <a:r>
-              <a:rPr lang="pt-PT" sz="2400" dirty="0"/>
+              <a:rPr lang="pt-PT" sz="2000" dirty="0">
+                <a:latin typeface="Arial" panose="020B0604020202020204" pitchFamily="34" charset="0"/>
+                <a:cs typeface="Arial" panose="020B0604020202020204" pitchFamily="34" charset="0"/>
+              </a:rPr>
               <a:t>X = 40</a:t>
             </a:r>
           </a:p>
@@ -5001,6 +5101,829 @@
         </p:nvSpPr>
         <p:spPr>
           <a:xfrm>
+            <a:off x="3414947" y="203235"/>
+            <a:ext cx="2312790" cy="461023"/>
+          </a:xfrm>
+          <a:prstGeom prst="rect">
+            <a:avLst/>
+          </a:prstGeom>
+        </p:spPr>
+        <p:txBody>
+          <a:bodyPr vert="horz" wrap="square" lIns="0" tIns="14604" rIns="0" bIns="0" rtlCol="0">
+            <a:spAutoFit/>
+          </a:bodyPr>
+          <a:lstStyle/>
+          <a:p>
+            <a:pPr marL="12700" algn="l">
+              <a:lnSpc>
+                <a:spcPct val="100000"/>
+              </a:lnSpc>
+              <a:spcBef>
+                <a:spcPts val="114"/>
+              </a:spcBef>
+            </a:pPr>
+            <a:r>
+              <a:rPr lang="pt-PT" spc="-185" dirty="0">
+                <a:solidFill>
+                  <a:srgbClr val="2C647C"/>
+                </a:solidFill>
+              </a:rPr>
+              <a:t>Exemplo NLP</a:t>
+            </a:r>
+            <a:endParaRPr spc="-185" dirty="0">
+              <a:solidFill>
+                <a:srgbClr val="2C647C"/>
+              </a:solidFill>
+            </a:endParaRPr>
+          </a:p>
+        </p:txBody>
+      </p:sp>
+      <p:grpSp>
+        <p:nvGrpSpPr>
+          <p:cNvPr id="22" name="Agrupar 21">
+            <a:extLst>
+              <a:ext uri="{FF2B5EF4-FFF2-40B4-BE49-F238E27FC236}">
+                <a16:creationId xmlns:a16="http://schemas.microsoft.com/office/drawing/2014/main" id="{7C409C3D-A195-4E80-9BD8-14E9CC32EBA7}"/>
+              </a:ext>
+            </a:extLst>
+          </p:cNvPr>
+          <p:cNvGrpSpPr/>
+          <p:nvPr/>
+        </p:nvGrpSpPr>
+        <p:grpSpPr>
+          <a:xfrm>
+            <a:off x="990600" y="1524000"/>
+            <a:ext cx="6602098" cy="3203256"/>
+            <a:chOff x="1015409" y="1636806"/>
+            <a:chExt cx="6602098" cy="3203256"/>
+          </a:xfrm>
+        </p:grpSpPr>
+        <p:sp>
+          <p:nvSpPr>
+            <p:cNvPr id="24" name="Retângulo: Cantos Arredondados 23">
+              <a:extLst>
+                <a:ext uri="{FF2B5EF4-FFF2-40B4-BE49-F238E27FC236}">
+                  <a16:creationId xmlns:a16="http://schemas.microsoft.com/office/drawing/2014/main" id="{67799B5E-F5CB-4194-8069-DC5F3E4FC05F}"/>
+                </a:ext>
+              </a:extLst>
+            </p:cNvPr>
+            <p:cNvSpPr/>
+            <p:nvPr/>
+          </p:nvSpPr>
+          <p:spPr>
+            <a:xfrm>
+              <a:off x="4419600" y="2995483"/>
+              <a:ext cx="1225234" cy="433517"/>
+            </a:xfrm>
+            <a:prstGeom prst="roundRect">
+              <a:avLst/>
+            </a:prstGeom>
+            <a:solidFill>
+              <a:schemeClr val="bg1"/>
+            </a:solidFill>
+            <a:ln>
+              <a:noFill/>
+            </a:ln>
+          </p:spPr>
+          <p:style>
+            <a:lnRef idx="2">
+              <a:schemeClr val="accent1">
+                <a:shade val="50000"/>
+              </a:schemeClr>
+            </a:lnRef>
+            <a:fillRef idx="1">
+              <a:schemeClr val="accent1"/>
+            </a:fillRef>
+            <a:effectRef idx="0">
+              <a:schemeClr val="accent1"/>
+            </a:effectRef>
+            <a:fontRef idx="minor">
+              <a:schemeClr val="lt1"/>
+            </a:fontRef>
+          </p:style>
+          <p:txBody>
+            <a:bodyPr rtlCol="0" anchor="ctr"/>
+            <a:lstStyle/>
+            <a:p>
+              <a:pPr algn="ctr"/>
+              <a:r>
+                <a:rPr lang="pt-PT" sz="1700" dirty="0" err="1">
+                  <a:solidFill>
+                    <a:srgbClr val="24292E"/>
+                  </a:solidFill>
+                  <a:latin typeface="Arial" panose="020B0604020202020204" pitchFamily="34" charset="0"/>
+                  <a:cs typeface="Arial" panose="020B0604020202020204" pitchFamily="34" charset="0"/>
+                </a:rPr>
+                <a:t>Taggers</a:t>
+              </a:r>
+              <a:endParaRPr lang="pt-PT" sz="1700" dirty="0">
+                <a:latin typeface="Arial" panose="020B0604020202020204" pitchFamily="34" charset="0"/>
+                <a:cs typeface="Arial" panose="020B0604020202020204" pitchFamily="34" charset="0"/>
+              </a:endParaRPr>
+            </a:p>
+          </p:txBody>
+        </p:sp>
+        <p:sp>
+          <p:nvSpPr>
+            <p:cNvPr id="19" name="Retângulo: Cantos Arredondados 18">
+              <a:extLst>
+                <a:ext uri="{FF2B5EF4-FFF2-40B4-BE49-F238E27FC236}">
+                  <a16:creationId xmlns:a16="http://schemas.microsoft.com/office/drawing/2014/main" id="{7317BA18-E65D-4908-B05E-FE9D13B4EFC5}"/>
+                </a:ext>
+              </a:extLst>
+            </p:cNvPr>
+            <p:cNvSpPr/>
+            <p:nvPr/>
+          </p:nvSpPr>
+          <p:spPr>
+            <a:xfrm>
+              <a:off x="1015409" y="1636806"/>
+              <a:ext cx="3657600" cy="453517"/>
+            </a:xfrm>
+            <a:prstGeom prst="roundRect">
+              <a:avLst/>
+            </a:prstGeom>
+            <a:solidFill>
+              <a:schemeClr val="bg1"/>
+            </a:solidFill>
+            <a:ln>
+              <a:noFill/>
+            </a:ln>
+          </p:spPr>
+          <p:style>
+            <a:lnRef idx="2">
+              <a:schemeClr val="accent1">
+                <a:shade val="50000"/>
+              </a:schemeClr>
+            </a:lnRef>
+            <a:fillRef idx="1">
+              <a:schemeClr val="accent1"/>
+            </a:fillRef>
+            <a:effectRef idx="0">
+              <a:schemeClr val="accent1"/>
+            </a:effectRef>
+            <a:fontRef idx="minor">
+              <a:schemeClr val="lt1"/>
+            </a:fontRef>
+          </p:style>
+          <p:txBody>
+            <a:bodyPr rtlCol="0" anchor="ctr"/>
+            <a:lstStyle/>
+            <a:p>
+              <a:pPr algn="ctr"/>
+              <a:r>
+                <a:rPr lang="pt-PT" sz="1700" dirty="0">
+                  <a:solidFill>
+                    <a:srgbClr val="24292E"/>
+                  </a:solidFill>
+                  <a:latin typeface="Arial" panose="020B0604020202020204" pitchFamily="34" charset="0"/>
+                  <a:cs typeface="Arial" panose="020B0604020202020204" pitchFamily="34" charset="0"/>
+                </a:rPr>
+                <a:t>CETEMPublicoAnotado2019.txt</a:t>
+              </a:r>
+              <a:endParaRPr lang="pt-PT" sz="1700" dirty="0">
+                <a:latin typeface="Arial" panose="020B0604020202020204" pitchFamily="34" charset="0"/>
+                <a:cs typeface="Arial" panose="020B0604020202020204" pitchFamily="34" charset="0"/>
+              </a:endParaRPr>
+            </a:p>
+          </p:txBody>
+        </p:sp>
+        <p:sp>
+          <p:nvSpPr>
+            <p:cNvPr id="37" name="Retângulo: Cantos Arredondados 36">
+              <a:extLst>
+                <a:ext uri="{FF2B5EF4-FFF2-40B4-BE49-F238E27FC236}">
+                  <a16:creationId xmlns:a16="http://schemas.microsoft.com/office/drawing/2014/main" id="{90242432-F64E-4D2D-9918-B3A85814DE48}"/>
+                </a:ext>
+              </a:extLst>
+            </p:cNvPr>
+            <p:cNvSpPr/>
+            <p:nvPr/>
+          </p:nvSpPr>
+          <p:spPr>
+            <a:xfrm>
+              <a:off x="5450991" y="3714236"/>
+              <a:ext cx="1225234" cy="433517"/>
+            </a:xfrm>
+            <a:prstGeom prst="roundRect">
+              <a:avLst/>
+            </a:prstGeom>
+            <a:solidFill>
+              <a:schemeClr val="bg1"/>
+            </a:solidFill>
+            <a:ln>
+              <a:noFill/>
+            </a:ln>
+          </p:spPr>
+          <p:style>
+            <a:lnRef idx="2">
+              <a:schemeClr val="accent1">
+                <a:shade val="50000"/>
+              </a:schemeClr>
+            </a:lnRef>
+            <a:fillRef idx="1">
+              <a:schemeClr val="accent1"/>
+            </a:fillRef>
+            <a:effectRef idx="0">
+              <a:schemeClr val="accent1"/>
+            </a:effectRef>
+            <a:fontRef idx="minor">
+              <a:schemeClr val="lt1"/>
+            </a:fontRef>
+          </p:style>
+          <p:txBody>
+            <a:bodyPr rtlCol="0" anchor="ctr"/>
+            <a:lstStyle/>
+            <a:p>
+              <a:pPr algn="ctr"/>
+              <a:r>
+                <a:rPr lang="pt-PT" sz="1700" dirty="0">
+                  <a:solidFill>
+                    <a:srgbClr val="24292E"/>
+                  </a:solidFill>
+                  <a:latin typeface="Arial" panose="020B0604020202020204" pitchFamily="34" charset="0"/>
+                  <a:cs typeface="Arial" panose="020B0604020202020204" pitchFamily="34" charset="0"/>
+                </a:rPr>
+                <a:t>NLTK</a:t>
+              </a:r>
+              <a:endParaRPr lang="pt-PT" sz="1700" dirty="0">
+                <a:latin typeface="Arial" panose="020B0604020202020204" pitchFamily="34" charset="0"/>
+                <a:cs typeface="Arial" panose="020B0604020202020204" pitchFamily="34" charset="0"/>
+              </a:endParaRPr>
+            </a:p>
+          </p:txBody>
+        </p:sp>
+        <p:sp>
+          <p:nvSpPr>
+            <p:cNvPr id="40" name="Retângulo: Cantos Arredondados 39">
+              <a:extLst>
+                <a:ext uri="{FF2B5EF4-FFF2-40B4-BE49-F238E27FC236}">
+                  <a16:creationId xmlns:a16="http://schemas.microsoft.com/office/drawing/2014/main" id="{97549BDB-8C8C-482F-8B13-2258E5A14951}"/>
+                </a:ext>
+              </a:extLst>
+            </p:cNvPr>
+            <p:cNvSpPr/>
+            <p:nvPr/>
+          </p:nvSpPr>
+          <p:spPr>
+            <a:xfrm>
+              <a:off x="3193885" y="3747224"/>
+              <a:ext cx="1225234" cy="433517"/>
+            </a:xfrm>
+            <a:prstGeom prst="roundRect">
+              <a:avLst/>
+            </a:prstGeom>
+            <a:solidFill>
+              <a:schemeClr val="bg1"/>
+            </a:solidFill>
+            <a:ln>
+              <a:noFill/>
+            </a:ln>
+          </p:spPr>
+          <p:style>
+            <a:lnRef idx="2">
+              <a:schemeClr val="accent1">
+                <a:shade val="50000"/>
+              </a:schemeClr>
+            </a:lnRef>
+            <a:fillRef idx="1">
+              <a:schemeClr val="accent1"/>
+            </a:fillRef>
+            <a:effectRef idx="0">
+              <a:schemeClr val="accent1"/>
+            </a:effectRef>
+            <a:fontRef idx="minor">
+              <a:schemeClr val="lt1"/>
+            </a:fontRef>
+          </p:style>
+          <p:txBody>
+            <a:bodyPr rtlCol="0" anchor="ctr"/>
+            <a:lstStyle/>
+            <a:p>
+              <a:pPr algn="ctr"/>
+              <a:r>
+                <a:rPr lang="pt-PT" sz="1700" dirty="0">
+                  <a:solidFill>
+                    <a:schemeClr val="tx1"/>
+                  </a:solidFill>
+                  <a:latin typeface="Arial" panose="020B0604020202020204" pitchFamily="34" charset="0"/>
+                  <a:cs typeface="Arial" panose="020B0604020202020204" pitchFamily="34" charset="0"/>
+                </a:rPr>
+                <a:t>Input</a:t>
+              </a:r>
+            </a:p>
+          </p:txBody>
+        </p:sp>
+        <p:sp>
+          <p:nvSpPr>
+            <p:cNvPr id="41" name="Retângulo: Cantos Arredondados 40">
+              <a:extLst>
+                <a:ext uri="{FF2B5EF4-FFF2-40B4-BE49-F238E27FC236}">
+                  <a16:creationId xmlns:a16="http://schemas.microsoft.com/office/drawing/2014/main" id="{89CB29B0-E542-45BD-9284-D598C05B6642}"/>
+                </a:ext>
+              </a:extLst>
+            </p:cNvPr>
+            <p:cNvSpPr/>
+            <p:nvPr/>
+          </p:nvSpPr>
+          <p:spPr>
+            <a:xfrm>
+              <a:off x="6544673" y="4406545"/>
+              <a:ext cx="1072834" cy="433517"/>
+            </a:xfrm>
+            <a:prstGeom prst="roundRect">
+              <a:avLst/>
+            </a:prstGeom>
+            <a:solidFill>
+              <a:schemeClr val="bg1"/>
+            </a:solidFill>
+            <a:ln>
+              <a:noFill/>
+            </a:ln>
+          </p:spPr>
+          <p:style>
+            <a:lnRef idx="2">
+              <a:schemeClr val="accent1">
+                <a:shade val="50000"/>
+              </a:schemeClr>
+            </a:lnRef>
+            <a:fillRef idx="1">
+              <a:schemeClr val="accent1"/>
+            </a:fillRef>
+            <a:effectRef idx="0">
+              <a:schemeClr val="accent1"/>
+            </a:effectRef>
+            <a:fontRef idx="minor">
+              <a:schemeClr val="lt1"/>
+            </a:fontRef>
+          </p:style>
+          <p:txBody>
+            <a:bodyPr rtlCol="0" anchor="ctr"/>
+            <a:lstStyle/>
+            <a:p>
+              <a:pPr algn="ctr"/>
+              <a:r>
+                <a:rPr lang="pt-PT" sz="1700" dirty="0" err="1">
+                  <a:solidFill>
+                    <a:schemeClr val="tx1"/>
+                  </a:solidFill>
+                  <a:latin typeface="Arial" panose="020B0604020202020204" pitchFamily="34" charset="0"/>
+                  <a:cs typeface="Arial" panose="020B0604020202020204" pitchFamily="34" charset="0"/>
+                </a:rPr>
+                <a:t>Tagged</a:t>
+              </a:r>
+              <a:endParaRPr lang="pt-PT" sz="1700" dirty="0">
+                <a:solidFill>
+                  <a:schemeClr val="tx1"/>
+                </a:solidFill>
+                <a:latin typeface="Arial" panose="020B0604020202020204" pitchFamily="34" charset="0"/>
+                <a:cs typeface="Arial" panose="020B0604020202020204" pitchFamily="34" charset="0"/>
+              </a:endParaRPr>
+            </a:p>
+          </p:txBody>
+        </p:sp>
+        <p:sp>
+          <p:nvSpPr>
+            <p:cNvPr id="11" name="Seta: Em Ângulo 10">
+              <a:extLst>
+                <a:ext uri="{FF2B5EF4-FFF2-40B4-BE49-F238E27FC236}">
+                  <a16:creationId xmlns:a16="http://schemas.microsoft.com/office/drawing/2014/main" id="{8A7D409D-0D7A-4598-B063-8F6FD74EE9D6}"/>
+                </a:ext>
+              </a:extLst>
+            </p:cNvPr>
+            <p:cNvSpPr/>
+            <p:nvPr/>
+          </p:nvSpPr>
+          <p:spPr>
+            <a:xfrm rot="10800000" flipH="1">
+              <a:off x="2844209" y="2098772"/>
+              <a:ext cx="451129" cy="606419"/>
+            </a:xfrm>
+            <a:prstGeom prst="bentArrow">
+              <a:avLst/>
+            </a:prstGeom>
+            <a:solidFill>
+              <a:srgbClr val="FFC000"/>
+            </a:solidFill>
+            <a:ln>
+              <a:solidFill>
+                <a:srgbClr val="FFC000"/>
+              </a:solidFill>
+            </a:ln>
+          </p:spPr>
+          <p:style>
+            <a:lnRef idx="2">
+              <a:schemeClr val="accent1">
+                <a:shade val="50000"/>
+              </a:schemeClr>
+            </a:lnRef>
+            <a:fillRef idx="1">
+              <a:schemeClr val="accent1"/>
+            </a:fillRef>
+            <a:effectRef idx="0">
+              <a:schemeClr val="accent1"/>
+            </a:effectRef>
+            <a:fontRef idx="minor">
+              <a:schemeClr val="lt1"/>
+            </a:fontRef>
+          </p:style>
+          <p:txBody>
+            <a:bodyPr rtlCol="0" anchor="ctr"/>
+            <a:lstStyle/>
+            <a:p>
+              <a:pPr algn="ctr"/>
+              <a:endParaRPr lang="pt-PT" dirty="0">
+                <a:solidFill>
+                  <a:schemeClr val="tx1"/>
+                </a:solidFill>
+              </a:endParaRPr>
+            </a:p>
+          </p:txBody>
+        </p:sp>
+        <p:sp>
+          <p:nvSpPr>
+            <p:cNvPr id="43" name="Seta: Em Ângulo 42">
+              <a:extLst>
+                <a:ext uri="{FF2B5EF4-FFF2-40B4-BE49-F238E27FC236}">
+                  <a16:creationId xmlns:a16="http://schemas.microsoft.com/office/drawing/2014/main" id="{2C110059-EE68-454D-B6E0-0E4B182E5C2B}"/>
+                </a:ext>
+              </a:extLst>
+            </p:cNvPr>
+            <p:cNvSpPr/>
+            <p:nvPr/>
+          </p:nvSpPr>
+          <p:spPr>
+            <a:xfrm rot="10800000" flipH="1">
+              <a:off x="3934221" y="2743292"/>
+              <a:ext cx="451129" cy="606419"/>
+            </a:xfrm>
+            <a:prstGeom prst="bentArrow">
+              <a:avLst/>
+            </a:prstGeom>
+            <a:solidFill>
+              <a:srgbClr val="FFC000"/>
+            </a:solidFill>
+            <a:ln>
+              <a:solidFill>
+                <a:srgbClr val="FFC000"/>
+              </a:solidFill>
+            </a:ln>
+          </p:spPr>
+          <p:style>
+            <a:lnRef idx="2">
+              <a:schemeClr val="accent1">
+                <a:shade val="50000"/>
+              </a:schemeClr>
+            </a:lnRef>
+            <a:fillRef idx="1">
+              <a:schemeClr val="accent1"/>
+            </a:fillRef>
+            <a:effectRef idx="0">
+              <a:schemeClr val="accent1"/>
+            </a:effectRef>
+            <a:fontRef idx="minor">
+              <a:schemeClr val="lt1"/>
+            </a:fontRef>
+          </p:style>
+          <p:txBody>
+            <a:bodyPr rtlCol="0" anchor="ctr"/>
+            <a:lstStyle/>
+            <a:p>
+              <a:pPr algn="ctr"/>
+              <a:endParaRPr lang="pt-PT" dirty="0">
+                <a:solidFill>
+                  <a:schemeClr val="tx1"/>
+                </a:solidFill>
+              </a:endParaRPr>
+            </a:p>
+          </p:txBody>
+        </p:sp>
+        <p:sp>
+          <p:nvSpPr>
+            <p:cNvPr id="44" name="Seta: Em Ângulo 43">
+              <a:extLst>
+                <a:ext uri="{FF2B5EF4-FFF2-40B4-BE49-F238E27FC236}">
+                  <a16:creationId xmlns:a16="http://schemas.microsoft.com/office/drawing/2014/main" id="{B736B8C0-C624-424B-A780-C24B47311D4F}"/>
+                </a:ext>
+              </a:extLst>
+            </p:cNvPr>
+            <p:cNvSpPr/>
+            <p:nvPr/>
+          </p:nvSpPr>
+          <p:spPr>
+            <a:xfrm rot="10800000" flipH="1">
+              <a:off x="4969715" y="3444014"/>
+              <a:ext cx="451129" cy="606419"/>
+            </a:xfrm>
+            <a:prstGeom prst="bentArrow">
+              <a:avLst/>
+            </a:prstGeom>
+            <a:solidFill>
+              <a:srgbClr val="FFC000"/>
+            </a:solidFill>
+            <a:ln>
+              <a:solidFill>
+                <a:srgbClr val="FFC000"/>
+              </a:solidFill>
+            </a:ln>
+          </p:spPr>
+          <p:style>
+            <a:lnRef idx="2">
+              <a:schemeClr val="accent1">
+                <a:shade val="50000"/>
+              </a:schemeClr>
+            </a:lnRef>
+            <a:fillRef idx="1">
+              <a:schemeClr val="accent1"/>
+            </a:fillRef>
+            <a:effectRef idx="0">
+              <a:schemeClr val="accent1"/>
+            </a:effectRef>
+            <a:fontRef idx="minor">
+              <a:schemeClr val="lt1"/>
+            </a:fontRef>
+          </p:style>
+          <p:txBody>
+            <a:bodyPr rtlCol="0" anchor="ctr"/>
+            <a:lstStyle/>
+            <a:p>
+              <a:pPr algn="ctr"/>
+              <a:endParaRPr lang="pt-PT" dirty="0">
+                <a:solidFill>
+                  <a:schemeClr val="tx1"/>
+                </a:solidFill>
+              </a:endParaRPr>
+            </a:p>
+          </p:txBody>
+        </p:sp>
+        <p:sp>
+          <p:nvSpPr>
+            <p:cNvPr id="45" name="Seta: Para a Direita 44">
+              <a:extLst>
+                <a:ext uri="{FF2B5EF4-FFF2-40B4-BE49-F238E27FC236}">
+                  <a16:creationId xmlns:a16="http://schemas.microsoft.com/office/drawing/2014/main" id="{70698016-70BD-41DE-88BA-F70C759D6294}"/>
+                </a:ext>
+              </a:extLst>
+            </p:cNvPr>
+            <p:cNvSpPr/>
+            <p:nvPr/>
+          </p:nvSpPr>
+          <p:spPr>
+            <a:xfrm rot="10800000" flipH="1">
+              <a:off x="4437442" y="3832900"/>
+              <a:ext cx="983401" cy="211351"/>
+            </a:xfrm>
+            <a:prstGeom prst="rightArrow">
+              <a:avLst>
+                <a:gd name="adj1" fmla="val 50000"/>
+                <a:gd name="adj2" fmla="val 50000"/>
+              </a:avLst>
+            </a:prstGeom>
+            <a:solidFill>
+              <a:srgbClr val="FFC000"/>
+            </a:solidFill>
+            <a:ln>
+              <a:solidFill>
+                <a:srgbClr val="FFC000"/>
+              </a:solidFill>
+            </a:ln>
+          </p:spPr>
+          <p:style>
+            <a:lnRef idx="2">
+              <a:schemeClr val="accent1">
+                <a:shade val="50000"/>
+              </a:schemeClr>
+            </a:lnRef>
+            <a:fillRef idx="1">
+              <a:schemeClr val="accent1"/>
+            </a:fillRef>
+            <a:effectRef idx="0">
+              <a:schemeClr val="accent1"/>
+            </a:effectRef>
+            <a:fontRef idx="minor">
+              <a:schemeClr val="lt1"/>
+            </a:fontRef>
+          </p:style>
+          <p:txBody>
+            <a:bodyPr rtlCol="0" anchor="ctr"/>
+            <a:lstStyle/>
+            <a:p>
+              <a:pPr algn="ctr"/>
+              <a:endParaRPr lang="pt-PT"/>
+            </a:p>
+          </p:txBody>
+        </p:sp>
+        <p:sp>
+          <p:nvSpPr>
+            <p:cNvPr id="17" name="CaixaDeTexto 16">
+              <a:extLst>
+                <a:ext uri="{FF2B5EF4-FFF2-40B4-BE49-F238E27FC236}">
+                  <a16:creationId xmlns:a16="http://schemas.microsoft.com/office/drawing/2014/main" id="{11DBD10D-3474-4B89-9BED-63BF04C532FE}"/>
+                </a:ext>
+              </a:extLst>
+            </p:cNvPr>
+            <p:cNvSpPr txBox="1"/>
+            <p:nvPr/>
+          </p:nvSpPr>
+          <p:spPr>
+            <a:xfrm rot="5400000">
+              <a:off x="4895757" y="3744019"/>
+              <a:ext cx="261138" cy="137168"/>
+            </a:xfrm>
+            <a:prstGeom prst="rect">
+              <a:avLst/>
+            </a:prstGeom>
+            <a:solidFill>
+              <a:srgbClr val="FFC000"/>
+            </a:solidFill>
+            <a:ln>
+              <a:solidFill>
+                <a:srgbClr val="FFC000"/>
+              </a:solidFill>
+            </a:ln>
+          </p:spPr>
+          <p:txBody>
+            <a:bodyPr wrap="square" rtlCol="0">
+              <a:spAutoFit/>
+            </a:bodyPr>
+            <a:lstStyle/>
+            <a:p>
+              <a:endParaRPr lang="pt-PT" dirty="0"/>
+            </a:p>
+          </p:txBody>
+        </p:sp>
+        <p:sp>
+          <p:nvSpPr>
+            <p:cNvPr id="47" name="Seta: Em Ângulo 46">
+              <a:extLst>
+                <a:ext uri="{FF2B5EF4-FFF2-40B4-BE49-F238E27FC236}">
+                  <a16:creationId xmlns:a16="http://schemas.microsoft.com/office/drawing/2014/main" id="{861F6532-75F3-4D5E-9F89-8062585B90B8}"/>
+                </a:ext>
+              </a:extLst>
+            </p:cNvPr>
+            <p:cNvSpPr/>
+            <p:nvPr/>
+          </p:nvSpPr>
+          <p:spPr>
+            <a:xfrm rot="10800000" flipH="1">
+              <a:off x="6063608" y="4156379"/>
+              <a:ext cx="451129" cy="606419"/>
+            </a:xfrm>
+            <a:prstGeom prst="bentArrow">
+              <a:avLst/>
+            </a:prstGeom>
+            <a:solidFill>
+              <a:srgbClr val="FFC000"/>
+            </a:solidFill>
+            <a:ln>
+              <a:solidFill>
+                <a:srgbClr val="FFC000"/>
+              </a:solidFill>
+            </a:ln>
+          </p:spPr>
+          <p:style>
+            <a:lnRef idx="2">
+              <a:schemeClr val="accent1">
+                <a:shade val="50000"/>
+              </a:schemeClr>
+            </a:lnRef>
+            <a:fillRef idx="1">
+              <a:schemeClr val="accent1"/>
+            </a:fillRef>
+            <a:effectRef idx="0">
+              <a:schemeClr val="accent1"/>
+            </a:effectRef>
+            <a:fontRef idx="minor">
+              <a:schemeClr val="lt1"/>
+            </a:fontRef>
+          </p:style>
+          <p:txBody>
+            <a:bodyPr rtlCol="0" anchor="ctr"/>
+            <a:lstStyle/>
+            <a:p>
+              <a:pPr algn="ctr"/>
+              <a:endParaRPr lang="pt-PT" dirty="0">
+                <a:solidFill>
+                  <a:schemeClr val="tx1"/>
+                </a:solidFill>
+              </a:endParaRPr>
+            </a:p>
+          </p:txBody>
+        </p:sp>
+        <p:sp>
+          <p:nvSpPr>
+            <p:cNvPr id="48" name="Retângulo: Cantos Arredondados 47">
+              <a:extLst>
+                <a:ext uri="{FF2B5EF4-FFF2-40B4-BE49-F238E27FC236}">
+                  <a16:creationId xmlns:a16="http://schemas.microsoft.com/office/drawing/2014/main" id="{37355C73-FA68-4D50-BCC2-A78BB26E73B1}"/>
+                </a:ext>
+              </a:extLst>
+            </p:cNvPr>
+            <p:cNvSpPr/>
+            <p:nvPr/>
+          </p:nvSpPr>
+          <p:spPr>
+            <a:xfrm>
+              <a:off x="3321604" y="2403117"/>
+              <a:ext cx="1225234" cy="386500"/>
+            </a:xfrm>
+            <a:prstGeom prst="roundRect">
+              <a:avLst/>
+            </a:prstGeom>
+            <a:solidFill>
+              <a:schemeClr val="bg1"/>
+            </a:solidFill>
+            <a:ln>
+              <a:noFill/>
+            </a:ln>
+          </p:spPr>
+          <p:style>
+            <a:lnRef idx="2">
+              <a:schemeClr val="accent1">
+                <a:shade val="50000"/>
+              </a:schemeClr>
+            </a:lnRef>
+            <a:fillRef idx="1">
+              <a:schemeClr val="accent1"/>
+            </a:fillRef>
+            <a:effectRef idx="0">
+              <a:schemeClr val="accent1"/>
+            </a:effectRef>
+            <a:fontRef idx="minor">
+              <a:schemeClr val="lt1"/>
+            </a:fontRef>
+          </p:style>
+          <p:txBody>
+            <a:bodyPr rtlCol="0" anchor="ctr"/>
+            <a:lstStyle/>
+            <a:p>
+              <a:pPr algn="ctr"/>
+              <a:r>
+                <a:rPr lang="pt-PT" sz="1700" dirty="0">
+                  <a:solidFill>
+                    <a:srgbClr val="24292E"/>
+                  </a:solidFill>
+                  <a:latin typeface="Arial" panose="020B0604020202020204" pitchFamily="34" charset="0"/>
+                  <a:cs typeface="Arial" panose="020B0604020202020204" pitchFamily="34" charset="0"/>
+                </a:rPr>
+                <a:t>Pickle</a:t>
+              </a:r>
+              <a:endParaRPr lang="pt-PT" sz="1700" dirty="0">
+                <a:latin typeface="Arial" panose="020B0604020202020204" pitchFamily="34" charset="0"/>
+                <a:cs typeface="Arial" panose="020B0604020202020204" pitchFamily="34" charset="0"/>
+              </a:endParaRPr>
+            </a:p>
+          </p:txBody>
+        </p:sp>
+      </p:grpSp>
+    </p:spTree>
+    <p:extLst>
+      <p:ext uri="{BB962C8B-B14F-4D97-AF65-F5344CB8AC3E}">
+        <p14:creationId xmlns:p14="http://schemas.microsoft.com/office/powerpoint/2010/main" val="1090889626"/>
+      </p:ext>
+    </p:extLst>
+  </p:cSld>
+  <p:clrMapOvr>
+    <a:masterClrMapping/>
+  </p:clrMapOvr>
+</p:sld>
+</file>
+
+<file path=ppt/slides/slide13.xml><?xml version="1.0" encoding="utf-8"?>
+<p:sld xmlns:a="http://schemas.openxmlformats.org/drawingml/2006/main" xmlns:r="http://schemas.openxmlformats.org/officeDocument/2006/relationships" xmlns:p="http://schemas.openxmlformats.org/presentationml/2006/main" show="0">
+  <p:cSld>
+    <p:spTree>
+      <p:nvGrpSpPr>
+        <p:cNvPr id="1" name=""/>
+        <p:cNvGrpSpPr/>
+        <p:nvPr/>
+      </p:nvGrpSpPr>
+      <p:grpSpPr>
+        <a:xfrm>
+          <a:off x="0" y="0"/>
+          <a:ext cx="0" cy="0"/>
+          <a:chOff x="0" y="0"/>
+          <a:chExt cx="0" cy="0"/>
+        </a:xfrm>
+      </p:grpSpPr>
+      <p:sp>
+        <p:nvSpPr>
+          <p:cNvPr id="3" name="object 2">
+            <a:extLst>
+              <a:ext uri="{FF2B5EF4-FFF2-40B4-BE49-F238E27FC236}">
+                <a16:creationId xmlns:a16="http://schemas.microsoft.com/office/drawing/2014/main" id="{6F0730CB-7564-49D9-9E3D-721F27D4FBB3}"/>
+              </a:ext>
+            </a:extLst>
+          </p:cNvPr>
+          <p:cNvSpPr txBox="1">
+            <a:spLocks noGrp="1"/>
+          </p:cNvSpPr>
+          <p:nvPr>
+            <p:ph type="title"/>
+          </p:nvPr>
+        </p:nvSpPr>
+        <p:spPr>
+          <a:xfrm>
             <a:off x="3415605" y="228600"/>
             <a:ext cx="2312790" cy="461023"/>
           </a:xfrm>
@@ -5819,7 +6742,7 @@
     </p:spTree>
     <p:extLst>
       <p:ext uri="{BB962C8B-B14F-4D97-AF65-F5344CB8AC3E}">
-        <p14:creationId xmlns:p14="http://schemas.microsoft.com/office/powerpoint/2010/main" val="1090889626"/>
+        <p14:creationId xmlns:p14="http://schemas.microsoft.com/office/powerpoint/2010/main" val="1310878658"/>
       </p:ext>
     </p:extLst>
   </p:cSld>
@@ -5829,7 +6752,7 @@
 </p:sld>
 </file>
 
-<file path=ppt/slides/slide13.xml><?xml version="1.0" encoding="utf-8"?>
+<file path=ppt/slides/slide14.xml><?xml version="1.0" encoding="utf-8"?>
 <p:sld xmlns:a="http://schemas.openxmlformats.org/drawingml/2006/main" xmlns:r="http://schemas.openxmlformats.org/officeDocument/2006/relationships" xmlns:p="http://schemas.openxmlformats.org/presentationml/2006/main">
   <p:cSld>
     <p:spTree>
@@ -5864,7 +6787,7 @@
         </p:nvSpPr>
         <p:spPr>
           <a:xfrm>
-            <a:off x="3415605" y="228600"/>
+            <a:off x="3415605" y="186296"/>
             <a:ext cx="2312790" cy="461023"/>
           </a:xfrm>
           <a:prstGeom prst="rect">
@@ -5893,161 +6816,98 @@
           </a:p>
         </p:txBody>
       </p:sp>
-      <p:pic>
-        <p:nvPicPr>
-          <p:cNvPr id="6146" name="Picture 2" descr="Resultado de imagem para os maias">
+      <p:sp>
+        <p:nvSpPr>
+          <p:cNvPr id="11" name="Retângulo: Cantos Arredondados 10">
             <a:extLst>
               <a:ext uri="{FF2B5EF4-FFF2-40B4-BE49-F238E27FC236}">
-                <a16:creationId xmlns:a16="http://schemas.microsoft.com/office/drawing/2014/main" id="{BC7CDF10-F2C6-4FE0-B7EA-47427D658E3A}"/>
+                <a16:creationId xmlns:a16="http://schemas.microsoft.com/office/drawing/2014/main" id="{CE8B535E-C11B-42CC-8AF0-817625F9A7B6}"/>
               </a:ext>
             </a:extLst>
           </p:cNvPr>
-          <p:cNvPicPr>
-            <a:picLocks noChangeAspect="1" noChangeArrowheads="1"/>
-          </p:cNvPicPr>
+          <p:cNvSpPr/>
           <p:nvPr/>
-        </p:nvPicPr>
-        <p:blipFill>
-          <a:blip r:embed="rId2">
-            <a:extLst>
-              <a:ext uri="{28A0092B-C50C-407E-A947-70E740481C1C}">
-                <a14:useLocalDpi xmlns:a14="http://schemas.microsoft.com/office/drawing/2010/main" val="0"/>
-              </a:ext>
-            </a:extLst>
-          </a:blip>
-          <a:srcRect/>
-          <a:stretch>
-            <a:fillRect/>
-          </a:stretch>
-        </p:blipFill>
-        <p:spPr bwMode="auto">
-          <a:xfrm>
-            <a:off x="7010400" y="110491"/>
-            <a:ext cx="1981200" cy="3318509"/>
-          </a:xfrm>
-          <a:prstGeom prst="rect">
+        </p:nvSpPr>
+        <p:spPr>
+          <a:xfrm>
+            <a:off x="992700" y="1678879"/>
+            <a:ext cx="7290308" cy="1004092"/>
+          </a:xfrm>
+          <a:prstGeom prst="roundRect">
             <a:avLst/>
           </a:prstGeom>
-          <a:noFill/>
-          <a:extLst>
-            <a:ext uri="{909E8E84-426E-40DD-AFC4-6F175D3DCCD1}">
-              <a14:hiddenFill xmlns:a14="http://schemas.microsoft.com/office/drawing/2010/main">
-                <a:solidFill>
-                  <a:srgbClr val="FFFFFF"/>
-                </a:solidFill>
-              </a14:hiddenFill>
-            </a:ext>
-          </a:extLst>
-        </p:spPr>
-      </p:pic>
-      <p:grpSp>
-        <p:nvGrpSpPr>
-          <p:cNvPr id="22" name="Agrupar 21">
+          <a:solidFill>
+            <a:schemeClr val="bg1"/>
+          </a:solidFill>
+          <a:ln>
+            <a:noFill/>
+          </a:ln>
+        </p:spPr>
+        <p:style>
+          <a:lnRef idx="2">
+            <a:schemeClr val="accent1">
+              <a:shade val="50000"/>
+            </a:schemeClr>
+          </a:lnRef>
+          <a:fillRef idx="1">
+            <a:schemeClr val="accent1"/>
+          </a:fillRef>
+          <a:effectRef idx="0">
+            <a:schemeClr val="accent1"/>
+          </a:effectRef>
+          <a:fontRef idx="minor">
+            <a:schemeClr val="lt1"/>
+          </a:fontRef>
+        </p:style>
+        <p:txBody>
+          <a:bodyPr rtlCol="0" anchor="ctr"/>
+          <a:lstStyle/>
+          <a:p>
+            <a:pPr algn="ctr"/>
+            <a:endParaRPr lang="pt-PT" dirty="0"/>
+          </a:p>
+        </p:txBody>
+      </p:sp>
+      <p:sp>
+        <p:nvSpPr>
+          <p:cNvPr id="6" name="CaixaDeTexto 5">
             <a:extLst>
               <a:ext uri="{FF2B5EF4-FFF2-40B4-BE49-F238E27FC236}">
-                <a16:creationId xmlns:a16="http://schemas.microsoft.com/office/drawing/2014/main" id="{C20DF14E-AF9E-4340-81D2-597A0BF3C6A3}"/>
+                <a16:creationId xmlns:a16="http://schemas.microsoft.com/office/drawing/2014/main" id="{FD3EAE69-1D1D-44BF-B81D-EC70B6F51F35}"/>
               </a:ext>
             </a:extLst>
           </p:cNvPr>
-          <p:cNvGrpSpPr/>
+          <p:cNvSpPr txBox="1"/>
           <p:nvPr/>
-        </p:nvGrpSpPr>
-        <p:grpSpPr>
-          <a:xfrm>
-            <a:off x="2514600" y="1371600"/>
-            <a:ext cx="2772561" cy="688607"/>
-            <a:chOff x="1266038" y="1444956"/>
-            <a:chExt cx="2772561" cy="688607"/>
-          </a:xfrm>
-        </p:grpSpPr>
-        <p:sp>
-          <p:nvSpPr>
-            <p:cNvPr id="11" name="Retângulo: Cantos Arredondados 10">
-              <a:extLst>
-                <a:ext uri="{FF2B5EF4-FFF2-40B4-BE49-F238E27FC236}">
-                  <a16:creationId xmlns:a16="http://schemas.microsoft.com/office/drawing/2014/main" id="{CE8B535E-C11B-42CC-8AF0-817625F9A7B6}"/>
-                </a:ext>
-              </a:extLst>
-            </p:cNvPr>
-            <p:cNvSpPr/>
-            <p:nvPr/>
-          </p:nvSpPr>
-          <p:spPr>
-            <a:xfrm>
-              <a:off x="1266038" y="1444956"/>
-              <a:ext cx="2772561" cy="688607"/>
-            </a:xfrm>
-            <a:prstGeom prst="roundRect">
-              <a:avLst/>
-            </a:prstGeom>
-            <a:solidFill>
-              <a:schemeClr val="bg1"/>
-            </a:solidFill>
-            <a:ln>
-              <a:noFill/>
-            </a:ln>
-          </p:spPr>
-          <p:style>
-            <a:lnRef idx="2">
-              <a:schemeClr val="accent1">
-                <a:shade val="50000"/>
-              </a:schemeClr>
-            </a:lnRef>
-            <a:fillRef idx="1">
-              <a:schemeClr val="accent1"/>
-            </a:fillRef>
-            <a:effectRef idx="0">
-              <a:schemeClr val="accent1"/>
-            </a:effectRef>
-            <a:fontRef idx="minor">
-              <a:schemeClr val="lt1"/>
-            </a:fontRef>
-          </p:style>
-          <p:txBody>
-            <a:bodyPr rtlCol="0" anchor="ctr"/>
-            <a:lstStyle/>
-            <a:p>
-              <a:pPr algn="ctr"/>
-              <a:endParaRPr lang="pt-PT"/>
-            </a:p>
-          </p:txBody>
-        </p:sp>
-        <p:sp>
-          <p:nvSpPr>
-            <p:cNvPr id="6" name="CaixaDeTexto 5">
-              <a:extLst>
-                <a:ext uri="{FF2B5EF4-FFF2-40B4-BE49-F238E27FC236}">
-                  <a16:creationId xmlns:a16="http://schemas.microsoft.com/office/drawing/2014/main" id="{FD3EAE69-1D1D-44BF-B81D-EC70B6F51F35}"/>
-                </a:ext>
-              </a:extLst>
-            </p:cNvPr>
-            <p:cNvSpPr txBox="1"/>
-            <p:nvPr/>
-          </p:nvSpPr>
-          <p:spPr>
-            <a:xfrm>
-              <a:off x="1447800" y="1613309"/>
-              <a:ext cx="2514600" cy="369332"/>
-            </a:xfrm>
-            <a:prstGeom prst="rect">
-              <a:avLst/>
-            </a:prstGeom>
-            <a:noFill/>
-          </p:spPr>
-          <p:txBody>
-            <a:bodyPr wrap="square" rtlCol="0">
-              <a:spAutoFit/>
-            </a:bodyPr>
-            <a:lstStyle/>
-            <a:p>
-              <a:r>
-                <a:rPr lang="pt-PT" dirty="0"/>
-                <a:t>&gt;&gt;&gt; A Maria viu o Carlos.</a:t>
-              </a:r>
-            </a:p>
-          </p:txBody>
-        </p:sp>
-      </p:grpSp>
+        </p:nvSpPr>
+        <p:spPr>
+          <a:xfrm>
+            <a:off x="1210721" y="1817063"/>
+            <a:ext cx="6960707" cy="923330"/>
+          </a:xfrm>
+          <a:prstGeom prst="rect">
+            <a:avLst/>
+          </a:prstGeom>
+          <a:noFill/>
+        </p:spPr>
+        <p:txBody>
+          <a:bodyPr wrap="square" rtlCol="0">
+            <a:spAutoFit/>
+          </a:bodyPr>
+          <a:lstStyle/>
+          <a:p>
+            <a:pPr algn="just"/>
+            <a:r>
+              <a:rPr lang="pt-PT" dirty="0"/>
+              <a:t>&gt;&gt;&gt; Maria Eduarda! Era a primeira vez que Carlos ouvia o nome dela; e pareceu-lhe perfeito, condizendo bem com a sua beleza serena. </a:t>
+            </a:r>
+          </a:p>
+          <a:p>
+            <a:pPr algn="just"/>
+            <a:endParaRPr lang="pt-PT" dirty="0"/>
+          </a:p>
+        </p:txBody>
+      </p:sp>
       <p:grpSp>
         <p:nvGrpSpPr>
           <p:cNvPr id="21" name="Agrupar 20">
@@ -6062,7 +6922,7 @@
         </p:nvGrpSpPr>
         <p:grpSpPr>
           <a:xfrm>
-            <a:off x="2574668" y="2538541"/>
+            <a:off x="3193006" y="3084697"/>
             <a:ext cx="2757987" cy="688606"/>
             <a:chOff x="1834341" y="2727787"/>
             <a:chExt cx="1722407" cy="440724"/>
@@ -6388,454 +7248,53 @@
           </p:txBody>
         </p:sp>
       </p:grpSp>
-      <p:grpSp>
-        <p:nvGrpSpPr>
-          <p:cNvPr id="23" name="Agrupar 22">
+      <p:pic>
+        <p:nvPicPr>
+          <p:cNvPr id="6146" name="Picture 2" descr="Resultado de imagem para os maias">
             <a:extLst>
               <a:ext uri="{FF2B5EF4-FFF2-40B4-BE49-F238E27FC236}">
-                <a16:creationId xmlns:a16="http://schemas.microsoft.com/office/drawing/2014/main" id="{4906BC67-0028-4B33-AC6A-C486E28B52F3}"/>
+                <a16:creationId xmlns:a16="http://schemas.microsoft.com/office/drawing/2014/main" id="{BC7CDF10-F2C6-4FE0-B7EA-47427D658E3A}"/>
               </a:ext>
             </a:extLst>
           </p:cNvPr>
-          <p:cNvGrpSpPr/>
+          <p:cNvPicPr>
+            <a:picLocks noChangeAspect="1" noChangeArrowheads="1"/>
+          </p:cNvPicPr>
           <p:nvPr/>
-        </p:nvGrpSpPr>
-        <p:grpSpPr>
-          <a:xfrm>
-            <a:off x="2593450" y="3813577"/>
-            <a:ext cx="2772561" cy="688607"/>
-            <a:chOff x="1266038" y="1444956"/>
-            <a:chExt cx="2772561" cy="688607"/>
-          </a:xfrm>
-        </p:grpSpPr>
-        <p:sp>
-          <p:nvSpPr>
-            <p:cNvPr id="24" name="Retângulo: Cantos Arredondados 23">
-              <a:extLst>
-                <a:ext uri="{FF2B5EF4-FFF2-40B4-BE49-F238E27FC236}">
-                  <a16:creationId xmlns:a16="http://schemas.microsoft.com/office/drawing/2014/main" id="{A32C12FF-3F32-48A6-8ED7-F2C4A9849019}"/>
-                </a:ext>
-              </a:extLst>
-            </p:cNvPr>
-            <p:cNvSpPr/>
-            <p:nvPr/>
-          </p:nvSpPr>
-          <p:spPr>
-            <a:xfrm>
-              <a:off x="1266038" y="1444956"/>
-              <a:ext cx="2772561" cy="688607"/>
-            </a:xfrm>
-            <a:prstGeom prst="roundRect">
-              <a:avLst/>
-            </a:prstGeom>
-            <a:solidFill>
-              <a:schemeClr val="bg1"/>
-            </a:solidFill>
-            <a:ln>
-              <a:noFill/>
-            </a:ln>
-          </p:spPr>
-          <p:style>
-            <a:lnRef idx="2">
-              <a:schemeClr val="accent1">
-                <a:shade val="50000"/>
-              </a:schemeClr>
-            </a:lnRef>
-            <a:fillRef idx="1">
-              <a:schemeClr val="accent1"/>
-            </a:fillRef>
-            <a:effectRef idx="0">
-              <a:schemeClr val="accent1"/>
-            </a:effectRef>
-            <a:fontRef idx="minor">
-              <a:schemeClr val="lt1"/>
-            </a:fontRef>
-          </p:style>
-          <p:txBody>
-            <a:bodyPr rtlCol="0" anchor="ctr"/>
-            <a:lstStyle/>
-            <a:p>
-              <a:pPr algn="ctr"/>
-              <a:endParaRPr lang="pt-PT"/>
-            </a:p>
-          </p:txBody>
-        </p:sp>
-        <p:sp>
-          <p:nvSpPr>
-            <p:cNvPr id="25" name="CaixaDeTexto 24">
-              <a:extLst>
-                <a:ext uri="{FF2B5EF4-FFF2-40B4-BE49-F238E27FC236}">
-                  <a16:creationId xmlns:a16="http://schemas.microsoft.com/office/drawing/2014/main" id="{BA1FA7F1-E390-4C03-BC40-136BFD880F4C}"/>
-                </a:ext>
-              </a:extLst>
-            </p:cNvPr>
-            <p:cNvSpPr txBox="1"/>
-            <p:nvPr/>
-          </p:nvSpPr>
-          <p:spPr>
-            <a:xfrm>
-              <a:off x="1447800" y="1613309"/>
-              <a:ext cx="2514600" cy="369332"/>
-            </a:xfrm>
-            <a:prstGeom prst="rect">
-              <a:avLst/>
-            </a:prstGeom>
-            <a:noFill/>
-          </p:spPr>
-          <p:txBody>
-            <a:bodyPr wrap="square" rtlCol="0">
-              <a:spAutoFit/>
-            </a:bodyPr>
-            <a:lstStyle/>
-            <a:p>
-              <a:r>
-                <a:rPr lang="pt-PT" dirty="0"/>
-                <a:t>Meter frase dos maias</a:t>
-              </a:r>
-            </a:p>
-          </p:txBody>
-        </p:sp>
-      </p:grpSp>
-      <p:grpSp>
-        <p:nvGrpSpPr>
-          <p:cNvPr id="29" name="Agrupar 28">
+        </p:nvPicPr>
+        <p:blipFill>
+          <a:blip r:embed="rId2">
             <a:extLst>
-              <a:ext uri="{FF2B5EF4-FFF2-40B4-BE49-F238E27FC236}">
-                <a16:creationId xmlns:a16="http://schemas.microsoft.com/office/drawing/2014/main" id="{888BF99B-D336-4AA7-8CCB-53856CAB9ACB}"/>
+              <a:ext uri="{28A0092B-C50C-407E-A947-70E740481C1C}">
+                <a14:useLocalDpi xmlns:a14="http://schemas.microsoft.com/office/drawing/2010/main" val="0"/>
               </a:ext>
             </a:extLst>
-          </p:cNvPr>
-          <p:cNvGrpSpPr/>
-          <p:nvPr/>
-        </p:nvGrpSpPr>
-        <p:grpSpPr>
-          <a:xfrm>
-            <a:off x="2653518" y="4980518"/>
-            <a:ext cx="2757987" cy="688606"/>
-            <a:chOff x="1834341" y="2727787"/>
-            <a:chExt cx="1722407" cy="440724"/>
-          </a:xfrm>
-        </p:grpSpPr>
-        <p:grpSp>
-          <p:nvGrpSpPr>
-            <p:cNvPr id="30" name="Agrupar 29">
-              <a:extLst>
-                <a:ext uri="{FF2B5EF4-FFF2-40B4-BE49-F238E27FC236}">
-                  <a16:creationId xmlns:a16="http://schemas.microsoft.com/office/drawing/2014/main" id="{5593B4FE-685B-4E2C-A5FE-C4FA5950F2B4}"/>
-                </a:ext>
-              </a:extLst>
-            </p:cNvPr>
-            <p:cNvGrpSpPr/>
-            <p:nvPr/>
-          </p:nvGrpSpPr>
-          <p:grpSpPr>
-            <a:xfrm>
-              <a:off x="1834341" y="2727787"/>
-              <a:ext cx="1722407" cy="440724"/>
-              <a:chOff x="1834341" y="2727787"/>
-              <a:chExt cx="1722407" cy="440724"/>
-            </a:xfrm>
-          </p:grpSpPr>
-          <p:cxnSp>
-            <p:nvCxnSpPr>
-              <p:cNvPr id="32" name="Conexão reta 31">
-                <a:extLst>
-                  <a:ext uri="{FF2B5EF4-FFF2-40B4-BE49-F238E27FC236}">
-                    <a16:creationId xmlns:a16="http://schemas.microsoft.com/office/drawing/2014/main" id="{212A649C-C1D9-4DDA-BCC4-9B78BBED4B25}"/>
-                  </a:ext>
-                </a:extLst>
-              </p:cNvPr>
-              <p:cNvCxnSpPr>
-                <a:cxnSpLocks/>
-              </p:cNvCxnSpPr>
-              <p:nvPr/>
-            </p:nvCxnSpPr>
-            <p:spPr>
-              <a:xfrm>
-                <a:off x="2264588" y="2948148"/>
-                <a:ext cx="1151017" cy="0"/>
-              </a:xfrm>
-              <a:prstGeom prst="line">
-                <a:avLst/>
-              </a:prstGeom>
-              <a:ln>
+          </a:blip>
+          <a:srcRect/>
+          <a:stretch>
+            <a:fillRect/>
+          </a:stretch>
+        </p:blipFill>
+        <p:spPr bwMode="auto">
+          <a:xfrm>
+            <a:off x="6705600" y="3147700"/>
+            <a:ext cx="1913095" cy="3204433"/>
+          </a:xfrm>
+          <a:prstGeom prst="rect">
+            <a:avLst/>
+          </a:prstGeom>
+          <a:noFill/>
+          <a:extLst>
+            <a:ext uri="{909E8E84-426E-40DD-AFC4-6F175D3DCCD1}">
+              <a14:hiddenFill xmlns:a14="http://schemas.microsoft.com/office/drawing/2010/main">
                 <a:solidFill>
-                  <a:schemeClr val="tx1"/>
+                  <a:srgbClr val="FFFFFF"/>
                 </a:solidFill>
-              </a:ln>
-            </p:spPr>
-            <p:style>
-              <a:lnRef idx="1">
-                <a:schemeClr val="dk1"/>
-              </a:lnRef>
-              <a:fillRef idx="0">
-                <a:schemeClr val="dk1"/>
-              </a:fillRef>
-              <a:effectRef idx="0">
-                <a:schemeClr val="dk1"/>
-              </a:effectRef>
-              <a:fontRef idx="minor">
-                <a:schemeClr val="tx1"/>
-              </a:fontRef>
-            </p:style>
-          </p:cxnSp>
-          <p:grpSp>
-            <p:nvGrpSpPr>
-              <p:cNvPr id="33" name="Agrupar 32">
-                <a:extLst>
-                  <a:ext uri="{FF2B5EF4-FFF2-40B4-BE49-F238E27FC236}">
-                    <a16:creationId xmlns:a16="http://schemas.microsoft.com/office/drawing/2014/main" id="{8707BFD2-81E8-4FA0-A4FD-233C6EF6BBBF}"/>
-                  </a:ext>
-                </a:extLst>
-              </p:cNvPr>
-              <p:cNvGrpSpPr/>
-              <p:nvPr/>
-            </p:nvGrpSpPr>
-            <p:grpSpPr>
-              <a:xfrm>
-                <a:off x="1834341" y="2727787"/>
-                <a:ext cx="506051" cy="440724"/>
-                <a:chOff x="1752600" y="2834936"/>
-                <a:chExt cx="506051" cy="440724"/>
-              </a:xfrm>
-            </p:grpSpPr>
-            <p:sp>
-              <p:nvSpPr>
-                <p:cNvPr id="37" name="Oval 36">
-                  <a:extLst>
-                    <a:ext uri="{FF2B5EF4-FFF2-40B4-BE49-F238E27FC236}">
-                      <a16:creationId xmlns:a16="http://schemas.microsoft.com/office/drawing/2014/main" id="{31014E98-8FFA-4722-AD92-2F15D617DA11}"/>
-                    </a:ext>
-                  </a:extLst>
-                </p:cNvPr>
-                <p:cNvSpPr/>
-                <p:nvPr/>
-              </p:nvSpPr>
-              <p:spPr>
-                <a:xfrm>
-                  <a:off x="1752600" y="2834936"/>
-                  <a:ext cx="450755" cy="440724"/>
-                </a:xfrm>
-                <a:prstGeom prst="ellipse">
-                  <a:avLst/>
-                </a:prstGeom>
-                <a:solidFill>
-                  <a:srgbClr val="00FF00"/>
-                </a:solidFill>
-                <a:ln>
-                  <a:solidFill>
-                    <a:srgbClr val="00FF00"/>
-                  </a:solidFill>
-                </a:ln>
-              </p:spPr>
-              <p:style>
-                <a:lnRef idx="2">
-                  <a:schemeClr val="accent1">
-                    <a:shade val="50000"/>
-                  </a:schemeClr>
-                </a:lnRef>
-                <a:fillRef idx="1">
-                  <a:schemeClr val="accent1"/>
-                </a:fillRef>
-                <a:effectRef idx="0">
-                  <a:schemeClr val="accent1"/>
-                </a:effectRef>
-                <a:fontRef idx="minor">
-                  <a:schemeClr val="lt1"/>
-                </a:fontRef>
-              </p:style>
-              <p:txBody>
-                <a:bodyPr rtlCol="0" anchor="ctr"/>
-                <a:lstStyle/>
-                <a:p>
-                  <a:pPr algn="ctr"/>
-                  <a:endParaRPr lang="pt-PT"/>
-                </a:p>
-              </p:txBody>
-            </p:sp>
-            <p:sp>
-              <p:nvSpPr>
-                <p:cNvPr id="38" name="CaixaDeTexto 37">
-                  <a:extLst>
-                    <a:ext uri="{FF2B5EF4-FFF2-40B4-BE49-F238E27FC236}">
-                      <a16:creationId xmlns:a16="http://schemas.microsoft.com/office/drawing/2014/main" id="{F1C1C8BB-F87B-4EC0-8042-3B02632FC0AB}"/>
-                    </a:ext>
-                  </a:extLst>
-                </p:cNvPr>
-                <p:cNvSpPr txBox="1"/>
-                <p:nvPr/>
-              </p:nvSpPr>
-              <p:spPr>
-                <a:xfrm>
-                  <a:off x="1773088" y="2951880"/>
-                  <a:ext cx="485563" cy="206833"/>
-                </a:xfrm>
-                <a:prstGeom prst="rect">
-                  <a:avLst/>
-                </a:prstGeom>
-                <a:noFill/>
-              </p:spPr>
-              <p:txBody>
-                <a:bodyPr wrap="square" rtlCol="0">
-                  <a:spAutoFit/>
-                </a:bodyPr>
-                <a:lstStyle/>
-                <a:p>
-                  <a:r>
-                    <a:rPr lang="pt-PT" sz="1500" dirty="0"/>
-                    <a:t>Maria</a:t>
-                  </a:r>
-                </a:p>
-              </p:txBody>
-            </p:sp>
-          </p:grpSp>
-          <p:grpSp>
-            <p:nvGrpSpPr>
-              <p:cNvPr id="34" name="Agrupar 33">
-                <a:extLst>
-                  <a:ext uri="{FF2B5EF4-FFF2-40B4-BE49-F238E27FC236}">
-                    <a16:creationId xmlns:a16="http://schemas.microsoft.com/office/drawing/2014/main" id="{A059779D-156D-4345-BB3B-5FDF2BCEA231}"/>
-                  </a:ext>
-                </a:extLst>
-              </p:cNvPr>
-              <p:cNvGrpSpPr/>
-              <p:nvPr/>
-            </p:nvGrpSpPr>
-            <p:grpSpPr>
-              <a:xfrm>
-                <a:off x="3085566" y="2727787"/>
-                <a:ext cx="471182" cy="440724"/>
-                <a:chOff x="2958361" y="2866287"/>
-                <a:chExt cx="471182" cy="440724"/>
-              </a:xfrm>
-            </p:grpSpPr>
-            <p:sp>
-              <p:nvSpPr>
-                <p:cNvPr id="35" name="Oval 34">
-                  <a:extLst>
-                    <a:ext uri="{FF2B5EF4-FFF2-40B4-BE49-F238E27FC236}">
-                      <a16:creationId xmlns:a16="http://schemas.microsoft.com/office/drawing/2014/main" id="{3996AAD8-E7FE-4902-91C5-D1C127307581}"/>
-                    </a:ext>
-                  </a:extLst>
-                </p:cNvPr>
-                <p:cNvSpPr/>
-                <p:nvPr/>
-              </p:nvSpPr>
-              <p:spPr>
-                <a:xfrm>
-                  <a:off x="2958361" y="2866287"/>
-                  <a:ext cx="450755" cy="440724"/>
-                </a:xfrm>
-                <a:prstGeom prst="ellipse">
-                  <a:avLst/>
-                </a:prstGeom>
-                <a:solidFill>
-                  <a:srgbClr val="00FF00"/>
-                </a:solidFill>
-                <a:ln>
-                  <a:solidFill>
-                    <a:srgbClr val="00FF00"/>
-                  </a:solidFill>
-                </a:ln>
-              </p:spPr>
-              <p:style>
-                <a:lnRef idx="2">
-                  <a:schemeClr val="accent1">
-                    <a:shade val="50000"/>
-                  </a:schemeClr>
-                </a:lnRef>
-                <a:fillRef idx="1">
-                  <a:schemeClr val="accent1"/>
-                </a:fillRef>
-                <a:effectRef idx="0">
-                  <a:schemeClr val="accent1"/>
-                </a:effectRef>
-                <a:fontRef idx="minor">
-                  <a:schemeClr val="lt1"/>
-                </a:fontRef>
-              </p:style>
-              <p:txBody>
-                <a:bodyPr rtlCol="0" anchor="ctr"/>
-                <a:lstStyle/>
-                <a:p>
-                  <a:pPr algn="ctr"/>
-                  <a:endParaRPr lang="pt-PT"/>
-                </a:p>
-              </p:txBody>
-            </p:sp>
-            <p:sp>
-              <p:nvSpPr>
-                <p:cNvPr id="36" name="CaixaDeTexto 35">
-                  <a:extLst>
-                    <a:ext uri="{FF2B5EF4-FFF2-40B4-BE49-F238E27FC236}">
-                      <a16:creationId xmlns:a16="http://schemas.microsoft.com/office/drawing/2014/main" id="{5760EAAC-6E14-44D1-9931-9B4B7CDDCD42}"/>
-                    </a:ext>
-                  </a:extLst>
-                </p:cNvPr>
-                <p:cNvSpPr txBox="1"/>
-                <p:nvPr/>
-              </p:nvSpPr>
-              <p:spPr>
-                <a:xfrm>
-                  <a:off x="2978788" y="2983230"/>
-                  <a:ext cx="450755" cy="206833"/>
-                </a:xfrm>
-                <a:prstGeom prst="rect">
-                  <a:avLst/>
-                </a:prstGeom>
-                <a:noFill/>
-              </p:spPr>
-              <p:txBody>
-                <a:bodyPr wrap="square" rtlCol="0">
-                  <a:spAutoFit/>
-                </a:bodyPr>
-                <a:lstStyle/>
-                <a:p>
-                  <a:r>
-                    <a:rPr lang="pt-PT" sz="1500" dirty="0"/>
-                    <a:t>Carlos</a:t>
-                  </a:r>
-                </a:p>
-              </p:txBody>
-            </p:sp>
-          </p:grpSp>
-        </p:grpSp>
-        <p:sp>
-          <p:nvSpPr>
-            <p:cNvPr id="31" name="CaixaDeTexto 30">
-              <a:extLst>
-                <a:ext uri="{FF2B5EF4-FFF2-40B4-BE49-F238E27FC236}">
-                  <a16:creationId xmlns:a16="http://schemas.microsoft.com/office/drawing/2014/main" id="{183DA000-43E3-4F7C-BC13-1DE4785A3E11}"/>
-                </a:ext>
-              </a:extLst>
-            </p:cNvPr>
-            <p:cNvSpPr txBox="1"/>
-            <p:nvPr/>
-          </p:nvSpPr>
-          <p:spPr>
-            <a:xfrm>
-              <a:off x="2600452" y="2757176"/>
-              <a:ext cx="169757" cy="196985"/>
-            </a:xfrm>
-            <a:prstGeom prst="rect">
-              <a:avLst/>
-            </a:prstGeom>
-            <a:noFill/>
-          </p:spPr>
-          <p:txBody>
-            <a:bodyPr wrap="square" rtlCol="0">
-              <a:spAutoFit/>
-            </a:bodyPr>
-            <a:lstStyle/>
-            <a:p>
-              <a:r>
-                <a:rPr lang="pt-PT" sz="1400" dirty="0"/>
-                <a:t>1</a:t>
-              </a:r>
-            </a:p>
-          </p:txBody>
-        </p:sp>
-      </p:grpSp>
+              </a14:hiddenFill>
+            </a:ext>
+          </a:extLst>
+        </p:spPr>
+      </p:pic>
     </p:spTree>
     <p:extLst>
       <p:ext uri="{BB962C8B-B14F-4D97-AF65-F5344CB8AC3E}">
@@ -6849,7 +7308,7 @@
 </p:sld>
 </file>
 
-<file path=ppt/slides/slide14.xml><?xml version="1.0" encoding="utf-8"?>
+<file path=ppt/slides/slide15.xml><?xml version="1.0" encoding="utf-8"?>
 <p:sld xmlns:a="http://schemas.openxmlformats.org/drawingml/2006/main" xmlns:r="http://schemas.openxmlformats.org/officeDocument/2006/relationships" xmlns:p="http://schemas.openxmlformats.org/presentationml/2006/main">
   <p:cSld>
     <p:spTree>
@@ -6980,7 +7439,7 @@
           <p:nvPr/>
         </p:nvPicPr>
         <p:blipFill>
-          <a:blip r:embed="rId2">
+          <a:blip r:embed="rId3">
             <a:extLst>
               <a:ext uri="{28A0092B-C50C-407E-A947-70E740481C1C}">
                 <a14:useLocalDpi xmlns:a14="http://schemas.microsoft.com/office/drawing/2010/main" val="0"/>
@@ -7017,7 +7476,7 @@
 </p:sld>
 </file>
 
-<file path=ppt/slides/slide15.xml><?xml version="1.0" encoding="utf-8"?>
+<file path=ppt/slides/slide16.xml><?xml version="1.0" encoding="utf-8"?>
 <p:sld xmlns:a="http://schemas.openxmlformats.org/drawingml/2006/main" xmlns:r="http://schemas.openxmlformats.org/officeDocument/2006/relationships" xmlns:p="http://schemas.openxmlformats.org/presentationml/2006/main">
   <p:cSld>
     <p:spTree>
@@ -13001,8 +13460,8 @@
         </p:nvSpPr>
         <p:spPr>
           <a:xfrm>
-            <a:off x="3597573" y="1908933"/>
-            <a:ext cx="990600" cy="461665"/>
+            <a:off x="3597572" y="1908933"/>
+            <a:ext cx="1279227" cy="400110"/>
           </a:xfrm>
           <a:prstGeom prst="rect">
             <a:avLst/>
@@ -13016,7 +13475,10 @@
           <a:lstStyle/>
           <a:p>
             <a:r>
-              <a:rPr lang="pt-PT" sz="2400" dirty="0"/>
+              <a:rPr lang="pt-PT" sz="2000" dirty="0">
+                <a:latin typeface="Arial" panose="020B0604020202020204" pitchFamily="34" charset="0"/>
+                <a:cs typeface="Arial" panose="020B0604020202020204" pitchFamily="34" charset="0"/>
+              </a:rPr>
               <a:t>X = 10</a:t>
             </a:r>
           </a:p>
@@ -13526,7 +13988,7 @@
         <p:spPr>
           <a:xfrm>
             <a:off x="4724400" y="2540825"/>
-            <a:ext cx="990600" cy="461665"/>
+            <a:ext cx="990600" cy="400110"/>
           </a:xfrm>
           <a:prstGeom prst="rect">
             <a:avLst/>
@@ -13540,7 +14002,10 @@
           <a:lstStyle/>
           <a:p>
             <a:r>
-              <a:rPr lang="pt-PT" sz="2400" dirty="0"/>
+              <a:rPr lang="pt-PT" sz="2000" dirty="0">
+                <a:latin typeface="Arial" panose="020B0604020202020204" pitchFamily="34" charset="0"/>
+                <a:cs typeface="Arial" panose="020B0604020202020204" pitchFamily="34" charset="0"/>
+              </a:rPr>
               <a:t>X = 20</a:t>
             </a:r>
           </a:p>

--- a/SPLN/tp2/apresSPLN.pptx
+++ b/SPLN/tp2/apresSPLN.pptx
@@ -5,25 +5,27 @@
     <p:sldMasterId id="2147483648" r:id="rId1"/>
   </p:sldMasterIdLst>
   <p:notesMasterIdLst>
-    <p:notesMasterId r:id="rId18"/>
+    <p:notesMasterId r:id="rId20"/>
   </p:notesMasterIdLst>
   <p:sldIdLst>
     <p:sldId id="256" r:id="rId2"/>
     <p:sldId id="257" r:id="rId3"/>
     <p:sldId id="272" r:id="rId4"/>
-    <p:sldId id="296" r:id="rId5"/>
-    <p:sldId id="297" r:id="rId6"/>
-    <p:sldId id="310" r:id="rId7"/>
-    <p:sldId id="298" r:id="rId8"/>
-    <p:sldId id="308" r:id="rId9"/>
-    <p:sldId id="305" r:id="rId10"/>
-    <p:sldId id="307" r:id="rId11"/>
-    <p:sldId id="306" r:id="rId12"/>
-    <p:sldId id="309" r:id="rId13"/>
-    <p:sldId id="314" r:id="rId14"/>
-    <p:sldId id="312" r:id="rId15"/>
-    <p:sldId id="311" r:id="rId16"/>
-    <p:sldId id="313" r:id="rId17"/>
+    <p:sldId id="315" r:id="rId5"/>
+    <p:sldId id="316" r:id="rId6"/>
+    <p:sldId id="296" r:id="rId7"/>
+    <p:sldId id="297" r:id="rId8"/>
+    <p:sldId id="310" r:id="rId9"/>
+    <p:sldId id="298" r:id="rId10"/>
+    <p:sldId id="308" r:id="rId11"/>
+    <p:sldId id="305" r:id="rId12"/>
+    <p:sldId id="307" r:id="rId13"/>
+    <p:sldId id="306" r:id="rId14"/>
+    <p:sldId id="309" r:id="rId15"/>
+    <p:sldId id="314" r:id="rId16"/>
+    <p:sldId id="312" r:id="rId17"/>
+    <p:sldId id="311" r:id="rId18"/>
+    <p:sldId id="313" r:id="rId19"/>
   </p:sldIdLst>
   <p:sldSz cx="9144000" cy="6858000" type="screen4x3"/>
   <p:notesSz cx="9144000" cy="6858000"/>
@@ -223,7 +225,7 @@
           <a:p>
             <a:fld id="{06D80BC0-DB8E-4343-896B-DB141BAE3B05}" type="datetimeFigureOut">
               <a:rPr lang="pt-PT" smtClean="0"/>
-              <a:t>27/04/2019</a:t>
+              <a:t>28/04/2019</a:t>
             </a:fld>
             <a:endParaRPr lang="pt-PT"/>
           </a:p>
@@ -639,7 +641,7 @@
           <a:p>
             <a:fld id="{62C9FF69-D9AD-48B5-8D39-7AA42039F77D}" type="slidenum">
               <a:rPr lang="pt-PT" smtClean="0"/>
-              <a:t>10</a:t>
+              <a:t>12</a:t>
             </a:fld>
             <a:endParaRPr lang="pt-PT"/>
           </a:p>
@@ -723,7 +725,7 @@
           <a:p>
             <a:fld id="{62C9FF69-D9AD-48B5-8D39-7AA42039F77D}" type="slidenum">
               <a:rPr lang="pt-PT" smtClean="0"/>
-              <a:t>11</a:t>
+              <a:t>13</a:t>
             </a:fld>
             <a:endParaRPr lang="pt-PT"/>
           </a:p>
@@ -816,7 +818,7 @@
           <a:p>
             <a:fld id="{62C9FF69-D9AD-48B5-8D39-7AA42039F77D}" type="slidenum">
               <a:rPr lang="pt-PT" smtClean="0"/>
-              <a:t>15</a:t>
+              <a:t>17</a:t>
             </a:fld>
             <a:endParaRPr lang="pt-PT"/>
           </a:p>
@@ -900,7 +902,7 @@
           <a:p>
             <a:fld id="{62C9FF69-D9AD-48B5-8D39-7AA42039F77D}" type="slidenum">
               <a:rPr lang="pt-PT" smtClean="0"/>
-              <a:t>16</a:t>
+              <a:t>18</a:t>
             </a:fld>
             <a:endParaRPr lang="pt-PT"/>
           </a:p>
@@ -1152,7 +1154,7 @@
           <a:p>
             <a:fld id="{62C9FF69-D9AD-48B5-8D39-7AA42039F77D}" type="slidenum">
               <a:rPr lang="pt-PT" smtClean="0"/>
-              <a:t>4</a:t>
+              <a:t>6</a:t>
             </a:fld>
             <a:endParaRPr lang="pt-PT"/>
           </a:p>
@@ -1236,7 +1238,7 @@
           <a:p>
             <a:fld id="{62C9FF69-D9AD-48B5-8D39-7AA42039F77D}" type="slidenum">
               <a:rPr lang="pt-PT" smtClean="0"/>
-              <a:t>5</a:t>
+              <a:t>7</a:t>
             </a:fld>
             <a:endParaRPr lang="pt-PT"/>
           </a:p>
@@ -1320,7 +1322,7 @@
           <a:p>
             <a:fld id="{62C9FF69-D9AD-48B5-8D39-7AA42039F77D}" type="slidenum">
               <a:rPr lang="pt-PT" smtClean="0"/>
-              <a:t>6</a:t>
+              <a:t>8</a:t>
             </a:fld>
             <a:endParaRPr lang="pt-PT"/>
           </a:p>
@@ -1404,7 +1406,7 @@
           <a:p>
             <a:fld id="{62C9FF69-D9AD-48B5-8D39-7AA42039F77D}" type="slidenum">
               <a:rPr lang="pt-PT" smtClean="0"/>
-              <a:t>7</a:t>
+              <a:t>9</a:t>
             </a:fld>
             <a:endParaRPr lang="pt-PT"/>
           </a:p>
@@ -1488,7 +1490,7 @@
           <a:p>
             <a:fld id="{62C9FF69-D9AD-48B5-8D39-7AA42039F77D}" type="slidenum">
               <a:rPr lang="pt-PT" smtClean="0"/>
-              <a:t>8</a:t>
+              <a:t>10</a:t>
             </a:fld>
             <a:endParaRPr lang="pt-PT"/>
           </a:p>
@@ -1572,7 +1574,7 @@
           <a:p>
             <a:fld id="{62C9FF69-D9AD-48B5-8D39-7AA42039F77D}" type="slidenum">
               <a:rPr lang="pt-PT" smtClean="0"/>
-              <a:t>9</a:t>
+              <a:t>11</a:t>
             </a:fld>
             <a:endParaRPr lang="pt-PT"/>
           </a:p>
@@ -1730,7 +1732,7 @@
           <a:p>
             <a:fld id="{1D8BD707-D9CF-40AE-B4C6-C98DA3205C09}" type="datetimeFigureOut">
               <a:rPr lang="en-US"/>
-              <a:t>4/27/2019</a:t>
+              <a:t>4/28/2019</a:t>
             </a:fld>
             <a:endParaRPr lang="en-US"/>
           </a:p>
@@ -1901,7 +1903,7 @@
           <a:p>
             <a:fld id="{1D8BD707-D9CF-40AE-B4C6-C98DA3205C09}" type="datetimeFigureOut">
               <a:rPr lang="en-US"/>
-              <a:t>4/27/2019</a:t>
+              <a:t>4/28/2019</a:t>
             </a:fld>
             <a:endParaRPr lang="en-US"/>
           </a:p>
@@ -2341,7 +2343,7 @@
           <a:p>
             <a:fld id="{1D8BD707-D9CF-40AE-B4C6-C98DA3205C09}" type="datetimeFigureOut">
               <a:rPr lang="en-US"/>
-              <a:t>4/27/2019</a:t>
+              <a:t>4/28/2019</a:t>
             </a:fld>
             <a:endParaRPr lang="en-US"/>
           </a:p>
@@ -2547,7 +2549,7 @@
           <a:p>
             <a:fld id="{1D8BD707-D9CF-40AE-B4C6-C98DA3205C09}" type="datetimeFigureOut">
               <a:rPr lang="en-US"/>
-              <a:t>4/27/2019</a:t>
+              <a:t>4/28/2019</a:t>
             </a:fld>
             <a:endParaRPr lang="en-US"/>
           </a:p>
@@ -2666,7 +2668,7 @@
           <a:p>
             <a:fld id="{1D8BD707-D9CF-40AE-B4C6-C98DA3205C09}" type="datetimeFigureOut">
               <a:rPr lang="en-US"/>
-              <a:t>4/27/2019</a:t>
+              <a:t>4/28/2019</a:t>
             </a:fld>
             <a:endParaRPr lang="en-US"/>
           </a:p>
@@ -2885,7 +2887,7 @@
           <a:p>
             <a:fld id="{1D8BD707-D9CF-40AE-B4C6-C98DA3205C09}" type="datetimeFigureOut">
               <a:rPr lang="en-US"/>
-              <a:t>4/27/2019</a:t>
+              <a:t>4/28/2019</a:t>
             </a:fld>
             <a:endParaRPr lang="en-US"/>
           </a:p>
@@ -3939,6 +3941,232 @@
         </p:nvSpPr>
         <p:spPr>
           <a:xfrm>
+            <a:off x="3597572" y="1908933"/>
+            <a:ext cx="1279227" cy="400110"/>
+          </a:xfrm>
+          <a:prstGeom prst="rect">
+            <a:avLst/>
+          </a:prstGeom>
+          <a:noFill/>
+        </p:spPr>
+        <p:txBody>
+          <a:bodyPr wrap="square" rtlCol="0">
+            <a:spAutoFit/>
+          </a:bodyPr>
+          <a:lstStyle/>
+          <a:p>
+            <a:r>
+              <a:rPr lang="pt-PT" sz="2000" dirty="0">
+                <a:latin typeface="Arial" panose="020B0604020202020204" pitchFamily="34" charset="0"/>
+                <a:cs typeface="Arial" panose="020B0604020202020204" pitchFamily="34" charset="0"/>
+              </a:rPr>
+              <a:t>X = 10</a:t>
+            </a:r>
+          </a:p>
+        </p:txBody>
+      </p:sp>
+      <p:sp>
+        <p:nvSpPr>
+          <p:cNvPr id="18" name="Retângulo: Cantos Arredondados 17">
+            <a:extLst>
+              <a:ext uri="{FF2B5EF4-FFF2-40B4-BE49-F238E27FC236}">
+                <a16:creationId xmlns:a16="http://schemas.microsoft.com/office/drawing/2014/main" id="{FF34A504-7FDE-476F-8A62-4B7949468928}"/>
+              </a:ext>
+            </a:extLst>
+          </p:cNvPr>
+          <p:cNvSpPr/>
+          <p:nvPr/>
+        </p:nvSpPr>
+        <p:spPr>
+          <a:xfrm>
+            <a:off x="918561" y="1276605"/>
+            <a:ext cx="2537405" cy="1850232"/>
+          </a:xfrm>
+          <a:prstGeom prst="roundRect">
+            <a:avLst/>
+          </a:prstGeom>
+          <a:solidFill>
+            <a:schemeClr val="bg1"/>
+          </a:solidFill>
+          <a:ln>
+            <a:noFill/>
+          </a:ln>
+        </p:spPr>
+        <p:style>
+          <a:lnRef idx="2">
+            <a:schemeClr val="accent1">
+              <a:shade val="50000"/>
+            </a:schemeClr>
+          </a:lnRef>
+          <a:fillRef idx="1">
+            <a:schemeClr val="accent1"/>
+          </a:fillRef>
+          <a:effectRef idx="0">
+            <a:schemeClr val="accent1"/>
+          </a:effectRef>
+          <a:fontRef idx="minor">
+            <a:schemeClr val="lt1"/>
+          </a:fontRef>
+        </p:style>
+        <p:txBody>
+          <a:bodyPr rtlCol="0" anchor="ctr"/>
+          <a:lstStyle/>
+          <a:p>
+            <a:pPr algn="ctr"/>
+            <a:endParaRPr lang="pt-PT"/>
+          </a:p>
+        </p:txBody>
+      </p:sp>
+      <p:sp>
+        <p:nvSpPr>
+          <p:cNvPr id="12" name="object 2">
+            <a:extLst>
+              <a:ext uri="{FF2B5EF4-FFF2-40B4-BE49-F238E27FC236}">
+                <a16:creationId xmlns:a16="http://schemas.microsoft.com/office/drawing/2014/main" id="{3FB8BEF2-4FBF-456A-BB55-B3EE58FADD7D}"/>
+              </a:ext>
+            </a:extLst>
+          </p:cNvPr>
+          <p:cNvSpPr txBox="1">
+            <a:spLocks noGrp="1"/>
+          </p:cNvSpPr>
+          <p:nvPr>
+            <p:ph type="title"/>
+          </p:nvPr>
+        </p:nvSpPr>
+        <p:spPr>
+          <a:xfrm>
+            <a:off x="2868810" y="228600"/>
+            <a:ext cx="3406380" cy="461023"/>
+          </a:xfrm>
+          <a:prstGeom prst="rect">
+            <a:avLst/>
+          </a:prstGeom>
+        </p:spPr>
+        <p:txBody>
+          <a:bodyPr vert="horz" wrap="square" lIns="0" tIns="14604" rIns="0" bIns="0" rtlCol="0">
+            <a:spAutoFit/>
+          </a:bodyPr>
+          <a:lstStyle/>
+          <a:p>
+            <a:pPr marL="12700" algn="l">
+              <a:lnSpc>
+                <a:spcPct val="100000"/>
+              </a:lnSpc>
+              <a:spcBef>
+                <a:spcPts val="114"/>
+              </a:spcBef>
+            </a:pPr>
+            <a:r>
+              <a:rPr lang="pt-PT" spc="-185" dirty="0"/>
+              <a:t>Exemplo de utilização</a:t>
+            </a:r>
+            <a:endParaRPr spc="-185" dirty="0"/>
+          </a:p>
+        </p:txBody>
+      </p:sp>
+      <p:pic>
+        <p:nvPicPr>
+          <p:cNvPr id="2058" name="Picture 10">
+            <a:extLst>
+              <a:ext uri="{FF2B5EF4-FFF2-40B4-BE49-F238E27FC236}">
+                <a16:creationId xmlns:a16="http://schemas.microsoft.com/office/drawing/2014/main" id="{98432A3F-9940-4384-95BC-356F5351329D}"/>
+              </a:ext>
+            </a:extLst>
+          </p:cNvPr>
+          <p:cNvPicPr>
+            <a:picLocks noChangeAspect="1" noChangeArrowheads="1"/>
+          </p:cNvPicPr>
+          <p:nvPr/>
+        </p:nvPicPr>
+        <p:blipFill>
+          <a:blip r:embed="rId3">
+            <a:extLst>
+              <a:ext uri="{28A0092B-C50C-407E-A947-70E740481C1C}">
+                <a14:useLocalDpi xmlns:a14="http://schemas.microsoft.com/office/drawing/2010/main" val="0"/>
+              </a:ext>
+            </a:extLst>
+          </a:blip>
+          <a:srcRect/>
+          <a:stretch>
+            <a:fillRect/>
+          </a:stretch>
+        </p:blipFill>
+        <p:spPr bwMode="auto">
+          <a:xfrm>
+            <a:off x="1052548" y="1530385"/>
+            <a:ext cx="2269430" cy="1495761"/>
+          </a:xfrm>
+          <a:prstGeom prst="rect">
+            <a:avLst/>
+          </a:prstGeom>
+          <a:noFill/>
+          <a:extLst>
+            <a:ext uri="{909E8E84-426E-40DD-AFC4-6F175D3DCCD1}">
+              <a14:hiddenFill xmlns:a14="http://schemas.microsoft.com/office/drawing/2010/main">
+                <a:solidFill>
+                  <a:srgbClr val="FFFFFF"/>
+                </a:solidFill>
+              </a14:hiddenFill>
+            </a:ext>
+          </a:extLst>
+        </p:spPr>
+      </p:pic>
+    </p:spTree>
+    <p:extLst>
+      <p:ext uri="{BB962C8B-B14F-4D97-AF65-F5344CB8AC3E}">
+        <p14:creationId xmlns:p14="http://schemas.microsoft.com/office/powerpoint/2010/main" val="1102649629"/>
+      </p:ext>
+    </p:extLst>
+  </p:cSld>
+  <p:clrMapOvr>
+    <a:masterClrMapping/>
+  </p:clrMapOvr>
+  <mc:AlternateContent xmlns:mc="http://schemas.openxmlformats.org/markup-compatibility/2006" xmlns:p14="http://schemas.microsoft.com/office/powerpoint/2010/main">
+    <mc:Choice Requires="p14">
+      <p:transition spd="med" p14:dur="700">
+        <p:fade/>
+      </p:transition>
+    </mc:Choice>
+    <mc:Fallback xmlns="">
+      <p:transition spd="med">
+        <p:fade/>
+      </p:transition>
+    </mc:Fallback>
+  </mc:AlternateContent>
+</p:sld>
+</file>
+
+<file path=ppt/slides/slide11.xml><?xml version="1.0" encoding="utf-8"?>
+<p:sld xmlns:a="http://schemas.openxmlformats.org/drawingml/2006/main" xmlns:r="http://schemas.openxmlformats.org/officeDocument/2006/relationships" xmlns:p="http://schemas.openxmlformats.org/presentationml/2006/main">
+  <p:cSld>
+    <p:spTree>
+      <p:nvGrpSpPr>
+        <p:cNvPr id="1" name=""/>
+        <p:cNvGrpSpPr/>
+        <p:nvPr/>
+      </p:nvGrpSpPr>
+      <p:grpSpPr>
+        <a:xfrm>
+          <a:off x="0" y="0"/>
+          <a:ext cx="0" cy="0"/>
+          <a:chOff x="0" y="0"/>
+          <a:chExt cx="0" cy="0"/>
+        </a:xfrm>
+      </p:grpSpPr>
+      <p:sp>
+        <p:nvSpPr>
+          <p:cNvPr id="10" name="CaixaDeTexto 9">
+            <a:extLst>
+              <a:ext uri="{FF2B5EF4-FFF2-40B4-BE49-F238E27FC236}">
+                <a16:creationId xmlns:a16="http://schemas.microsoft.com/office/drawing/2014/main" id="{2BD6D9DB-2E83-4F23-A979-DB0D1E506279}"/>
+              </a:ext>
+            </a:extLst>
+          </p:cNvPr>
+          <p:cNvSpPr txBox="1"/>
+          <p:nvPr/>
+        </p:nvSpPr>
+        <p:spPr>
+          <a:xfrm>
             <a:off x="3597573" y="1908933"/>
             <a:ext cx="990600" cy="461665"/>
           </a:xfrm>
@@ -4240,8 +4468,8 @@
         </p:nvSpPr>
         <p:spPr>
           <a:xfrm>
-            <a:off x="4510883" y="2507717"/>
-            <a:ext cx="990600" cy="461665"/>
+            <a:off x="4724400" y="2540825"/>
+            <a:ext cx="990600" cy="400110"/>
           </a:xfrm>
           <a:prstGeom prst="rect">
             <a:avLst/>
@@ -4255,151 +4483,19 @@
           <a:lstStyle/>
           <a:p>
             <a:r>
-              <a:rPr lang="pt-PT" sz="2400" dirty="0"/>
-              <a:t>X = 20</a:t>
-            </a:r>
-          </a:p>
-        </p:txBody>
-      </p:sp>
-      <p:sp>
-        <p:nvSpPr>
-          <p:cNvPr id="14" name="CaixaDeTexto 13">
-            <a:extLst>
-              <a:ext uri="{FF2B5EF4-FFF2-40B4-BE49-F238E27FC236}">
-                <a16:creationId xmlns:a16="http://schemas.microsoft.com/office/drawing/2014/main" id="{821AF344-A99A-4C5C-88F9-5FC5171368A1}"/>
-              </a:ext>
-            </a:extLst>
-          </p:cNvPr>
-          <p:cNvSpPr txBox="1"/>
-          <p:nvPr/>
-        </p:nvSpPr>
-        <p:spPr>
-          <a:xfrm>
-            <a:off x="5594703" y="3337335"/>
-            <a:ext cx="990600" cy="400110"/>
-          </a:xfrm>
-          <a:prstGeom prst="rect">
-            <a:avLst/>
-          </a:prstGeom>
-          <a:noFill/>
-        </p:spPr>
-        <p:txBody>
-          <a:bodyPr wrap="square" rtlCol="0">
-            <a:spAutoFit/>
-          </a:bodyPr>
-          <a:lstStyle/>
-          <a:p>
-            <a:r>
               <a:rPr lang="pt-PT" sz="2000" dirty="0">
                 <a:latin typeface="Arial" panose="020B0604020202020204" pitchFamily="34" charset="0"/>
                 <a:cs typeface="Arial" panose="020B0604020202020204" pitchFamily="34" charset="0"/>
               </a:rPr>
-              <a:t>X = 30</a:t>
-            </a:r>
-          </a:p>
-        </p:txBody>
-      </p:sp>
-      <p:sp>
-        <p:nvSpPr>
-          <p:cNvPr id="17" name="Retângulo: Cantos Arredondados 16">
-            <a:extLst>
-              <a:ext uri="{FF2B5EF4-FFF2-40B4-BE49-F238E27FC236}">
-                <a16:creationId xmlns:a16="http://schemas.microsoft.com/office/drawing/2014/main" id="{05A1AD46-3665-4312-BDBF-AEE444108A68}"/>
-              </a:ext>
-            </a:extLst>
-          </p:cNvPr>
-          <p:cNvSpPr/>
-          <p:nvPr/>
-        </p:nvSpPr>
-        <p:spPr>
-          <a:xfrm>
-            <a:off x="2851966" y="2557520"/>
-            <a:ext cx="2601722" cy="1878539"/>
-          </a:xfrm>
-          <a:prstGeom prst="roundRect">
-            <a:avLst/>
-          </a:prstGeom>
-          <a:solidFill>
-            <a:schemeClr val="bg1"/>
-          </a:solidFill>
-          <a:ln>
-            <a:noFill/>
-          </a:ln>
-        </p:spPr>
-        <p:style>
-          <a:lnRef idx="2">
-            <a:schemeClr val="accent1">
-              <a:shade val="50000"/>
-            </a:schemeClr>
-          </a:lnRef>
-          <a:fillRef idx="1">
-            <a:schemeClr val="accent1"/>
-          </a:fillRef>
-          <a:effectRef idx="0">
-            <a:schemeClr val="accent1"/>
-          </a:effectRef>
-          <a:fontRef idx="minor">
-            <a:schemeClr val="lt1"/>
-          </a:fontRef>
-        </p:style>
-        <p:txBody>
-          <a:bodyPr rtlCol="0" anchor="ctr"/>
-          <a:lstStyle/>
-          <a:p>
-            <a:pPr algn="ctr"/>
-            <a:endParaRPr lang="pt-PT"/>
-          </a:p>
-        </p:txBody>
-      </p:sp>
-      <p:pic>
-        <p:nvPicPr>
-          <p:cNvPr id="13" name="Picture 2">
-            <a:extLst>
-              <a:ext uri="{FF2B5EF4-FFF2-40B4-BE49-F238E27FC236}">
-                <a16:creationId xmlns:a16="http://schemas.microsoft.com/office/drawing/2014/main" id="{DDD9E37A-6607-488E-ADA0-DA0CBA3A5D48}"/>
-              </a:ext>
-            </a:extLst>
-          </p:cNvPr>
-          <p:cNvPicPr>
-            <a:picLocks noChangeAspect="1" noChangeArrowheads="1"/>
-          </p:cNvPicPr>
-          <p:nvPr/>
-        </p:nvPicPr>
-        <p:blipFill rotWithShape="1">
-          <a:blip r:embed="rId5">
-            <a:extLst>
-              <a:ext uri="{28A0092B-C50C-407E-A947-70E740481C1C}">
-                <a14:useLocalDpi xmlns:a14="http://schemas.microsoft.com/office/drawing/2010/main" val="0"/>
-              </a:ext>
-            </a:extLst>
-          </a:blip>
-          <a:srcRect l="11136" t="3728" r="3741" b="9116"/>
-          <a:stretch/>
-        </p:blipFill>
-        <p:spPr bwMode="auto">
-          <a:xfrm>
-            <a:off x="2992981" y="2700279"/>
-            <a:ext cx="2371219" cy="1600200"/>
-          </a:xfrm>
-          <a:prstGeom prst="rect">
-            <a:avLst/>
-          </a:prstGeom>
-          <a:noFill/>
-          <a:extLst>
-            <a:ext uri="{909E8E84-426E-40DD-AFC4-6F175D3DCCD1}">
-              <a14:hiddenFill xmlns:a14="http://schemas.microsoft.com/office/drawing/2010/main">
-                <a:solidFill>
-                  <a:srgbClr val="FFFFFF"/>
-                </a:solidFill>
-              </a14:hiddenFill>
-            </a:ext>
-          </a:extLst>
-        </p:spPr>
-      </p:pic>
+              <a:t>X = 20</a:t>
+            </a:r>
+          </a:p>
+        </p:txBody>
+      </p:sp>
     </p:spTree>
     <p:extLst>
       <p:ext uri="{BB962C8B-B14F-4D97-AF65-F5344CB8AC3E}">
-        <p14:creationId xmlns:p14="http://schemas.microsoft.com/office/powerpoint/2010/main" val="1537051713"/>
+        <p14:creationId xmlns:p14="http://schemas.microsoft.com/office/powerpoint/2010/main" val="1347707633"/>
       </p:ext>
     </p:extLst>
   </p:cSld>
@@ -4421,7 +4517,7 @@
 </p:sld>
 </file>
 
-<file path=ppt/slides/slide11.xml><?xml version="1.0" encoding="utf-8"?>
+<file path=ppt/slides/slide12.xml><?xml version="1.0" encoding="utf-8"?>
 <p:sld xmlns:a="http://schemas.openxmlformats.org/drawingml/2006/main" xmlns:r="http://schemas.openxmlformats.org/officeDocument/2006/relationships" xmlns:p="http://schemas.openxmlformats.org/presentationml/2006/main">
   <p:cSld>
     <p:spTree>
@@ -4789,7 +4885,7 @@
         <p:spPr>
           <a:xfrm>
             <a:off x="5594703" y="3337335"/>
-            <a:ext cx="990600" cy="461665"/>
+            <a:ext cx="990600" cy="400110"/>
           </a:xfrm>
           <a:prstGeom prst="rect">
             <a:avLst/>
@@ -4803,7 +4899,10 @@
           <a:lstStyle/>
           <a:p>
             <a:r>
-              <a:rPr lang="pt-PT" sz="2400" dirty="0"/>
+              <a:rPr lang="pt-PT" sz="2000" dirty="0">
+                <a:latin typeface="Arial" panose="020B0604020202020204" pitchFamily="34" charset="0"/>
+                <a:cs typeface="Arial" panose="020B0604020202020204" pitchFamily="34" charset="0"/>
+              </a:rPr>
               <a:t>X = 30</a:t>
             </a:r>
           </a:p>
@@ -4906,6 +5005,516 @@
           </a:extLst>
         </p:spPr>
       </p:pic>
+    </p:spTree>
+    <p:extLst>
+      <p:ext uri="{BB962C8B-B14F-4D97-AF65-F5344CB8AC3E}">
+        <p14:creationId xmlns:p14="http://schemas.microsoft.com/office/powerpoint/2010/main" val="1537051713"/>
+      </p:ext>
+    </p:extLst>
+  </p:cSld>
+  <p:clrMapOvr>
+    <a:masterClrMapping/>
+  </p:clrMapOvr>
+  <mc:AlternateContent xmlns:mc="http://schemas.openxmlformats.org/markup-compatibility/2006" xmlns:p14="http://schemas.microsoft.com/office/powerpoint/2010/main">
+    <mc:Choice Requires="p14">
+      <p:transition spd="med" p14:dur="700">
+        <p:fade/>
+      </p:transition>
+    </mc:Choice>
+    <mc:Fallback xmlns="">
+      <p:transition spd="med">
+        <p:fade/>
+      </p:transition>
+    </mc:Fallback>
+  </mc:AlternateContent>
+</p:sld>
+</file>
+
+<file path=ppt/slides/slide13.xml><?xml version="1.0" encoding="utf-8"?>
+<p:sld xmlns:a="http://schemas.openxmlformats.org/drawingml/2006/main" xmlns:r="http://schemas.openxmlformats.org/officeDocument/2006/relationships" xmlns:p="http://schemas.openxmlformats.org/presentationml/2006/main">
+  <p:cSld>
+    <p:spTree>
+      <p:nvGrpSpPr>
+        <p:cNvPr id="1" name=""/>
+        <p:cNvGrpSpPr/>
+        <p:nvPr/>
+      </p:nvGrpSpPr>
+      <p:grpSpPr>
+        <a:xfrm>
+          <a:off x="0" y="0"/>
+          <a:ext cx="0" cy="0"/>
+          <a:chOff x="0" y="0"/>
+          <a:chExt cx="0" cy="0"/>
+        </a:xfrm>
+      </p:grpSpPr>
+      <p:sp>
+        <p:nvSpPr>
+          <p:cNvPr id="10" name="CaixaDeTexto 9">
+            <a:extLst>
+              <a:ext uri="{FF2B5EF4-FFF2-40B4-BE49-F238E27FC236}">
+                <a16:creationId xmlns:a16="http://schemas.microsoft.com/office/drawing/2014/main" id="{2BD6D9DB-2E83-4F23-A979-DB0D1E506279}"/>
+              </a:ext>
+            </a:extLst>
+          </p:cNvPr>
+          <p:cNvSpPr txBox="1"/>
+          <p:nvPr/>
+        </p:nvSpPr>
+        <p:spPr>
+          <a:xfrm>
+            <a:off x="3597573" y="1908933"/>
+            <a:ext cx="990600" cy="461665"/>
+          </a:xfrm>
+          <a:prstGeom prst="rect">
+            <a:avLst/>
+          </a:prstGeom>
+          <a:noFill/>
+        </p:spPr>
+        <p:txBody>
+          <a:bodyPr wrap="square" rtlCol="0">
+            <a:spAutoFit/>
+          </a:bodyPr>
+          <a:lstStyle/>
+          <a:p>
+            <a:r>
+              <a:rPr lang="pt-PT" sz="2400" dirty="0"/>
+              <a:t>X = 10</a:t>
+            </a:r>
+          </a:p>
+        </p:txBody>
+      </p:sp>
+      <p:sp>
+        <p:nvSpPr>
+          <p:cNvPr id="18" name="Retângulo: Cantos Arredondados 17">
+            <a:extLst>
+              <a:ext uri="{FF2B5EF4-FFF2-40B4-BE49-F238E27FC236}">
+                <a16:creationId xmlns:a16="http://schemas.microsoft.com/office/drawing/2014/main" id="{FF34A504-7FDE-476F-8A62-4B7949468928}"/>
+              </a:ext>
+            </a:extLst>
+          </p:cNvPr>
+          <p:cNvSpPr/>
+          <p:nvPr/>
+        </p:nvSpPr>
+        <p:spPr>
+          <a:xfrm>
+            <a:off x="918561" y="1276605"/>
+            <a:ext cx="2537405" cy="1850232"/>
+          </a:xfrm>
+          <a:prstGeom prst="roundRect">
+            <a:avLst/>
+          </a:prstGeom>
+          <a:solidFill>
+            <a:schemeClr val="bg1"/>
+          </a:solidFill>
+          <a:ln>
+            <a:noFill/>
+          </a:ln>
+        </p:spPr>
+        <p:style>
+          <a:lnRef idx="2">
+            <a:schemeClr val="accent1">
+              <a:shade val="50000"/>
+            </a:schemeClr>
+          </a:lnRef>
+          <a:fillRef idx="1">
+            <a:schemeClr val="accent1"/>
+          </a:fillRef>
+          <a:effectRef idx="0">
+            <a:schemeClr val="accent1"/>
+          </a:effectRef>
+          <a:fontRef idx="minor">
+            <a:schemeClr val="lt1"/>
+          </a:fontRef>
+        </p:style>
+        <p:txBody>
+          <a:bodyPr rtlCol="0" anchor="ctr"/>
+          <a:lstStyle/>
+          <a:p>
+            <a:pPr algn="ctr"/>
+            <a:endParaRPr lang="pt-PT"/>
+          </a:p>
+        </p:txBody>
+      </p:sp>
+      <p:sp>
+        <p:nvSpPr>
+          <p:cNvPr id="12" name="object 2">
+            <a:extLst>
+              <a:ext uri="{FF2B5EF4-FFF2-40B4-BE49-F238E27FC236}">
+                <a16:creationId xmlns:a16="http://schemas.microsoft.com/office/drawing/2014/main" id="{3FB8BEF2-4FBF-456A-BB55-B3EE58FADD7D}"/>
+              </a:ext>
+            </a:extLst>
+          </p:cNvPr>
+          <p:cNvSpPr txBox="1">
+            <a:spLocks noGrp="1"/>
+          </p:cNvSpPr>
+          <p:nvPr>
+            <p:ph type="title"/>
+          </p:nvPr>
+        </p:nvSpPr>
+        <p:spPr>
+          <a:xfrm>
+            <a:off x="2868810" y="228600"/>
+            <a:ext cx="3406380" cy="461023"/>
+          </a:xfrm>
+          <a:prstGeom prst="rect">
+            <a:avLst/>
+          </a:prstGeom>
+        </p:spPr>
+        <p:txBody>
+          <a:bodyPr vert="horz" wrap="square" lIns="0" tIns="14604" rIns="0" bIns="0" rtlCol="0">
+            <a:spAutoFit/>
+          </a:bodyPr>
+          <a:lstStyle/>
+          <a:p>
+            <a:pPr marL="12700" algn="l">
+              <a:lnSpc>
+                <a:spcPct val="100000"/>
+              </a:lnSpc>
+              <a:spcBef>
+                <a:spcPts val="114"/>
+              </a:spcBef>
+            </a:pPr>
+            <a:r>
+              <a:rPr lang="pt-PT" spc="-185" dirty="0"/>
+              <a:t>Exemplo de utilização</a:t>
+            </a:r>
+            <a:endParaRPr spc="-185" dirty="0"/>
+          </a:p>
+        </p:txBody>
+      </p:sp>
+      <p:pic>
+        <p:nvPicPr>
+          <p:cNvPr id="2058" name="Picture 10">
+            <a:extLst>
+              <a:ext uri="{FF2B5EF4-FFF2-40B4-BE49-F238E27FC236}">
+                <a16:creationId xmlns:a16="http://schemas.microsoft.com/office/drawing/2014/main" id="{98432A3F-9940-4384-95BC-356F5351329D}"/>
+              </a:ext>
+            </a:extLst>
+          </p:cNvPr>
+          <p:cNvPicPr>
+            <a:picLocks noChangeAspect="1" noChangeArrowheads="1"/>
+          </p:cNvPicPr>
+          <p:nvPr/>
+        </p:nvPicPr>
+        <p:blipFill>
+          <a:blip r:embed="rId3">
+            <a:extLst>
+              <a:ext uri="{28A0092B-C50C-407E-A947-70E740481C1C}">
+                <a14:useLocalDpi xmlns:a14="http://schemas.microsoft.com/office/drawing/2010/main" val="0"/>
+              </a:ext>
+            </a:extLst>
+          </a:blip>
+          <a:srcRect/>
+          <a:stretch>
+            <a:fillRect/>
+          </a:stretch>
+        </p:blipFill>
+        <p:spPr bwMode="auto">
+          <a:xfrm>
+            <a:off x="1052548" y="1530385"/>
+            <a:ext cx="2269430" cy="1495761"/>
+          </a:xfrm>
+          <a:prstGeom prst="rect">
+            <a:avLst/>
+          </a:prstGeom>
+          <a:noFill/>
+          <a:extLst>
+            <a:ext uri="{909E8E84-426E-40DD-AFC4-6F175D3DCCD1}">
+              <a14:hiddenFill xmlns:a14="http://schemas.microsoft.com/office/drawing/2010/main">
+                <a:solidFill>
+                  <a:srgbClr val="FFFFFF"/>
+                </a:solidFill>
+              </a14:hiddenFill>
+            </a:ext>
+          </a:extLst>
+        </p:spPr>
+      </p:pic>
+      <p:grpSp>
+        <p:nvGrpSpPr>
+          <p:cNvPr id="2" name="Agrupar 1">
+            <a:extLst>
+              <a:ext uri="{FF2B5EF4-FFF2-40B4-BE49-F238E27FC236}">
+                <a16:creationId xmlns:a16="http://schemas.microsoft.com/office/drawing/2014/main" id="{6321A55E-DFAD-4B4F-A1C3-66764517F708}"/>
+              </a:ext>
+            </a:extLst>
+          </p:cNvPr>
+          <p:cNvGrpSpPr/>
+          <p:nvPr/>
+        </p:nvGrpSpPr>
+        <p:grpSpPr>
+          <a:xfrm>
+            <a:off x="1909161" y="1832389"/>
+            <a:ext cx="2601722" cy="1878539"/>
+            <a:chOff x="1143000" y="1371600"/>
+            <a:chExt cx="2601722" cy="1878539"/>
+          </a:xfrm>
+        </p:grpSpPr>
+        <p:sp>
+          <p:nvSpPr>
+            <p:cNvPr id="22" name="Retângulo: Cantos Arredondados 21">
+              <a:extLst>
+                <a:ext uri="{FF2B5EF4-FFF2-40B4-BE49-F238E27FC236}">
+                  <a16:creationId xmlns:a16="http://schemas.microsoft.com/office/drawing/2014/main" id="{91D7D628-4021-440F-B5EE-1837B4EDF8E4}"/>
+                </a:ext>
+              </a:extLst>
+            </p:cNvPr>
+            <p:cNvSpPr/>
+            <p:nvPr/>
+          </p:nvSpPr>
+          <p:spPr>
+            <a:xfrm>
+              <a:off x="1143000" y="1371600"/>
+              <a:ext cx="2601722" cy="1878539"/>
+            </a:xfrm>
+            <a:prstGeom prst="roundRect">
+              <a:avLst/>
+            </a:prstGeom>
+            <a:solidFill>
+              <a:schemeClr val="bg1"/>
+            </a:solidFill>
+            <a:ln>
+              <a:noFill/>
+            </a:ln>
+          </p:spPr>
+          <p:style>
+            <a:lnRef idx="2">
+              <a:schemeClr val="accent1">
+                <a:shade val="50000"/>
+              </a:schemeClr>
+            </a:lnRef>
+            <a:fillRef idx="1">
+              <a:schemeClr val="accent1"/>
+            </a:fillRef>
+            <a:effectRef idx="0">
+              <a:schemeClr val="accent1"/>
+            </a:effectRef>
+            <a:fontRef idx="minor">
+              <a:schemeClr val="lt1"/>
+            </a:fontRef>
+          </p:style>
+          <p:txBody>
+            <a:bodyPr rtlCol="0" anchor="ctr"/>
+            <a:lstStyle/>
+            <a:p>
+              <a:pPr algn="ctr"/>
+              <a:endParaRPr lang="pt-PT"/>
+            </a:p>
+          </p:txBody>
+        </p:sp>
+        <p:pic>
+          <p:nvPicPr>
+            <p:cNvPr id="2060" name="Picture 12">
+              <a:extLst>
+                <a:ext uri="{FF2B5EF4-FFF2-40B4-BE49-F238E27FC236}">
+                  <a16:creationId xmlns:a16="http://schemas.microsoft.com/office/drawing/2014/main" id="{A9311B19-F1ED-4998-8DDF-AE6908E07C7F}"/>
+                </a:ext>
+              </a:extLst>
+            </p:cNvPr>
+            <p:cNvPicPr>
+              <a:picLocks noChangeAspect="1" noChangeArrowheads="1"/>
+            </p:cNvPicPr>
+            <p:nvPr/>
+          </p:nvPicPr>
+          <p:blipFill>
+            <a:blip r:embed="rId4">
+              <a:extLst>
+                <a:ext uri="{28A0092B-C50C-407E-A947-70E740481C1C}">
+                  <a14:useLocalDpi xmlns:a14="http://schemas.microsoft.com/office/drawing/2010/main" val="0"/>
+                </a:ext>
+              </a:extLst>
+            </a:blip>
+            <a:srcRect/>
+            <a:stretch>
+              <a:fillRect/>
+            </a:stretch>
+          </p:blipFill>
+          <p:spPr bwMode="auto">
+            <a:xfrm>
+              <a:off x="1235363" y="1514359"/>
+              <a:ext cx="2416996" cy="1593020"/>
+            </a:xfrm>
+            <a:prstGeom prst="rect">
+              <a:avLst/>
+            </a:prstGeom>
+            <a:noFill/>
+            <a:extLst>
+              <a:ext uri="{909E8E84-426E-40DD-AFC4-6F175D3DCCD1}">
+                <a14:hiddenFill xmlns:a14="http://schemas.microsoft.com/office/drawing/2010/main">
+                  <a:solidFill>
+                    <a:srgbClr val="FFFFFF"/>
+                  </a:solidFill>
+                </a14:hiddenFill>
+              </a:ext>
+            </a:extLst>
+          </p:spPr>
+        </p:pic>
+      </p:grpSp>
+      <p:sp>
+        <p:nvSpPr>
+          <p:cNvPr id="11" name="CaixaDeTexto 10">
+            <a:extLst>
+              <a:ext uri="{FF2B5EF4-FFF2-40B4-BE49-F238E27FC236}">
+                <a16:creationId xmlns:a16="http://schemas.microsoft.com/office/drawing/2014/main" id="{2313E966-6A85-4BD0-89E8-4B75267F4DB3}"/>
+              </a:ext>
+            </a:extLst>
+          </p:cNvPr>
+          <p:cNvSpPr txBox="1"/>
+          <p:nvPr/>
+        </p:nvSpPr>
+        <p:spPr>
+          <a:xfrm>
+            <a:off x="4510883" y="2507717"/>
+            <a:ext cx="990600" cy="461665"/>
+          </a:xfrm>
+          <a:prstGeom prst="rect">
+            <a:avLst/>
+          </a:prstGeom>
+          <a:noFill/>
+        </p:spPr>
+        <p:txBody>
+          <a:bodyPr wrap="square" rtlCol="0">
+            <a:spAutoFit/>
+          </a:bodyPr>
+          <a:lstStyle/>
+          <a:p>
+            <a:r>
+              <a:rPr lang="pt-PT" sz="2400" dirty="0"/>
+              <a:t>X = 20</a:t>
+            </a:r>
+          </a:p>
+        </p:txBody>
+      </p:sp>
+      <p:sp>
+        <p:nvSpPr>
+          <p:cNvPr id="14" name="CaixaDeTexto 13">
+            <a:extLst>
+              <a:ext uri="{FF2B5EF4-FFF2-40B4-BE49-F238E27FC236}">
+                <a16:creationId xmlns:a16="http://schemas.microsoft.com/office/drawing/2014/main" id="{821AF344-A99A-4C5C-88F9-5FC5171368A1}"/>
+              </a:ext>
+            </a:extLst>
+          </p:cNvPr>
+          <p:cNvSpPr txBox="1"/>
+          <p:nvPr/>
+        </p:nvSpPr>
+        <p:spPr>
+          <a:xfrm>
+            <a:off x="5594703" y="3337335"/>
+            <a:ext cx="990600" cy="461665"/>
+          </a:xfrm>
+          <a:prstGeom prst="rect">
+            <a:avLst/>
+          </a:prstGeom>
+          <a:noFill/>
+        </p:spPr>
+        <p:txBody>
+          <a:bodyPr wrap="square" rtlCol="0">
+            <a:spAutoFit/>
+          </a:bodyPr>
+          <a:lstStyle/>
+          <a:p>
+            <a:r>
+              <a:rPr lang="pt-PT" sz="2400" dirty="0"/>
+              <a:t>X = 30</a:t>
+            </a:r>
+          </a:p>
+        </p:txBody>
+      </p:sp>
+      <p:sp>
+        <p:nvSpPr>
+          <p:cNvPr id="17" name="Retângulo: Cantos Arredondados 16">
+            <a:extLst>
+              <a:ext uri="{FF2B5EF4-FFF2-40B4-BE49-F238E27FC236}">
+                <a16:creationId xmlns:a16="http://schemas.microsoft.com/office/drawing/2014/main" id="{05A1AD46-3665-4312-BDBF-AEE444108A68}"/>
+              </a:ext>
+            </a:extLst>
+          </p:cNvPr>
+          <p:cNvSpPr/>
+          <p:nvPr/>
+        </p:nvSpPr>
+        <p:spPr>
+          <a:xfrm>
+            <a:off x="2851966" y="2557520"/>
+            <a:ext cx="2601722" cy="1878539"/>
+          </a:xfrm>
+          <a:prstGeom prst="roundRect">
+            <a:avLst/>
+          </a:prstGeom>
+          <a:solidFill>
+            <a:schemeClr val="bg1"/>
+          </a:solidFill>
+          <a:ln>
+            <a:noFill/>
+          </a:ln>
+        </p:spPr>
+        <p:style>
+          <a:lnRef idx="2">
+            <a:schemeClr val="accent1">
+              <a:shade val="50000"/>
+            </a:schemeClr>
+          </a:lnRef>
+          <a:fillRef idx="1">
+            <a:schemeClr val="accent1"/>
+          </a:fillRef>
+          <a:effectRef idx="0">
+            <a:schemeClr val="accent1"/>
+          </a:effectRef>
+          <a:fontRef idx="minor">
+            <a:schemeClr val="lt1"/>
+          </a:fontRef>
+        </p:style>
+        <p:txBody>
+          <a:bodyPr rtlCol="0" anchor="ctr"/>
+          <a:lstStyle/>
+          <a:p>
+            <a:pPr algn="ctr"/>
+            <a:endParaRPr lang="pt-PT"/>
+          </a:p>
+        </p:txBody>
+      </p:sp>
+      <p:pic>
+        <p:nvPicPr>
+          <p:cNvPr id="13" name="Picture 2">
+            <a:extLst>
+              <a:ext uri="{FF2B5EF4-FFF2-40B4-BE49-F238E27FC236}">
+                <a16:creationId xmlns:a16="http://schemas.microsoft.com/office/drawing/2014/main" id="{DDD9E37A-6607-488E-ADA0-DA0CBA3A5D48}"/>
+              </a:ext>
+            </a:extLst>
+          </p:cNvPr>
+          <p:cNvPicPr>
+            <a:picLocks noChangeAspect="1" noChangeArrowheads="1"/>
+          </p:cNvPicPr>
+          <p:nvPr/>
+        </p:nvPicPr>
+        <p:blipFill rotWithShape="1">
+          <a:blip r:embed="rId5">
+            <a:extLst>
+              <a:ext uri="{28A0092B-C50C-407E-A947-70E740481C1C}">
+                <a14:useLocalDpi xmlns:a14="http://schemas.microsoft.com/office/drawing/2010/main" val="0"/>
+              </a:ext>
+            </a:extLst>
+          </a:blip>
+          <a:srcRect l="11136" t="3728" r="3741" b="9116"/>
+          <a:stretch/>
+        </p:blipFill>
+        <p:spPr bwMode="auto">
+          <a:xfrm>
+            <a:off x="2992981" y="2700279"/>
+            <a:ext cx="2371219" cy="1600200"/>
+          </a:xfrm>
+          <a:prstGeom prst="rect">
+            <a:avLst/>
+          </a:prstGeom>
+          <a:noFill/>
+          <a:extLst>
+            <a:ext uri="{909E8E84-426E-40DD-AFC4-6F175D3DCCD1}">
+              <a14:hiddenFill xmlns:a14="http://schemas.microsoft.com/office/drawing/2010/main">
+                <a:solidFill>
+                  <a:srgbClr val="FFFFFF"/>
+                </a:solidFill>
+              </a14:hiddenFill>
+            </a:ext>
+          </a:extLst>
+        </p:spPr>
+      </p:pic>
       <p:sp>
         <p:nvSpPr>
           <p:cNvPr id="16" name="CaixaDeTexto 15">
@@ -5066,7 +5675,7 @@
 </p:sld>
 </file>
 
-<file path=ppt/slides/slide12.xml><?xml version="1.0" encoding="utf-8"?>
+<file path=ppt/slides/slide14.xml><?xml version="1.0" encoding="utf-8"?>
 <p:sld xmlns:a="http://schemas.openxmlformats.org/drawingml/2006/main" xmlns:r="http://schemas.openxmlformats.org/officeDocument/2006/relationships" xmlns:p="http://schemas.openxmlformats.org/presentationml/2006/main">
   <p:cSld>
     <p:spTree>
@@ -5889,7 +6498,7 @@
 </p:sld>
 </file>
 
-<file path=ppt/slides/slide13.xml><?xml version="1.0" encoding="utf-8"?>
+<file path=ppt/slides/slide15.xml><?xml version="1.0" encoding="utf-8"?>
 <p:sld xmlns:a="http://schemas.openxmlformats.org/drawingml/2006/main" xmlns:r="http://schemas.openxmlformats.org/officeDocument/2006/relationships" xmlns:p="http://schemas.openxmlformats.org/presentationml/2006/main" show="0">
   <p:cSld>
     <p:spTree>
@@ -6752,7 +7361,7 @@
 </p:sld>
 </file>
 
-<file path=ppt/slides/slide14.xml><?xml version="1.0" encoding="utf-8"?>
+<file path=ppt/slides/slide16.xml><?xml version="1.0" encoding="utf-8"?>
 <p:sld xmlns:a="http://schemas.openxmlformats.org/drawingml/2006/main" xmlns:r="http://schemas.openxmlformats.org/officeDocument/2006/relationships" xmlns:p="http://schemas.openxmlformats.org/presentationml/2006/main">
   <p:cSld>
     <p:spTree>
@@ -6922,7 +7531,7 @@
         </p:nvGrpSpPr>
         <p:grpSpPr>
           <a:xfrm>
-            <a:off x="3193006" y="3084697"/>
+            <a:off x="2895600" y="3370228"/>
             <a:ext cx="2757987" cy="688606"/>
             <a:chOff x="1834341" y="2727787"/>
             <a:chExt cx="1722407" cy="440724"/>
@@ -7277,7 +7886,7 @@
         </p:blipFill>
         <p:spPr bwMode="auto">
           <a:xfrm>
-            <a:off x="6705600" y="3147700"/>
+            <a:off x="6918192" y="3200400"/>
             <a:ext cx="1913095" cy="3204433"/>
           </a:xfrm>
           <a:prstGeom prst="rect">
@@ -7308,7 +7917,7 @@
 </p:sld>
 </file>
 
-<file path=ppt/slides/slide15.xml><?xml version="1.0" encoding="utf-8"?>
+<file path=ppt/slides/slide17.xml><?xml version="1.0" encoding="utf-8"?>
 <p:sld xmlns:a="http://schemas.openxmlformats.org/drawingml/2006/main" xmlns:r="http://schemas.openxmlformats.org/officeDocument/2006/relationships" xmlns:p="http://schemas.openxmlformats.org/presentationml/2006/main">
   <p:cSld>
     <p:spTree>
@@ -7476,7 +8085,7 @@
 </p:sld>
 </file>
 
-<file path=ppt/slides/slide16.xml><?xml version="1.0" encoding="utf-8"?>
+<file path=ppt/slides/slide18.xml><?xml version="1.0" encoding="utf-8"?>
 <p:sld xmlns:a="http://schemas.openxmlformats.org/drawingml/2006/main" xmlns:r="http://schemas.openxmlformats.org/officeDocument/2006/relationships" xmlns:p="http://schemas.openxmlformats.org/presentationml/2006/main">
   <p:cSld>
     <p:spTree>
@@ -9963,6 +10572,703 @@
 </file>
 
 <file path=ppt/slides/slide4.xml><?xml version="1.0" encoding="utf-8"?>
+<p:sld xmlns:a="http://schemas.openxmlformats.org/drawingml/2006/main" xmlns:r="http://schemas.openxmlformats.org/officeDocument/2006/relationships" xmlns:p="http://schemas.openxmlformats.org/presentationml/2006/main">
+  <p:cSld>
+    <p:spTree>
+      <p:nvGrpSpPr>
+        <p:cNvPr id="1" name=""/>
+        <p:cNvGrpSpPr/>
+        <p:nvPr/>
+      </p:nvGrpSpPr>
+      <p:grpSpPr>
+        <a:xfrm>
+          <a:off x="0" y="0"/>
+          <a:ext cx="0" cy="0"/>
+          <a:chOff x="0" y="0"/>
+          <a:chExt cx="0" cy="0"/>
+        </a:xfrm>
+      </p:grpSpPr>
+      <p:sp>
+        <p:nvSpPr>
+          <p:cNvPr id="4" name="object 2">
+            <a:extLst>
+              <a:ext uri="{FF2B5EF4-FFF2-40B4-BE49-F238E27FC236}">
+                <a16:creationId xmlns:a16="http://schemas.microsoft.com/office/drawing/2014/main" id="{4471745C-3600-459F-B985-AA5B97DF4497}"/>
+              </a:ext>
+            </a:extLst>
+          </p:cNvPr>
+          <p:cNvSpPr txBox="1">
+            <a:spLocks noGrp="1"/>
+          </p:cNvSpPr>
+          <p:nvPr>
+            <p:ph type="title"/>
+          </p:nvPr>
+        </p:nvSpPr>
+        <p:spPr>
+          <a:xfrm>
+            <a:off x="3223020" y="304800"/>
+            <a:ext cx="2697957" cy="461023"/>
+          </a:xfrm>
+          <a:prstGeom prst="rect">
+            <a:avLst/>
+          </a:prstGeom>
+        </p:spPr>
+        <p:txBody>
+          <a:bodyPr vert="horz" wrap="square" lIns="0" tIns="14604" rIns="0" bIns="0" rtlCol="0">
+            <a:spAutoFit/>
+          </a:bodyPr>
+          <a:lstStyle/>
+          <a:p>
+            <a:pPr marL="12700" algn="l">
+              <a:lnSpc>
+                <a:spcPct val="100000"/>
+              </a:lnSpc>
+              <a:spcBef>
+                <a:spcPts val="114"/>
+              </a:spcBef>
+            </a:pPr>
+            <a:r>
+              <a:rPr lang="pt-PT" spc="-185" dirty="0"/>
+              <a:t>Funcionalidades</a:t>
+            </a:r>
+            <a:endParaRPr spc="-185" dirty="0"/>
+          </a:p>
+        </p:txBody>
+      </p:sp>
+      <p:sp>
+        <p:nvSpPr>
+          <p:cNvPr id="5" name="Retângulo: Cantos Arredondados 4">
+            <a:extLst>
+              <a:ext uri="{FF2B5EF4-FFF2-40B4-BE49-F238E27FC236}">
+                <a16:creationId xmlns:a16="http://schemas.microsoft.com/office/drawing/2014/main" id="{F6328CA8-767C-4D05-B388-E3209E8923E3}"/>
+              </a:ext>
+            </a:extLst>
+          </p:cNvPr>
+          <p:cNvSpPr/>
+          <p:nvPr/>
+        </p:nvSpPr>
+        <p:spPr>
+          <a:xfrm>
+            <a:off x="2564009" y="1489493"/>
+            <a:ext cx="4015977" cy="1828800"/>
+          </a:xfrm>
+          <a:prstGeom prst="roundRect">
+            <a:avLst/>
+          </a:prstGeom>
+          <a:solidFill>
+            <a:schemeClr val="bg1"/>
+          </a:solidFill>
+          <a:ln>
+            <a:noFill/>
+          </a:ln>
+        </p:spPr>
+        <p:style>
+          <a:lnRef idx="2">
+            <a:schemeClr val="accent1">
+              <a:shade val="50000"/>
+            </a:schemeClr>
+          </a:lnRef>
+          <a:fillRef idx="1">
+            <a:schemeClr val="accent1"/>
+          </a:fillRef>
+          <a:effectRef idx="0">
+            <a:schemeClr val="accent1"/>
+          </a:effectRef>
+          <a:fontRef idx="minor">
+            <a:schemeClr val="lt1"/>
+          </a:fontRef>
+        </p:style>
+        <p:txBody>
+          <a:bodyPr rtlCol="0" anchor="ctr"/>
+          <a:lstStyle/>
+          <a:p>
+            <a:pPr algn="ctr"/>
+            <a:endParaRPr lang="pt-PT"/>
+          </a:p>
+        </p:txBody>
+      </p:sp>
+      <p:sp>
+        <p:nvSpPr>
+          <p:cNvPr id="6" name="CaixaDeTexto 5">
+            <a:extLst>
+              <a:ext uri="{FF2B5EF4-FFF2-40B4-BE49-F238E27FC236}">
+                <a16:creationId xmlns:a16="http://schemas.microsoft.com/office/drawing/2014/main" id="{CD6EC04D-1E19-49C3-9351-17B07AA202A8}"/>
+              </a:ext>
+            </a:extLst>
+          </p:cNvPr>
+          <p:cNvSpPr txBox="1"/>
+          <p:nvPr/>
+        </p:nvSpPr>
+        <p:spPr>
+          <a:xfrm>
+            <a:off x="2900089" y="1736599"/>
+            <a:ext cx="3343815" cy="1446550"/>
+          </a:xfrm>
+          <a:prstGeom prst="rect">
+            <a:avLst/>
+          </a:prstGeom>
+          <a:noFill/>
+        </p:spPr>
+        <p:txBody>
+          <a:bodyPr wrap="square" rtlCol="0">
+            <a:spAutoFit/>
+          </a:bodyPr>
+          <a:lstStyle/>
+          <a:p>
+            <a:pPr>
+              <a:lnSpc>
+                <a:spcPct val="150000"/>
+              </a:lnSpc>
+            </a:pPr>
+            <a:r>
+              <a:rPr lang="pt-PT" sz="1600" dirty="0">
+                <a:latin typeface="Consolas" panose="020B0609020204030204" pitchFamily="49" charset="0"/>
+              </a:rPr>
+              <a:t>G=</a:t>
+            </a:r>
+            <a:r>
+              <a:rPr lang="pt-PT" sz="1600" dirty="0" err="1">
+                <a:latin typeface="Consolas" panose="020B0609020204030204" pitchFamily="49" charset="0"/>
+              </a:rPr>
+              <a:t>nx.Graph</a:t>
+            </a:r>
+            <a:r>
+              <a:rPr lang="pt-PT" sz="1600" dirty="0">
+                <a:latin typeface="Consolas" panose="020B0609020204030204" pitchFamily="49" charset="0"/>
+              </a:rPr>
+              <a:t>()</a:t>
+            </a:r>
+          </a:p>
+          <a:p>
+            <a:pPr>
+              <a:lnSpc>
+                <a:spcPct val="150000"/>
+              </a:lnSpc>
+            </a:pPr>
+            <a:r>
+              <a:rPr lang="pt-PT" sz="1600" dirty="0" err="1">
+                <a:latin typeface="Consolas" panose="020B0609020204030204" pitchFamily="49" charset="0"/>
+              </a:rPr>
+              <a:t>Gx</a:t>
+            </a:r>
+            <a:r>
+              <a:rPr lang="pt-PT" sz="1600" dirty="0">
+                <a:latin typeface="Consolas" panose="020B0609020204030204" pitchFamily="49" charset="0"/>
+              </a:rPr>
+              <a:t>=</a:t>
+            </a:r>
+            <a:r>
+              <a:rPr lang="pt-PT" sz="1600" dirty="0" err="1">
+                <a:latin typeface="Consolas" panose="020B0609020204030204" pitchFamily="49" charset="0"/>
+              </a:rPr>
+              <a:t>nx.Graph</a:t>
+            </a:r>
+            <a:r>
+              <a:rPr lang="pt-PT" sz="1600" dirty="0">
+                <a:latin typeface="Consolas" panose="020B0609020204030204" pitchFamily="49" charset="0"/>
+              </a:rPr>
+              <a:t>(dia=</a:t>
+            </a:r>
+            <a:r>
+              <a:rPr lang="pt-PT" sz="1600" dirty="0">
+                <a:solidFill>
+                  <a:srgbClr val="E46C0A"/>
+                </a:solidFill>
+                <a:latin typeface="Consolas" panose="020B0609020204030204" pitchFamily="49" charset="0"/>
+              </a:rPr>
+              <a:t>"Segunda"</a:t>
+            </a:r>
+            <a:r>
+              <a:rPr lang="pt-PT" sz="1600" dirty="0">
+                <a:latin typeface="Consolas" panose="020B0609020204030204" pitchFamily="49" charset="0"/>
+              </a:rPr>
+              <a:t>)</a:t>
+            </a:r>
+          </a:p>
+          <a:p>
+            <a:pPr>
+              <a:lnSpc>
+                <a:spcPct val="150000"/>
+              </a:lnSpc>
+            </a:pPr>
+            <a:r>
+              <a:rPr lang="pt-PT" sz="1600" dirty="0" err="1">
+                <a:latin typeface="Consolas" panose="020B0609020204030204" pitchFamily="49" charset="0"/>
+              </a:rPr>
+              <a:t>Gx.graph</a:t>
+            </a:r>
+            <a:r>
+              <a:rPr lang="pt-PT" sz="1600" dirty="0">
+                <a:latin typeface="Consolas" panose="020B0609020204030204" pitchFamily="49" charset="0"/>
+              </a:rPr>
+              <a:t>['dia']=</a:t>
+            </a:r>
+            <a:r>
+              <a:rPr lang="pt-PT" sz="1600" dirty="0">
+                <a:solidFill>
+                  <a:srgbClr val="E46C0A"/>
+                </a:solidFill>
+                <a:latin typeface="Consolas" panose="020B0609020204030204" pitchFamily="49" charset="0"/>
+              </a:rPr>
+              <a:t>"Quarta"</a:t>
+            </a:r>
+          </a:p>
+          <a:p>
+            <a:endParaRPr lang="pt-PT" sz="1600" dirty="0">
+              <a:latin typeface="Consolas" panose="020B0609020204030204" pitchFamily="49" charset="0"/>
+              <a:cs typeface="Arial" panose="020B0604020202020204" pitchFamily="34" charset="0"/>
+            </a:endParaRPr>
+          </a:p>
+        </p:txBody>
+      </p:sp>
+      <p:pic>
+        <p:nvPicPr>
+          <p:cNvPr id="1030" name="Picture 6" descr="Resultado de imagem para grafo png">
+            <a:extLst>
+              <a:ext uri="{FF2B5EF4-FFF2-40B4-BE49-F238E27FC236}">
+                <a16:creationId xmlns:a16="http://schemas.microsoft.com/office/drawing/2014/main" id="{50D00B73-75A2-48AF-99E1-6D3FBE953294}"/>
+              </a:ext>
+            </a:extLst>
+          </p:cNvPr>
+          <p:cNvPicPr>
+            <a:picLocks noChangeAspect="1" noChangeArrowheads="1"/>
+          </p:cNvPicPr>
+          <p:nvPr/>
+        </p:nvPicPr>
+        <p:blipFill>
+          <a:blip r:embed="rId2">
+            <a:extLst>
+              <a:ext uri="{28A0092B-C50C-407E-A947-70E740481C1C}">
+                <a14:useLocalDpi xmlns:a14="http://schemas.microsoft.com/office/drawing/2010/main" val="0"/>
+              </a:ext>
+            </a:extLst>
+          </a:blip>
+          <a:srcRect/>
+          <a:stretch>
+            <a:fillRect/>
+          </a:stretch>
+        </p:blipFill>
+        <p:spPr bwMode="auto">
+          <a:xfrm>
+            <a:off x="2330918" y="3526767"/>
+            <a:ext cx="3787377" cy="2524918"/>
+          </a:xfrm>
+          <a:prstGeom prst="rect">
+            <a:avLst/>
+          </a:prstGeom>
+          <a:noFill/>
+          <a:extLst>
+            <a:ext uri="{909E8E84-426E-40DD-AFC4-6F175D3DCCD1}">
+              <a14:hiddenFill xmlns:a14="http://schemas.microsoft.com/office/drawing/2010/main">
+                <a:solidFill>
+                  <a:srgbClr val="FFFFFF"/>
+                </a:solidFill>
+              </a14:hiddenFill>
+            </a:ext>
+          </a:extLst>
+        </p:spPr>
+      </p:pic>
+    </p:spTree>
+    <p:extLst>
+      <p:ext uri="{BB962C8B-B14F-4D97-AF65-F5344CB8AC3E}">
+        <p14:creationId xmlns:p14="http://schemas.microsoft.com/office/powerpoint/2010/main" val="299113251"/>
+      </p:ext>
+    </p:extLst>
+  </p:cSld>
+  <p:clrMapOvr>
+    <a:masterClrMapping/>
+  </p:clrMapOvr>
+</p:sld>
+</file>
+
+<file path=ppt/slides/slide5.xml><?xml version="1.0" encoding="utf-8"?>
+<p:sld xmlns:a="http://schemas.openxmlformats.org/drawingml/2006/main" xmlns:r="http://schemas.openxmlformats.org/officeDocument/2006/relationships" xmlns:p="http://schemas.openxmlformats.org/presentationml/2006/main">
+  <p:cSld>
+    <p:spTree>
+      <p:nvGrpSpPr>
+        <p:cNvPr id="1" name=""/>
+        <p:cNvGrpSpPr/>
+        <p:nvPr/>
+      </p:nvGrpSpPr>
+      <p:grpSpPr>
+        <a:xfrm>
+          <a:off x="0" y="0"/>
+          <a:ext cx="0" cy="0"/>
+          <a:chOff x="0" y="0"/>
+          <a:chExt cx="0" cy="0"/>
+        </a:xfrm>
+      </p:grpSpPr>
+      <p:sp>
+        <p:nvSpPr>
+          <p:cNvPr id="14" name="Retângulo: Cantos Arredondados 13">
+            <a:extLst>
+              <a:ext uri="{FF2B5EF4-FFF2-40B4-BE49-F238E27FC236}">
+                <a16:creationId xmlns:a16="http://schemas.microsoft.com/office/drawing/2014/main" id="{FAC093AD-8892-4108-86AF-8F6153860206}"/>
+              </a:ext>
+            </a:extLst>
+          </p:cNvPr>
+          <p:cNvSpPr/>
+          <p:nvPr/>
+        </p:nvSpPr>
+        <p:spPr>
+          <a:xfrm>
+            <a:off x="1006676" y="1654261"/>
+            <a:ext cx="2337499" cy="669793"/>
+          </a:xfrm>
+          <a:prstGeom prst="roundRect">
+            <a:avLst/>
+          </a:prstGeom>
+          <a:solidFill>
+            <a:schemeClr val="bg1"/>
+          </a:solidFill>
+          <a:ln>
+            <a:noFill/>
+          </a:ln>
+        </p:spPr>
+        <p:style>
+          <a:lnRef idx="2">
+            <a:schemeClr val="accent1">
+              <a:shade val="50000"/>
+            </a:schemeClr>
+          </a:lnRef>
+          <a:fillRef idx="1">
+            <a:schemeClr val="accent1"/>
+          </a:fillRef>
+          <a:effectRef idx="0">
+            <a:schemeClr val="accent1"/>
+          </a:effectRef>
+          <a:fontRef idx="minor">
+            <a:schemeClr val="lt1"/>
+          </a:fontRef>
+        </p:style>
+        <p:txBody>
+          <a:bodyPr rtlCol="0" anchor="ctr"/>
+          <a:lstStyle/>
+          <a:p>
+            <a:pPr algn="ctr"/>
+            <a:endParaRPr lang="pt-PT"/>
+          </a:p>
+        </p:txBody>
+      </p:sp>
+      <p:sp>
+        <p:nvSpPr>
+          <p:cNvPr id="3" name="Retângulo: Cantos Arredondados 2">
+            <a:extLst>
+              <a:ext uri="{FF2B5EF4-FFF2-40B4-BE49-F238E27FC236}">
+                <a16:creationId xmlns:a16="http://schemas.microsoft.com/office/drawing/2014/main" id="{19F53956-F2EE-49FD-B5E4-0D8EC4453481}"/>
+              </a:ext>
+            </a:extLst>
+          </p:cNvPr>
+          <p:cNvSpPr/>
+          <p:nvPr/>
+        </p:nvSpPr>
+        <p:spPr>
+          <a:xfrm>
+            <a:off x="4953000" y="1654261"/>
+            <a:ext cx="3336724" cy="727151"/>
+          </a:xfrm>
+          <a:prstGeom prst="roundRect">
+            <a:avLst/>
+          </a:prstGeom>
+          <a:solidFill>
+            <a:schemeClr val="bg1"/>
+          </a:solidFill>
+          <a:ln>
+            <a:noFill/>
+          </a:ln>
+        </p:spPr>
+        <p:style>
+          <a:lnRef idx="2">
+            <a:schemeClr val="accent1">
+              <a:shade val="50000"/>
+            </a:schemeClr>
+          </a:lnRef>
+          <a:fillRef idx="1">
+            <a:schemeClr val="accent1"/>
+          </a:fillRef>
+          <a:effectRef idx="0">
+            <a:schemeClr val="accent1"/>
+          </a:effectRef>
+          <a:fontRef idx="minor">
+            <a:schemeClr val="lt1"/>
+          </a:fontRef>
+        </p:style>
+        <p:txBody>
+          <a:bodyPr rtlCol="0" anchor="ctr"/>
+          <a:lstStyle/>
+          <a:p>
+            <a:pPr algn="ctr"/>
+            <a:endParaRPr lang="pt-PT"/>
+          </a:p>
+        </p:txBody>
+      </p:sp>
+      <p:pic>
+        <p:nvPicPr>
+          <p:cNvPr id="5" name="Picture 2" descr="Resultado de imagem para multi graph">
+            <a:extLst>
+              <a:ext uri="{FF2B5EF4-FFF2-40B4-BE49-F238E27FC236}">
+                <a16:creationId xmlns:a16="http://schemas.microsoft.com/office/drawing/2014/main" id="{27F526DC-53E2-4BD3-A8DC-FCE127F12462}"/>
+              </a:ext>
+            </a:extLst>
+          </p:cNvPr>
+          <p:cNvPicPr>
+            <a:picLocks noChangeAspect="1" noChangeArrowheads="1"/>
+          </p:cNvPicPr>
+          <p:nvPr/>
+        </p:nvPicPr>
+        <p:blipFill>
+          <a:blip r:embed="rId2">
+            <a:extLst>
+              <a:ext uri="{28A0092B-C50C-407E-A947-70E740481C1C}">
+                <a14:useLocalDpi xmlns:a14="http://schemas.microsoft.com/office/drawing/2010/main" val="0"/>
+              </a:ext>
+            </a:extLst>
+          </a:blip>
+          <a:srcRect/>
+          <a:stretch>
+            <a:fillRect/>
+          </a:stretch>
+        </p:blipFill>
+        <p:spPr bwMode="auto">
+          <a:xfrm>
+            <a:off x="5474050" y="2498325"/>
+            <a:ext cx="2514600" cy="2514600"/>
+          </a:xfrm>
+          <a:prstGeom prst="rect">
+            <a:avLst/>
+          </a:prstGeom>
+          <a:noFill/>
+          <a:extLst>
+            <a:ext uri="{909E8E84-426E-40DD-AFC4-6F175D3DCCD1}">
+              <a14:hiddenFill xmlns:a14="http://schemas.microsoft.com/office/drawing/2010/main">
+                <a:solidFill>
+                  <a:srgbClr val="FFFFFF"/>
+                </a:solidFill>
+              </a14:hiddenFill>
+            </a:ext>
+          </a:extLst>
+        </p:spPr>
+      </p:pic>
+      <p:pic>
+        <p:nvPicPr>
+          <p:cNvPr id="6" name="Picture 4" descr="Resultado de imagem para di graph">
+            <a:extLst>
+              <a:ext uri="{FF2B5EF4-FFF2-40B4-BE49-F238E27FC236}">
+                <a16:creationId xmlns:a16="http://schemas.microsoft.com/office/drawing/2014/main" id="{FA6BDB1F-5842-4B74-B4F0-4B45366B9FE2}"/>
+              </a:ext>
+            </a:extLst>
+          </p:cNvPr>
+          <p:cNvPicPr>
+            <a:picLocks noChangeAspect="1" noChangeArrowheads="1"/>
+          </p:cNvPicPr>
+          <p:nvPr/>
+        </p:nvPicPr>
+        <p:blipFill>
+          <a:blip r:embed="rId3" cstate="print">
+            <a:extLst>
+              <a:ext uri="{28A0092B-C50C-407E-A947-70E740481C1C}">
+                <a14:useLocalDpi xmlns:a14="http://schemas.microsoft.com/office/drawing/2010/main" val="0"/>
+              </a:ext>
+            </a:extLst>
+          </a:blip>
+          <a:srcRect/>
+          <a:stretch>
+            <a:fillRect/>
+          </a:stretch>
+        </p:blipFill>
+        <p:spPr bwMode="auto">
+          <a:xfrm>
+            <a:off x="698152" y="2568705"/>
+            <a:ext cx="2971800" cy="2674619"/>
+          </a:xfrm>
+          <a:prstGeom prst="rect">
+            <a:avLst/>
+          </a:prstGeom>
+          <a:noFill/>
+          <a:extLst>
+            <a:ext uri="{909E8E84-426E-40DD-AFC4-6F175D3DCCD1}">
+              <a14:hiddenFill xmlns:a14="http://schemas.microsoft.com/office/drawing/2010/main">
+                <a:solidFill>
+                  <a:srgbClr val="FFFFFF"/>
+                </a:solidFill>
+              </a14:hiddenFill>
+            </a:ext>
+          </a:extLst>
+        </p:spPr>
+      </p:pic>
+      <p:sp>
+        <p:nvSpPr>
+          <p:cNvPr id="12" name="object 2">
+            <a:extLst>
+              <a:ext uri="{FF2B5EF4-FFF2-40B4-BE49-F238E27FC236}">
+                <a16:creationId xmlns:a16="http://schemas.microsoft.com/office/drawing/2014/main" id="{96744C10-8DFC-495B-8076-9FD5BA30E0A9}"/>
+              </a:ext>
+            </a:extLst>
+          </p:cNvPr>
+          <p:cNvSpPr txBox="1">
+            <a:spLocks noGrp="1"/>
+          </p:cNvSpPr>
+          <p:nvPr>
+            <p:ph type="title"/>
+          </p:nvPr>
+        </p:nvSpPr>
+        <p:spPr>
+          <a:xfrm>
+            <a:off x="3223020" y="304800"/>
+            <a:ext cx="2697957" cy="461023"/>
+          </a:xfrm>
+          <a:prstGeom prst="rect">
+            <a:avLst/>
+          </a:prstGeom>
+        </p:spPr>
+        <p:txBody>
+          <a:bodyPr vert="horz" wrap="square" lIns="0" tIns="14604" rIns="0" bIns="0" rtlCol="0">
+            <a:spAutoFit/>
+          </a:bodyPr>
+          <a:lstStyle/>
+          <a:p>
+            <a:pPr marL="12700" algn="l">
+              <a:lnSpc>
+                <a:spcPct val="100000"/>
+              </a:lnSpc>
+              <a:spcBef>
+                <a:spcPts val="114"/>
+              </a:spcBef>
+            </a:pPr>
+            <a:r>
+              <a:rPr lang="pt-PT" spc="-185" dirty="0"/>
+              <a:t>Funcionalidades</a:t>
+            </a:r>
+            <a:endParaRPr spc="-185" dirty="0"/>
+          </a:p>
+        </p:txBody>
+      </p:sp>
+      <p:sp>
+        <p:nvSpPr>
+          <p:cNvPr id="13" name="Retângulo 12">
+            <a:extLst>
+              <a:ext uri="{FF2B5EF4-FFF2-40B4-BE49-F238E27FC236}">
+                <a16:creationId xmlns:a16="http://schemas.microsoft.com/office/drawing/2014/main" id="{B59FC990-F0C8-4371-8400-83C2BC93FB52}"/>
+              </a:ext>
+            </a:extLst>
+          </p:cNvPr>
+          <p:cNvSpPr/>
+          <p:nvPr/>
+        </p:nvSpPr>
+        <p:spPr>
+          <a:xfrm>
+            <a:off x="1015303" y="1687087"/>
+            <a:ext cx="2337499" cy="463332"/>
+          </a:xfrm>
+          <a:prstGeom prst="rect">
+            <a:avLst/>
+          </a:prstGeom>
+        </p:spPr>
+        <p:txBody>
+          <a:bodyPr wrap="none">
+            <a:spAutoFit/>
+          </a:bodyPr>
+          <a:lstStyle/>
+          <a:p>
+            <a:pPr>
+              <a:lnSpc>
+                <a:spcPct val="150000"/>
+              </a:lnSpc>
+            </a:pPr>
+            <a:r>
+              <a:rPr lang="pt-PT" dirty="0">
+                <a:latin typeface="Consolas" panose="020B0609020204030204" pitchFamily="49" charset="0"/>
+              </a:rPr>
+              <a:t>G_DI=</a:t>
+            </a:r>
+            <a:r>
+              <a:rPr lang="pt-PT" dirty="0" err="1">
+                <a:latin typeface="Consolas" panose="020B0609020204030204" pitchFamily="49" charset="0"/>
+              </a:rPr>
+              <a:t>nx.DiGraph</a:t>
+            </a:r>
+            <a:r>
+              <a:rPr lang="pt-PT" dirty="0">
+                <a:latin typeface="Consolas" panose="020B0609020204030204" pitchFamily="49" charset="0"/>
+              </a:rPr>
+              <a:t>()</a:t>
+            </a:r>
+          </a:p>
+        </p:txBody>
+      </p:sp>
+      <p:sp>
+        <p:nvSpPr>
+          <p:cNvPr id="15" name="Retângulo 14">
+            <a:extLst>
+              <a:ext uri="{FF2B5EF4-FFF2-40B4-BE49-F238E27FC236}">
+                <a16:creationId xmlns:a16="http://schemas.microsoft.com/office/drawing/2014/main" id="{33A5BF41-7199-4574-80AC-58BDCA803667}"/>
+              </a:ext>
+            </a:extLst>
+          </p:cNvPr>
+          <p:cNvSpPr/>
+          <p:nvPr/>
+        </p:nvSpPr>
+        <p:spPr>
+          <a:xfrm>
+            <a:off x="5072700" y="1771174"/>
+            <a:ext cx="3097323" cy="463332"/>
+          </a:xfrm>
+          <a:prstGeom prst="rect">
+            <a:avLst/>
+          </a:prstGeom>
+        </p:spPr>
+        <p:txBody>
+          <a:bodyPr wrap="none">
+            <a:spAutoFit/>
+          </a:bodyPr>
+          <a:lstStyle/>
+          <a:p>
+            <a:pPr>
+              <a:lnSpc>
+                <a:spcPct val="150000"/>
+              </a:lnSpc>
+            </a:pPr>
+            <a:r>
+              <a:rPr lang="pt-PT" dirty="0" err="1">
+                <a:latin typeface="Consolas" panose="020B0609020204030204" pitchFamily="49" charset="0"/>
+              </a:rPr>
+              <a:t>G_Multi</a:t>
+            </a:r>
+            <a:r>
+              <a:rPr lang="pt-PT" dirty="0">
+                <a:latin typeface="Consolas" panose="020B0609020204030204" pitchFamily="49" charset="0"/>
+              </a:rPr>
+              <a:t>=</a:t>
+            </a:r>
+            <a:r>
+              <a:rPr lang="pt-PT" dirty="0" err="1">
+                <a:latin typeface="Consolas" panose="020B0609020204030204" pitchFamily="49" charset="0"/>
+              </a:rPr>
+              <a:t>nx.MultiGraph</a:t>
+            </a:r>
+            <a:r>
+              <a:rPr lang="pt-PT" dirty="0">
+                <a:latin typeface="Consolas" panose="020B0609020204030204" pitchFamily="49" charset="0"/>
+              </a:rPr>
+              <a:t>()</a:t>
+            </a:r>
+          </a:p>
+        </p:txBody>
+      </p:sp>
+    </p:spTree>
+    <p:extLst>
+      <p:ext uri="{BB962C8B-B14F-4D97-AF65-F5344CB8AC3E}">
+        <p14:creationId xmlns:p14="http://schemas.microsoft.com/office/powerpoint/2010/main" val="1900842215"/>
+      </p:ext>
+    </p:extLst>
+  </p:cSld>
+  <p:clrMapOvr>
+    <a:masterClrMapping/>
+  </p:clrMapOvr>
+</p:sld>
+</file>
+
+<file path=ppt/slides/slide6.xml><?xml version="1.0" encoding="utf-8"?>
 <p:sld xmlns:a="http://schemas.openxmlformats.org/drawingml/2006/main" xmlns:r="http://schemas.openxmlformats.org/officeDocument/2006/relationships" xmlns:p="http://schemas.openxmlformats.org/presentationml/2006/main">
   <p:cSld>
     <p:spTree>
@@ -12000,7 +13306,7 @@
 </p:sld>
 </file>
 
-<file path=ppt/slides/slide5.xml><?xml version="1.0" encoding="utf-8"?>
+<file path=ppt/slides/slide7.xml><?xml version="1.0" encoding="utf-8"?>
 <p:sld xmlns:a="http://schemas.openxmlformats.org/drawingml/2006/main" xmlns:r="http://schemas.openxmlformats.org/officeDocument/2006/relationships" xmlns:p="http://schemas.openxmlformats.org/presentationml/2006/main">
   <p:cSld>
     <p:spTree>
@@ -12281,7 +13587,7 @@
 </p:sld>
 </file>
 
-<file path=ppt/slides/slide6.xml><?xml version="1.0" encoding="utf-8"?>
+<file path=ppt/slides/slide8.xml><?xml version="1.0" encoding="utf-8"?>
 <p:sld xmlns:a="http://schemas.openxmlformats.org/drawingml/2006/main" xmlns:r="http://schemas.openxmlformats.org/officeDocument/2006/relationships" xmlns:p="http://schemas.openxmlformats.org/presentationml/2006/main">
   <p:cSld>
     <p:spTree>
@@ -12312,7 +13618,7 @@
         </p:nvSpPr>
         <p:spPr>
           <a:xfrm>
-            <a:off x="686002" y="2499323"/>
+            <a:off x="703254" y="2499323"/>
             <a:ext cx="2971800" cy="2217420"/>
           </a:xfrm>
           <a:prstGeom prst="roundRect">
@@ -12777,884 +14083,6 @@
 </p:sld>
 </file>
 
-<file path=ppt/slides/slide7.xml><?xml version="1.0" encoding="utf-8"?>
-<p:sld xmlns:a="http://schemas.openxmlformats.org/drawingml/2006/main" xmlns:r="http://schemas.openxmlformats.org/officeDocument/2006/relationships" xmlns:p="http://schemas.openxmlformats.org/presentationml/2006/main">
-  <p:cSld>
-    <p:spTree>
-      <p:nvGrpSpPr>
-        <p:cNvPr id="1" name=""/>
-        <p:cNvGrpSpPr/>
-        <p:nvPr/>
-      </p:nvGrpSpPr>
-      <p:grpSpPr>
-        <a:xfrm>
-          <a:off x="0" y="0"/>
-          <a:ext cx="0" cy="0"/>
-          <a:chOff x="0" y="0"/>
-          <a:chExt cx="0" cy="0"/>
-        </a:xfrm>
-      </p:grpSpPr>
-      <p:sp>
-        <p:nvSpPr>
-          <p:cNvPr id="4" name="Retângulo: Cantos Arredondados 3">
-            <a:extLst>
-              <a:ext uri="{FF2B5EF4-FFF2-40B4-BE49-F238E27FC236}">
-                <a16:creationId xmlns:a16="http://schemas.microsoft.com/office/drawing/2014/main" id="{5A155CB5-D81B-41CC-BE5B-36B05B169A2A}"/>
-              </a:ext>
-            </a:extLst>
-          </p:cNvPr>
-          <p:cNvSpPr/>
-          <p:nvPr/>
-        </p:nvSpPr>
-        <p:spPr>
-          <a:xfrm>
-            <a:off x="457200" y="1066800"/>
-            <a:ext cx="8458200" cy="4457581"/>
-          </a:xfrm>
-          <a:prstGeom prst="roundRect">
-            <a:avLst/>
-          </a:prstGeom>
-          <a:solidFill>
-            <a:schemeClr val="bg1"/>
-          </a:solidFill>
-          <a:ln>
-            <a:noFill/>
-          </a:ln>
-        </p:spPr>
-        <p:style>
-          <a:lnRef idx="2">
-            <a:schemeClr val="accent1">
-              <a:shade val="50000"/>
-            </a:schemeClr>
-          </a:lnRef>
-          <a:fillRef idx="1">
-            <a:schemeClr val="accent1"/>
-          </a:fillRef>
-          <a:effectRef idx="0">
-            <a:schemeClr val="accent1"/>
-          </a:effectRef>
-          <a:fontRef idx="minor">
-            <a:schemeClr val="lt1"/>
-          </a:fontRef>
-        </p:style>
-        <p:txBody>
-          <a:bodyPr rtlCol="0" anchor="ctr"/>
-          <a:lstStyle/>
-          <a:p>
-            <a:pPr algn="ctr"/>
-            <a:endParaRPr lang="pt-PT"/>
-          </a:p>
-        </p:txBody>
-      </p:sp>
-      <p:sp>
-        <p:nvSpPr>
-          <p:cNvPr id="12" name="object 2">
-            <a:extLst>
-              <a:ext uri="{FF2B5EF4-FFF2-40B4-BE49-F238E27FC236}">
-                <a16:creationId xmlns:a16="http://schemas.microsoft.com/office/drawing/2014/main" id="{3FB8BEF2-4FBF-456A-BB55-B3EE58FADD7D}"/>
-              </a:ext>
-            </a:extLst>
-          </p:cNvPr>
-          <p:cNvSpPr txBox="1">
-            <a:spLocks noGrp="1"/>
-          </p:cNvSpPr>
-          <p:nvPr>
-            <p:ph type="title"/>
-          </p:nvPr>
-        </p:nvSpPr>
-        <p:spPr>
-          <a:xfrm>
-            <a:off x="2868810" y="228600"/>
-            <a:ext cx="3406380" cy="461023"/>
-          </a:xfrm>
-          <a:prstGeom prst="rect">
-            <a:avLst/>
-          </a:prstGeom>
-        </p:spPr>
-        <p:txBody>
-          <a:bodyPr vert="horz" wrap="square" lIns="0" tIns="14604" rIns="0" bIns="0" rtlCol="0">
-            <a:spAutoFit/>
-          </a:bodyPr>
-          <a:lstStyle/>
-          <a:p>
-            <a:pPr marL="12700" algn="l">
-              <a:lnSpc>
-                <a:spcPct val="100000"/>
-              </a:lnSpc>
-              <a:spcBef>
-                <a:spcPts val="114"/>
-              </a:spcBef>
-            </a:pPr>
-            <a:r>
-              <a:rPr lang="pt-PT" spc="-185" dirty="0"/>
-              <a:t>Exemplo de utilização</a:t>
-            </a:r>
-            <a:endParaRPr spc="-185" dirty="0"/>
-          </a:p>
-        </p:txBody>
-      </p:sp>
-      <p:sp>
-        <p:nvSpPr>
-          <p:cNvPr id="2" name="Retângulo 1">
-            <a:extLst>
-              <a:ext uri="{FF2B5EF4-FFF2-40B4-BE49-F238E27FC236}">
-                <a16:creationId xmlns:a16="http://schemas.microsoft.com/office/drawing/2014/main" id="{A989D150-DEFC-4AD6-A86E-A991D131A93D}"/>
-              </a:ext>
-            </a:extLst>
-          </p:cNvPr>
-          <p:cNvSpPr/>
-          <p:nvPr/>
-        </p:nvSpPr>
-        <p:spPr>
-          <a:xfrm>
-            <a:off x="685800" y="1409582"/>
-            <a:ext cx="8229600" cy="3785652"/>
-          </a:xfrm>
-          <a:prstGeom prst="rect">
-            <a:avLst/>
-          </a:prstGeom>
-        </p:spPr>
-        <p:txBody>
-          <a:bodyPr wrap="square">
-            <a:spAutoFit/>
-          </a:bodyPr>
-          <a:lstStyle/>
-          <a:p>
-            <a:r>
-              <a:rPr lang="pt-PT" sz="1600" dirty="0" err="1">
-                <a:solidFill>
-                  <a:srgbClr val="2A6DD0"/>
-                </a:solidFill>
-                <a:latin typeface="Consolas" panose="020B0609020204030204" pitchFamily="49" charset="0"/>
-                <a:cs typeface="Arial" panose="020B0604020202020204" pitchFamily="34" charset="0"/>
-              </a:rPr>
-              <a:t>def</a:t>
-            </a:r>
-            <a:r>
-              <a:rPr lang="pt-PT" sz="1600" dirty="0">
-                <a:latin typeface="Consolas" panose="020B0609020204030204" pitchFamily="49" charset="0"/>
-                <a:cs typeface="Arial" panose="020B0604020202020204" pitchFamily="34" charset="0"/>
-              </a:rPr>
-              <a:t> </a:t>
-            </a:r>
-            <a:r>
-              <a:rPr lang="pt-PT" sz="1600" dirty="0" err="1">
-                <a:solidFill>
-                  <a:srgbClr val="00B050"/>
-                </a:solidFill>
-                <a:latin typeface="Consolas" panose="020B0609020204030204" pitchFamily="49" charset="0"/>
-                <a:cs typeface="Arial" panose="020B0604020202020204" pitchFamily="34" charset="0"/>
-              </a:rPr>
-              <a:t>create_tree</a:t>
-            </a:r>
-            <a:r>
-              <a:rPr lang="pt-PT" sz="1600" dirty="0">
-                <a:latin typeface="Consolas" panose="020B0609020204030204" pitchFamily="49" charset="0"/>
-                <a:cs typeface="Arial" panose="020B0604020202020204" pitchFamily="34" charset="0"/>
-              </a:rPr>
-              <a:t>(</a:t>
-            </a:r>
-            <a:r>
-              <a:rPr lang="pt-PT" sz="1600" dirty="0">
-                <a:solidFill>
-                  <a:srgbClr val="00B0F0"/>
-                </a:solidFill>
-                <a:latin typeface="Consolas" panose="020B0609020204030204" pitchFamily="49" charset="0"/>
-                <a:cs typeface="Arial" panose="020B0604020202020204" pitchFamily="34" charset="0"/>
-              </a:rPr>
-              <a:t>lista</a:t>
-            </a:r>
-            <a:r>
-              <a:rPr lang="pt-PT" sz="1600" dirty="0">
-                <a:latin typeface="Consolas" panose="020B0609020204030204" pitchFamily="49" charset="0"/>
-                <a:cs typeface="Arial" panose="020B0604020202020204" pitchFamily="34" charset="0"/>
-              </a:rPr>
-              <a:t>):</a:t>
-            </a:r>
-          </a:p>
-          <a:p>
-            <a:r>
-              <a:rPr lang="pt-PT" sz="1600" dirty="0">
-                <a:latin typeface="Consolas" panose="020B0609020204030204" pitchFamily="49" charset="0"/>
-                <a:cs typeface="Arial" panose="020B0604020202020204" pitchFamily="34" charset="0"/>
-              </a:rPr>
-              <a:t>    </a:t>
-            </a:r>
-            <a:r>
-              <a:rPr lang="pt-PT" sz="1600" dirty="0" err="1">
-                <a:latin typeface="Consolas" panose="020B0609020204030204" pitchFamily="49" charset="0"/>
-                <a:cs typeface="Arial" panose="020B0604020202020204" pitchFamily="34" charset="0"/>
-              </a:rPr>
-              <a:t>tam</a:t>
-            </a:r>
-            <a:r>
-              <a:rPr lang="pt-PT" sz="1600" dirty="0">
-                <a:latin typeface="Consolas" panose="020B0609020204030204" pitchFamily="49" charset="0"/>
-                <a:cs typeface="Arial" panose="020B0604020202020204" pitchFamily="34" charset="0"/>
-              </a:rPr>
-              <a:t> = </a:t>
-            </a:r>
-            <a:r>
-              <a:rPr lang="pt-PT" sz="1600" dirty="0" err="1">
-                <a:solidFill>
-                  <a:srgbClr val="00B050"/>
-                </a:solidFill>
-                <a:latin typeface="Consolas" panose="020B0609020204030204" pitchFamily="49" charset="0"/>
-                <a:cs typeface="Arial" panose="020B0604020202020204" pitchFamily="34" charset="0"/>
-              </a:rPr>
-              <a:t>len</a:t>
-            </a:r>
-            <a:r>
-              <a:rPr lang="pt-PT" sz="1600" dirty="0">
-                <a:latin typeface="Consolas" panose="020B0609020204030204" pitchFamily="49" charset="0"/>
-                <a:cs typeface="Arial" panose="020B0604020202020204" pitchFamily="34" charset="0"/>
-              </a:rPr>
-              <a:t>(lista)-1</a:t>
-            </a:r>
-          </a:p>
-          <a:p>
-            <a:r>
-              <a:rPr lang="pt-PT" sz="1600" dirty="0">
-                <a:latin typeface="Consolas" panose="020B0609020204030204" pitchFamily="49" charset="0"/>
-                <a:cs typeface="Arial" panose="020B0604020202020204" pitchFamily="34" charset="0"/>
-              </a:rPr>
-              <a:t>    </a:t>
-            </a:r>
-            <a:r>
-              <a:rPr lang="pt-PT" sz="1600" dirty="0">
-                <a:solidFill>
-                  <a:srgbClr val="B17BAC"/>
-                </a:solidFill>
-                <a:latin typeface="Consolas" panose="020B0609020204030204" pitchFamily="49" charset="0"/>
-                <a:cs typeface="Arial" panose="020B0604020202020204" pitchFamily="34" charset="0"/>
-              </a:rPr>
-              <a:t>for</a:t>
-            </a:r>
-            <a:r>
-              <a:rPr lang="pt-PT" sz="1600" dirty="0">
-                <a:latin typeface="Consolas" panose="020B0609020204030204" pitchFamily="49" charset="0"/>
-                <a:cs typeface="Arial" panose="020B0604020202020204" pitchFamily="34" charset="0"/>
-              </a:rPr>
-              <a:t> i </a:t>
-            </a:r>
-            <a:r>
-              <a:rPr lang="pt-PT" sz="1600" dirty="0">
-                <a:solidFill>
-                  <a:srgbClr val="2A6DD0"/>
-                </a:solidFill>
-                <a:latin typeface="Consolas" panose="020B0609020204030204" pitchFamily="49" charset="0"/>
-                <a:cs typeface="Arial" panose="020B0604020202020204" pitchFamily="34" charset="0"/>
-              </a:rPr>
-              <a:t>in</a:t>
-            </a:r>
-            <a:r>
-              <a:rPr lang="pt-PT" sz="1600" dirty="0">
-                <a:latin typeface="Consolas" panose="020B0609020204030204" pitchFamily="49" charset="0"/>
-                <a:cs typeface="Arial" panose="020B0604020202020204" pitchFamily="34" charset="0"/>
-              </a:rPr>
-              <a:t> </a:t>
-            </a:r>
-            <a:r>
-              <a:rPr lang="pt-PT" sz="1600" dirty="0">
-                <a:solidFill>
-                  <a:srgbClr val="00B050"/>
-                </a:solidFill>
-                <a:latin typeface="Consolas" panose="020B0609020204030204" pitchFamily="49" charset="0"/>
-                <a:cs typeface="Arial" panose="020B0604020202020204" pitchFamily="34" charset="0"/>
-              </a:rPr>
-              <a:t>range</a:t>
-            </a:r>
-            <a:r>
-              <a:rPr lang="pt-PT" sz="1600" dirty="0">
-                <a:latin typeface="Consolas" panose="020B0609020204030204" pitchFamily="49" charset="0"/>
-                <a:cs typeface="Arial" panose="020B0604020202020204" pitchFamily="34" charset="0"/>
-              </a:rPr>
-              <a:t>(</a:t>
-            </a:r>
-            <a:r>
-              <a:rPr lang="pt-PT" sz="1600" dirty="0" err="1">
-                <a:latin typeface="Consolas" panose="020B0609020204030204" pitchFamily="49" charset="0"/>
-                <a:cs typeface="Arial" panose="020B0604020202020204" pitchFamily="34" charset="0"/>
-              </a:rPr>
-              <a:t>tam</a:t>
-            </a:r>
-            <a:r>
-              <a:rPr lang="pt-PT" sz="1600" dirty="0">
-                <a:latin typeface="Consolas" panose="020B0609020204030204" pitchFamily="49" charset="0"/>
-                <a:cs typeface="Arial" panose="020B0604020202020204" pitchFamily="34" charset="0"/>
-              </a:rPr>
-              <a:t>):</a:t>
-            </a:r>
-          </a:p>
-          <a:p>
-            <a:r>
-              <a:rPr lang="pt-PT" sz="1600" dirty="0">
-                <a:latin typeface="Consolas" panose="020B0609020204030204" pitchFamily="49" charset="0"/>
-                <a:cs typeface="Arial" panose="020B0604020202020204" pitchFamily="34" charset="0"/>
-              </a:rPr>
-              <a:t>        </a:t>
-            </a:r>
-            <a:r>
-              <a:rPr lang="pt-PT" sz="1600" dirty="0" err="1">
-                <a:solidFill>
-                  <a:srgbClr val="B17BAC"/>
-                </a:solidFill>
-                <a:latin typeface="Consolas" panose="020B0609020204030204" pitchFamily="49" charset="0"/>
-                <a:cs typeface="Arial" panose="020B0604020202020204" pitchFamily="34" charset="0"/>
-              </a:rPr>
-              <a:t>if</a:t>
-            </a:r>
-            <a:r>
-              <a:rPr lang="pt-PT" sz="1600" dirty="0">
-                <a:latin typeface="Consolas" panose="020B0609020204030204" pitchFamily="49" charset="0"/>
-                <a:cs typeface="Arial" panose="020B0604020202020204" pitchFamily="34" charset="0"/>
-              </a:rPr>
-              <a:t> 2*i+1 &lt;= </a:t>
-            </a:r>
-            <a:r>
-              <a:rPr lang="pt-PT" sz="1600" dirty="0" err="1">
-                <a:latin typeface="Consolas" panose="020B0609020204030204" pitchFamily="49" charset="0"/>
-                <a:cs typeface="Arial" panose="020B0604020202020204" pitchFamily="34" charset="0"/>
-              </a:rPr>
-              <a:t>tam</a:t>
-            </a:r>
-            <a:r>
-              <a:rPr lang="pt-PT" sz="1600" dirty="0">
-                <a:latin typeface="Consolas" panose="020B0609020204030204" pitchFamily="49" charset="0"/>
-                <a:cs typeface="Arial" panose="020B0604020202020204" pitchFamily="34" charset="0"/>
-              </a:rPr>
-              <a:t>:</a:t>
-            </a:r>
-          </a:p>
-          <a:p>
-            <a:r>
-              <a:rPr lang="pt-PT" sz="1600" dirty="0">
-                <a:latin typeface="Consolas" panose="020B0609020204030204" pitchFamily="49" charset="0"/>
-                <a:cs typeface="Arial" panose="020B0604020202020204" pitchFamily="34" charset="0"/>
-              </a:rPr>
-              <a:t>            </a:t>
-            </a:r>
-            <a:r>
-              <a:rPr lang="pt-PT" sz="1600" dirty="0" err="1">
-                <a:latin typeface="Consolas" panose="020B0609020204030204" pitchFamily="49" charset="0"/>
-                <a:cs typeface="Arial" panose="020B0604020202020204" pitchFamily="34" charset="0"/>
-              </a:rPr>
-              <a:t>G.add_edge</a:t>
-            </a:r>
-            <a:r>
-              <a:rPr lang="pt-PT" sz="1600" dirty="0">
-                <a:latin typeface="Consolas" panose="020B0609020204030204" pitchFamily="49" charset="0"/>
-                <a:cs typeface="Arial" panose="020B0604020202020204" pitchFamily="34" charset="0"/>
-              </a:rPr>
-              <a:t>(lista[i],lista[2*i+1])</a:t>
-            </a:r>
-          </a:p>
-          <a:p>
-            <a:r>
-              <a:rPr lang="pt-PT" sz="1600" dirty="0">
-                <a:latin typeface="Consolas" panose="020B0609020204030204" pitchFamily="49" charset="0"/>
-                <a:cs typeface="Arial" panose="020B0604020202020204" pitchFamily="34" charset="0"/>
-              </a:rPr>
-              <a:t>        </a:t>
-            </a:r>
-            <a:r>
-              <a:rPr lang="pt-PT" sz="1600" dirty="0" err="1">
-                <a:solidFill>
-                  <a:srgbClr val="B17BAC"/>
-                </a:solidFill>
-                <a:latin typeface="Consolas" panose="020B0609020204030204" pitchFamily="49" charset="0"/>
-                <a:cs typeface="Arial" panose="020B0604020202020204" pitchFamily="34" charset="0"/>
-              </a:rPr>
-              <a:t>if</a:t>
-            </a:r>
-            <a:r>
-              <a:rPr lang="pt-PT" sz="1600" dirty="0">
-                <a:latin typeface="Consolas" panose="020B0609020204030204" pitchFamily="49" charset="0"/>
-                <a:cs typeface="Arial" panose="020B0604020202020204" pitchFamily="34" charset="0"/>
-              </a:rPr>
-              <a:t> 2*i+2 &lt;= </a:t>
-            </a:r>
-            <a:r>
-              <a:rPr lang="pt-PT" sz="1600" dirty="0" err="1">
-                <a:latin typeface="Consolas" panose="020B0609020204030204" pitchFamily="49" charset="0"/>
-                <a:cs typeface="Arial" panose="020B0604020202020204" pitchFamily="34" charset="0"/>
-              </a:rPr>
-              <a:t>tam</a:t>
-            </a:r>
-            <a:r>
-              <a:rPr lang="pt-PT" sz="1600" dirty="0">
-                <a:latin typeface="Consolas" panose="020B0609020204030204" pitchFamily="49" charset="0"/>
-                <a:cs typeface="Arial" panose="020B0604020202020204" pitchFamily="34" charset="0"/>
-              </a:rPr>
-              <a:t>:</a:t>
-            </a:r>
-          </a:p>
-          <a:p>
-            <a:r>
-              <a:rPr lang="pt-PT" sz="1600" dirty="0">
-                <a:latin typeface="Consolas" panose="020B0609020204030204" pitchFamily="49" charset="0"/>
-                <a:cs typeface="Arial" panose="020B0604020202020204" pitchFamily="34" charset="0"/>
-              </a:rPr>
-              <a:t>            </a:t>
-            </a:r>
-            <a:r>
-              <a:rPr lang="pt-PT" sz="1600" dirty="0" err="1">
-                <a:latin typeface="Consolas" panose="020B0609020204030204" pitchFamily="49" charset="0"/>
-                <a:cs typeface="Arial" panose="020B0604020202020204" pitchFamily="34" charset="0"/>
-              </a:rPr>
-              <a:t>G.add_edge</a:t>
-            </a:r>
-            <a:r>
-              <a:rPr lang="pt-PT" sz="1600" dirty="0">
-                <a:latin typeface="Consolas" panose="020B0609020204030204" pitchFamily="49" charset="0"/>
-                <a:cs typeface="Arial" panose="020B0604020202020204" pitchFamily="34" charset="0"/>
-              </a:rPr>
-              <a:t>(lista[i],lista[2*i+2])</a:t>
-            </a:r>
-          </a:p>
-          <a:p>
-            <a:endParaRPr lang="pt-PT" sz="1600" dirty="0">
-              <a:latin typeface="Consolas" panose="020B0609020204030204" pitchFamily="49" charset="0"/>
-              <a:cs typeface="Arial" panose="020B0604020202020204" pitchFamily="34" charset="0"/>
-            </a:endParaRPr>
-          </a:p>
-          <a:p>
-            <a:endParaRPr lang="pt-PT" sz="1600" dirty="0">
-              <a:latin typeface="Consolas" panose="020B0609020204030204" pitchFamily="49" charset="0"/>
-              <a:cs typeface="Arial" panose="020B0604020202020204" pitchFamily="34" charset="0"/>
-            </a:endParaRPr>
-          </a:p>
-          <a:p>
-            <a:r>
-              <a:rPr lang="pt-PT" sz="1600" dirty="0">
-                <a:latin typeface="Consolas" panose="020B0609020204030204" pitchFamily="49" charset="0"/>
-                <a:cs typeface="Arial" panose="020B0604020202020204" pitchFamily="34" charset="0"/>
-              </a:rPr>
-              <a:t>G = </a:t>
-            </a:r>
-            <a:r>
-              <a:rPr lang="pt-PT" sz="1600" dirty="0" err="1">
-                <a:latin typeface="Consolas" panose="020B0609020204030204" pitchFamily="49" charset="0"/>
-                <a:cs typeface="Arial" panose="020B0604020202020204" pitchFamily="34" charset="0"/>
-              </a:rPr>
-              <a:t>nx.Graph</a:t>
-            </a:r>
-            <a:r>
-              <a:rPr lang="pt-PT" sz="1600" dirty="0">
-                <a:latin typeface="Consolas" panose="020B0609020204030204" pitchFamily="49" charset="0"/>
-                <a:cs typeface="Arial" panose="020B0604020202020204" pitchFamily="34" charset="0"/>
-              </a:rPr>
-              <a:t>()</a:t>
-            </a:r>
-          </a:p>
-          <a:p>
-            <a:r>
-              <a:rPr lang="pt-PT" sz="1600" dirty="0">
-                <a:latin typeface="Consolas" panose="020B0609020204030204" pitchFamily="49" charset="0"/>
-                <a:cs typeface="Arial" panose="020B0604020202020204" pitchFamily="34" charset="0"/>
-              </a:rPr>
-              <a:t>lista = </a:t>
-            </a:r>
-            <a:r>
-              <a:rPr lang="pt-PT" sz="1600" dirty="0">
-                <a:solidFill>
-                  <a:srgbClr val="00B050"/>
-                </a:solidFill>
-                <a:latin typeface="Consolas" panose="020B0609020204030204" pitchFamily="49" charset="0"/>
-                <a:cs typeface="Arial" panose="020B0604020202020204" pitchFamily="34" charset="0"/>
-              </a:rPr>
-              <a:t>range</a:t>
-            </a:r>
-            <a:r>
-              <a:rPr lang="pt-PT" sz="1600" dirty="0">
-                <a:latin typeface="Consolas" panose="020B0609020204030204" pitchFamily="49" charset="0"/>
-                <a:cs typeface="Arial" panose="020B0604020202020204" pitchFamily="34" charset="0"/>
-              </a:rPr>
-              <a:t>(X)</a:t>
-            </a:r>
-          </a:p>
-          <a:p>
-            <a:r>
-              <a:rPr lang="pt-PT" sz="1600" dirty="0" err="1">
-                <a:latin typeface="Consolas" panose="020B0609020204030204" pitchFamily="49" charset="0"/>
-                <a:cs typeface="Arial" panose="020B0604020202020204" pitchFamily="34" charset="0"/>
-              </a:rPr>
-              <a:t>G.add_nodes_from</a:t>
-            </a:r>
-            <a:r>
-              <a:rPr lang="pt-PT" sz="1600" dirty="0">
-                <a:latin typeface="Consolas" panose="020B0609020204030204" pitchFamily="49" charset="0"/>
-                <a:cs typeface="Arial" panose="020B0604020202020204" pitchFamily="34" charset="0"/>
-              </a:rPr>
-              <a:t>(lista)</a:t>
-            </a:r>
-          </a:p>
-          <a:p>
-            <a:r>
-              <a:rPr lang="pt-PT" sz="1600" dirty="0" err="1">
-                <a:solidFill>
-                  <a:srgbClr val="36BB73"/>
-                </a:solidFill>
-                <a:latin typeface="Consolas" panose="020B0609020204030204" pitchFamily="49" charset="0"/>
-                <a:cs typeface="Arial" panose="020B0604020202020204" pitchFamily="34" charset="0"/>
-              </a:rPr>
-              <a:t>create_tree</a:t>
-            </a:r>
-            <a:r>
-              <a:rPr lang="pt-PT" sz="1600" dirty="0">
-                <a:latin typeface="Consolas" panose="020B0609020204030204" pitchFamily="49" charset="0"/>
-                <a:cs typeface="Arial" panose="020B0604020202020204" pitchFamily="34" charset="0"/>
-              </a:rPr>
-              <a:t>(lista)</a:t>
-            </a:r>
-          </a:p>
-          <a:p>
-            <a:r>
-              <a:rPr lang="pt-PT" sz="1600" dirty="0" err="1">
-                <a:latin typeface="Consolas" panose="020B0609020204030204" pitchFamily="49" charset="0"/>
-                <a:cs typeface="Arial" panose="020B0604020202020204" pitchFamily="34" charset="0"/>
-              </a:rPr>
-              <a:t>nx.draw_kamada_kawai</a:t>
-            </a:r>
-            <a:r>
-              <a:rPr lang="pt-PT" sz="1600" dirty="0">
-                <a:latin typeface="Consolas" panose="020B0609020204030204" pitchFamily="49" charset="0"/>
-                <a:cs typeface="Arial" panose="020B0604020202020204" pitchFamily="34" charset="0"/>
-              </a:rPr>
-              <a:t>(</a:t>
-            </a:r>
-            <a:r>
-              <a:rPr lang="pt-PT" sz="1600" dirty="0" err="1">
-                <a:latin typeface="Consolas" panose="020B0609020204030204" pitchFamily="49" charset="0"/>
-                <a:cs typeface="Arial" panose="020B0604020202020204" pitchFamily="34" charset="0"/>
-              </a:rPr>
-              <a:t>G,</a:t>
-            </a:r>
-            <a:r>
-              <a:rPr lang="pt-PT" sz="1600" dirty="0" err="1">
-                <a:solidFill>
-                  <a:srgbClr val="00B0F0"/>
-                </a:solidFill>
-                <a:latin typeface="Consolas" panose="020B0609020204030204" pitchFamily="49" charset="0"/>
-                <a:cs typeface="Arial" panose="020B0604020202020204" pitchFamily="34" charset="0"/>
-              </a:rPr>
-              <a:t>node_color</a:t>
-            </a:r>
-            <a:r>
-              <a:rPr lang="pt-PT" sz="1600" dirty="0">
-                <a:latin typeface="Consolas" panose="020B0609020204030204" pitchFamily="49" charset="0"/>
-                <a:cs typeface="Arial" panose="020B0604020202020204" pitchFamily="34" charset="0"/>
-              </a:rPr>
-              <a:t>=</a:t>
-            </a:r>
-            <a:r>
-              <a:rPr lang="pt-PT" sz="1600" dirty="0">
-                <a:solidFill>
-                  <a:schemeClr val="accent6">
-                    <a:lumMod val="75000"/>
-                  </a:schemeClr>
-                </a:solidFill>
-                <a:latin typeface="Consolas" panose="020B0609020204030204" pitchFamily="49" charset="0"/>
-                <a:cs typeface="Arial" panose="020B0604020202020204" pitchFamily="34" charset="0"/>
-              </a:rPr>
-              <a:t>'lime',</a:t>
-            </a:r>
-            <a:r>
-              <a:rPr lang="pt-PT" sz="1600" dirty="0" err="1">
-                <a:solidFill>
-                  <a:srgbClr val="00B0F0"/>
-                </a:solidFill>
-                <a:latin typeface="Consolas" panose="020B0609020204030204" pitchFamily="49" charset="0"/>
-                <a:cs typeface="Arial" panose="020B0604020202020204" pitchFamily="34" charset="0"/>
-              </a:rPr>
-              <a:t>node_size</a:t>
-            </a:r>
-            <a:r>
-              <a:rPr lang="pt-PT" sz="1600" dirty="0">
-                <a:latin typeface="Consolas" panose="020B0609020204030204" pitchFamily="49" charset="0"/>
-                <a:cs typeface="Arial" panose="020B0604020202020204" pitchFamily="34" charset="0"/>
-              </a:rPr>
-              <a:t>=500,</a:t>
-            </a:r>
-            <a:r>
-              <a:rPr lang="pt-PT" sz="1600" dirty="0">
-                <a:solidFill>
-                  <a:srgbClr val="00B0F0"/>
-                </a:solidFill>
-                <a:latin typeface="Consolas" panose="020B0609020204030204" pitchFamily="49" charset="0"/>
-                <a:cs typeface="Arial" panose="020B0604020202020204" pitchFamily="34" charset="0"/>
-              </a:rPr>
-              <a:t>with_labels</a:t>
-            </a:r>
-            <a:r>
-              <a:rPr lang="pt-PT" sz="1600" dirty="0">
-                <a:latin typeface="Consolas" panose="020B0609020204030204" pitchFamily="49" charset="0"/>
-                <a:cs typeface="Arial" panose="020B0604020202020204" pitchFamily="34" charset="0"/>
-              </a:rPr>
-              <a:t>=</a:t>
-            </a:r>
-            <a:r>
-              <a:rPr lang="pt-PT" sz="1600" dirty="0" err="1">
-                <a:latin typeface="Consolas" panose="020B0609020204030204" pitchFamily="49" charset="0"/>
-                <a:cs typeface="Arial" panose="020B0604020202020204" pitchFamily="34" charset="0"/>
-              </a:rPr>
-              <a:t>True</a:t>
-            </a:r>
-            <a:r>
-              <a:rPr lang="pt-PT" sz="1600" dirty="0">
-                <a:latin typeface="Consolas" panose="020B0609020204030204" pitchFamily="49" charset="0"/>
-                <a:cs typeface="Arial" panose="020B0604020202020204" pitchFamily="34" charset="0"/>
-              </a:rPr>
-              <a:t>)</a:t>
-            </a:r>
-          </a:p>
-          <a:p>
-            <a:endParaRPr lang="pt-PT" sz="1600" dirty="0">
-              <a:latin typeface="Consolas" panose="020B0609020204030204" pitchFamily="49" charset="0"/>
-              <a:cs typeface="Arial" panose="020B0604020202020204" pitchFamily="34" charset="0"/>
-            </a:endParaRPr>
-          </a:p>
-        </p:txBody>
-      </p:sp>
-    </p:spTree>
-    <p:extLst>
-      <p:ext uri="{BB962C8B-B14F-4D97-AF65-F5344CB8AC3E}">
-        <p14:creationId xmlns:p14="http://schemas.microsoft.com/office/powerpoint/2010/main" val="2364574878"/>
-      </p:ext>
-    </p:extLst>
-  </p:cSld>
-  <p:clrMapOvr>
-    <a:masterClrMapping/>
-  </p:clrMapOvr>
-</p:sld>
-</file>
-
-<file path=ppt/slides/slide8.xml><?xml version="1.0" encoding="utf-8"?>
-<p:sld xmlns:a="http://schemas.openxmlformats.org/drawingml/2006/main" xmlns:r="http://schemas.openxmlformats.org/officeDocument/2006/relationships" xmlns:p="http://schemas.openxmlformats.org/presentationml/2006/main">
-  <p:cSld>
-    <p:spTree>
-      <p:nvGrpSpPr>
-        <p:cNvPr id="1" name=""/>
-        <p:cNvGrpSpPr/>
-        <p:nvPr/>
-      </p:nvGrpSpPr>
-      <p:grpSpPr>
-        <a:xfrm>
-          <a:off x="0" y="0"/>
-          <a:ext cx="0" cy="0"/>
-          <a:chOff x="0" y="0"/>
-          <a:chExt cx="0" cy="0"/>
-        </a:xfrm>
-      </p:grpSpPr>
-      <p:sp>
-        <p:nvSpPr>
-          <p:cNvPr id="10" name="CaixaDeTexto 9">
-            <a:extLst>
-              <a:ext uri="{FF2B5EF4-FFF2-40B4-BE49-F238E27FC236}">
-                <a16:creationId xmlns:a16="http://schemas.microsoft.com/office/drawing/2014/main" id="{2BD6D9DB-2E83-4F23-A979-DB0D1E506279}"/>
-              </a:ext>
-            </a:extLst>
-          </p:cNvPr>
-          <p:cNvSpPr txBox="1"/>
-          <p:nvPr/>
-        </p:nvSpPr>
-        <p:spPr>
-          <a:xfrm>
-            <a:off x="3597572" y="1908933"/>
-            <a:ext cx="1279227" cy="400110"/>
-          </a:xfrm>
-          <a:prstGeom prst="rect">
-            <a:avLst/>
-          </a:prstGeom>
-          <a:noFill/>
-        </p:spPr>
-        <p:txBody>
-          <a:bodyPr wrap="square" rtlCol="0">
-            <a:spAutoFit/>
-          </a:bodyPr>
-          <a:lstStyle/>
-          <a:p>
-            <a:r>
-              <a:rPr lang="pt-PT" sz="2000" dirty="0">
-                <a:latin typeface="Arial" panose="020B0604020202020204" pitchFamily="34" charset="0"/>
-                <a:cs typeface="Arial" panose="020B0604020202020204" pitchFamily="34" charset="0"/>
-              </a:rPr>
-              <a:t>X = 10</a:t>
-            </a:r>
-          </a:p>
-        </p:txBody>
-      </p:sp>
-      <p:sp>
-        <p:nvSpPr>
-          <p:cNvPr id="18" name="Retângulo: Cantos Arredondados 17">
-            <a:extLst>
-              <a:ext uri="{FF2B5EF4-FFF2-40B4-BE49-F238E27FC236}">
-                <a16:creationId xmlns:a16="http://schemas.microsoft.com/office/drawing/2014/main" id="{FF34A504-7FDE-476F-8A62-4B7949468928}"/>
-              </a:ext>
-            </a:extLst>
-          </p:cNvPr>
-          <p:cNvSpPr/>
-          <p:nvPr/>
-        </p:nvSpPr>
-        <p:spPr>
-          <a:xfrm>
-            <a:off x="918561" y="1276605"/>
-            <a:ext cx="2537405" cy="1850232"/>
-          </a:xfrm>
-          <a:prstGeom prst="roundRect">
-            <a:avLst/>
-          </a:prstGeom>
-          <a:solidFill>
-            <a:schemeClr val="bg1"/>
-          </a:solidFill>
-          <a:ln>
-            <a:noFill/>
-          </a:ln>
-        </p:spPr>
-        <p:style>
-          <a:lnRef idx="2">
-            <a:schemeClr val="accent1">
-              <a:shade val="50000"/>
-            </a:schemeClr>
-          </a:lnRef>
-          <a:fillRef idx="1">
-            <a:schemeClr val="accent1"/>
-          </a:fillRef>
-          <a:effectRef idx="0">
-            <a:schemeClr val="accent1"/>
-          </a:effectRef>
-          <a:fontRef idx="minor">
-            <a:schemeClr val="lt1"/>
-          </a:fontRef>
-        </p:style>
-        <p:txBody>
-          <a:bodyPr rtlCol="0" anchor="ctr"/>
-          <a:lstStyle/>
-          <a:p>
-            <a:pPr algn="ctr"/>
-            <a:endParaRPr lang="pt-PT"/>
-          </a:p>
-        </p:txBody>
-      </p:sp>
-      <p:sp>
-        <p:nvSpPr>
-          <p:cNvPr id="12" name="object 2">
-            <a:extLst>
-              <a:ext uri="{FF2B5EF4-FFF2-40B4-BE49-F238E27FC236}">
-                <a16:creationId xmlns:a16="http://schemas.microsoft.com/office/drawing/2014/main" id="{3FB8BEF2-4FBF-456A-BB55-B3EE58FADD7D}"/>
-              </a:ext>
-            </a:extLst>
-          </p:cNvPr>
-          <p:cNvSpPr txBox="1">
-            <a:spLocks noGrp="1"/>
-          </p:cNvSpPr>
-          <p:nvPr>
-            <p:ph type="title"/>
-          </p:nvPr>
-        </p:nvSpPr>
-        <p:spPr>
-          <a:xfrm>
-            <a:off x="2868810" y="228600"/>
-            <a:ext cx="3406380" cy="461023"/>
-          </a:xfrm>
-          <a:prstGeom prst="rect">
-            <a:avLst/>
-          </a:prstGeom>
-        </p:spPr>
-        <p:txBody>
-          <a:bodyPr vert="horz" wrap="square" lIns="0" tIns="14604" rIns="0" bIns="0" rtlCol="0">
-            <a:spAutoFit/>
-          </a:bodyPr>
-          <a:lstStyle/>
-          <a:p>
-            <a:pPr marL="12700" algn="l">
-              <a:lnSpc>
-                <a:spcPct val="100000"/>
-              </a:lnSpc>
-              <a:spcBef>
-                <a:spcPts val="114"/>
-              </a:spcBef>
-            </a:pPr>
-            <a:r>
-              <a:rPr lang="pt-PT" spc="-185" dirty="0"/>
-              <a:t>Exemplo de utilização</a:t>
-            </a:r>
-            <a:endParaRPr spc="-185" dirty="0"/>
-          </a:p>
-        </p:txBody>
-      </p:sp>
-      <p:pic>
-        <p:nvPicPr>
-          <p:cNvPr id="2058" name="Picture 10">
-            <a:extLst>
-              <a:ext uri="{FF2B5EF4-FFF2-40B4-BE49-F238E27FC236}">
-                <a16:creationId xmlns:a16="http://schemas.microsoft.com/office/drawing/2014/main" id="{98432A3F-9940-4384-95BC-356F5351329D}"/>
-              </a:ext>
-            </a:extLst>
-          </p:cNvPr>
-          <p:cNvPicPr>
-            <a:picLocks noChangeAspect="1" noChangeArrowheads="1"/>
-          </p:cNvPicPr>
-          <p:nvPr/>
-        </p:nvPicPr>
-        <p:blipFill>
-          <a:blip r:embed="rId3">
-            <a:extLst>
-              <a:ext uri="{28A0092B-C50C-407E-A947-70E740481C1C}">
-                <a14:useLocalDpi xmlns:a14="http://schemas.microsoft.com/office/drawing/2010/main" val="0"/>
-              </a:ext>
-            </a:extLst>
-          </a:blip>
-          <a:srcRect/>
-          <a:stretch>
-            <a:fillRect/>
-          </a:stretch>
-        </p:blipFill>
-        <p:spPr bwMode="auto">
-          <a:xfrm>
-            <a:off x="1052548" y="1530385"/>
-            <a:ext cx="2269430" cy="1495761"/>
-          </a:xfrm>
-          <a:prstGeom prst="rect">
-            <a:avLst/>
-          </a:prstGeom>
-          <a:noFill/>
-          <a:extLst>
-            <a:ext uri="{909E8E84-426E-40DD-AFC4-6F175D3DCCD1}">
-              <a14:hiddenFill xmlns:a14="http://schemas.microsoft.com/office/drawing/2010/main">
-                <a:solidFill>
-                  <a:srgbClr val="FFFFFF"/>
-                </a:solidFill>
-              </a14:hiddenFill>
-            </a:ext>
-          </a:extLst>
-        </p:spPr>
-      </p:pic>
-    </p:spTree>
-    <p:extLst>
-      <p:ext uri="{BB962C8B-B14F-4D97-AF65-F5344CB8AC3E}">
-        <p14:creationId xmlns:p14="http://schemas.microsoft.com/office/powerpoint/2010/main" val="1102649629"/>
-      </p:ext>
-    </p:extLst>
-  </p:cSld>
-  <p:clrMapOvr>
-    <a:masterClrMapping/>
-  </p:clrMapOvr>
-  <mc:AlternateContent xmlns:mc="http://schemas.openxmlformats.org/markup-compatibility/2006" xmlns:p14="http://schemas.microsoft.com/office/powerpoint/2010/main">
-    <mc:Choice Requires="p14">
-      <p:transition spd="med" p14:dur="700">
-        <p:fade/>
-      </p:transition>
-    </mc:Choice>
-    <mc:Fallback xmlns="">
-      <p:transition spd="med">
-        <p:fade/>
-      </p:transition>
-    </mc:Fallback>
-  </mc:AlternateContent>
-</p:sld>
-</file>
-
 <file path=ppt/slides/slide9.xml><?xml version="1.0" encoding="utf-8"?>
 <p:sld xmlns:a="http://schemas.openxmlformats.org/drawingml/2006/main" xmlns:r="http://schemas.openxmlformats.org/officeDocument/2006/relationships" xmlns:p="http://schemas.openxmlformats.org/presentationml/2006/main">
   <p:cSld>
@@ -13674,45 +14102,10 @@
       </p:grpSpPr>
       <p:sp>
         <p:nvSpPr>
-          <p:cNvPr id="10" name="CaixaDeTexto 9">
+          <p:cNvPr id="4" name="Retângulo: Cantos Arredondados 3">
             <a:extLst>
               <a:ext uri="{FF2B5EF4-FFF2-40B4-BE49-F238E27FC236}">
-                <a16:creationId xmlns:a16="http://schemas.microsoft.com/office/drawing/2014/main" id="{2BD6D9DB-2E83-4F23-A979-DB0D1E506279}"/>
-              </a:ext>
-            </a:extLst>
-          </p:cNvPr>
-          <p:cNvSpPr txBox="1"/>
-          <p:nvPr/>
-        </p:nvSpPr>
-        <p:spPr>
-          <a:xfrm>
-            <a:off x="3597573" y="1908933"/>
-            <a:ext cx="990600" cy="461665"/>
-          </a:xfrm>
-          <a:prstGeom prst="rect">
-            <a:avLst/>
-          </a:prstGeom>
-          <a:noFill/>
-        </p:spPr>
-        <p:txBody>
-          <a:bodyPr wrap="square" rtlCol="0">
-            <a:spAutoFit/>
-          </a:bodyPr>
-          <a:lstStyle/>
-          <a:p>
-            <a:r>
-              <a:rPr lang="pt-PT" sz="2400" dirty="0"/>
-              <a:t>X = 10</a:t>
-            </a:r>
-          </a:p>
-        </p:txBody>
-      </p:sp>
-      <p:sp>
-        <p:nvSpPr>
-          <p:cNvPr id="18" name="Retângulo: Cantos Arredondados 17">
-            <a:extLst>
-              <a:ext uri="{FF2B5EF4-FFF2-40B4-BE49-F238E27FC236}">
-                <a16:creationId xmlns:a16="http://schemas.microsoft.com/office/drawing/2014/main" id="{FF34A504-7FDE-476F-8A62-4B7949468928}"/>
+                <a16:creationId xmlns:a16="http://schemas.microsoft.com/office/drawing/2014/main" id="{5A155CB5-D81B-41CC-BE5B-36B05B169A2A}"/>
               </a:ext>
             </a:extLst>
           </p:cNvPr>
@@ -13721,8 +14114,8 @@
         </p:nvSpPr>
         <p:spPr>
           <a:xfrm>
-            <a:off x="918561" y="1276605"/>
-            <a:ext cx="2537405" cy="1850232"/>
+            <a:off x="457200" y="1066800"/>
+            <a:ext cx="8458200" cy="4457581"/>
           </a:xfrm>
           <a:prstGeom prst="roundRect">
             <a:avLst/>
@@ -13806,233 +14199,539 @@
           </a:p>
         </p:txBody>
       </p:sp>
-      <p:pic>
-        <p:nvPicPr>
-          <p:cNvPr id="2058" name="Picture 10">
+      <p:sp>
+        <p:nvSpPr>
+          <p:cNvPr id="2" name="Retângulo 1">
             <a:extLst>
               <a:ext uri="{FF2B5EF4-FFF2-40B4-BE49-F238E27FC236}">
-                <a16:creationId xmlns:a16="http://schemas.microsoft.com/office/drawing/2014/main" id="{98432A3F-9940-4384-95BC-356F5351329D}"/>
+                <a16:creationId xmlns:a16="http://schemas.microsoft.com/office/drawing/2014/main" id="{A989D150-DEFC-4AD6-A86E-A991D131A93D}"/>
               </a:ext>
             </a:extLst>
           </p:cNvPr>
-          <p:cNvPicPr>
-            <a:picLocks noChangeAspect="1" noChangeArrowheads="1"/>
-          </p:cNvPicPr>
+          <p:cNvSpPr/>
           <p:nvPr/>
-        </p:nvPicPr>
-        <p:blipFill>
-          <a:blip r:embed="rId3">
-            <a:extLst>
-              <a:ext uri="{28A0092B-C50C-407E-A947-70E740481C1C}">
-                <a14:useLocalDpi xmlns:a14="http://schemas.microsoft.com/office/drawing/2010/main" val="0"/>
-              </a:ext>
-            </a:extLst>
-          </a:blip>
-          <a:srcRect/>
-          <a:stretch>
-            <a:fillRect/>
-          </a:stretch>
-        </p:blipFill>
-        <p:spPr bwMode="auto">
-          <a:xfrm>
-            <a:off x="1052548" y="1530385"/>
-            <a:ext cx="2269430" cy="1495761"/>
+        </p:nvSpPr>
+        <p:spPr>
+          <a:xfrm>
+            <a:off x="685800" y="1409582"/>
+            <a:ext cx="8229600" cy="3785652"/>
           </a:xfrm>
           <a:prstGeom prst="rect">
             <a:avLst/>
           </a:prstGeom>
-          <a:noFill/>
-          <a:extLst>
-            <a:ext uri="{909E8E84-426E-40DD-AFC4-6F175D3DCCD1}">
-              <a14:hiddenFill xmlns:a14="http://schemas.microsoft.com/office/drawing/2010/main">
-                <a:solidFill>
-                  <a:srgbClr val="FFFFFF"/>
-                </a:solidFill>
-              </a14:hiddenFill>
-            </a:ext>
-          </a:extLst>
-        </p:spPr>
-      </p:pic>
-      <p:grpSp>
-        <p:nvGrpSpPr>
-          <p:cNvPr id="2" name="Agrupar 1">
-            <a:extLst>
-              <a:ext uri="{FF2B5EF4-FFF2-40B4-BE49-F238E27FC236}">
-                <a16:creationId xmlns:a16="http://schemas.microsoft.com/office/drawing/2014/main" id="{6321A55E-DFAD-4B4F-A1C3-66764517F708}"/>
-              </a:ext>
-            </a:extLst>
-          </p:cNvPr>
-          <p:cNvGrpSpPr/>
-          <p:nvPr/>
-        </p:nvGrpSpPr>
-        <p:grpSpPr>
-          <a:xfrm>
-            <a:off x="1909161" y="1832389"/>
-            <a:ext cx="2601722" cy="1878539"/>
-            <a:chOff x="1143000" y="1371600"/>
-            <a:chExt cx="2601722" cy="1878539"/>
-          </a:xfrm>
-        </p:grpSpPr>
-        <p:sp>
-          <p:nvSpPr>
-            <p:cNvPr id="22" name="Retângulo: Cantos Arredondados 21">
-              <a:extLst>
-                <a:ext uri="{FF2B5EF4-FFF2-40B4-BE49-F238E27FC236}">
-                  <a16:creationId xmlns:a16="http://schemas.microsoft.com/office/drawing/2014/main" id="{91D7D628-4021-440F-B5EE-1837B4EDF8E4}"/>
-                </a:ext>
-              </a:extLst>
-            </p:cNvPr>
-            <p:cNvSpPr/>
-            <p:nvPr/>
-          </p:nvSpPr>
-          <p:spPr>
-            <a:xfrm>
-              <a:off x="1143000" y="1371600"/>
-              <a:ext cx="2601722" cy="1878539"/>
-            </a:xfrm>
-            <a:prstGeom prst="roundRect">
-              <a:avLst/>
-            </a:prstGeom>
-            <a:solidFill>
-              <a:schemeClr val="bg1"/>
-            </a:solidFill>
-            <a:ln>
-              <a:noFill/>
-            </a:ln>
-          </p:spPr>
-          <p:style>
-            <a:lnRef idx="2">
-              <a:schemeClr val="accent1">
-                <a:shade val="50000"/>
-              </a:schemeClr>
-            </a:lnRef>
-            <a:fillRef idx="1">
-              <a:schemeClr val="accent1"/>
-            </a:fillRef>
-            <a:effectRef idx="0">
-              <a:schemeClr val="accent1"/>
-            </a:effectRef>
-            <a:fontRef idx="minor">
-              <a:schemeClr val="lt1"/>
-            </a:fontRef>
-          </p:style>
-          <p:txBody>
-            <a:bodyPr rtlCol="0" anchor="ctr"/>
-            <a:lstStyle/>
-            <a:p>
-              <a:pPr algn="ctr"/>
-              <a:endParaRPr lang="pt-PT"/>
-            </a:p>
-          </p:txBody>
-        </p:sp>
-        <p:pic>
-          <p:nvPicPr>
-            <p:cNvPr id="2060" name="Picture 12">
-              <a:extLst>
-                <a:ext uri="{FF2B5EF4-FFF2-40B4-BE49-F238E27FC236}">
-                  <a16:creationId xmlns:a16="http://schemas.microsoft.com/office/drawing/2014/main" id="{A9311B19-F1ED-4998-8DDF-AE6908E07C7F}"/>
-                </a:ext>
-              </a:extLst>
-            </p:cNvPr>
-            <p:cNvPicPr>
-              <a:picLocks noChangeAspect="1" noChangeArrowheads="1"/>
-            </p:cNvPicPr>
-            <p:nvPr/>
-          </p:nvPicPr>
-          <p:blipFill>
-            <a:blip r:embed="rId4">
-              <a:extLst>
-                <a:ext uri="{28A0092B-C50C-407E-A947-70E740481C1C}">
-                  <a14:useLocalDpi xmlns:a14="http://schemas.microsoft.com/office/drawing/2010/main" val="0"/>
-                </a:ext>
-              </a:extLst>
-            </a:blip>
-            <a:srcRect/>
-            <a:stretch>
-              <a:fillRect/>
-            </a:stretch>
-          </p:blipFill>
-          <p:spPr bwMode="auto">
-            <a:xfrm>
-              <a:off x="1235363" y="1514359"/>
-              <a:ext cx="2416996" cy="1593020"/>
-            </a:xfrm>
-            <a:prstGeom prst="rect">
-              <a:avLst/>
-            </a:prstGeom>
-            <a:noFill/>
-            <a:extLst>
-              <a:ext uri="{909E8E84-426E-40DD-AFC4-6F175D3DCCD1}">
-                <a14:hiddenFill xmlns:a14="http://schemas.microsoft.com/office/drawing/2010/main">
-                  <a:solidFill>
-                    <a:srgbClr val="FFFFFF"/>
-                  </a:solidFill>
-                </a14:hiddenFill>
-              </a:ext>
-            </a:extLst>
-          </p:spPr>
-        </p:pic>
-      </p:grpSp>
-      <p:sp>
-        <p:nvSpPr>
-          <p:cNvPr id="11" name="CaixaDeTexto 10">
-            <a:extLst>
-              <a:ext uri="{FF2B5EF4-FFF2-40B4-BE49-F238E27FC236}">
-                <a16:creationId xmlns:a16="http://schemas.microsoft.com/office/drawing/2014/main" id="{2313E966-6A85-4BD0-89E8-4B75267F4DB3}"/>
-              </a:ext>
-            </a:extLst>
-          </p:cNvPr>
-          <p:cNvSpPr txBox="1"/>
-          <p:nvPr/>
-        </p:nvSpPr>
-        <p:spPr>
-          <a:xfrm>
-            <a:off x="4724400" y="2540825"/>
-            <a:ext cx="990600" cy="400110"/>
-          </a:xfrm>
-          <a:prstGeom prst="rect">
-            <a:avLst/>
-          </a:prstGeom>
-          <a:noFill/>
-        </p:spPr>
-        <p:txBody>
-          <a:bodyPr wrap="square" rtlCol="0">
+        </p:spPr>
+        <p:txBody>
+          <a:bodyPr wrap="square">
             <a:spAutoFit/>
           </a:bodyPr>
           <a:lstStyle/>
           <a:p>
             <a:r>
-              <a:rPr lang="pt-PT" sz="2000" dirty="0">
-                <a:latin typeface="Arial" panose="020B0604020202020204" pitchFamily="34" charset="0"/>
+              <a:rPr lang="pt-PT" sz="1600" dirty="0" err="1">
+                <a:solidFill>
+                  <a:srgbClr val="2A6DD0"/>
+                </a:solidFill>
+                <a:latin typeface="Consolas" panose="020B0609020204030204" pitchFamily="49" charset="0"/>
                 <a:cs typeface="Arial" panose="020B0604020202020204" pitchFamily="34" charset="0"/>
               </a:rPr>
-              <a:t>X = 20</a:t>
-            </a:r>
+              <a:t>def</a:t>
+            </a:r>
+            <a:r>
+              <a:rPr lang="pt-PT" sz="1600" dirty="0">
+                <a:latin typeface="Consolas" panose="020B0609020204030204" pitchFamily="49" charset="0"/>
+                <a:cs typeface="Arial" panose="020B0604020202020204" pitchFamily="34" charset="0"/>
+              </a:rPr>
+              <a:t> </a:t>
+            </a:r>
+            <a:r>
+              <a:rPr lang="pt-PT" sz="1600" dirty="0" err="1">
+                <a:solidFill>
+                  <a:srgbClr val="00B050"/>
+                </a:solidFill>
+                <a:latin typeface="Consolas" panose="020B0609020204030204" pitchFamily="49" charset="0"/>
+                <a:cs typeface="Arial" panose="020B0604020202020204" pitchFamily="34" charset="0"/>
+              </a:rPr>
+              <a:t>create_tree</a:t>
+            </a:r>
+            <a:r>
+              <a:rPr lang="pt-PT" sz="1600" dirty="0">
+                <a:latin typeface="Consolas" panose="020B0609020204030204" pitchFamily="49" charset="0"/>
+                <a:cs typeface="Arial" panose="020B0604020202020204" pitchFamily="34" charset="0"/>
+              </a:rPr>
+              <a:t>(</a:t>
+            </a:r>
+            <a:r>
+              <a:rPr lang="pt-PT" sz="1600" dirty="0">
+                <a:solidFill>
+                  <a:srgbClr val="00B0F0"/>
+                </a:solidFill>
+                <a:latin typeface="Consolas" panose="020B0609020204030204" pitchFamily="49" charset="0"/>
+                <a:cs typeface="Arial" panose="020B0604020202020204" pitchFamily="34" charset="0"/>
+              </a:rPr>
+              <a:t>lista</a:t>
+            </a:r>
+            <a:r>
+              <a:rPr lang="pt-PT" sz="1600" dirty="0">
+                <a:latin typeface="Consolas" panose="020B0609020204030204" pitchFamily="49" charset="0"/>
+                <a:cs typeface="Arial" panose="020B0604020202020204" pitchFamily="34" charset="0"/>
+              </a:rPr>
+              <a:t>):</a:t>
+            </a:r>
+          </a:p>
+          <a:p>
+            <a:r>
+              <a:rPr lang="pt-PT" sz="1600" dirty="0">
+                <a:latin typeface="Consolas" panose="020B0609020204030204" pitchFamily="49" charset="0"/>
+                <a:cs typeface="Arial" panose="020B0604020202020204" pitchFamily="34" charset="0"/>
+              </a:rPr>
+              <a:t>    </a:t>
+            </a:r>
+            <a:r>
+              <a:rPr lang="pt-PT" sz="1600" dirty="0" err="1">
+                <a:latin typeface="Consolas" panose="020B0609020204030204" pitchFamily="49" charset="0"/>
+                <a:cs typeface="Arial" panose="020B0604020202020204" pitchFamily="34" charset="0"/>
+              </a:rPr>
+              <a:t>tam</a:t>
+            </a:r>
+            <a:r>
+              <a:rPr lang="pt-PT" sz="1600" dirty="0">
+                <a:latin typeface="Consolas" panose="020B0609020204030204" pitchFamily="49" charset="0"/>
+                <a:cs typeface="Arial" panose="020B0604020202020204" pitchFamily="34" charset="0"/>
+              </a:rPr>
+              <a:t> = </a:t>
+            </a:r>
+            <a:r>
+              <a:rPr lang="pt-PT" sz="1600" dirty="0" err="1">
+                <a:solidFill>
+                  <a:srgbClr val="00B050"/>
+                </a:solidFill>
+                <a:latin typeface="Consolas" panose="020B0609020204030204" pitchFamily="49" charset="0"/>
+                <a:cs typeface="Arial" panose="020B0604020202020204" pitchFamily="34" charset="0"/>
+              </a:rPr>
+              <a:t>len</a:t>
+            </a:r>
+            <a:r>
+              <a:rPr lang="pt-PT" sz="1600" dirty="0">
+                <a:latin typeface="Consolas" panose="020B0609020204030204" pitchFamily="49" charset="0"/>
+                <a:cs typeface="Arial" panose="020B0604020202020204" pitchFamily="34" charset="0"/>
+              </a:rPr>
+              <a:t>(lista)-1</a:t>
+            </a:r>
+          </a:p>
+          <a:p>
+            <a:r>
+              <a:rPr lang="pt-PT" sz="1600" dirty="0">
+                <a:latin typeface="Consolas" panose="020B0609020204030204" pitchFamily="49" charset="0"/>
+                <a:cs typeface="Arial" panose="020B0604020202020204" pitchFamily="34" charset="0"/>
+              </a:rPr>
+              <a:t>    </a:t>
+            </a:r>
+            <a:r>
+              <a:rPr lang="pt-PT" sz="1600" dirty="0">
+                <a:solidFill>
+                  <a:srgbClr val="B17BAC"/>
+                </a:solidFill>
+                <a:latin typeface="Consolas" panose="020B0609020204030204" pitchFamily="49" charset="0"/>
+                <a:cs typeface="Arial" panose="020B0604020202020204" pitchFamily="34" charset="0"/>
+              </a:rPr>
+              <a:t>for</a:t>
+            </a:r>
+            <a:r>
+              <a:rPr lang="pt-PT" sz="1600" dirty="0">
+                <a:latin typeface="Consolas" panose="020B0609020204030204" pitchFamily="49" charset="0"/>
+                <a:cs typeface="Arial" panose="020B0604020202020204" pitchFamily="34" charset="0"/>
+              </a:rPr>
+              <a:t> i </a:t>
+            </a:r>
+            <a:r>
+              <a:rPr lang="pt-PT" sz="1600" dirty="0">
+                <a:solidFill>
+                  <a:srgbClr val="2A6DD0"/>
+                </a:solidFill>
+                <a:latin typeface="Consolas" panose="020B0609020204030204" pitchFamily="49" charset="0"/>
+                <a:cs typeface="Arial" panose="020B0604020202020204" pitchFamily="34" charset="0"/>
+              </a:rPr>
+              <a:t>in</a:t>
+            </a:r>
+            <a:r>
+              <a:rPr lang="pt-PT" sz="1600" dirty="0">
+                <a:latin typeface="Consolas" panose="020B0609020204030204" pitchFamily="49" charset="0"/>
+                <a:cs typeface="Arial" panose="020B0604020202020204" pitchFamily="34" charset="0"/>
+              </a:rPr>
+              <a:t> </a:t>
+            </a:r>
+            <a:r>
+              <a:rPr lang="pt-PT" sz="1600" dirty="0">
+                <a:solidFill>
+                  <a:srgbClr val="00B050"/>
+                </a:solidFill>
+                <a:latin typeface="Consolas" panose="020B0609020204030204" pitchFamily="49" charset="0"/>
+                <a:cs typeface="Arial" panose="020B0604020202020204" pitchFamily="34" charset="0"/>
+              </a:rPr>
+              <a:t>range</a:t>
+            </a:r>
+            <a:r>
+              <a:rPr lang="pt-PT" sz="1600" dirty="0">
+                <a:latin typeface="Consolas" panose="020B0609020204030204" pitchFamily="49" charset="0"/>
+                <a:cs typeface="Arial" panose="020B0604020202020204" pitchFamily="34" charset="0"/>
+              </a:rPr>
+              <a:t>(</a:t>
+            </a:r>
+            <a:r>
+              <a:rPr lang="pt-PT" sz="1600" dirty="0" err="1">
+                <a:latin typeface="Consolas" panose="020B0609020204030204" pitchFamily="49" charset="0"/>
+                <a:cs typeface="Arial" panose="020B0604020202020204" pitchFamily="34" charset="0"/>
+              </a:rPr>
+              <a:t>tam</a:t>
+            </a:r>
+            <a:r>
+              <a:rPr lang="pt-PT" sz="1600" dirty="0">
+                <a:latin typeface="Consolas" panose="020B0609020204030204" pitchFamily="49" charset="0"/>
+                <a:cs typeface="Arial" panose="020B0604020202020204" pitchFamily="34" charset="0"/>
+              </a:rPr>
+              <a:t>):</a:t>
+            </a:r>
+          </a:p>
+          <a:p>
+            <a:r>
+              <a:rPr lang="pt-PT" sz="1600" dirty="0">
+                <a:latin typeface="Consolas" panose="020B0609020204030204" pitchFamily="49" charset="0"/>
+                <a:cs typeface="Arial" panose="020B0604020202020204" pitchFamily="34" charset="0"/>
+              </a:rPr>
+              <a:t>        </a:t>
+            </a:r>
+            <a:r>
+              <a:rPr lang="pt-PT" sz="1600" dirty="0" err="1">
+                <a:solidFill>
+                  <a:srgbClr val="B17BAC"/>
+                </a:solidFill>
+                <a:latin typeface="Consolas" panose="020B0609020204030204" pitchFamily="49" charset="0"/>
+                <a:cs typeface="Arial" panose="020B0604020202020204" pitchFamily="34" charset="0"/>
+              </a:rPr>
+              <a:t>if</a:t>
+            </a:r>
+            <a:r>
+              <a:rPr lang="pt-PT" sz="1600" dirty="0">
+                <a:latin typeface="Consolas" panose="020B0609020204030204" pitchFamily="49" charset="0"/>
+                <a:cs typeface="Arial" panose="020B0604020202020204" pitchFamily="34" charset="0"/>
+              </a:rPr>
+              <a:t> 2*i+1 &lt;= </a:t>
+            </a:r>
+            <a:r>
+              <a:rPr lang="pt-PT" sz="1600" dirty="0" err="1">
+                <a:latin typeface="Consolas" panose="020B0609020204030204" pitchFamily="49" charset="0"/>
+                <a:cs typeface="Arial" panose="020B0604020202020204" pitchFamily="34" charset="0"/>
+              </a:rPr>
+              <a:t>tam</a:t>
+            </a:r>
+            <a:r>
+              <a:rPr lang="pt-PT" sz="1600" dirty="0">
+                <a:latin typeface="Consolas" panose="020B0609020204030204" pitchFamily="49" charset="0"/>
+                <a:cs typeface="Arial" panose="020B0604020202020204" pitchFamily="34" charset="0"/>
+              </a:rPr>
+              <a:t>:</a:t>
+            </a:r>
+          </a:p>
+          <a:p>
+            <a:r>
+              <a:rPr lang="pt-PT" sz="1600" dirty="0">
+                <a:latin typeface="Consolas" panose="020B0609020204030204" pitchFamily="49" charset="0"/>
+                <a:cs typeface="Arial" panose="020B0604020202020204" pitchFamily="34" charset="0"/>
+              </a:rPr>
+              <a:t>            </a:t>
+            </a:r>
+            <a:r>
+              <a:rPr lang="pt-PT" sz="1600" dirty="0" err="1">
+                <a:latin typeface="Consolas" panose="020B0609020204030204" pitchFamily="49" charset="0"/>
+                <a:cs typeface="Arial" panose="020B0604020202020204" pitchFamily="34" charset="0"/>
+              </a:rPr>
+              <a:t>G.add_edge</a:t>
+            </a:r>
+            <a:r>
+              <a:rPr lang="pt-PT" sz="1600" dirty="0">
+                <a:latin typeface="Consolas" panose="020B0609020204030204" pitchFamily="49" charset="0"/>
+                <a:cs typeface="Arial" panose="020B0604020202020204" pitchFamily="34" charset="0"/>
+              </a:rPr>
+              <a:t>(lista[i],lista[2*i+1])</a:t>
+            </a:r>
+          </a:p>
+          <a:p>
+            <a:r>
+              <a:rPr lang="pt-PT" sz="1600" dirty="0">
+                <a:latin typeface="Consolas" panose="020B0609020204030204" pitchFamily="49" charset="0"/>
+                <a:cs typeface="Arial" panose="020B0604020202020204" pitchFamily="34" charset="0"/>
+              </a:rPr>
+              <a:t>        </a:t>
+            </a:r>
+            <a:r>
+              <a:rPr lang="pt-PT" sz="1600" dirty="0" err="1">
+                <a:solidFill>
+                  <a:srgbClr val="B17BAC"/>
+                </a:solidFill>
+                <a:latin typeface="Consolas" panose="020B0609020204030204" pitchFamily="49" charset="0"/>
+                <a:cs typeface="Arial" panose="020B0604020202020204" pitchFamily="34" charset="0"/>
+              </a:rPr>
+              <a:t>if</a:t>
+            </a:r>
+            <a:r>
+              <a:rPr lang="pt-PT" sz="1600" dirty="0">
+                <a:latin typeface="Consolas" panose="020B0609020204030204" pitchFamily="49" charset="0"/>
+                <a:cs typeface="Arial" panose="020B0604020202020204" pitchFamily="34" charset="0"/>
+              </a:rPr>
+              <a:t> 2*i+2 &lt;= </a:t>
+            </a:r>
+            <a:r>
+              <a:rPr lang="pt-PT" sz="1600" dirty="0" err="1">
+                <a:latin typeface="Consolas" panose="020B0609020204030204" pitchFamily="49" charset="0"/>
+                <a:cs typeface="Arial" panose="020B0604020202020204" pitchFamily="34" charset="0"/>
+              </a:rPr>
+              <a:t>tam</a:t>
+            </a:r>
+            <a:r>
+              <a:rPr lang="pt-PT" sz="1600" dirty="0">
+                <a:latin typeface="Consolas" panose="020B0609020204030204" pitchFamily="49" charset="0"/>
+                <a:cs typeface="Arial" panose="020B0604020202020204" pitchFamily="34" charset="0"/>
+              </a:rPr>
+              <a:t>:</a:t>
+            </a:r>
+          </a:p>
+          <a:p>
+            <a:r>
+              <a:rPr lang="pt-PT" sz="1600" dirty="0">
+                <a:latin typeface="Consolas" panose="020B0609020204030204" pitchFamily="49" charset="0"/>
+                <a:cs typeface="Arial" panose="020B0604020202020204" pitchFamily="34" charset="0"/>
+              </a:rPr>
+              <a:t>            </a:t>
+            </a:r>
+            <a:r>
+              <a:rPr lang="pt-PT" sz="1600" dirty="0" err="1">
+                <a:latin typeface="Consolas" panose="020B0609020204030204" pitchFamily="49" charset="0"/>
+                <a:cs typeface="Arial" panose="020B0604020202020204" pitchFamily="34" charset="0"/>
+              </a:rPr>
+              <a:t>G.add_edge</a:t>
+            </a:r>
+            <a:r>
+              <a:rPr lang="pt-PT" sz="1600" dirty="0">
+                <a:latin typeface="Consolas" panose="020B0609020204030204" pitchFamily="49" charset="0"/>
+                <a:cs typeface="Arial" panose="020B0604020202020204" pitchFamily="34" charset="0"/>
+              </a:rPr>
+              <a:t>(lista[i],lista[2*i+2])</a:t>
+            </a:r>
+          </a:p>
+          <a:p>
+            <a:endParaRPr lang="pt-PT" sz="1600" dirty="0">
+              <a:latin typeface="Consolas" panose="020B0609020204030204" pitchFamily="49" charset="0"/>
+              <a:cs typeface="Arial" panose="020B0604020202020204" pitchFamily="34" charset="0"/>
+            </a:endParaRPr>
+          </a:p>
+          <a:p>
+            <a:endParaRPr lang="pt-PT" sz="1600" dirty="0">
+              <a:latin typeface="Consolas" panose="020B0609020204030204" pitchFamily="49" charset="0"/>
+              <a:cs typeface="Arial" panose="020B0604020202020204" pitchFamily="34" charset="0"/>
+            </a:endParaRPr>
+          </a:p>
+          <a:p>
+            <a:r>
+              <a:rPr lang="pt-PT" sz="1600" dirty="0">
+                <a:latin typeface="Consolas" panose="020B0609020204030204" pitchFamily="49" charset="0"/>
+                <a:cs typeface="Arial" panose="020B0604020202020204" pitchFamily="34" charset="0"/>
+              </a:rPr>
+              <a:t>G = </a:t>
+            </a:r>
+            <a:r>
+              <a:rPr lang="pt-PT" sz="1600" dirty="0" err="1">
+                <a:latin typeface="Consolas" panose="020B0609020204030204" pitchFamily="49" charset="0"/>
+                <a:cs typeface="Arial" panose="020B0604020202020204" pitchFamily="34" charset="0"/>
+              </a:rPr>
+              <a:t>nx.Graph</a:t>
+            </a:r>
+            <a:r>
+              <a:rPr lang="pt-PT" sz="1600" dirty="0">
+                <a:latin typeface="Consolas" panose="020B0609020204030204" pitchFamily="49" charset="0"/>
+                <a:cs typeface="Arial" panose="020B0604020202020204" pitchFamily="34" charset="0"/>
+              </a:rPr>
+              <a:t>()</a:t>
+            </a:r>
+          </a:p>
+          <a:p>
+            <a:r>
+              <a:rPr lang="pt-PT" sz="1600" dirty="0">
+                <a:latin typeface="Consolas" panose="020B0609020204030204" pitchFamily="49" charset="0"/>
+                <a:cs typeface="Arial" panose="020B0604020202020204" pitchFamily="34" charset="0"/>
+              </a:rPr>
+              <a:t>lista = </a:t>
+            </a:r>
+            <a:r>
+              <a:rPr lang="pt-PT" sz="1600" dirty="0">
+                <a:solidFill>
+                  <a:srgbClr val="00B050"/>
+                </a:solidFill>
+                <a:latin typeface="Consolas" panose="020B0609020204030204" pitchFamily="49" charset="0"/>
+                <a:cs typeface="Arial" panose="020B0604020202020204" pitchFamily="34" charset="0"/>
+              </a:rPr>
+              <a:t>range</a:t>
+            </a:r>
+            <a:r>
+              <a:rPr lang="pt-PT" sz="1600" dirty="0">
+                <a:latin typeface="Consolas" panose="020B0609020204030204" pitchFamily="49" charset="0"/>
+                <a:cs typeface="Arial" panose="020B0604020202020204" pitchFamily="34" charset="0"/>
+              </a:rPr>
+              <a:t>(X)</a:t>
+            </a:r>
+          </a:p>
+          <a:p>
+            <a:r>
+              <a:rPr lang="pt-PT" sz="1600" dirty="0" err="1">
+                <a:latin typeface="Consolas" panose="020B0609020204030204" pitchFamily="49" charset="0"/>
+                <a:cs typeface="Arial" panose="020B0604020202020204" pitchFamily="34" charset="0"/>
+              </a:rPr>
+              <a:t>G.add_nodes_from</a:t>
+            </a:r>
+            <a:r>
+              <a:rPr lang="pt-PT" sz="1600" dirty="0">
+                <a:latin typeface="Consolas" panose="020B0609020204030204" pitchFamily="49" charset="0"/>
+                <a:cs typeface="Arial" panose="020B0604020202020204" pitchFamily="34" charset="0"/>
+              </a:rPr>
+              <a:t>(lista)</a:t>
+            </a:r>
+          </a:p>
+          <a:p>
+            <a:r>
+              <a:rPr lang="pt-PT" sz="1600" dirty="0" err="1">
+                <a:solidFill>
+                  <a:srgbClr val="36BB73"/>
+                </a:solidFill>
+                <a:latin typeface="Consolas" panose="020B0609020204030204" pitchFamily="49" charset="0"/>
+                <a:cs typeface="Arial" panose="020B0604020202020204" pitchFamily="34" charset="0"/>
+              </a:rPr>
+              <a:t>create_tree</a:t>
+            </a:r>
+            <a:r>
+              <a:rPr lang="pt-PT" sz="1600" dirty="0">
+                <a:latin typeface="Consolas" panose="020B0609020204030204" pitchFamily="49" charset="0"/>
+                <a:cs typeface="Arial" panose="020B0604020202020204" pitchFamily="34" charset="0"/>
+              </a:rPr>
+              <a:t>(lista)</a:t>
+            </a:r>
+          </a:p>
+          <a:p>
+            <a:r>
+              <a:rPr lang="pt-PT" sz="1600" dirty="0" err="1">
+                <a:latin typeface="Consolas" panose="020B0609020204030204" pitchFamily="49" charset="0"/>
+                <a:cs typeface="Arial" panose="020B0604020202020204" pitchFamily="34" charset="0"/>
+              </a:rPr>
+              <a:t>nx.draw_kamada_kawai</a:t>
+            </a:r>
+            <a:r>
+              <a:rPr lang="pt-PT" sz="1600" dirty="0">
+                <a:latin typeface="Consolas" panose="020B0609020204030204" pitchFamily="49" charset="0"/>
+                <a:cs typeface="Arial" panose="020B0604020202020204" pitchFamily="34" charset="0"/>
+              </a:rPr>
+              <a:t>(</a:t>
+            </a:r>
+            <a:r>
+              <a:rPr lang="pt-PT" sz="1600" dirty="0" err="1">
+                <a:latin typeface="Consolas" panose="020B0609020204030204" pitchFamily="49" charset="0"/>
+                <a:cs typeface="Arial" panose="020B0604020202020204" pitchFamily="34" charset="0"/>
+              </a:rPr>
+              <a:t>G,</a:t>
+            </a:r>
+            <a:r>
+              <a:rPr lang="pt-PT" sz="1600" dirty="0" err="1">
+                <a:solidFill>
+                  <a:srgbClr val="00B0F0"/>
+                </a:solidFill>
+                <a:latin typeface="Consolas" panose="020B0609020204030204" pitchFamily="49" charset="0"/>
+                <a:cs typeface="Arial" panose="020B0604020202020204" pitchFamily="34" charset="0"/>
+              </a:rPr>
+              <a:t>node_color</a:t>
+            </a:r>
+            <a:r>
+              <a:rPr lang="pt-PT" sz="1600" dirty="0">
+                <a:latin typeface="Consolas" panose="020B0609020204030204" pitchFamily="49" charset="0"/>
+                <a:cs typeface="Arial" panose="020B0604020202020204" pitchFamily="34" charset="0"/>
+              </a:rPr>
+              <a:t>=</a:t>
+            </a:r>
+            <a:r>
+              <a:rPr lang="pt-PT" sz="1600" dirty="0">
+                <a:solidFill>
+                  <a:schemeClr val="accent6">
+                    <a:lumMod val="75000"/>
+                  </a:schemeClr>
+                </a:solidFill>
+                <a:latin typeface="Consolas" panose="020B0609020204030204" pitchFamily="49" charset="0"/>
+                <a:cs typeface="Arial" panose="020B0604020202020204" pitchFamily="34" charset="0"/>
+              </a:rPr>
+              <a:t>'lime',</a:t>
+            </a:r>
+            <a:r>
+              <a:rPr lang="pt-PT" sz="1600" dirty="0" err="1">
+                <a:solidFill>
+                  <a:srgbClr val="00B0F0"/>
+                </a:solidFill>
+                <a:latin typeface="Consolas" panose="020B0609020204030204" pitchFamily="49" charset="0"/>
+                <a:cs typeface="Arial" panose="020B0604020202020204" pitchFamily="34" charset="0"/>
+              </a:rPr>
+              <a:t>node_size</a:t>
+            </a:r>
+            <a:r>
+              <a:rPr lang="pt-PT" sz="1600" dirty="0">
+                <a:latin typeface="Consolas" panose="020B0609020204030204" pitchFamily="49" charset="0"/>
+                <a:cs typeface="Arial" panose="020B0604020202020204" pitchFamily="34" charset="0"/>
+              </a:rPr>
+              <a:t>=500,</a:t>
+            </a:r>
+            <a:r>
+              <a:rPr lang="pt-PT" sz="1600" dirty="0">
+                <a:solidFill>
+                  <a:srgbClr val="00B0F0"/>
+                </a:solidFill>
+                <a:latin typeface="Consolas" panose="020B0609020204030204" pitchFamily="49" charset="0"/>
+                <a:cs typeface="Arial" panose="020B0604020202020204" pitchFamily="34" charset="0"/>
+              </a:rPr>
+              <a:t>with_labels</a:t>
+            </a:r>
+            <a:r>
+              <a:rPr lang="pt-PT" sz="1600" dirty="0">
+                <a:latin typeface="Consolas" panose="020B0609020204030204" pitchFamily="49" charset="0"/>
+                <a:cs typeface="Arial" panose="020B0604020202020204" pitchFamily="34" charset="0"/>
+              </a:rPr>
+              <a:t>=</a:t>
+            </a:r>
+            <a:r>
+              <a:rPr lang="pt-PT" sz="1600" dirty="0" err="1">
+                <a:latin typeface="Consolas" panose="020B0609020204030204" pitchFamily="49" charset="0"/>
+                <a:cs typeface="Arial" panose="020B0604020202020204" pitchFamily="34" charset="0"/>
+              </a:rPr>
+              <a:t>True</a:t>
+            </a:r>
+            <a:r>
+              <a:rPr lang="pt-PT" sz="1600" dirty="0">
+                <a:latin typeface="Consolas" panose="020B0609020204030204" pitchFamily="49" charset="0"/>
+                <a:cs typeface="Arial" panose="020B0604020202020204" pitchFamily="34" charset="0"/>
+              </a:rPr>
+              <a:t>)</a:t>
+            </a:r>
+          </a:p>
+          <a:p>
+            <a:endParaRPr lang="pt-PT" sz="1600" dirty="0">
+              <a:latin typeface="Consolas" panose="020B0609020204030204" pitchFamily="49" charset="0"/>
+              <a:cs typeface="Arial" panose="020B0604020202020204" pitchFamily="34" charset="0"/>
+            </a:endParaRPr>
           </a:p>
         </p:txBody>
       </p:sp>
     </p:spTree>
     <p:extLst>
       <p:ext uri="{BB962C8B-B14F-4D97-AF65-F5344CB8AC3E}">
-        <p14:creationId xmlns:p14="http://schemas.microsoft.com/office/powerpoint/2010/main" val="1347707633"/>
+        <p14:creationId xmlns:p14="http://schemas.microsoft.com/office/powerpoint/2010/main" val="2364574878"/>
       </p:ext>
     </p:extLst>
   </p:cSld>
   <p:clrMapOvr>
     <a:masterClrMapping/>
   </p:clrMapOvr>
-  <mc:AlternateContent xmlns:mc="http://schemas.openxmlformats.org/markup-compatibility/2006" xmlns:p14="http://schemas.microsoft.com/office/powerpoint/2010/main">
-    <mc:Choice Requires="p14">
-      <p:transition spd="med" p14:dur="700">
-        <p:fade/>
-      </p:transition>
-    </mc:Choice>
-    <mc:Fallback xmlns="">
-      <p:transition spd="med">
-        <p:fade/>
-      </p:transition>
-    </mc:Fallback>
-  </mc:AlternateContent>
 </p:sld>
 </file>
 

--- a/SPLN/tp2/apresSPLN.pptx
+++ b/SPLN/tp2/apresSPLN.pptx
@@ -1217,6 +1217,67 @@
           <a:bodyPr/>
           <a:lstStyle/>
           <a:p>
+            <a:r>
+              <a:rPr lang="pt-PT" sz="1200" b="0" i="0" kern="1200" dirty="0">
+                <a:solidFill>
+                  <a:schemeClr val="tx1"/>
+                </a:solidFill>
+                <a:effectLst/>
+                <a:latin typeface="+mn-lt"/>
+                <a:ea typeface="+mn-ea"/>
+                <a:cs typeface="+mn-cs"/>
+              </a:rPr>
+              <a:t> o </a:t>
+            </a:r>
+            <a:r>
+              <a:rPr lang="pt-PT" sz="1200" b="1" i="0" kern="1200" dirty="0">
+                <a:solidFill>
+                  <a:schemeClr val="tx1"/>
+                </a:solidFill>
+                <a:effectLst/>
+                <a:latin typeface="+mn-lt"/>
+                <a:ea typeface="+mn-ea"/>
+                <a:cs typeface="+mn-cs"/>
+              </a:rPr>
+              <a:t>grafo de Petersen</a:t>
+            </a:r>
+            <a:r>
+              <a:rPr lang="pt-PT" sz="1200" b="0" i="0" kern="1200" dirty="0">
+                <a:solidFill>
+                  <a:schemeClr val="tx1"/>
+                </a:solidFill>
+                <a:effectLst/>
+                <a:latin typeface="+mn-lt"/>
+                <a:ea typeface="+mn-ea"/>
+                <a:cs typeface="+mn-cs"/>
+              </a:rPr>
+              <a:t> é um </a:t>
+            </a:r>
+            <a:r>
+              <a:rPr lang="pt-PT" sz="1200" b="0" i="0" u="none" strike="noStrike" kern="1200" dirty="0">
+                <a:solidFill>
+                  <a:schemeClr val="tx1"/>
+                </a:solidFill>
+                <a:effectLst/>
+                <a:latin typeface="+mn-lt"/>
+                <a:ea typeface="+mn-ea"/>
+                <a:cs typeface="+mn-cs"/>
+                <a:hlinkClick r:id="rId3" tooltip="Grafo"/>
+              </a:rPr>
+              <a:t>grafo</a:t>
+            </a:r>
+            <a:r>
+              <a:rPr lang="pt-PT" sz="1200" b="0" i="0" kern="1200" dirty="0">
+                <a:solidFill>
+                  <a:schemeClr val="tx1"/>
+                </a:solidFill>
+                <a:effectLst/>
+                <a:latin typeface="+mn-lt"/>
+                <a:ea typeface="+mn-ea"/>
+                <a:cs typeface="+mn-cs"/>
+              </a:rPr>
+              <a:t> não-orientado com 10 vértices e 15 arestas</a:t>
+            </a:r>
             <a:endParaRPr lang="pt-PT" dirty="0"/>
           </a:p>
         </p:txBody>
@@ -1301,6 +1362,84 @@
           <a:bodyPr/>
           <a:lstStyle/>
           <a:p>
+            <a:pPr marL="0" marR="0" lvl="0" indent="0" algn="l" defTabSz="914400" rtl="0" eaLnBrk="1" fontAlgn="auto" latinLnBrk="0" hangingPunct="1">
+              <a:lnSpc>
+                <a:spcPct val="100000"/>
+              </a:lnSpc>
+              <a:spcBef>
+                <a:spcPts val="0"/>
+              </a:spcBef>
+              <a:spcAft>
+                <a:spcPts val="0"/>
+              </a:spcAft>
+              <a:buClrTx/>
+              <a:buSzTx/>
+              <a:buFontTx/>
+              <a:buNone/>
+              <a:tabLst/>
+              <a:defRPr/>
+            </a:pPr>
+            <a:r>
+              <a:rPr lang="pt-PT" sz="1200" b="0" i="0" kern="1200" dirty="0">
+                <a:solidFill>
+                  <a:schemeClr val="tx1"/>
+                </a:solidFill>
+                <a:effectLst/>
+                <a:latin typeface="+mn-lt"/>
+                <a:ea typeface="+mn-ea"/>
+                <a:cs typeface="+mn-cs"/>
+              </a:rPr>
+              <a:t> o </a:t>
+            </a:r>
+            <a:r>
+              <a:rPr lang="pt-PT" sz="1200" b="1" i="0" kern="1200" dirty="0">
+                <a:solidFill>
+                  <a:schemeClr val="tx1"/>
+                </a:solidFill>
+                <a:effectLst/>
+                <a:latin typeface="+mn-lt"/>
+                <a:ea typeface="+mn-ea"/>
+                <a:cs typeface="+mn-cs"/>
+              </a:rPr>
+              <a:t>grafo de Petersen</a:t>
+            </a:r>
+            <a:r>
+              <a:rPr lang="pt-PT" sz="1200" b="0" i="0" kern="1200" dirty="0">
+                <a:solidFill>
+                  <a:schemeClr val="tx1"/>
+                </a:solidFill>
+                <a:effectLst/>
+                <a:latin typeface="+mn-lt"/>
+                <a:ea typeface="+mn-ea"/>
+                <a:cs typeface="+mn-cs"/>
+              </a:rPr>
+              <a:t> é um </a:t>
+            </a:r>
+            <a:r>
+              <a:rPr lang="pt-PT" sz="1200" b="0" i="0" u="none" strike="noStrike" kern="1200" dirty="0">
+                <a:solidFill>
+                  <a:schemeClr val="tx1"/>
+                </a:solidFill>
+                <a:effectLst/>
+                <a:latin typeface="+mn-lt"/>
+                <a:ea typeface="+mn-ea"/>
+                <a:cs typeface="+mn-cs"/>
+                <a:hlinkClick r:id="rId3" tooltip="Grafo"/>
+              </a:rPr>
+              <a:t>grafo</a:t>
+            </a:r>
+            <a:r>
+              <a:rPr lang="pt-PT" sz="1200" b="0" i="0" kern="1200" dirty="0">
+                <a:solidFill>
+                  <a:schemeClr val="tx1"/>
+                </a:solidFill>
+                <a:effectLst/>
+                <a:latin typeface="+mn-lt"/>
+                <a:ea typeface="+mn-ea"/>
+                <a:cs typeface="+mn-cs"/>
+              </a:rPr>
+              <a:t> não-orientado com 10 vértices e 15 arestas</a:t>
+            </a:r>
             <a:endParaRPr lang="pt-PT" dirty="0"/>
           </a:p>
         </p:txBody>
@@ -3293,7 +3432,7 @@
         </p:nvSpPr>
         <p:spPr>
           <a:xfrm>
-            <a:off x="5334000" y="5717724"/>
+            <a:off x="5334000" y="5486400"/>
             <a:ext cx="2743200" cy="683329"/>
           </a:xfrm>
           <a:prstGeom prst="rect">
@@ -5692,61 +5831,6 @@
           <a:chExt cx="0" cy="0"/>
         </a:xfrm>
       </p:grpSpPr>
-      <p:sp>
-        <p:nvSpPr>
-          <p:cNvPr id="3" name="object 2">
-            <a:extLst>
-              <a:ext uri="{FF2B5EF4-FFF2-40B4-BE49-F238E27FC236}">
-                <a16:creationId xmlns:a16="http://schemas.microsoft.com/office/drawing/2014/main" id="{6F0730CB-7564-49D9-9E3D-721F27D4FBB3}"/>
-              </a:ext>
-            </a:extLst>
-          </p:cNvPr>
-          <p:cNvSpPr txBox="1">
-            <a:spLocks noGrp="1"/>
-          </p:cNvSpPr>
-          <p:nvPr>
-            <p:ph type="title"/>
-          </p:nvPr>
-        </p:nvSpPr>
-        <p:spPr>
-          <a:xfrm>
-            <a:off x="3414947" y="203235"/>
-            <a:ext cx="2312790" cy="461023"/>
-          </a:xfrm>
-          <a:prstGeom prst="rect">
-            <a:avLst/>
-          </a:prstGeom>
-        </p:spPr>
-        <p:txBody>
-          <a:bodyPr vert="horz" wrap="square" lIns="0" tIns="14604" rIns="0" bIns="0" rtlCol="0">
-            <a:spAutoFit/>
-          </a:bodyPr>
-          <a:lstStyle/>
-          <a:p>
-            <a:pPr marL="12700" algn="l">
-              <a:lnSpc>
-                <a:spcPct val="100000"/>
-              </a:lnSpc>
-              <a:spcBef>
-                <a:spcPts val="114"/>
-              </a:spcBef>
-            </a:pPr>
-            <a:r>
-              <a:rPr lang="pt-PT" spc="-185" dirty="0">
-                <a:solidFill>
-                  <a:srgbClr val="2C647C"/>
-                </a:solidFill>
-              </a:rPr>
-              <a:t>Exemplo NLP</a:t>
-            </a:r>
-            <a:endParaRPr spc="-185" dirty="0">
-              <a:solidFill>
-                <a:srgbClr val="2C647C"/>
-              </a:solidFill>
-            </a:endParaRPr>
-          </a:p>
-        </p:txBody>
-      </p:sp>
       <p:grpSp>
         <p:nvGrpSpPr>
           <p:cNvPr id="22" name="Agrupar 21">
@@ -5816,14 +5900,14 @@
             <a:p>
               <a:pPr algn="ctr"/>
               <a:r>
-                <a:rPr lang="pt-PT" sz="1700" dirty="0" err="1">
+                <a:rPr lang="pt-PT" sz="1700" dirty="0">
                   <a:solidFill>
                     <a:srgbClr val="24292E"/>
                   </a:solidFill>
                   <a:latin typeface="Arial" panose="020B0604020202020204" pitchFamily="34" charset="0"/>
                   <a:cs typeface="Arial" panose="020B0604020202020204" pitchFamily="34" charset="0"/>
                 </a:rPr>
-                <a:t>Taggers</a:t>
+                <a:t>Pickle</a:t>
               </a:r>
               <a:endParaRPr lang="pt-PT" sz="1700" dirty="0">
                 <a:latin typeface="Arial" panose="020B0604020202020204" pitchFamily="34" charset="0"/>
@@ -6433,8 +6517,8 @@
           </p:nvSpPr>
           <p:spPr>
             <a:xfrm>
-              <a:off x="3321604" y="2403117"/>
-              <a:ext cx="1225234" cy="386500"/>
+              <a:off x="3321603" y="2403117"/>
+              <a:ext cx="1773307" cy="386500"/>
             </a:xfrm>
             <a:prstGeom prst="roundRect">
               <a:avLst/>
@@ -6468,14 +6552,14 @@
             <a:p>
               <a:pPr algn="ctr"/>
               <a:r>
-                <a:rPr lang="pt-PT" sz="1700" dirty="0">
+                <a:rPr lang="pt-PT" sz="1700" dirty="0" err="1">
                   <a:solidFill>
                     <a:srgbClr val="24292E"/>
                   </a:solidFill>
                   <a:latin typeface="Arial" panose="020B0604020202020204" pitchFamily="34" charset="0"/>
                   <a:cs typeface="Arial" panose="020B0604020202020204" pitchFamily="34" charset="0"/>
                 </a:rPr>
-                <a:t>Pickle</a:t>
+                <a:t>Tagged.tagged</a:t>
               </a:r>
               <a:endParaRPr lang="pt-PT" sz="1700" dirty="0">
                 <a:latin typeface="Arial" panose="020B0604020202020204" pitchFamily="34" charset="0"/>
@@ -6485,6 +6569,53 @@
           </p:txBody>
         </p:sp>
       </p:grpSp>
+      <p:sp>
+        <p:nvSpPr>
+          <p:cNvPr id="23" name="object 2">
+            <a:extLst>
+              <a:ext uri="{FF2B5EF4-FFF2-40B4-BE49-F238E27FC236}">
+                <a16:creationId xmlns:a16="http://schemas.microsoft.com/office/drawing/2014/main" id="{790B6D33-48D3-47D8-ACEC-23E2FE8800B9}"/>
+              </a:ext>
+            </a:extLst>
+          </p:cNvPr>
+          <p:cNvSpPr txBox="1">
+            <a:spLocks noGrp="1"/>
+          </p:cNvSpPr>
+          <p:nvPr>
+            <p:ph type="title"/>
+          </p:nvPr>
+        </p:nvSpPr>
+        <p:spPr>
+          <a:xfrm>
+            <a:off x="3415605" y="186296"/>
+            <a:ext cx="2312790" cy="461023"/>
+          </a:xfrm>
+          <a:prstGeom prst="rect">
+            <a:avLst/>
+          </a:prstGeom>
+        </p:spPr>
+        <p:txBody>
+          <a:bodyPr vert="horz" wrap="square" lIns="0" tIns="14604" rIns="0" bIns="0" rtlCol="0">
+            <a:spAutoFit/>
+          </a:bodyPr>
+          <a:lstStyle/>
+          <a:p>
+            <a:pPr marL="12700" algn="l">
+              <a:lnSpc>
+                <a:spcPct val="100000"/>
+              </a:lnSpc>
+              <a:spcBef>
+                <a:spcPts val="114"/>
+              </a:spcBef>
+            </a:pPr>
+            <a:r>
+              <a:rPr lang="pt-PT" spc="-185" dirty="0"/>
+              <a:t>Exemplo NLP</a:t>
+            </a:r>
+            <a:endParaRPr spc="-185" dirty="0"/>
+          </a:p>
+        </p:txBody>
+      </p:sp>
     </p:spTree>
     <p:extLst>
       <p:ext uri="{BB962C8B-B14F-4D97-AF65-F5344CB8AC3E}">
@@ -10649,7 +10780,7 @@
         </p:nvSpPr>
         <p:spPr>
           <a:xfrm>
-            <a:off x="2564009" y="1489493"/>
+            <a:off x="2564009" y="1371600"/>
             <a:ext cx="4015977" cy="1828800"/>
           </a:xfrm>
           <a:prstGeom prst="roundRect">
@@ -10701,7 +10832,7 @@
         </p:nvSpPr>
         <p:spPr>
           <a:xfrm>
-            <a:off x="2900089" y="1736599"/>
+            <a:off x="2900089" y="1618706"/>
             <a:ext cx="3343815" cy="1446550"/>
           </a:xfrm>
           <a:prstGeom prst="rect">
@@ -10850,7 +10981,7 @@
         </p:blipFill>
         <p:spPr bwMode="auto">
           <a:xfrm>
-            <a:off x="2330918" y="3526767"/>
+            <a:off x="2678307" y="3447506"/>
             <a:ext cx="3787377" cy="2524918"/>
           </a:xfrm>
           <a:prstGeom prst="rect">
